--- a/VHT.pptx
+++ b/VHT.pptx
@@ -5,7 +5,7 @@
     <p:sldMasterId id="2147483762" r:id="rId1"/>
   </p:sldMasterIdLst>
   <p:notesMasterIdLst>
-    <p:notesMasterId r:id="rId26"/>
+    <p:notesMasterId r:id="rId28"/>
   </p:notesMasterIdLst>
   <p:sldIdLst>
     <p:sldId id="256" r:id="rId2"/>
@@ -30,8 +30,10 @@
     <p:sldId id="278" r:id="rId21"/>
     <p:sldId id="279" r:id="rId22"/>
     <p:sldId id="265" r:id="rId23"/>
-    <p:sldId id="266" r:id="rId24"/>
-    <p:sldId id="267" r:id="rId25"/>
+    <p:sldId id="281" r:id="rId24"/>
+    <p:sldId id="280" r:id="rId25"/>
+    <p:sldId id="266" r:id="rId26"/>
+    <p:sldId id="267" r:id="rId27"/>
   </p:sldIdLst>
   <p:sldSz cx="12192000" cy="6858000"/>
   <p:notesSz cx="6858000" cy="9144000"/>
@@ -130,6 +132,11 @@
       </a:defRPr>
     </a:lvl9pPr>
   </p:defaultTextStyle>
+  <p:extLst>
+    <p:ext uri="{EFAFB233-063F-42B5-8137-9DF3F51BA10A}">
+      <p15:sldGuideLst xmlns:p15="http://schemas.microsoft.com/office/powerpoint/2012/main"/>
+    </p:ext>
+  </p:extLst>
 </p:presentation>
 </file>
 
@@ -1804,7 +1811,7 @@
           <a:p>
             <a:fld id="{D04A47DB-1F8B-496C-952E-53D0A0D3ABF6}" type="slidenum">
               <a:rPr lang="en-US" smtClean="0"/>
-              <a:t>23</a:t>
+              <a:t>25</a:t>
             </a:fld>
             <a:endParaRPr lang="en-US"/>
           </a:p>
@@ -1913,7 +1920,7 @@
           <a:p>
             <a:fld id="{D04A47DB-1F8B-496C-952E-53D0A0D3ABF6}" type="slidenum">
               <a:rPr lang="en-US" smtClean="0"/>
-              <a:t>24</a:t>
+              <a:t>26</a:t>
             </a:fld>
             <a:endParaRPr lang="en-US"/>
           </a:p>
@@ -6555,8 +6562,8 @@
         </p:nvSpPr>
         <p:spPr>
           <a:xfrm>
-            <a:off x="5369910" y="3215514"/>
-            <a:ext cx="103105" cy="2641599"/>
+            <a:off x="5436171" y="3228766"/>
+            <a:ext cx="45719" cy="2800973"/>
           </a:xfrm>
           <a:prstGeom prst="rect">
             <a:avLst/>
@@ -6611,7 +6618,7 @@
           <a:lstStyle/>
           <a:p>
             <a:r>
-              <a:rPr lang="en-US" sz="2400" dirty="0" smtClean="0">
+              <a:rPr lang="en-US" sz="2400" i="1" dirty="0" smtClean="0">
                 <a:latin typeface="Cambria" panose="02040503050406030204" pitchFamily="18" charset="0"/>
               </a:rPr>
               <a:t>Supervisor</a:t>
@@ -6619,20 +6626,17 @@
           </a:p>
           <a:p>
             <a:r>
-              <a:rPr lang="en-US" sz="2400" dirty="0" smtClean="0">
+              <a:rPr lang="en-US" sz="2400" i="1" dirty="0" smtClean="0">
                 <a:latin typeface="Cambria" panose="02040503050406030204" pitchFamily="18" charset="0"/>
               </a:rPr>
               <a:t>Group </a:t>
             </a:r>
             <a:r>
-              <a:rPr lang="en-US" sz="2400" dirty="0">
+              <a:rPr lang="en-US" sz="2400" i="1" dirty="0">
                 <a:latin typeface="Cambria" pitchFamily="18" charset="0"/>
               </a:rPr>
               <a:t>Member</a:t>
             </a:r>
-            <a:endParaRPr lang="en-US" sz="2400" dirty="0">
-              <a:latin typeface="Cambria" pitchFamily="18" charset="0"/>
-            </a:endParaRPr>
           </a:p>
         </p:txBody>
       </p:sp>
@@ -6676,13 +6680,13 @@
   <p:clrMapOvr>
     <a:masterClrMapping/>
   </p:clrMapOvr>
-  <mc:AlternateContent xmlns:mc="http://schemas.openxmlformats.org/markup-compatibility/2006">
-    <mc:Choice xmlns:p14="http://schemas.microsoft.com/office/powerpoint/2010/main" Requires="p14">
+  <mc:AlternateContent xmlns:mc="http://schemas.openxmlformats.org/markup-compatibility/2006" xmlns:p14="http://schemas.microsoft.com/office/powerpoint/2010/main">
+    <mc:Choice Requires="p14">
       <p:transition spd="med" p14:dur="700">
         <p:fade/>
       </p:transition>
     </mc:Choice>
-    <mc:Fallback>
+    <mc:Fallback xmlns="">
       <p:transition spd="med">
         <p:fade/>
       </p:transition>
@@ -7096,13 +7100,13 @@
   <p:clrMapOvr>
     <a:masterClrMapping/>
   </p:clrMapOvr>
-  <mc:AlternateContent xmlns:mc="http://schemas.openxmlformats.org/markup-compatibility/2006">
-    <mc:Choice xmlns:p14="http://schemas.microsoft.com/office/powerpoint/2010/main" Requires="p14">
+  <mc:AlternateContent xmlns:mc="http://schemas.openxmlformats.org/markup-compatibility/2006" xmlns:p14="http://schemas.microsoft.com/office/powerpoint/2010/main">
+    <mc:Choice Requires="p14">
       <p:transition spd="med" p14:dur="700">
         <p:fade/>
       </p:transition>
     </mc:Choice>
-    <mc:Fallback>
+    <mc:Fallback xmlns="">
       <p:transition spd="med">
         <p:fade/>
       </p:transition>
@@ -7288,13 +7292,13 @@
   <p:clrMapOvr>
     <a:masterClrMapping/>
   </p:clrMapOvr>
-  <mc:AlternateContent xmlns:mc="http://schemas.openxmlformats.org/markup-compatibility/2006">
-    <mc:Choice xmlns:p14="http://schemas.microsoft.com/office/powerpoint/2010/main" Requires="p14">
+  <mc:AlternateContent xmlns:mc="http://schemas.openxmlformats.org/markup-compatibility/2006" xmlns:p14="http://schemas.microsoft.com/office/powerpoint/2010/main">
+    <mc:Choice Requires="p14">
       <p:transition spd="med" p14:dur="700">
         <p:fade/>
       </p:transition>
     </mc:Choice>
-    <mc:Fallback>
+    <mc:Fallback xmlns="">
       <p:transition spd="med">
         <p:fade/>
       </p:transition>
@@ -7392,16 +7396,6 @@
               </a:rPr>
               <a:t>Component Diagram</a:t>
             </a:r>
-            <a:endParaRPr lang="en-US" sz="3200" b="1" dirty="0">
-              <a:effectLst>
-                <a:outerShdw blurRad="38100" dist="38100" dir="2700000" algn="tl">
-                  <a:srgbClr val="000000">
-                    <a:alpha val="43137"/>
-                  </a:srgbClr>
-                </a:outerShdw>
-              </a:effectLst>
-              <a:latin typeface="Cambria" pitchFamily="18" charset="0"/>
-            </a:endParaRPr>
           </a:p>
         </p:txBody>
       </p:sp>
@@ -7473,13 +7467,13 @@
   <p:clrMapOvr>
     <a:masterClrMapping/>
   </p:clrMapOvr>
-  <mc:AlternateContent xmlns:mc="http://schemas.openxmlformats.org/markup-compatibility/2006">
-    <mc:Choice xmlns:p14="http://schemas.microsoft.com/office/powerpoint/2010/main" Requires="p14">
+  <mc:AlternateContent xmlns:mc="http://schemas.openxmlformats.org/markup-compatibility/2006" xmlns:p14="http://schemas.microsoft.com/office/powerpoint/2010/main">
+    <mc:Choice Requires="p14">
       <p:transition spd="med" p14:dur="700">
         <p:fade/>
       </p:transition>
     </mc:Choice>
-    <mc:Fallback>
+    <mc:Fallback xmlns="">
       <p:transition spd="med">
         <p:fade/>
       </p:transition>
@@ -7565,19 +7559,6 @@
               </a:rPr>
               <a:t>ALGORITHM</a:t>
             </a:r>
-            <a:endParaRPr lang="en-US" sz="4667" b="1">
-              <a:solidFill>
-                <a:schemeClr val="tx1"/>
-              </a:solidFill>
-              <a:effectLst>
-                <a:outerShdw blurRad="38100" dist="38100" dir="2700000" algn="tl">
-                  <a:srgbClr val="000000">
-                    <a:alpha val="43137"/>
-                  </a:srgbClr>
-                </a:outerShdw>
-              </a:effectLst>
-              <a:latin typeface="Cambria" pitchFamily="18" charset="0"/>
-            </a:endParaRPr>
           </a:p>
         </p:txBody>
       </p:sp>
@@ -7711,13 +7692,13 @@
   <p:clrMapOvr>
     <a:masterClrMapping/>
   </p:clrMapOvr>
-  <mc:AlternateContent xmlns:mc="http://schemas.openxmlformats.org/markup-compatibility/2006">
-    <mc:Choice xmlns:p14="http://schemas.microsoft.com/office/powerpoint/2010/main" Requires="p14">
+  <mc:AlternateContent xmlns:mc="http://schemas.openxmlformats.org/markup-compatibility/2006" xmlns:p14="http://schemas.microsoft.com/office/powerpoint/2010/main">
+    <mc:Choice Requires="p14">
       <p:transition spd="med" p14:dur="700">
         <p:fade/>
       </p:transition>
     </mc:Choice>
-    <mc:Fallback>
+    <mc:Fallback xmlns="">
       <p:transition spd="med">
         <p:fade/>
       </p:transition>
@@ -7840,8 +7821,8 @@
           </a:prstGeom>
         </p:spPr>
       </p:pic>
-      <mc:AlternateContent xmlns:mc="http://schemas.openxmlformats.org/markup-compatibility/2006">
-        <mc:Choice xmlns:a14="http://schemas.microsoft.com/office/drawing/2010/main" Requires="a14">
+      <mc:AlternateContent xmlns:mc="http://schemas.openxmlformats.org/markup-compatibility/2006" xmlns:a14="http://schemas.microsoft.com/office/drawing/2010/main">
+        <mc:Choice Requires="a14">
           <p:graphicFrame>
             <p:nvGraphicFramePr>
               <p:cNvPr id="2" name="Table 1"/>
@@ -7891,16 +7872,16 @@
                               <m:r>
                                 <a:rPr lang="en-US" sz="3000">
                                   <a:effectLst/>
-                                  <a:latin typeface="+mj-lt"/>
+                                  <a:latin typeface="Cambria Math" panose="02040503050406030204" pitchFamily="18" charset="0"/>
                                 </a:rPr>
                                 <m:t>𝒇</m:t>
                               </m:r>
                               <m:d>
                                 <m:dPr>
                                   <m:ctrlPr>
-                                    <a:rPr lang="en-US" sz="3000">
+                                    <a:rPr lang="en-US" sz="3000" i="1">
                                       <a:effectLst/>
-                                      <a:latin typeface="+mj-lt"/>
+                                      <a:latin typeface="Cambria Math" panose="02040503050406030204" pitchFamily="18" charset="0"/>
                                     </a:rPr>
                                   </m:ctrlPr>
                                 </m:dPr>
@@ -7908,7 +7889,7 @@
                                   <m:r>
                                     <a:rPr lang="en-US" sz="3000">
                                       <a:effectLst/>
-                                      <a:latin typeface="+mj-lt"/>
+                                      <a:latin typeface="Cambria Math" panose="02040503050406030204" pitchFamily="18" charset="0"/>
                                     </a:rPr>
                                     <m:t>𝒙</m:t>
                                   </m:r>
@@ -7917,65 +7898,65 @@
                               <m:r>
                                 <a:rPr lang="en-US" sz="3000">
                                   <a:effectLst/>
-                                  <a:latin typeface="+mj-lt"/>
+                                  <a:latin typeface="Cambria Math" panose="02040503050406030204" pitchFamily="18" charset="0"/>
                                 </a:rPr>
                                 <m:t>=</m:t>
                               </m:r>
                               <m:r>
                                 <a:rPr lang="en-US" sz="3000">
                                   <a:effectLst/>
-                                  <a:latin typeface="+mj-lt"/>
+                                  <a:latin typeface="Cambria Math" panose="02040503050406030204" pitchFamily="18" charset="0"/>
                                 </a:rPr>
                                 <m:t>𝒕</m:t>
                               </m:r>
                               <m:r>
                                 <a:rPr lang="en-US" sz="3000">
                                   <a:effectLst/>
-                                  <a:latin typeface="+mj-lt"/>
+                                  <a:latin typeface="Cambria Math" panose="02040503050406030204" pitchFamily="18" charset="0"/>
                                 </a:rPr>
                                 <m:t>.</m:t>
                               </m:r>
                               <m:r>
                                 <a:rPr lang="en-US" sz="3000">
                                   <a:effectLst/>
-                                  <a:latin typeface="+mj-lt"/>
+                                  <a:latin typeface="Cambria Math" panose="02040503050406030204" pitchFamily="18" charset="0"/>
                                 </a:rPr>
                                 <m:t>𝟎</m:t>
                               </m:r>
                               <m:r>
                                 <a:rPr lang="en-US" sz="3000">
                                   <a:effectLst/>
-                                  <a:latin typeface="+mj-lt"/>
+                                  <a:latin typeface="Cambria Math" panose="02040503050406030204" pitchFamily="18" charset="0"/>
                                 </a:rPr>
                                 <m:t>,</m:t>
                               </m:r>
                               <m:r>
                                 <a:rPr lang="en-US" sz="3000">
                                   <a:effectLst/>
-                                  <a:latin typeface="+mj-lt"/>
+                                  <a:latin typeface="Cambria Math" panose="02040503050406030204" pitchFamily="18" charset="0"/>
                                 </a:rPr>
                                 <m:t>𝟓</m:t>
                               </m:r>
                               <m:r>
                                 <a:rPr lang="en-US" sz="3000">
                                   <a:effectLst/>
-                                  <a:latin typeface="+mj-lt"/>
+                                  <a:latin typeface="Cambria Math" panose="02040503050406030204" pitchFamily="18" charset="0"/>
                                 </a:rPr>
                                 <m:t>+</m:t>
                               </m:r>
                               <m:r>
                                 <a:rPr lang="en-US" sz="3000">
                                   <a:effectLst/>
-                                  <a:latin typeface="+mj-lt"/>
+                                  <a:latin typeface="Cambria Math" panose="02040503050406030204" pitchFamily="18" charset="0"/>
                                 </a:rPr>
                                 <m:t>𝒅</m:t>
                               </m:r>
                               <m:d>
                                 <m:dPr>
                                   <m:ctrlPr>
-                                    <a:rPr lang="en-US" sz="3000">
+                                    <a:rPr lang="en-US" sz="3000" i="1">
                                       <a:effectLst/>
-                                      <a:latin typeface="+mj-lt"/>
+                                      <a:latin typeface="Cambria Math" panose="02040503050406030204" pitchFamily="18" charset="0"/>
                                     </a:rPr>
                                   </m:ctrlPr>
                                 </m:dPr>
@@ -7983,7 +7964,7 @@
                                   <m:r>
                                     <a:rPr lang="en-US" sz="3000">
                                       <a:effectLst/>
-                                      <a:latin typeface="+mj-lt"/>
+                                      <a:latin typeface="Cambria Math" panose="02040503050406030204" pitchFamily="18" charset="0"/>
                                     </a:rPr>
                                     <m:t>𝒙</m:t>
                                   </m:r>
@@ -7992,51 +7973,51 @@
                               <m:r>
                                 <a:rPr lang="en-US" sz="3000">
                                   <a:effectLst/>
-                                  <a:latin typeface="+mj-lt"/>
+                                  <a:latin typeface="Cambria Math" panose="02040503050406030204" pitchFamily="18" charset="0"/>
                                 </a:rPr>
                                 <m:t>.</m:t>
                               </m:r>
                               <m:r>
                                 <a:rPr lang="en-US" sz="3000">
                                   <a:effectLst/>
-                                  <a:latin typeface="+mj-lt"/>
+                                  <a:latin typeface="Cambria Math" panose="02040503050406030204" pitchFamily="18" charset="0"/>
                                 </a:rPr>
                                 <m:t>𝟎</m:t>
                               </m:r>
                               <m:r>
                                 <a:rPr lang="en-US" sz="3000">
                                   <a:effectLst/>
-                                  <a:latin typeface="+mj-lt"/>
+                                  <a:latin typeface="Cambria Math" panose="02040503050406030204" pitchFamily="18" charset="0"/>
                                 </a:rPr>
                                 <m:t>,</m:t>
                               </m:r>
                               <m:r>
                                 <a:rPr lang="en-US" sz="3000">
                                   <a:effectLst/>
-                                  <a:latin typeface="+mj-lt"/>
+                                  <a:latin typeface="Cambria Math" panose="02040503050406030204" pitchFamily="18" charset="0"/>
                                 </a:rPr>
                                 <m:t>𝟑</m:t>
                               </m:r>
                               <m:r>
                                 <a:rPr lang="en-US" sz="3000">
                                   <a:effectLst/>
-                                  <a:latin typeface="+mj-lt"/>
+                                  <a:latin typeface="Cambria Math" panose="02040503050406030204" pitchFamily="18" charset="0"/>
                                 </a:rPr>
                                 <m:t>+</m:t>
                               </m:r>
                               <m:r>
                                 <a:rPr lang="en-US" sz="3000">
                                   <a:effectLst/>
-                                  <a:latin typeface="+mj-lt"/>
+                                  <a:latin typeface="Cambria Math" panose="02040503050406030204" pitchFamily="18" charset="0"/>
                                 </a:rPr>
                                 <m:t>𝒄</m:t>
                               </m:r>
                               <m:d>
                                 <m:dPr>
                                   <m:ctrlPr>
-                                    <a:rPr lang="en-US" sz="3000">
+                                    <a:rPr lang="en-US" sz="3000" i="1">
                                       <a:effectLst/>
-                                      <a:latin typeface="+mj-lt"/>
+                                      <a:latin typeface="Cambria Math" panose="02040503050406030204" pitchFamily="18" charset="0"/>
                                     </a:rPr>
                                   </m:ctrlPr>
                                 </m:dPr>
@@ -8044,7 +8025,7 @@
                                   <m:r>
                                     <a:rPr lang="en-US" sz="3000">
                                       <a:effectLst/>
-                                      <a:latin typeface="+mj-lt"/>
+                                      <a:latin typeface="Cambria Math" panose="02040503050406030204" pitchFamily="18" charset="0"/>
                                     </a:rPr>
                                     <m:t>𝒙</m:t>
                                   </m:r>
@@ -8053,35 +8034,35 @@
                               <m:r>
                                 <a:rPr lang="en-US" sz="3000">
                                   <a:effectLst/>
-                                  <a:latin typeface="+mj-lt"/>
+                                  <a:latin typeface="Cambria Math" panose="02040503050406030204" pitchFamily="18" charset="0"/>
                                 </a:rPr>
                                 <m:t>.</m:t>
                               </m:r>
                               <m:r>
                                 <a:rPr lang="en-US" sz="3000">
                                   <a:effectLst/>
-                                  <a:latin typeface="+mj-lt"/>
+                                  <a:latin typeface="Cambria Math" panose="02040503050406030204" pitchFamily="18" charset="0"/>
                                 </a:rPr>
                                 <m:t>𝟎</m:t>
                               </m:r>
                               <m:r>
                                 <a:rPr lang="en-US" sz="3000">
                                   <a:effectLst/>
-                                  <a:latin typeface="+mj-lt"/>
+                                  <a:latin typeface="Cambria Math" panose="02040503050406030204" pitchFamily="18" charset="0"/>
                                 </a:rPr>
                                 <m:t>,</m:t>
                               </m:r>
                               <m:r>
                                 <a:rPr lang="en-US" sz="3000">
                                   <a:effectLst/>
-                                  <a:latin typeface="+mj-lt"/>
+                                  <a:latin typeface="Cambria Math" panose="02040503050406030204" pitchFamily="18" charset="0"/>
                                 </a:rPr>
                                 <m:t>𝟐</m:t>
                               </m:r>
                               <m:r>
                                 <a:rPr lang="en-US" sz="3000">
                                   <a:effectLst/>
-                                  <a:latin typeface="+mj-lt"/>
+                                  <a:latin typeface="Cambria Math" panose="02040503050406030204" pitchFamily="18" charset="0"/>
                                 </a:rPr>
                                 <m:t> </m:t>
                               </m:r>
@@ -8099,63 +8080,63 @@
                               <m:r>
                                 <a:rPr lang="en-US" sz="3000">
                                   <a:effectLst/>
-                                  <a:latin typeface="+mj-lt"/>
+                                  <a:latin typeface="Cambria Math" panose="02040503050406030204" pitchFamily="18" charset="0"/>
                                 </a:rPr>
                                 <m:t>     ∀</m:t>
                               </m:r>
                               <m:r>
                                 <a:rPr lang="en-US" sz="3000">
                                   <a:effectLst/>
-                                  <a:latin typeface="+mj-lt"/>
+                                  <a:latin typeface="Cambria Math" panose="02040503050406030204" pitchFamily="18" charset="0"/>
                                 </a:rPr>
                                 <m:t>𝒙</m:t>
                               </m:r>
                               <m:r>
                                 <a:rPr lang="en-US" sz="3000">
                                   <a:effectLst/>
-                                  <a:latin typeface="+mj-lt"/>
+                                  <a:latin typeface="Cambria Math" panose="02040503050406030204" pitchFamily="18" charset="0"/>
                                 </a:rPr>
                                 <m:t> ∈{</m:t>
                               </m:r>
                               <m:r>
                                 <a:rPr lang="en-US" sz="3000">
                                   <a:effectLst/>
-                                  <a:latin typeface="+mj-lt"/>
+                                  <a:latin typeface="Cambria Math" panose="02040503050406030204" pitchFamily="18" charset="0"/>
                                 </a:rPr>
                                 <m:t>𝟏</m:t>
                               </m:r>
                               <m:r>
                                 <a:rPr lang="en-US" sz="3000">
                                   <a:effectLst/>
-                                  <a:latin typeface="+mj-lt"/>
+                                  <a:latin typeface="Cambria Math" panose="02040503050406030204" pitchFamily="18" charset="0"/>
                                 </a:rPr>
                                 <m:t>,</m:t>
                               </m:r>
                               <m:r>
                                 <a:rPr lang="en-US" sz="3000">
                                   <a:effectLst/>
-                                  <a:latin typeface="+mj-lt"/>
+                                  <a:latin typeface="Cambria Math" panose="02040503050406030204" pitchFamily="18" charset="0"/>
                                 </a:rPr>
                                 <m:t>𝟐</m:t>
                               </m:r>
                               <m:r>
                                 <a:rPr lang="en-US" sz="3000">
                                   <a:effectLst/>
-                                  <a:latin typeface="+mj-lt"/>
+                                  <a:latin typeface="Cambria Math" panose="02040503050406030204" pitchFamily="18" charset="0"/>
                                 </a:rPr>
                                 <m:t>,</m:t>
                               </m:r>
                               <m:r>
                                 <a:rPr lang="en-US" sz="3000">
                                   <a:effectLst/>
-                                  <a:latin typeface="+mj-lt"/>
+                                  <a:latin typeface="Cambria Math" panose="02040503050406030204" pitchFamily="18" charset="0"/>
                                 </a:rPr>
                                 <m:t>𝟑</m:t>
                               </m:r>
                               <m:r>
                                 <a:rPr lang="en-US" sz="3000">
                                   <a:effectLst/>
-                                  <a:latin typeface="+mj-lt"/>
+                                  <a:latin typeface="Cambria Math" panose="02040503050406030204" pitchFamily="18" charset="0"/>
                                 </a:rPr>
                                 <m:t>}</m:t>
                               </m:r>
@@ -8180,7 +8161,7 @@
             </a:graphic>
           </p:graphicFrame>
         </mc:Choice>
-        <mc:Fallback>
+        <mc:Fallback xmlns="">
           <p:graphicFrame>
             <p:nvGraphicFramePr>
               <p:cNvPr id="2" name="Table 1"/>
@@ -8502,8 +8483,8 @@
           </a:prstGeom>
         </p:spPr>
       </p:pic>
-      <mc:AlternateContent xmlns:mc="http://schemas.openxmlformats.org/markup-compatibility/2006">
-        <mc:Choice xmlns:a14="http://schemas.microsoft.com/office/drawing/2010/main" Requires="a14">
+      <mc:AlternateContent xmlns:mc="http://schemas.openxmlformats.org/markup-compatibility/2006" xmlns:a14="http://schemas.microsoft.com/office/drawing/2010/main">
+        <mc:Choice Requires="a14">
           <p:graphicFrame>
             <p:nvGraphicFramePr>
               <p:cNvPr id="2" name="Table 1"/>
@@ -8553,16 +8534,16 @@
                               <m:r>
                                 <a:rPr lang="en-US" sz="3000">
                                   <a:effectLst/>
-                                  <a:latin typeface="+mj-lt"/>
+                                  <a:latin typeface="Cambria Math" panose="02040503050406030204" pitchFamily="18" charset="0"/>
                                 </a:rPr>
                                 <m:t>𝒇</m:t>
                               </m:r>
                               <m:d>
                                 <m:dPr>
                                   <m:ctrlPr>
-                                    <a:rPr lang="en-US" sz="3000">
+                                    <a:rPr lang="en-US" sz="3000" i="1">
                                       <a:effectLst/>
-                                      <a:latin typeface="+mj-lt"/>
+                                      <a:latin typeface="Cambria Math" panose="02040503050406030204" pitchFamily="18" charset="0"/>
                                     </a:rPr>
                                   </m:ctrlPr>
                                 </m:dPr>
@@ -8570,7 +8551,7 @@
                                   <m:r>
                                     <a:rPr lang="en-US" sz="3000">
                                       <a:effectLst/>
-                                      <a:latin typeface="+mj-lt"/>
+                                      <a:latin typeface="Cambria Math" panose="02040503050406030204" pitchFamily="18" charset="0"/>
                                     </a:rPr>
                                     <m:t>𝒙</m:t>
                                   </m:r>
@@ -8579,65 +8560,65 @@
                               <m:r>
                                 <a:rPr lang="en-US" sz="3000">
                                   <a:effectLst/>
-                                  <a:latin typeface="+mj-lt"/>
+                                  <a:latin typeface="Cambria Math" panose="02040503050406030204" pitchFamily="18" charset="0"/>
                                 </a:rPr>
                                 <m:t>=</m:t>
                               </m:r>
                               <m:r>
                                 <a:rPr lang="en-US" sz="3000">
                                   <a:effectLst/>
-                                  <a:latin typeface="+mj-lt"/>
+                                  <a:latin typeface="Cambria Math" panose="02040503050406030204" pitchFamily="18" charset="0"/>
                                 </a:rPr>
                                 <m:t>𝒕</m:t>
                               </m:r>
                               <m:r>
                                 <a:rPr lang="en-US" sz="3000">
                                   <a:effectLst/>
-                                  <a:latin typeface="+mj-lt"/>
+                                  <a:latin typeface="Cambria Math" panose="02040503050406030204" pitchFamily="18" charset="0"/>
                                 </a:rPr>
                                 <m:t>.</m:t>
                               </m:r>
                               <m:r>
                                 <a:rPr lang="en-US" sz="3000">
                                   <a:effectLst/>
-                                  <a:latin typeface="+mj-lt"/>
+                                  <a:latin typeface="Cambria Math" panose="02040503050406030204" pitchFamily="18" charset="0"/>
                                 </a:rPr>
                                 <m:t>𝟎</m:t>
                               </m:r>
                               <m:r>
                                 <a:rPr lang="en-US" sz="3000">
                                   <a:effectLst/>
-                                  <a:latin typeface="+mj-lt"/>
+                                  <a:latin typeface="Cambria Math" panose="02040503050406030204" pitchFamily="18" charset="0"/>
                                 </a:rPr>
                                 <m:t>,</m:t>
                               </m:r>
                               <m:r>
                                 <a:rPr lang="en-US" sz="3000">
                                   <a:effectLst/>
-                                  <a:latin typeface="+mj-lt"/>
+                                  <a:latin typeface="Cambria Math" panose="02040503050406030204" pitchFamily="18" charset="0"/>
                                 </a:rPr>
                                 <m:t>𝟓</m:t>
                               </m:r>
                               <m:r>
                                 <a:rPr lang="en-US" sz="3000">
                                   <a:effectLst/>
-                                  <a:latin typeface="+mj-lt"/>
+                                  <a:latin typeface="Cambria Math" panose="02040503050406030204" pitchFamily="18" charset="0"/>
                                 </a:rPr>
                                 <m:t>+</m:t>
                               </m:r>
                               <m:r>
                                 <a:rPr lang="en-US" sz="3000">
                                   <a:effectLst/>
-                                  <a:latin typeface="+mj-lt"/>
+                                  <a:latin typeface="Cambria Math" panose="02040503050406030204" pitchFamily="18" charset="0"/>
                                 </a:rPr>
                                 <m:t>𝒅</m:t>
                               </m:r>
                               <m:d>
                                 <m:dPr>
                                   <m:ctrlPr>
-                                    <a:rPr lang="en-US" sz="3000">
+                                    <a:rPr lang="en-US" sz="3000" i="1">
                                       <a:effectLst/>
-                                      <a:latin typeface="+mj-lt"/>
+                                      <a:latin typeface="Cambria Math" panose="02040503050406030204" pitchFamily="18" charset="0"/>
                                     </a:rPr>
                                   </m:ctrlPr>
                                 </m:dPr>
@@ -8645,7 +8626,7 @@
                                   <m:r>
                                     <a:rPr lang="en-US" sz="3000">
                                       <a:effectLst/>
-                                      <a:latin typeface="+mj-lt"/>
+                                      <a:latin typeface="Cambria Math" panose="02040503050406030204" pitchFamily="18" charset="0"/>
                                     </a:rPr>
                                     <m:t>𝒙</m:t>
                                   </m:r>
@@ -8654,51 +8635,51 @@
                               <m:r>
                                 <a:rPr lang="en-US" sz="3000">
                                   <a:effectLst/>
-                                  <a:latin typeface="+mj-lt"/>
+                                  <a:latin typeface="Cambria Math" panose="02040503050406030204" pitchFamily="18" charset="0"/>
                                 </a:rPr>
                                 <m:t>.</m:t>
                               </m:r>
                               <m:r>
                                 <a:rPr lang="en-US" sz="3000">
                                   <a:effectLst/>
-                                  <a:latin typeface="+mj-lt"/>
+                                  <a:latin typeface="Cambria Math" panose="02040503050406030204" pitchFamily="18" charset="0"/>
                                 </a:rPr>
                                 <m:t>𝟎</m:t>
                               </m:r>
                               <m:r>
                                 <a:rPr lang="en-US" sz="3000">
                                   <a:effectLst/>
-                                  <a:latin typeface="+mj-lt"/>
+                                  <a:latin typeface="Cambria Math" panose="02040503050406030204" pitchFamily="18" charset="0"/>
                                 </a:rPr>
                                 <m:t>,</m:t>
                               </m:r>
                               <m:r>
                                 <a:rPr lang="en-US" sz="3000">
                                   <a:effectLst/>
-                                  <a:latin typeface="+mj-lt"/>
+                                  <a:latin typeface="Cambria Math" panose="02040503050406030204" pitchFamily="18" charset="0"/>
                                 </a:rPr>
                                 <m:t>𝟑</m:t>
                               </m:r>
                               <m:r>
                                 <a:rPr lang="en-US" sz="3000">
                                   <a:effectLst/>
-                                  <a:latin typeface="+mj-lt"/>
+                                  <a:latin typeface="Cambria Math" panose="02040503050406030204" pitchFamily="18" charset="0"/>
                                 </a:rPr>
                                 <m:t>+</m:t>
                               </m:r>
                               <m:r>
                                 <a:rPr lang="en-US" sz="3000">
                                   <a:effectLst/>
-                                  <a:latin typeface="+mj-lt"/>
+                                  <a:latin typeface="Cambria Math" panose="02040503050406030204" pitchFamily="18" charset="0"/>
                                 </a:rPr>
                                 <m:t>𝒄</m:t>
                               </m:r>
                               <m:d>
                                 <m:dPr>
                                   <m:ctrlPr>
-                                    <a:rPr lang="en-US" sz="3000">
+                                    <a:rPr lang="en-US" sz="3000" i="1">
                                       <a:effectLst/>
-                                      <a:latin typeface="+mj-lt"/>
+                                      <a:latin typeface="Cambria Math" panose="02040503050406030204" pitchFamily="18" charset="0"/>
                                     </a:rPr>
                                   </m:ctrlPr>
                                 </m:dPr>
@@ -8706,7 +8687,7 @@
                                   <m:r>
                                     <a:rPr lang="en-US" sz="3000">
                                       <a:effectLst/>
-                                      <a:latin typeface="+mj-lt"/>
+                                      <a:latin typeface="Cambria Math" panose="02040503050406030204" pitchFamily="18" charset="0"/>
                                     </a:rPr>
                                     <m:t>𝒙</m:t>
                                   </m:r>
@@ -8715,35 +8696,35 @@
                               <m:r>
                                 <a:rPr lang="en-US" sz="3000">
                                   <a:effectLst/>
-                                  <a:latin typeface="+mj-lt"/>
+                                  <a:latin typeface="Cambria Math" panose="02040503050406030204" pitchFamily="18" charset="0"/>
                                 </a:rPr>
                                 <m:t>.</m:t>
                               </m:r>
                               <m:r>
                                 <a:rPr lang="en-US" sz="3000">
                                   <a:effectLst/>
-                                  <a:latin typeface="+mj-lt"/>
+                                  <a:latin typeface="Cambria Math" panose="02040503050406030204" pitchFamily="18" charset="0"/>
                                 </a:rPr>
                                 <m:t>𝟎</m:t>
                               </m:r>
                               <m:r>
                                 <a:rPr lang="en-US" sz="3000">
                                   <a:effectLst/>
-                                  <a:latin typeface="+mj-lt"/>
+                                  <a:latin typeface="Cambria Math" panose="02040503050406030204" pitchFamily="18" charset="0"/>
                                 </a:rPr>
                                 <m:t>,</m:t>
                               </m:r>
                               <m:r>
                                 <a:rPr lang="en-US" sz="3000">
                                   <a:effectLst/>
-                                  <a:latin typeface="+mj-lt"/>
+                                  <a:latin typeface="Cambria Math" panose="02040503050406030204" pitchFamily="18" charset="0"/>
                                 </a:rPr>
                                 <m:t>𝟐</m:t>
                               </m:r>
                               <m:r>
                                 <a:rPr lang="en-US" sz="3000">
                                   <a:effectLst/>
-                                  <a:latin typeface="+mj-lt"/>
+                                  <a:latin typeface="Cambria Math" panose="02040503050406030204" pitchFamily="18" charset="0"/>
                                 </a:rPr>
                                 <m:t> </m:t>
                               </m:r>
@@ -8761,63 +8742,63 @@
                               <m:r>
                                 <a:rPr lang="en-US" sz="3000">
                                   <a:effectLst/>
-                                  <a:latin typeface="+mj-lt"/>
+                                  <a:latin typeface="Cambria Math" panose="02040503050406030204" pitchFamily="18" charset="0"/>
                                 </a:rPr>
                                 <m:t>     ∀</m:t>
                               </m:r>
                               <m:r>
                                 <a:rPr lang="en-US" sz="3000">
                                   <a:effectLst/>
-                                  <a:latin typeface="+mj-lt"/>
+                                  <a:latin typeface="Cambria Math" panose="02040503050406030204" pitchFamily="18" charset="0"/>
                                 </a:rPr>
                                 <m:t>𝒙</m:t>
                               </m:r>
                               <m:r>
                                 <a:rPr lang="en-US" sz="3000">
                                   <a:effectLst/>
-                                  <a:latin typeface="+mj-lt"/>
+                                  <a:latin typeface="Cambria Math" panose="02040503050406030204" pitchFamily="18" charset="0"/>
                                 </a:rPr>
                                 <m:t> ∈{</m:t>
                               </m:r>
                               <m:r>
                                 <a:rPr lang="en-US" sz="3000">
                                   <a:effectLst/>
-                                  <a:latin typeface="+mj-lt"/>
+                                  <a:latin typeface="Cambria Math" panose="02040503050406030204" pitchFamily="18" charset="0"/>
                                 </a:rPr>
                                 <m:t>𝟏</m:t>
                               </m:r>
                               <m:r>
                                 <a:rPr lang="en-US" sz="3000">
                                   <a:effectLst/>
-                                  <a:latin typeface="+mj-lt"/>
+                                  <a:latin typeface="Cambria Math" panose="02040503050406030204" pitchFamily="18" charset="0"/>
                                 </a:rPr>
                                 <m:t>,</m:t>
                               </m:r>
                               <m:r>
                                 <a:rPr lang="en-US" sz="3000">
                                   <a:effectLst/>
-                                  <a:latin typeface="+mj-lt"/>
+                                  <a:latin typeface="Cambria Math" panose="02040503050406030204" pitchFamily="18" charset="0"/>
                                 </a:rPr>
                                 <m:t>𝟐</m:t>
                               </m:r>
                               <m:r>
                                 <a:rPr lang="en-US" sz="3000">
                                   <a:effectLst/>
-                                  <a:latin typeface="+mj-lt"/>
+                                  <a:latin typeface="Cambria Math" panose="02040503050406030204" pitchFamily="18" charset="0"/>
                                 </a:rPr>
                                 <m:t>,</m:t>
                               </m:r>
                               <m:r>
                                 <a:rPr lang="en-US" sz="3000">
                                   <a:effectLst/>
-                                  <a:latin typeface="+mj-lt"/>
+                                  <a:latin typeface="Cambria Math" panose="02040503050406030204" pitchFamily="18" charset="0"/>
                                 </a:rPr>
                                 <m:t>𝟑</m:t>
                               </m:r>
                               <m:r>
                                 <a:rPr lang="en-US" sz="3000">
                                   <a:effectLst/>
-                                  <a:latin typeface="+mj-lt"/>
+                                  <a:latin typeface="Cambria Math" panose="02040503050406030204" pitchFamily="18" charset="0"/>
                                 </a:rPr>
                                 <m:t>}</m:t>
                               </m:r>
@@ -8842,7 +8823,7 @@
             </a:graphic>
           </p:graphicFrame>
         </mc:Choice>
-        <mc:Fallback>
+        <mc:Fallback xmlns="">
           <p:graphicFrame>
             <p:nvGraphicFramePr>
               <p:cNvPr id="2" name="Table 1"/>
@@ -10005,8 +9986,8 @@
           </a:p>
         </p:txBody>
       </p:sp>
-      <mc:AlternateContent xmlns:mc="http://schemas.openxmlformats.org/markup-compatibility/2006">
-        <mc:Choice xmlns:a14="http://schemas.microsoft.com/office/drawing/2010/main" Requires="a14">
+      <mc:AlternateContent xmlns:mc="http://schemas.openxmlformats.org/markup-compatibility/2006" xmlns:a14="http://schemas.microsoft.com/office/drawing/2010/main">
+        <mc:Choice Requires="a14">
           <p:sp>
             <p:nvSpPr>
               <p:cNvPr id="2" name="Rectangle 1"/>
@@ -10255,7 +10236,7 @@
             </p:txBody>
           </p:sp>
         </mc:Choice>
-        <mc:Fallback>
+        <mc:Fallback xmlns="">
           <p:sp>
             <p:nvSpPr>
               <p:cNvPr id="2" name="Rectangle 1"/>
@@ -10294,8 +10275,8 @@
           </p:sp>
         </mc:Fallback>
       </mc:AlternateContent>
-      <mc:AlternateContent xmlns:mc="http://schemas.openxmlformats.org/markup-compatibility/2006">
-        <mc:Choice xmlns:a14="http://schemas.microsoft.com/office/drawing/2010/main" Requires="a14">
+      <mc:AlternateContent xmlns:mc="http://schemas.openxmlformats.org/markup-compatibility/2006" xmlns:a14="http://schemas.microsoft.com/office/drawing/2010/main">
+        <mc:Choice Requires="a14">
           <p:sp>
             <p:nvSpPr>
               <p:cNvPr id="7" name="Rectangle 6"/>
@@ -10683,7 +10664,7 @@
             </p:txBody>
           </p:sp>
         </mc:Choice>
-        <mc:Fallback>
+        <mc:Fallback xmlns="">
           <p:sp>
             <p:nvSpPr>
               <p:cNvPr id="7" name="Rectangle 6"/>
@@ -11553,16 +11534,6 @@
               </a:rPr>
               <a:t>OUTLINE</a:t>
             </a:r>
-            <a:endParaRPr lang="en-US" sz="4000" b="1" dirty="0">
-              <a:effectLst>
-                <a:outerShdw blurRad="38100" dist="38100" dir="2700000" algn="tl">
-                  <a:srgbClr val="000000">
-                    <a:alpha val="43137"/>
-                  </a:srgbClr>
-                </a:outerShdw>
-              </a:effectLst>
-              <a:latin typeface="Cambria" pitchFamily="18" charset="0"/>
-            </a:endParaRPr>
           </a:p>
         </p:txBody>
       </p:sp>
@@ -11603,13 +11574,7 @@
               <a:rPr lang="en-US" dirty="0" smtClean="0">
                 <a:latin typeface="Cambria" pitchFamily="18" charset="0"/>
               </a:rPr>
-              <a:t>Proposed </a:t>
-            </a:r>
-            <a:r>
-              <a:rPr lang="en-US" dirty="0" smtClean="0">
-                <a:latin typeface="Cambria" pitchFamily="18" charset="0"/>
-              </a:rPr>
-              <a:t>solution</a:t>
+              <a:t>Proposed solution</a:t>
             </a:r>
           </a:p>
           <a:p>
@@ -11644,17 +11609,8 @@
               <a:rPr lang="en-US" dirty="0" smtClean="0">
                 <a:latin typeface="Cambria" pitchFamily="18" charset="0"/>
               </a:rPr>
-              <a:t>Feature &amp; </a:t>
-            </a:r>
-            <a:r>
-              <a:rPr lang="en-US" dirty="0" smtClean="0">
-                <a:latin typeface="Cambria" pitchFamily="18" charset="0"/>
-              </a:rPr>
-              <a:t>Demo</a:t>
-            </a:r>
-            <a:endParaRPr lang="en-US" dirty="0" smtClean="0">
-              <a:latin typeface="Cambria" pitchFamily="18" charset="0"/>
-            </a:endParaRPr>
+              <a:t>Feature &amp; Demo</a:t>
+            </a:r>
           </a:p>
         </p:txBody>
       </p:sp>
@@ -11788,13 +11744,13 @@
   <p:clrMapOvr>
     <a:masterClrMapping/>
   </p:clrMapOvr>
-  <mc:AlternateContent xmlns:mc="http://schemas.openxmlformats.org/markup-compatibility/2006">
-    <mc:Choice xmlns:p14="http://schemas.microsoft.com/office/powerpoint/2010/main" Requires="p14">
+  <mc:AlternateContent xmlns:mc="http://schemas.openxmlformats.org/markup-compatibility/2006" xmlns:p14="http://schemas.microsoft.com/office/powerpoint/2010/main">
+    <mc:Choice Requires="p14">
       <p:transition spd="med" p14:dur="700">
         <p:fade/>
       </p:transition>
     </mc:Choice>
-    <mc:Fallback>
+    <mc:Fallback xmlns="">
       <p:transition spd="med">
         <p:fade/>
       </p:transition>
@@ -12087,14 +12043,11 @@
               </a:rPr>
               <a:t>Applies</a:t>
             </a:r>
-            <a:endParaRPr lang="en-US" sz="2500" b="1" dirty="0" smtClean="0">
-              <a:latin typeface="Cambria" panose="02040503050406030204" pitchFamily="18" charset="0"/>
-            </a:endParaRPr>
           </a:p>
         </p:txBody>
       </p:sp>
-      <mc:AlternateContent xmlns:mc="http://schemas.openxmlformats.org/markup-compatibility/2006">
-        <mc:Choice xmlns:a14="http://schemas.microsoft.com/office/drawing/2010/main" Requires="a14">
+      <mc:AlternateContent xmlns:mc="http://schemas.openxmlformats.org/markup-compatibility/2006" xmlns:a14="http://schemas.microsoft.com/office/drawing/2010/main">
+        <mc:Choice Requires="a14">
           <p:sp>
             <p:nvSpPr>
               <p:cNvPr id="2" name="Rectangle 1"/>
@@ -13656,7 +13609,7 @@
             </p:txBody>
           </p:sp>
         </mc:Choice>
-        <mc:Fallback>
+        <mc:Fallback xmlns="">
           <p:sp>
             <p:nvSpPr>
               <p:cNvPr id="2" name="Rectangle 1"/>
@@ -13964,8 +13917,8 @@
           </a:extLst>
         </p:spPr>
       </p:pic>
-      <mc:AlternateContent xmlns:mc="http://schemas.openxmlformats.org/markup-compatibility/2006">
-        <mc:Choice xmlns:a14="http://schemas.microsoft.com/office/drawing/2010/main" Requires="a14">
+      <mc:AlternateContent xmlns:mc="http://schemas.openxmlformats.org/markup-compatibility/2006" xmlns:a14="http://schemas.microsoft.com/office/drawing/2010/main">
+        <mc:Choice Requires="a14">
           <p:sp>
             <p:nvSpPr>
               <p:cNvPr id="4" name="TextBox 3"/>
@@ -14001,18 +13954,24 @@
                     <m:sSup>
                       <m:sSupPr>
                         <m:ctrlPr>
-                          <a:rPr lang="en-US" sz="2000" b="1" i="1"/>
+                          <a:rPr lang="en-US" sz="2000" b="1" i="1">
+                            <a:latin typeface="Cambria Math" panose="02040503050406030204" pitchFamily="18" charset="0"/>
+                          </a:rPr>
                         </m:ctrlPr>
                       </m:sSupPr>
                       <m:e>
                         <m:r>
-                          <a:rPr lang="en-US" sz="2000" b="1" i="1"/>
+                          <a:rPr lang="en-US" sz="2000" b="1" i="1">
+                            <a:latin typeface="Cambria Math" panose="02040503050406030204" pitchFamily="18" charset="0"/>
+                          </a:rPr>
                           <m:t>𝒏</m:t>
                         </m:r>
                       </m:e>
                       <m:sup>
                         <m:r>
-                          <a:rPr lang="en-US" sz="2000" b="1" i="1"/>
+                          <a:rPr lang="en-US" sz="2000" b="1" i="1">
+                            <a:latin typeface="Cambria Math" panose="02040503050406030204" pitchFamily="18" charset="0"/>
+                          </a:rPr>
                           <m:t>𝟐</m:t>
                         </m:r>
                       </m:sup>
@@ -14028,7 +13987,7 @@
             </p:txBody>
           </p:sp>
         </mc:Choice>
-        <mc:Fallback>
+        <mc:Fallback xmlns="">
           <p:sp>
             <p:nvSpPr>
               <p:cNvPr id="4" name="TextBox 3"/>
@@ -14191,19 +14150,6 @@
               </a:rPr>
               <a:t>ADVANTAGE/DISADVANTAGE</a:t>
             </a:r>
-            <a:endParaRPr lang="en-US" sz="4667" b="1" dirty="0">
-              <a:solidFill>
-                <a:schemeClr val="tx1"/>
-              </a:solidFill>
-              <a:effectLst>
-                <a:outerShdw blurRad="38100" dist="38100" dir="2700000" algn="tl">
-                  <a:srgbClr val="000000">
-                    <a:alpha val="43137"/>
-                  </a:srgbClr>
-                </a:outerShdw>
-              </a:effectLst>
-              <a:latin typeface="Cambria" pitchFamily="18" charset="0"/>
-            </a:endParaRPr>
           </a:p>
         </p:txBody>
       </p:sp>
@@ -14337,13 +14283,13 @@
   <p:clrMapOvr>
     <a:masterClrMapping/>
   </p:clrMapOvr>
-  <mc:AlternateContent xmlns:mc="http://schemas.openxmlformats.org/markup-compatibility/2006">
-    <mc:Choice xmlns:p14="http://schemas.microsoft.com/office/powerpoint/2010/main" Requires="p14">
+  <mc:AlternateContent xmlns:mc="http://schemas.openxmlformats.org/markup-compatibility/2006" xmlns:p14="http://schemas.microsoft.com/office/powerpoint/2010/main">
+    <mc:Choice Requires="p14">
       <p:transition spd="med" p14:dur="700">
         <p:fade/>
       </p:transition>
     </mc:Choice>
-    <mc:Fallback>
+    <mc:Fallback xmlns="">
       <p:transition spd="med">
         <p:fade/>
       </p:transition>
@@ -14386,38 +14332,50 @@
             <p:ph type="title"/>
           </p:nvPr>
         </p:nvSpPr>
+        <p:spPr/>
+        <p:txBody>
+          <a:bodyPr/>
+          <a:lstStyle/>
+          <a:p>
+            <a:pPr lvl="1" algn="l" rtl="0">
+              <a:spcBef>
+                <a:spcPct val="0"/>
+              </a:spcBef>
+            </a:pPr>
+            <a:r>
+              <a:rPr lang="en-US" b="1" dirty="0"/>
+              <a:t/>
+            </a:r>
+            <a:br>
+              <a:rPr lang="en-US" b="1" dirty="0"/>
+            </a:br>
+            <a:endParaRPr lang="en-US" dirty="0"/>
+          </a:p>
+        </p:txBody>
+      </p:sp>
+      <p:sp>
+        <p:nvSpPr>
+          <p:cNvPr id="5" name="Rectangle 4"/>
+          <p:cNvSpPr/>
+          <p:nvPr/>
+        </p:nvSpPr>
         <p:spPr>
           <a:xfrm>
-            <a:off x="2540000" y="3429001"/>
-            <a:ext cx="6807200" cy="812799"/>
-          </a:xfrm>
-        </p:spPr>
-        <p:style>
-          <a:lnRef idx="1">
-            <a:schemeClr val="accent1"/>
-          </a:lnRef>
-          <a:fillRef idx="2">
-            <a:schemeClr val="accent1"/>
-          </a:fillRef>
-          <a:effectRef idx="1">
-            <a:schemeClr val="accent1"/>
-          </a:effectRef>
-          <a:fontRef idx="minor">
-            <a:schemeClr val="dk1"/>
-          </a:fontRef>
-        </p:style>
+            <a:off x="4842934" y="601994"/>
+            <a:ext cx="2949343" cy="584775"/>
+          </a:xfrm>
+          <a:prstGeom prst="rect">
+            <a:avLst/>
+          </a:prstGeom>
+        </p:spPr>
         <p:txBody>
-          <a:bodyPr>
-            <a:noAutofit/>
+          <a:bodyPr wrap="square">
+            <a:spAutoFit/>
           </a:bodyPr>
           <a:lstStyle/>
           <a:p>
-            <a:pPr algn="ctr"/>
-            <a:r>
-              <a:rPr lang="en-US" sz="4667" b="1">
-                <a:solidFill>
-                  <a:schemeClr val="tx1"/>
-                </a:solidFill>
+            <a:r>
+              <a:rPr lang="en-US" sz="3200" b="1" dirty="0" smtClean="0">
                 <a:effectLst>
                   <a:outerShdw blurRad="38100" dist="38100" dir="2700000" algn="tl">
                     <a:srgbClr val="000000">
@@ -14427,12 +14385,9 @@
                 </a:effectLst>
                 <a:latin typeface="Cambria" pitchFamily="18" charset="0"/>
               </a:rPr>
-              <a:t>DEMO</a:t>
-            </a:r>
-            <a:endParaRPr lang="en-US" sz="4667" b="1">
-              <a:solidFill>
-                <a:schemeClr val="tx1"/>
-              </a:solidFill>
+              <a:t>Advantages</a:t>
+            </a:r>
+            <a:endParaRPr lang="en-US" sz="3200" b="1" dirty="0">
               <a:effectLst>
                 <a:outerShdw blurRad="38100" dist="38100" dir="2700000" algn="tl">
                   <a:srgbClr val="000000">
@@ -14445,106 +14400,16 @@
           </a:p>
         </p:txBody>
       </p:sp>
-      <p:cxnSp>
-        <p:nvCxnSpPr>
-          <p:cNvPr id="7" name="Straight Connector 6"/>
-          <p:cNvCxnSpPr/>
-          <p:nvPr/>
-        </p:nvCxnSpPr>
-        <p:spPr>
-          <a:xfrm>
-            <a:off x="1930400" y="1600200"/>
-            <a:ext cx="8636000" cy="0"/>
-          </a:xfrm>
-          <a:prstGeom prst="line">
-            <a:avLst/>
-          </a:prstGeom>
-        </p:spPr>
-        <p:style>
-          <a:lnRef idx="1">
-            <a:schemeClr val="accent1"/>
-          </a:lnRef>
-          <a:fillRef idx="0">
-            <a:schemeClr val="accent1"/>
-          </a:fillRef>
-          <a:effectRef idx="0">
-            <a:schemeClr val="accent1"/>
-          </a:effectRef>
-          <a:fontRef idx="minor">
-            <a:schemeClr val="tx1"/>
-          </a:fontRef>
-        </p:style>
-      </p:cxnSp>
-      <p:cxnSp>
-        <p:nvCxnSpPr>
-          <p:cNvPr id="8" name="Straight Connector 7"/>
-          <p:cNvCxnSpPr/>
-          <p:nvPr/>
-        </p:nvCxnSpPr>
-        <p:spPr>
-          <a:xfrm flipV="1">
-            <a:off x="11480800" y="279400"/>
-            <a:ext cx="0" cy="3251200"/>
-          </a:xfrm>
-          <a:prstGeom prst="line">
-            <a:avLst/>
-          </a:prstGeom>
-        </p:spPr>
-        <p:style>
-          <a:lnRef idx="1">
-            <a:schemeClr val="accent1"/>
-          </a:lnRef>
-          <a:fillRef idx="0">
-            <a:schemeClr val="accent1"/>
-          </a:fillRef>
-          <a:effectRef idx="0">
-            <a:schemeClr val="accent1"/>
-          </a:effectRef>
-          <a:fontRef idx="minor">
-            <a:schemeClr val="tx1"/>
-          </a:fontRef>
-        </p:style>
-      </p:cxnSp>
-      <p:cxnSp>
-        <p:nvCxnSpPr>
-          <p:cNvPr id="12" name="Straight Connector 11"/>
-          <p:cNvCxnSpPr/>
-          <p:nvPr/>
-        </p:nvCxnSpPr>
-        <p:spPr>
-          <a:xfrm flipV="1">
-            <a:off x="11379200" y="517799"/>
-            <a:ext cx="0" cy="2708004"/>
-          </a:xfrm>
-          <a:prstGeom prst="line">
-            <a:avLst/>
-          </a:prstGeom>
-        </p:spPr>
-        <p:style>
-          <a:lnRef idx="1">
-            <a:schemeClr val="accent1"/>
-          </a:lnRef>
-          <a:fillRef idx="0">
-            <a:schemeClr val="accent1"/>
-          </a:fillRef>
-          <a:effectRef idx="0">
-            <a:schemeClr val="accent1"/>
-          </a:effectRef>
-          <a:fontRef idx="minor">
-            <a:schemeClr val="tx1"/>
-          </a:fontRef>
-        </p:style>
-      </p:cxnSp>
       <p:pic>
         <p:nvPicPr>
-          <p:cNvPr id="9" name="Picture 8"/>
+          <p:cNvPr id="8" name="Picture 7"/>
           <p:cNvPicPr>
             <a:picLocks noChangeAspect="1"/>
           </p:cNvPicPr>
           <p:nvPr/>
         </p:nvPicPr>
         <p:blipFill>
-          <a:blip r:embed="rId3" cstate="print">
+          <a:blip r:embed="rId2" cstate="print">
             <a:extLst>
               <a:ext uri="{28A0092B-C50C-407E-A947-70E740481C1C}">
                 <a14:useLocalDpi xmlns:a14="http://schemas.microsoft.com/office/drawing/2010/main" val="0"/>
@@ -14557,7 +14422,7 @@
         </p:blipFill>
         <p:spPr>
           <a:xfrm>
-            <a:off x="5136458" y="1756211"/>
+            <a:off x="563491" y="101358"/>
             <a:ext cx="1614283" cy="1469592"/>
           </a:xfrm>
           <a:prstGeom prst="rect">
@@ -14568,7 +14433,7 @@
     </p:spTree>
     <p:extLst>
       <p:ext uri="{BB962C8B-B14F-4D97-AF65-F5344CB8AC3E}">
-        <p14:creationId xmlns:p14="http://schemas.microsoft.com/office/powerpoint/2010/main" val="51367463"/>
+        <p14:creationId xmlns:p14="http://schemas.microsoft.com/office/powerpoint/2010/main" val="3350547432"/>
       </p:ext>
     </p:extLst>
   </p:cSld>
@@ -14624,10 +14489,225 @@
             <p:ph type="title"/>
           </p:nvPr>
         </p:nvSpPr>
+        <p:spPr/>
+        <p:txBody>
+          <a:bodyPr/>
+          <a:lstStyle/>
+          <a:p>
+            <a:pPr lvl="1" algn="l" rtl="0">
+              <a:spcBef>
+                <a:spcPct val="0"/>
+              </a:spcBef>
+            </a:pPr>
+            <a:r>
+              <a:rPr lang="en-US" b="1" dirty="0"/>
+              <a:t/>
+            </a:r>
+            <a:br>
+              <a:rPr lang="en-US" b="1" dirty="0"/>
+            </a:br>
+            <a:endParaRPr lang="en-US" dirty="0"/>
+          </a:p>
+        </p:txBody>
+      </p:sp>
+      <p:sp>
+        <p:nvSpPr>
+          <p:cNvPr id="5" name="Rectangle 4"/>
+          <p:cNvSpPr/>
+          <p:nvPr/>
+        </p:nvSpPr>
         <p:spPr>
           <a:xfrm>
-            <a:off x="2438400" y="3429000"/>
-            <a:ext cx="7213600" cy="1828800"/>
+            <a:off x="4842934" y="601994"/>
+            <a:ext cx="2949343" cy="584775"/>
+          </a:xfrm>
+          <a:prstGeom prst="rect">
+            <a:avLst/>
+          </a:prstGeom>
+        </p:spPr>
+        <p:txBody>
+          <a:bodyPr wrap="square">
+            <a:spAutoFit/>
+          </a:bodyPr>
+          <a:lstStyle/>
+          <a:p>
+            <a:r>
+              <a:rPr lang="en-US" sz="3200" b="1" dirty="0" smtClean="0">
+                <a:effectLst>
+                  <a:outerShdw blurRad="38100" dist="38100" dir="2700000" algn="tl">
+                    <a:srgbClr val="000000">
+                      <a:alpha val="43137"/>
+                    </a:srgbClr>
+                  </a:outerShdw>
+                </a:effectLst>
+                <a:latin typeface="Cambria" pitchFamily="18" charset="0"/>
+              </a:rPr>
+              <a:t>Disadvantages</a:t>
+            </a:r>
+            <a:endParaRPr lang="en-US" sz="3200" b="1" dirty="0">
+              <a:effectLst>
+                <a:outerShdw blurRad="38100" dist="38100" dir="2700000" algn="tl">
+                  <a:srgbClr val="000000">
+                    <a:alpha val="43137"/>
+                  </a:srgbClr>
+                </a:outerShdw>
+              </a:effectLst>
+              <a:latin typeface="Cambria" pitchFamily="18" charset="0"/>
+            </a:endParaRPr>
+          </a:p>
+        </p:txBody>
+      </p:sp>
+      <p:pic>
+        <p:nvPicPr>
+          <p:cNvPr id="8" name="Picture 7"/>
+          <p:cNvPicPr>
+            <a:picLocks noChangeAspect="1"/>
+          </p:cNvPicPr>
+          <p:nvPr/>
+        </p:nvPicPr>
+        <p:blipFill>
+          <a:blip r:embed="rId2" cstate="print">
+            <a:extLst>
+              <a:ext uri="{28A0092B-C50C-407E-A947-70E740481C1C}">
+                <a14:useLocalDpi xmlns:a14="http://schemas.microsoft.com/office/drawing/2010/main" val="0"/>
+              </a:ext>
+            </a:extLst>
+          </a:blip>
+          <a:stretch>
+            <a:fillRect/>
+          </a:stretch>
+        </p:blipFill>
+        <p:spPr>
+          <a:xfrm>
+            <a:off x="563491" y="101358"/>
+            <a:ext cx="1614283" cy="1469592"/>
+          </a:xfrm>
+          <a:prstGeom prst="rect">
+            <a:avLst/>
+          </a:prstGeom>
+        </p:spPr>
+      </p:pic>
+      <p:sp>
+        <p:nvSpPr>
+          <p:cNvPr id="3" name="TextBox 2"/>
+          <p:cNvSpPr txBox="1"/>
+          <p:nvPr/>
+        </p:nvSpPr>
+        <p:spPr>
+          <a:xfrm>
+            <a:off x="746539" y="2822712"/>
+            <a:ext cx="10143226" cy="1246495"/>
+          </a:xfrm>
+          <a:prstGeom prst="rect">
+            <a:avLst/>
+          </a:prstGeom>
+          <a:noFill/>
+        </p:spPr>
+        <p:txBody>
+          <a:bodyPr wrap="none" rtlCol="0">
+            <a:spAutoFit/>
+          </a:bodyPr>
+          <a:lstStyle/>
+          <a:p>
+            <a:pPr lvl="1"/>
+            <a:r>
+              <a:rPr lang="en-US" sz="2500" dirty="0" smtClean="0"/>
+              <a:t>• Vietnamese </a:t>
+            </a:r>
+            <a:r>
+              <a:rPr lang="en-US" sz="2500" dirty="0"/>
+              <a:t>users do not have the official application for tracking habit</a:t>
+            </a:r>
+            <a:r>
+              <a:rPr lang="en-US" sz="2500" dirty="0" smtClean="0"/>
+              <a:t>.</a:t>
+            </a:r>
+          </a:p>
+          <a:p>
+            <a:pPr lvl="1"/>
+            <a:endParaRPr lang="en-US" sz="2500" dirty="0"/>
+          </a:p>
+          <a:p>
+            <a:pPr lvl="1"/>
+            <a:r>
+              <a:rPr lang="en-US" sz="2500" dirty="0" smtClean="0"/>
+              <a:t>• Customer </a:t>
+            </a:r>
+            <a:r>
+              <a:rPr lang="en-US" sz="2500" dirty="0"/>
+              <a:t>easily give up on using</a:t>
+            </a:r>
+            <a:r>
+              <a:rPr lang="en-US" sz="2500" dirty="0" smtClean="0"/>
+              <a:t>.</a:t>
+            </a:r>
+            <a:endParaRPr lang="en-US" sz="2500" dirty="0"/>
+          </a:p>
+        </p:txBody>
+      </p:sp>
+    </p:spTree>
+    <p:extLst>
+      <p:ext uri="{BB962C8B-B14F-4D97-AF65-F5344CB8AC3E}">
+        <p14:creationId xmlns:p14="http://schemas.microsoft.com/office/powerpoint/2010/main" val="3732279569"/>
+      </p:ext>
+    </p:extLst>
+  </p:cSld>
+  <p:clrMapOvr>
+    <a:masterClrMapping/>
+  </p:clrMapOvr>
+  <mc:AlternateContent xmlns:mc="http://schemas.openxmlformats.org/markup-compatibility/2006">
+    <mc:Choice xmlns:p14="http://schemas.microsoft.com/office/powerpoint/2010/main" Requires="p14">
+      <p:transition spd="med" p14:dur="700">
+        <p:fade/>
+      </p:transition>
+    </mc:Choice>
+    <mc:Fallback>
+      <p:transition spd="med">
+        <p:fade/>
+      </p:transition>
+    </mc:Fallback>
+  </mc:AlternateContent>
+  <p:timing>
+    <p:tnLst>
+      <p:par>
+        <p:cTn id="1" dur="indefinite" restart="never" nodeType="tmRoot"/>
+      </p:par>
+    </p:tnLst>
+  </p:timing>
+</p:sld>
+</file>
+
+<file path=ppt/slides/slide25.xml><?xml version="1.0" encoding="utf-8"?>
+<p:sld xmlns:a="http://schemas.openxmlformats.org/drawingml/2006/main" xmlns:r="http://schemas.openxmlformats.org/officeDocument/2006/relationships" xmlns:p="http://schemas.openxmlformats.org/presentationml/2006/main">
+  <p:cSld>
+    <p:spTree>
+      <p:nvGrpSpPr>
+        <p:cNvPr id="1" name=""/>
+        <p:cNvGrpSpPr/>
+        <p:nvPr/>
+      </p:nvGrpSpPr>
+      <p:grpSpPr>
+        <a:xfrm>
+          <a:off x="0" y="0"/>
+          <a:ext cx="0" cy="0"/>
+          <a:chOff x="0" y="0"/>
+          <a:chExt cx="0" cy="0"/>
+        </a:xfrm>
+      </p:grpSpPr>
+      <p:sp>
+        <p:nvSpPr>
+          <p:cNvPr id="2" name="Title 1"/>
+          <p:cNvSpPr>
+            <a:spLocks noGrp="1"/>
+          </p:cNvSpPr>
+          <p:nvPr>
+            <p:ph type="title"/>
+          </p:nvPr>
+        </p:nvSpPr>
+        <p:spPr>
+          <a:xfrm>
+            <a:off x="2540000" y="3429001"/>
+            <a:ext cx="6807200" cy="812799"/>
           </a:xfrm>
         </p:spPr>
         <p:style>
@@ -14665,52 +14745,8 @@
                 </a:effectLst>
                 <a:latin typeface="Cambria" pitchFamily="18" charset="0"/>
               </a:rPr>
-              <a:t>THANK FOR LISTENING</a:t>
-            </a:r>
-            <a:br>
-              <a:rPr lang="en-US" sz="4667" b="1">
-                <a:solidFill>
-                  <a:schemeClr val="tx1"/>
-                </a:solidFill>
-                <a:effectLst>
-                  <a:outerShdw blurRad="38100" dist="38100" dir="2700000" algn="tl">
-                    <a:srgbClr val="000000">
-                      <a:alpha val="43137"/>
-                    </a:srgbClr>
-                  </a:outerShdw>
-                </a:effectLst>
-                <a:latin typeface="Cambria" pitchFamily="18" charset="0"/>
-              </a:rPr>
-            </a:br>
-            <a:r>
-              <a:rPr lang="en-US" sz="4667" b="1">
-                <a:solidFill>
-                  <a:schemeClr val="tx1"/>
-                </a:solidFill>
-                <a:effectLst>
-                  <a:outerShdw blurRad="38100" dist="38100" dir="2700000" algn="tl">
-                    <a:srgbClr val="000000">
-                      <a:alpha val="43137"/>
-                    </a:srgbClr>
-                  </a:outerShdw>
-                </a:effectLst>
-                <a:latin typeface="Cambria" pitchFamily="18" charset="0"/>
-              </a:rPr>
-              <a:t>Q&amp;A</a:t>
-            </a:r>
-            <a:endParaRPr lang="en-US" sz="4667" b="1">
-              <a:solidFill>
-                <a:schemeClr val="tx1"/>
-              </a:solidFill>
-              <a:effectLst>
-                <a:outerShdw blurRad="38100" dist="38100" dir="2700000" algn="tl">
-                  <a:srgbClr val="000000">
-                    <a:alpha val="43137"/>
-                  </a:srgbClr>
-                </a:outerShdw>
-              </a:effectLst>
-              <a:latin typeface="Cambria" pitchFamily="18" charset="0"/>
-            </a:endParaRPr>
+              <a:t>DEMO</a:t>
+            </a:r>
           </a:p>
         </p:txBody>
       </p:sp>
@@ -14837,6 +14873,262 @@
     </p:spTree>
     <p:extLst>
       <p:ext uri="{BB962C8B-B14F-4D97-AF65-F5344CB8AC3E}">
+        <p14:creationId xmlns:p14="http://schemas.microsoft.com/office/powerpoint/2010/main" val="51367463"/>
+      </p:ext>
+    </p:extLst>
+  </p:cSld>
+  <p:clrMapOvr>
+    <a:masterClrMapping/>
+  </p:clrMapOvr>
+  <mc:AlternateContent xmlns:mc="http://schemas.openxmlformats.org/markup-compatibility/2006" xmlns:p14="http://schemas.microsoft.com/office/powerpoint/2010/main">
+    <mc:Choice Requires="p14">
+      <p:transition spd="med" p14:dur="700">
+        <p:fade/>
+      </p:transition>
+    </mc:Choice>
+    <mc:Fallback xmlns="">
+      <p:transition spd="med">
+        <p:fade/>
+      </p:transition>
+    </mc:Fallback>
+  </mc:AlternateContent>
+  <p:timing>
+    <p:tnLst>
+      <p:par>
+        <p:cTn id="1" dur="indefinite" restart="never" nodeType="tmRoot"/>
+      </p:par>
+    </p:tnLst>
+  </p:timing>
+</p:sld>
+</file>
+
+<file path=ppt/slides/slide26.xml><?xml version="1.0" encoding="utf-8"?>
+<p:sld xmlns:a="http://schemas.openxmlformats.org/drawingml/2006/main" xmlns:r="http://schemas.openxmlformats.org/officeDocument/2006/relationships" xmlns:p="http://schemas.openxmlformats.org/presentationml/2006/main">
+  <p:cSld>
+    <p:spTree>
+      <p:nvGrpSpPr>
+        <p:cNvPr id="1" name=""/>
+        <p:cNvGrpSpPr/>
+        <p:nvPr/>
+      </p:nvGrpSpPr>
+      <p:grpSpPr>
+        <a:xfrm>
+          <a:off x="0" y="0"/>
+          <a:ext cx="0" cy="0"/>
+          <a:chOff x="0" y="0"/>
+          <a:chExt cx="0" cy="0"/>
+        </a:xfrm>
+      </p:grpSpPr>
+      <p:sp>
+        <p:nvSpPr>
+          <p:cNvPr id="2" name="Title 1"/>
+          <p:cNvSpPr>
+            <a:spLocks noGrp="1"/>
+          </p:cNvSpPr>
+          <p:nvPr>
+            <p:ph type="title"/>
+          </p:nvPr>
+        </p:nvSpPr>
+        <p:spPr>
+          <a:xfrm>
+            <a:off x="2438400" y="3429000"/>
+            <a:ext cx="7213600" cy="1828800"/>
+          </a:xfrm>
+        </p:spPr>
+        <p:style>
+          <a:lnRef idx="1">
+            <a:schemeClr val="accent1"/>
+          </a:lnRef>
+          <a:fillRef idx="2">
+            <a:schemeClr val="accent1"/>
+          </a:fillRef>
+          <a:effectRef idx="1">
+            <a:schemeClr val="accent1"/>
+          </a:effectRef>
+          <a:fontRef idx="minor">
+            <a:schemeClr val="dk1"/>
+          </a:fontRef>
+        </p:style>
+        <p:txBody>
+          <a:bodyPr>
+            <a:noAutofit/>
+          </a:bodyPr>
+          <a:lstStyle/>
+          <a:p>
+            <a:pPr algn="ctr"/>
+            <a:r>
+              <a:rPr lang="en-US" sz="4667" b="1">
+                <a:solidFill>
+                  <a:schemeClr val="tx1"/>
+                </a:solidFill>
+                <a:effectLst>
+                  <a:outerShdw blurRad="38100" dist="38100" dir="2700000" algn="tl">
+                    <a:srgbClr val="000000">
+                      <a:alpha val="43137"/>
+                    </a:srgbClr>
+                  </a:outerShdw>
+                </a:effectLst>
+                <a:latin typeface="Cambria" pitchFamily="18" charset="0"/>
+              </a:rPr>
+              <a:t>THANK FOR LISTENING</a:t>
+            </a:r>
+            <a:br>
+              <a:rPr lang="en-US" sz="4667" b="1">
+                <a:solidFill>
+                  <a:schemeClr val="tx1"/>
+                </a:solidFill>
+                <a:effectLst>
+                  <a:outerShdw blurRad="38100" dist="38100" dir="2700000" algn="tl">
+                    <a:srgbClr val="000000">
+                      <a:alpha val="43137"/>
+                    </a:srgbClr>
+                  </a:outerShdw>
+                </a:effectLst>
+                <a:latin typeface="Cambria" pitchFamily="18" charset="0"/>
+              </a:rPr>
+            </a:br>
+            <a:r>
+              <a:rPr lang="en-US" sz="4667" b="1">
+                <a:solidFill>
+                  <a:schemeClr val="tx1"/>
+                </a:solidFill>
+                <a:effectLst>
+                  <a:outerShdw blurRad="38100" dist="38100" dir="2700000" algn="tl">
+                    <a:srgbClr val="000000">
+                      <a:alpha val="43137"/>
+                    </a:srgbClr>
+                  </a:outerShdw>
+                </a:effectLst>
+                <a:latin typeface="Cambria" pitchFamily="18" charset="0"/>
+              </a:rPr>
+              <a:t>Q&amp;A</a:t>
+            </a:r>
+          </a:p>
+        </p:txBody>
+      </p:sp>
+      <p:cxnSp>
+        <p:nvCxnSpPr>
+          <p:cNvPr id="7" name="Straight Connector 6"/>
+          <p:cNvCxnSpPr/>
+          <p:nvPr/>
+        </p:nvCxnSpPr>
+        <p:spPr>
+          <a:xfrm>
+            <a:off x="1930400" y="1600200"/>
+            <a:ext cx="8636000" cy="0"/>
+          </a:xfrm>
+          <a:prstGeom prst="line">
+            <a:avLst/>
+          </a:prstGeom>
+        </p:spPr>
+        <p:style>
+          <a:lnRef idx="1">
+            <a:schemeClr val="accent1"/>
+          </a:lnRef>
+          <a:fillRef idx="0">
+            <a:schemeClr val="accent1"/>
+          </a:fillRef>
+          <a:effectRef idx="0">
+            <a:schemeClr val="accent1"/>
+          </a:effectRef>
+          <a:fontRef idx="minor">
+            <a:schemeClr val="tx1"/>
+          </a:fontRef>
+        </p:style>
+      </p:cxnSp>
+      <p:cxnSp>
+        <p:nvCxnSpPr>
+          <p:cNvPr id="8" name="Straight Connector 7"/>
+          <p:cNvCxnSpPr/>
+          <p:nvPr/>
+        </p:nvCxnSpPr>
+        <p:spPr>
+          <a:xfrm flipV="1">
+            <a:off x="11480800" y="279400"/>
+            <a:ext cx="0" cy="3251200"/>
+          </a:xfrm>
+          <a:prstGeom prst="line">
+            <a:avLst/>
+          </a:prstGeom>
+        </p:spPr>
+        <p:style>
+          <a:lnRef idx="1">
+            <a:schemeClr val="accent1"/>
+          </a:lnRef>
+          <a:fillRef idx="0">
+            <a:schemeClr val="accent1"/>
+          </a:fillRef>
+          <a:effectRef idx="0">
+            <a:schemeClr val="accent1"/>
+          </a:effectRef>
+          <a:fontRef idx="minor">
+            <a:schemeClr val="tx1"/>
+          </a:fontRef>
+        </p:style>
+      </p:cxnSp>
+      <p:cxnSp>
+        <p:nvCxnSpPr>
+          <p:cNvPr id="12" name="Straight Connector 11"/>
+          <p:cNvCxnSpPr/>
+          <p:nvPr/>
+        </p:nvCxnSpPr>
+        <p:spPr>
+          <a:xfrm flipV="1">
+            <a:off x="11379200" y="517799"/>
+            <a:ext cx="0" cy="2708004"/>
+          </a:xfrm>
+          <a:prstGeom prst="line">
+            <a:avLst/>
+          </a:prstGeom>
+        </p:spPr>
+        <p:style>
+          <a:lnRef idx="1">
+            <a:schemeClr val="accent1"/>
+          </a:lnRef>
+          <a:fillRef idx="0">
+            <a:schemeClr val="accent1"/>
+          </a:fillRef>
+          <a:effectRef idx="0">
+            <a:schemeClr val="accent1"/>
+          </a:effectRef>
+          <a:fontRef idx="minor">
+            <a:schemeClr val="tx1"/>
+          </a:fontRef>
+        </p:style>
+      </p:cxnSp>
+      <p:pic>
+        <p:nvPicPr>
+          <p:cNvPr id="9" name="Picture 8"/>
+          <p:cNvPicPr>
+            <a:picLocks noChangeAspect="1"/>
+          </p:cNvPicPr>
+          <p:nvPr/>
+        </p:nvPicPr>
+        <p:blipFill>
+          <a:blip r:embed="rId3" cstate="print">
+            <a:extLst>
+              <a:ext uri="{28A0092B-C50C-407E-A947-70E740481C1C}">
+                <a14:useLocalDpi xmlns:a14="http://schemas.microsoft.com/office/drawing/2010/main" val="0"/>
+              </a:ext>
+            </a:extLst>
+          </a:blip>
+          <a:stretch>
+            <a:fillRect/>
+          </a:stretch>
+        </p:blipFill>
+        <p:spPr>
+          <a:xfrm>
+            <a:off x="5136458" y="1756211"/>
+            <a:ext cx="1614283" cy="1469592"/>
+          </a:xfrm>
+          <a:prstGeom prst="rect">
+            <a:avLst/>
+          </a:prstGeom>
+        </p:spPr>
+      </p:pic>
+    </p:spTree>
+    <p:extLst>
+      <p:ext uri="{BB962C8B-B14F-4D97-AF65-F5344CB8AC3E}">
         <p14:creationId xmlns:p14="http://schemas.microsoft.com/office/powerpoint/2010/main" val="2826582666"/>
       </p:ext>
     </p:extLst>
@@ -14844,13 +15136,13 @@
   <p:clrMapOvr>
     <a:masterClrMapping/>
   </p:clrMapOvr>
-  <mc:AlternateContent xmlns:mc="http://schemas.openxmlformats.org/markup-compatibility/2006">
-    <mc:Choice xmlns:p14="http://schemas.microsoft.com/office/powerpoint/2010/main" Requires="p14">
+  <mc:AlternateContent xmlns:mc="http://schemas.openxmlformats.org/markup-compatibility/2006" xmlns:p14="http://schemas.microsoft.com/office/powerpoint/2010/main">
+    <mc:Choice Requires="p14">
       <p:transition spd="med" p14:dur="700">
         <p:fade/>
       </p:transition>
     </mc:Choice>
-    <mc:Fallback>
+    <mc:Fallback xmlns="">
       <p:transition spd="med">
         <p:fade/>
       </p:transition>
@@ -15082,13 +15374,13 @@
   <p:clrMapOvr>
     <a:masterClrMapping/>
   </p:clrMapOvr>
-  <mc:AlternateContent xmlns:mc="http://schemas.openxmlformats.org/markup-compatibility/2006">
-    <mc:Choice xmlns:p14="http://schemas.microsoft.com/office/powerpoint/2010/main" Requires="p14">
+  <mc:AlternateContent xmlns:mc="http://schemas.openxmlformats.org/markup-compatibility/2006" xmlns:p14="http://schemas.microsoft.com/office/powerpoint/2010/main">
+    <mc:Choice Requires="p14">
       <p:transition spd="med" p14:dur="700">
         <p:fade/>
       </p:transition>
     </mc:Choice>
-    <mc:Fallback>
+    <mc:Fallback xmlns="">
       <p:transition spd="med">
         <p:fade/>
       </p:transition>
@@ -15417,13 +15709,13 @@
   <p:clrMapOvr>
     <a:masterClrMapping/>
   </p:clrMapOvr>
-  <mc:AlternateContent xmlns:mc="http://schemas.openxmlformats.org/markup-compatibility/2006">
-    <mc:Choice xmlns:p14="http://schemas.microsoft.com/office/powerpoint/2010/main" Requires="p14">
+  <mc:AlternateContent xmlns:mc="http://schemas.openxmlformats.org/markup-compatibility/2006" xmlns:p14="http://schemas.microsoft.com/office/powerpoint/2010/main">
+    <mc:Choice Requires="p14">
       <p:transition spd="med" p14:dur="700">
         <p:fade/>
       </p:transition>
     </mc:Choice>
-    <mc:Fallback>
+    <mc:Fallback xmlns="">
       <p:transition spd="med">
         <p:fade/>
       </p:transition>
@@ -15718,13 +16010,13 @@
   <p:clrMapOvr>
     <a:masterClrMapping/>
   </p:clrMapOvr>
-  <mc:AlternateContent xmlns:mc="http://schemas.openxmlformats.org/markup-compatibility/2006">
-    <mc:Choice xmlns:p14="http://schemas.microsoft.com/office/powerpoint/2010/main" Requires="p14">
+  <mc:AlternateContent xmlns:mc="http://schemas.openxmlformats.org/markup-compatibility/2006" xmlns:p14="http://schemas.microsoft.com/office/powerpoint/2010/main">
+    <mc:Choice Requires="p14">
       <p:transition spd="med" p14:dur="700">
         <p:fade/>
       </p:transition>
     </mc:Choice>
-    <mc:Fallback>
+    <mc:Fallback xmlns="">
       <p:transition spd="med">
         <p:fade/>
       </p:transition>
@@ -15810,19 +16102,6 @@
               </a:rPr>
               <a:t>PROPOSED SOLUTION</a:t>
             </a:r>
-            <a:endParaRPr lang="en-US" sz="4667" b="1">
-              <a:solidFill>
-                <a:schemeClr val="tx1"/>
-              </a:solidFill>
-              <a:effectLst>
-                <a:outerShdw blurRad="38100" dist="38100" dir="2700000" algn="tl">
-                  <a:srgbClr val="000000">
-                    <a:alpha val="43137"/>
-                  </a:srgbClr>
-                </a:outerShdw>
-              </a:effectLst>
-              <a:latin typeface="Cambria" pitchFamily="18" charset="0"/>
-            </a:endParaRPr>
           </a:p>
         </p:txBody>
       </p:sp>
@@ -15956,13 +16235,13 @@
   <p:clrMapOvr>
     <a:masterClrMapping/>
   </p:clrMapOvr>
-  <mc:AlternateContent xmlns:mc="http://schemas.openxmlformats.org/markup-compatibility/2006">
-    <mc:Choice xmlns:p14="http://schemas.microsoft.com/office/powerpoint/2010/main" Requires="p14">
+  <mc:AlternateContent xmlns:mc="http://schemas.openxmlformats.org/markup-compatibility/2006" xmlns:p14="http://schemas.microsoft.com/office/powerpoint/2010/main">
+    <mc:Choice Requires="p14">
       <p:transition spd="med" p14:dur="700">
         <p:fade/>
       </p:transition>
     </mc:Choice>
-    <mc:Fallback>
+    <mc:Fallback xmlns="">
       <p:transition spd="med">
         <p:fade/>
       </p:transition>
@@ -16558,19 +16837,6 @@
               </a:rPr>
               <a:t>TECHNOLOGIES</a:t>
             </a:r>
-            <a:endParaRPr lang="en-US" sz="4667" b="1">
-              <a:solidFill>
-                <a:schemeClr val="tx1"/>
-              </a:solidFill>
-              <a:effectLst>
-                <a:outerShdw blurRad="38100" dist="38100" dir="2700000" algn="tl">
-                  <a:srgbClr val="000000">
-                    <a:alpha val="43137"/>
-                  </a:srgbClr>
-                </a:outerShdw>
-              </a:effectLst>
-              <a:latin typeface="Cambria" pitchFamily="18" charset="0"/>
-            </a:endParaRPr>
           </a:p>
         </p:txBody>
       </p:sp>
@@ -16704,13 +16970,13 @@
   <p:clrMapOvr>
     <a:masterClrMapping/>
   </p:clrMapOvr>
-  <mc:AlternateContent xmlns:mc="http://schemas.openxmlformats.org/markup-compatibility/2006">
-    <mc:Choice xmlns:p14="http://schemas.microsoft.com/office/powerpoint/2010/main" Requires="p14">
+  <mc:AlternateContent xmlns:mc="http://schemas.openxmlformats.org/markup-compatibility/2006" xmlns:p14="http://schemas.microsoft.com/office/powerpoint/2010/main">
+    <mc:Choice Requires="p14">
       <p:transition spd="med" p14:dur="700">
         <p:fade/>
       </p:transition>
     </mc:Choice>
-    <mc:Fallback>
+    <mc:Fallback xmlns="">
       <p:transition spd="med">
         <p:fade/>
       </p:transition>

--- a/VHT.pptx
+++ b/VHT.pptx
@@ -1765,6 +1765,120 @@
           <a:bodyPr/>
           <a:lstStyle/>
           <a:p>
+            <a:r>
+              <a:rPr lang="en-US" dirty="0" smtClean="0"/>
+              <a:t>- </a:t>
+            </a:r>
+            <a:r>
+              <a:rPr lang="vi-VN" dirty="0" smtClean="0"/>
+              <a:t>VHT sẽ là một người đồng hành toàn diện của bạn trên con đường hoàn thiện mục tiêu đề ra, giúp bạn giữ được những thói quen tốt và loại bỏ các thói xấu. </a:t>
+            </a:r>
+            <a:endParaRPr lang="en-US" dirty="0" smtClean="0"/>
+          </a:p>
+          <a:p>
+            <a:r>
+              <a:rPr lang="en-US" dirty="0" smtClean="0"/>
+              <a:t>- </a:t>
+            </a:r>
+            <a:r>
+              <a:rPr lang="vi-VN" dirty="0" smtClean="0"/>
+              <a:t>Bạn sẽ bắt đầu bằng việc bổ sung thói quen, mục tiêu. </a:t>
+            </a:r>
+            <a:endParaRPr lang="en-US" dirty="0" smtClean="0"/>
+          </a:p>
+          <a:p>
+            <a:r>
+              <a:rPr lang="en-US" dirty="0" smtClean="0"/>
+              <a:t>- </a:t>
+            </a:r>
+            <a:r>
+              <a:rPr lang="vi-VN" dirty="0" smtClean="0"/>
+              <a:t>Các tiện ích về lịch, nhắc nhở, ghi chú hay timeline sẽ giúp bạn dễ dàng hơn để sắp xếp mọi thứ.</a:t>
+            </a:r>
+            <a:endParaRPr lang="en-US" dirty="0"/>
+          </a:p>
+        </p:txBody>
+      </p:sp>
+      <p:sp>
+        <p:nvSpPr>
+          <p:cNvPr id="4" name="Slide Number Placeholder 3"/>
+          <p:cNvSpPr>
+            <a:spLocks noGrp="1"/>
+          </p:cNvSpPr>
+          <p:nvPr>
+            <p:ph type="sldNum" sz="quarter" idx="10"/>
+          </p:nvPr>
+        </p:nvSpPr>
+        <p:spPr/>
+        <p:txBody>
+          <a:bodyPr/>
+          <a:lstStyle/>
+          <a:p>
+            <a:fld id="{A78B09CB-4F22-4D44-901C-878C5D273FE9}" type="slidenum">
+              <a:rPr lang="en-US" smtClean="0"/>
+              <a:t>23</a:t>
+            </a:fld>
+            <a:endParaRPr lang="en-US"/>
+          </a:p>
+        </p:txBody>
+      </p:sp>
+    </p:spTree>
+    <p:extLst>
+      <p:ext uri="{BB962C8B-B14F-4D97-AF65-F5344CB8AC3E}">
+        <p14:creationId xmlns:p14="http://schemas.microsoft.com/office/powerpoint/2010/main" val="857490422"/>
+      </p:ext>
+    </p:extLst>
+  </p:cSld>
+  <p:clrMapOvr>
+    <a:masterClrMapping/>
+  </p:clrMapOvr>
+</p:notes>
+</file>
+
+<file path=ppt/notesSlides/notesSlide22.xml><?xml version="1.0" encoding="utf-8"?>
+<p:notes xmlns:a="http://schemas.openxmlformats.org/drawingml/2006/main" xmlns:r="http://schemas.openxmlformats.org/officeDocument/2006/relationships" xmlns:p="http://schemas.openxmlformats.org/presentationml/2006/main">
+  <p:cSld>
+    <p:spTree>
+      <p:nvGrpSpPr>
+        <p:cNvPr id="1" name=""/>
+        <p:cNvGrpSpPr/>
+        <p:nvPr/>
+      </p:nvGrpSpPr>
+      <p:grpSpPr>
+        <a:xfrm>
+          <a:off x="0" y="0"/>
+          <a:ext cx="0" cy="0"/>
+          <a:chOff x="0" y="0"/>
+          <a:chExt cx="0" cy="0"/>
+        </a:xfrm>
+      </p:grpSpPr>
+      <p:sp>
+        <p:nvSpPr>
+          <p:cNvPr id="2" name="Slide Image Placeholder 1"/>
+          <p:cNvSpPr>
+            <a:spLocks noGrp="1" noRot="1" noChangeAspect="1"/>
+          </p:cNvSpPr>
+          <p:nvPr>
+            <p:ph type="sldImg"/>
+          </p:nvPr>
+        </p:nvSpPr>
+        <p:spPr/>
+      </p:sp>
+      <p:sp>
+        <p:nvSpPr>
+          <p:cNvPr id="3" name="Notes Placeholder 2"/>
+          <p:cNvSpPr>
+            <a:spLocks noGrp="1"/>
+          </p:cNvSpPr>
+          <p:nvPr>
+            <p:ph type="body" idx="1"/>
+          </p:nvPr>
+        </p:nvSpPr>
+        <p:spPr/>
+        <p:txBody>
+          <a:bodyPr/>
+          <a:lstStyle/>
+          <a:p>
             <a:pPr marL="0" marR="0" indent="0" algn="l" defTabSz="816282" rtl="0" eaLnBrk="1" fontAlgn="auto" latinLnBrk="0" hangingPunct="1">
               <a:lnSpc>
                 <a:spcPct val="100000"/>
@@ -1830,7 +1944,7 @@
 </p:notes>
 </file>
 
-<file path=ppt/notesSlides/notesSlide22.xml><?xml version="1.0" encoding="utf-8"?>
+<file path=ppt/notesSlides/notesSlide23.xml><?xml version="1.0" encoding="utf-8"?>
 <p:notes xmlns:a="http://schemas.openxmlformats.org/drawingml/2006/main" xmlns:r="http://schemas.openxmlformats.org/officeDocument/2006/relationships" xmlns:p="http://schemas.openxmlformats.org/presentationml/2006/main">
   <p:cSld>
     <p:spTree>
@@ -8366,6 +8480,18 @@
   <p:clrMapOvr>
     <a:masterClrMapping/>
   </p:clrMapOvr>
+  <mc:AlternateContent xmlns:mc="http://schemas.openxmlformats.org/markup-compatibility/2006" xmlns:p14="http://schemas.microsoft.com/office/powerpoint/2010/main">
+    <mc:Choice Requires="p14">
+      <p:transition spd="med" p14:dur="700">
+        <p:fade/>
+      </p:transition>
+    </mc:Choice>
+    <mc:Fallback xmlns="">
+      <p:transition spd="med">
+        <p:fade/>
+      </p:transition>
+    </mc:Fallback>
+  </mc:AlternateContent>
   <p:timing>
     <p:tnLst>
       <p:par>
@@ -9084,6 +9210,18 @@
   <p:clrMapOvr>
     <a:masterClrMapping/>
   </p:clrMapOvr>
+  <mc:AlternateContent xmlns:mc="http://schemas.openxmlformats.org/markup-compatibility/2006" xmlns:p14="http://schemas.microsoft.com/office/powerpoint/2010/main">
+    <mc:Choice Requires="p14">
+      <p:transition spd="med" p14:dur="700">
+        <p:fade/>
+      </p:transition>
+    </mc:Choice>
+    <mc:Fallback xmlns="">
+      <p:transition spd="med">
+        <p:fade/>
+      </p:transition>
+    </mc:Fallback>
+  </mc:AlternateContent>
   <p:timing>
     <p:tnLst>
       <p:par>
@@ -9690,6 +9828,18 @@
   <p:clrMapOvr>
     <a:masterClrMapping/>
   </p:clrMapOvr>
+  <mc:AlternateContent xmlns:mc="http://schemas.openxmlformats.org/markup-compatibility/2006" xmlns:p14="http://schemas.microsoft.com/office/powerpoint/2010/main">
+    <mc:Choice Requires="p14">
+      <p:transition spd="med" p14:dur="700">
+        <p:fade/>
+      </p:transition>
+    </mc:Choice>
+    <mc:Fallback xmlns="">
+      <p:transition spd="med">
+        <p:fade/>
+      </p:transition>
+    </mc:Fallback>
+  </mc:AlternateContent>
   <p:timing>
     <p:tnLst>
       <p:par>
@@ -10713,6 +10863,18 @@
   <p:clrMapOvr>
     <a:masterClrMapping/>
   </p:clrMapOvr>
+  <mc:AlternateContent xmlns:mc="http://schemas.openxmlformats.org/markup-compatibility/2006" xmlns:p14="http://schemas.microsoft.com/office/powerpoint/2010/main">
+    <mc:Choice Requires="p14">
+      <p:transition spd="med" p14:dur="700">
+        <p:fade/>
+      </p:transition>
+    </mc:Choice>
+    <mc:Fallback xmlns="">
+      <p:transition spd="med">
+        <p:fade/>
+      </p:transition>
+    </mc:Fallback>
+  </mc:AlternateContent>
   <p:timing>
     <p:tnLst>
       <p:par>
@@ -11125,6 +11287,18 @@
   <p:clrMapOvr>
     <a:masterClrMapping/>
   </p:clrMapOvr>
+  <mc:AlternateContent xmlns:mc="http://schemas.openxmlformats.org/markup-compatibility/2006" xmlns:p14="http://schemas.microsoft.com/office/powerpoint/2010/main">
+    <mc:Choice Requires="p14">
+      <p:transition spd="med" p14:dur="700">
+        <p:fade/>
+      </p:transition>
+    </mc:Choice>
+    <mc:Fallback xmlns="">
+      <p:transition spd="med">
+        <p:fade/>
+      </p:transition>
+    </mc:Fallback>
+  </mc:AlternateContent>
   <p:timing>
     <p:tnLst>
       <p:par>
@@ -11472,6 +11646,18 @@
   <p:clrMapOvr>
     <a:masterClrMapping/>
   </p:clrMapOvr>
+  <mc:AlternateContent xmlns:mc="http://schemas.openxmlformats.org/markup-compatibility/2006" xmlns:p14="http://schemas.microsoft.com/office/powerpoint/2010/main">
+    <mc:Choice Requires="p14">
+      <p:transition spd="med" p14:dur="700">
+        <p:fade/>
+      </p:transition>
+    </mc:Choice>
+    <mc:Fallback xmlns="">
+      <p:transition spd="med">
+        <p:fade/>
+      </p:transition>
+    </mc:Fallback>
+  </mc:AlternateContent>
   <p:timing>
     <p:tnLst>
       <p:par>
@@ -11549,67 +11735,67 @@
         </p:nvSpPr>
         <p:spPr>
           <a:xfrm>
-            <a:off x="2438400" y="2209800"/>
-            <a:ext cx="7010400" cy="4264152"/>
+            <a:off x="2311879" y="2209800"/>
+            <a:ext cx="7136921" cy="3431875"/>
           </a:xfrm>
         </p:spPr>
         <p:txBody>
           <a:bodyPr>
-            <a:normAutofit/>
+            <a:noAutofit/>
           </a:bodyPr>
           <a:lstStyle/>
           <a:p>
             <a:r>
-              <a:rPr lang="en-US" dirty="0" smtClean="0">
+              <a:rPr lang="en-US" sz="3000" b="1" dirty="0" smtClean="0">
                 <a:latin typeface="Cambria" pitchFamily="18" charset="0"/>
               </a:rPr>
-              <a:t>Problems</a:t>
-            </a:r>
-            <a:endParaRPr lang="en-US" dirty="0">
+              <a:t>• Problems</a:t>
+            </a:r>
+            <a:endParaRPr lang="en-US" sz="3000" b="1" dirty="0">
               <a:latin typeface="Cambria" pitchFamily="18" charset="0"/>
             </a:endParaRPr>
           </a:p>
           <a:p>
             <a:r>
-              <a:rPr lang="en-US" dirty="0" smtClean="0">
+              <a:rPr lang="en-US" sz="3000" b="1" dirty="0" smtClean="0">
                 <a:latin typeface="Cambria" pitchFamily="18" charset="0"/>
               </a:rPr>
-              <a:t>Proposed solution</a:t>
-            </a:r>
-          </a:p>
-          <a:p>
-            <a:r>
-              <a:rPr lang="en-US" dirty="0" smtClean="0">
+              <a:t>• Proposed solution</a:t>
+            </a:r>
+          </a:p>
+          <a:p>
+            <a:r>
+              <a:rPr lang="en-US" sz="3000" b="1" dirty="0" smtClean="0">
                 <a:latin typeface="Cambria" pitchFamily="18" charset="0"/>
               </a:rPr>
-              <a:t>Technology</a:t>
-            </a:r>
-          </a:p>
-          <a:p>
-            <a:r>
-              <a:rPr lang="en-US" dirty="0" smtClean="0">
+              <a:t>• Technology</a:t>
+            </a:r>
+          </a:p>
+          <a:p>
+            <a:r>
+              <a:rPr lang="en-US" sz="3000" b="1" dirty="0" smtClean="0">
                 <a:latin typeface="Cambria" pitchFamily="18" charset="0"/>
               </a:rPr>
-              <a:t>Algorithm</a:t>
-            </a:r>
-          </a:p>
-          <a:p>
-            <a:r>
-              <a:rPr lang="en-US" dirty="0" smtClean="0">
+              <a:t>• Algorithm</a:t>
+            </a:r>
+          </a:p>
+          <a:p>
+            <a:r>
+              <a:rPr lang="en-US" sz="3000" b="1" dirty="0" smtClean="0">
                 <a:latin typeface="Cambria" pitchFamily="18" charset="0"/>
               </a:rPr>
-              <a:t>Advantage/ Disadvantage</a:t>
-            </a:r>
-            <a:endParaRPr lang="en-US" dirty="0">
+              <a:t>• Advantage/ Disadvantage</a:t>
+            </a:r>
+            <a:endParaRPr lang="en-US" sz="3000" b="1" dirty="0">
               <a:latin typeface="Cambria" pitchFamily="18" charset="0"/>
             </a:endParaRPr>
           </a:p>
           <a:p>
             <a:r>
-              <a:rPr lang="en-US" dirty="0" smtClean="0">
+              <a:rPr lang="en-US" sz="3000" b="1" dirty="0" smtClean="0">
                 <a:latin typeface="Cambria" pitchFamily="18" charset="0"/>
               </a:rPr>
-              <a:t>Feature &amp; Demo</a:t>
+              <a:t>• Feature &amp; Demo</a:t>
             </a:r>
           </a:p>
         </p:txBody>
@@ -13658,6 +13844,18 @@
   <p:clrMapOvr>
     <a:masterClrMapping/>
   </p:clrMapOvr>
+  <mc:AlternateContent xmlns:mc="http://schemas.openxmlformats.org/markup-compatibility/2006" xmlns:p14="http://schemas.microsoft.com/office/powerpoint/2010/main">
+    <mc:Choice Requires="p14">
+      <p:transition spd="med" p14:dur="700">
+        <p:fade/>
+      </p:transition>
+    </mc:Choice>
+    <mc:Fallback xmlns="">
+      <p:transition spd="med">
+        <p:fade/>
+      </p:transition>
+    </mc:Fallback>
+  </mc:AlternateContent>
   <p:timing>
     <p:tnLst>
       <p:par>
@@ -14070,6 +14268,18 @@
   <p:clrMapOvr>
     <a:masterClrMapping/>
   </p:clrMapOvr>
+  <mc:AlternateContent xmlns:mc="http://schemas.openxmlformats.org/markup-compatibility/2006" xmlns:p14="http://schemas.microsoft.com/office/powerpoint/2010/main">
+    <mc:Choice Requires="p14">
+      <p:transition spd="med" p14:dur="700">
+        <p:fade/>
+      </p:transition>
+    </mc:Choice>
+    <mc:Fallback xmlns="">
+      <p:transition spd="med">
+        <p:fade/>
+      </p:transition>
+    </mc:Fallback>
+  </mc:AlternateContent>
   <p:timing>
     <p:tnLst>
       <p:par>
@@ -14409,7 +14619,7 @@
           <p:nvPr/>
         </p:nvPicPr>
         <p:blipFill>
-          <a:blip r:embed="rId2" cstate="print">
+          <a:blip r:embed="rId3" cstate="print">
             <a:extLst>
               <a:ext uri="{28A0092B-C50C-407E-A947-70E740481C1C}">
                 <a14:useLocalDpi xmlns:a14="http://schemas.microsoft.com/office/drawing/2010/main" val="0"/>
@@ -14430,6 +14640,72 @@
           </a:prstGeom>
         </p:spPr>
       </p:pic>
+      <p:sp>
+        <p:nvSpPr>
+          <p:cNvPr id="3" name="TextBox 2"/>
+          <p:cNvSpPr txBox="1"/>
+          <p:nvPr/>
+        </p:nvSpPr>
+        <p:spPr>
+          <a:xfrm>
+            <a:off x="921300" y="2398142"/>
+            <a:ext cx="10410359" cy="2785378"/>
+          </a:xfrm>
+          <a:prstGeom prst="rect">
+            <a:avLst/>
+          </a:prstGeom>
+          <a:noFill/>
+        </p:spPr>
+        <p:txBody>
+          <a:bodyPr wrap="square" rtlCol="0">
+            <a:spAutoFit/>
+          </a:bodyPr>
+          <a:lstStyle/>
+          <a:p>
+            <a:r>
+              <a:rPr lang="en-US" sz="2500" dirty="0" smtClean="0"/>
+              <a:t>• VHT </a:t>
+            </a:r>
+            <a:r>
+              <a:rPr lang="en-US" sz="2500" dirty="0"/>
+              <a:t>will be your complete companion on the road to perfecting your goals, keeping you in good standing and eliminating bad habits. </a:t>
+            </a:r>
+            <a:endParaRPr lang="en-US" sz="2500" dirty="0" smtClean="0"/>
+          </a:p>
+          <a:p>
+            <a:endParaRPr lang="en-US" sz="2500" dirty="0" smtClean="0"/>
+          </a:p>
+          <a:p>
+            <a:r>
+              <a:rPr lang="en-US" sz="2500" dirty="0" smtClean="0"/>
+              <a:t>• You </a:t>
+            </a:r>
+            <a:r>
+              <a:rPr lang="en-US" sz="2500" dirty="0"/>
+              <a:t>will start by adding habits, goals. </a:t>
+            </a:r>
+            <a:endParaRPr lang="en-US" sz="2500" dirty="0" smtClean="0"/>
+          </a:p>
+          <a:p>
+            <a:endParaRPr lang="en-US" sz="2500" dirty="0" smtClean="0"/>
+          </a:p>
+          <a:p>
+            <a:r>
+              <a:rPr lang="en-US" sz="2500" dirty="0" smtClean="0"/>
+              <a:t>• Calendar</a:t>
+            </a:r>
+            <a:r>
+              <a:rPr lang="en-US" sz="2500" dirty="0"/>
+              <a:t>, reminder, note, or timeline widgets make it easy to organize </a:t>
+            </a:r>
+            <a:r>
+              <a:rPr lang="en-US" sz="2500" dirty="0" smtClean="0"/>
+              <a:t>everything.</a:t>
+            </a:r>
+            <a:endParaRPr lang="en-US" sz="2500" dirty="0"/>
+          </a:p>
+        </p:txBody>
+      </p:sp>
     </p:spTree>
     <p:extLst>
       <p:ext uri="{BB962C8B-B14F-4D97-AF65-F5344CB8AC3E}">
@@ -14440,13 +14716,13 @@
   <p:clrMapOvr>
     <a:masterClrMapping/>
   </p:clrMapOvr>
-  <mc:AlternateContent xmlns:mc="http://schemas.openxmlformats.org/markup-compatibility/2006">
-    <mc:Choice xmlns:p14="http://schemas.microsoft.com/office/powerpoint/2010/main" Requires="p14">
+  <mc:AlternateContent xmlns:mc="http://schemas.openxmlformats.org/markup-compatibility/2006" xmlns:p14="http://schemas.microsoft.com/office/powerpoint/2010/main">
+    <mc:Choice Requires="p14">
       <p:transition spd="med" p14:dur="700">
         <p:fade/>
       </p:transition>
     </mc:Choice>
-    <mc:Fallback>
+    <mc:Fallback xmlns="">
       <p:transition spd="med">
         <p:fade/>
       </p:transition>
@@ -14655,13 +14931,13 @@
   <p:clrMapOvr>
     <a:masterClrMapping/>
   </p:clrMapOvr>
-  <mc:AlternateContent xmlns:mc="http://schemas.openxmlformats.org/markup-compatibility/2006">
-    <mc:Choice xmlns:p14="http://schemas.microsoft.com/office/powerpoint/2010/main" Requires="p14">
+  <mc:AlternateContent xmlns:mc="http://schemas.openxmlformats.org/markup-compatibility/2006" xmlns:p14="http://schemas.microsoft.com/office/powerpoint/2010/main">
+    <mc:Choice Requires="p14">
       <p:transition spd="med" p14:dur="700">
         <p:fade/>
       </p:transition>
     </mc:Choice>
-    <mc:Fallback>
+    <mc:Fallback xmlns="">
       <p:transition spd="med">
         <p:fade/>
       </p:transition>
@@ -15512,7 +15788,7 @@
           </a:lstStyle>
           <a:p>
             <a:r>
-              <a:rPr lang="en-US" sz="4000" b="1">
+              <a:rPr lang="en-US" sz="4000" b="1" dirty="0">
                 <a:solidFill>
                   <a:schemeClr val="tx1"/>
                 </a:solidFill>
@@ -15640,7 +15916,7 @@
         <p:spPr>
           <a:xfrm>
             <a:off x="5398453" y="2463378"/>
-            <a:ext cx="5574347" cy="461665"/>
+            <a:ext cx="5220916" cy="461665"/>
           </a:xfrm>
           <a:prstGeom prst="rect">
             <a:avLst/>
@@ -15657,9 +15933,15 @@
               <a:rPr lang="en-US" sz="2400" b="1" dirty="0" smtClean="0">
                 <a:latin typeface="Cambria" panose="02040503050406030204" pitchFamily="18" charset="0"/>
               </a:rPr>
-              <a:t>• Today, most people use smartphones</a:t>
-            </a:r>
-            <a:endParaRPr lang="en-US" sz="2400" b="1" dirty="0">
+              <a:t>• </a:t>
+            </a:r>
+            <a:r>
+              <a:rPr lang="en-US" sz="2400" dirty="0" smtClean="0">
+                <a:latin typeface="Cambria" panose="02040503050406030204" pitchFamily="18" charset="0"/>
+              </a:rPr>
+              <a:t>Today, most people use smartphones</a:t>
+            </a:r>
+            <a:endParaRPr lang="en-US" sz="2400" dirty="0">
               <a:latin typeface="Cambria" panose="02040503050406030204" pitchFamily="18" charset="0"/>
             </a:endParaRPr>
           </a:p>
@@ -15674,7 +15956,7 @@
         <p:spPr>
           <a:xfrm>
             <a:off x="5478311" y="3225803"/>
-            <a:ext cx="5494489" cy="1569660"/>
+            <a:ext cx="5799290" cy="1569660"/>
           </a:xfrm>
           <a:prstGeom prst="rect">
             <a:avLst/>
@@ -15691,9 +15973,15 @@
               <a:rPr lang="en-US" sz="2400" b="1" dirty="0" smtClean="0">
                 <a:latin typeface="Cambria" panose="02040503050406030204" pitchFamily="18" charset="0"/>
               </a:rPr>
-              <a:t>• However, there is not a specific application for Vietnamese people to create habits, manage daily habits and track habits.</a:t>
-            </a:r>
-            <a:endParaRPr lang="en-US" sz="2400" b="1" dirty="0">
+              <a:t>• </a:t>
+            </a:r>
+            <a:r>
+              <a:rPr lang="en-US" sz="2400" dirty="0" smtClean="0">
+                <a:latin typeface="Cambria" panose="02040503050406030204" pitchFamily="18" charset="0"/>
+              </a:rPr>
+              <a:t>However, there is not a specific application for Vietnamese people to create habits, manage daily habits and track habits.</a:t>
+            </a:r>
+            <a:endParaRPr lang="en-US" sz="2400" dirty="0">
               <a:latin typeface="Cambria" panose="02040503050406030204" pitchFamily="18" charset="0"/>
             </a:endParaRPr>
           </a:p>
@@ -15934,7 +16222,7 @@
         <p:spPr>
           <a:xfrm>
             <a:off x="5232801" y="2745770"/>
-            <a:ext cx="5848225" cy="1569660"/>
+            <a:ext cx="5848225" cy="1200329"/>
           </a:xfrm>
           <a:prstGeom prst="rect">
             <a:avLst/>
@@ -15951,9 +16239,15 @@
               <a:rPr lang="en-US" sz="2400" b="1" dirty="0" smtClean="0">
                 <a:latin typeface="Cambria" panose="02040503050406030204" pitchFamily="18" charset="0"/>
               </a:rPr>
-              <a:t>• The existing tracking habit applications are from foreign developer and thus may not really applicable for Vietnamese users.</a:t>
-            </a:r>
-            <a:endParaRPr lang="en-US" sz="2400" b="1" dirty="0">
+              <a:t>• </a:t>
+            </a:r>
+            <a:r>
+              <a:rPr lang="en-US" sz="2400" dirty="0" smtClean="0">
+                <a:latin typeface="Cambria" panose="02040503050406030204" pitchFamily="18" charset="0"/>
+              </a:rPr>
+              <a:t>The existing tracking habit applications are from foreign developer and thus may not really applicable for Vietnamese users.</a:t>
+            </a:r>
+            <a:endParaRPr lang="en-US" sz="2400" dirty="0">
               <a:latin typeface="Cambria" panose="02040503050406030204" pitchFamily="18" charset="0"/>
             </a:endParaRPr>
           </a:p>
@@ -16474,8 +16768,8 @@
         </p:blipFill>
         <p:spPr bwMode="auto">
           <a:xfrm>
-            <a:off x="1930400" y="1850818"/>
-            <a:ext cx="8449229" cy="4752691"/>
+            <a:off x="1930400" y="1850819"/>
+            <a:ext cx="8449229" cy="4471154"/>
           </a:xfrm>
           <a:prstGeom prst="rect">
             <a:avLst/>
@@ -16492,6 +16786,76 @@
           </a:extLst>
         </p:spPr>
       </p:pic>
+      <p:cxnSp>
+        <p:nvCxnSpPr>
+          <p:cNvPr id="3" name="Straight Connector 2"/>
+          <p:cNvCxnSpPr/>
+          <p:nvPr/>
+        </p:nvCxnSpPr>
+        <p:spPr>
+          <a:xfrm>
+            <a:off x="2301766" y="2081048"/>
+            <a:ext cx="3358055" cy="3783724"/>
+          </a:xfrm>
+          <a:prstGeom prst="line">
+            <a:avLst/>
+          </a:prstGeom>
+          <a:ln>
+            <a:solidFill>
+              <a:srgbClr val="FF0000"/>
+            </a:solidFill>
+          </a:ln>
+        </p:spPr>
+        <p:style>
+          <a:lnRef idx="3">
+            <a:schemeClr val="dk1"/>
+          </a:lnRef>
+          <a:fillRef idx="0">
+            <a:schemeClr val="dk1"/>
+          </a:fillRef>
+          <a:effectRef idx="2">
+            <a:schemeClr val="dk1"/>
+          </a:effectRef>
+          <a:fontRef idx="minor">
+            <a:schemeClr val="tx1"/>
+          </a:fontRef>
+        </p:style>
+      </p:cxnSp>
+      <p:cxnSp>
+        <p:nvCxnSpPr>
+          <p:cNvPr id="10" name="Straight Connector 9"/>
+          <p:cNvCxnSpPr/>
+          <p:nvPr/>
+        </p:nvCxnSpPr>
+        <p:spPr>
+          <a:xfrm flipH="1">
+            <a:off x="2200167" y="2081048"/>
+            <a:ext cx="3459654" cy="3783724"/>
+          </a:xfrm>
+          <a:prstGeom prst="line">
+            <a:avLst/>
+          </a:prstGeom>
+          <a:ln>
+            <a:solidFill>
+              <a:srgbClr val="FF0000"/>
+            </a:solidFill>
+          </a:ln>
+        </p:spPr>
+        <p:style>
+          <a:lnRef idx="3">
+            <a:schemeClr val="dk1"/>
+          </a:lnRef>
+          <a:fillRef idx="0">
+            <a:schemeClr val="dk1"/>
+          </a:fillRef>
+          <a:effectRef idx="2">
+            <a:schemeClr val="dk1"/>
+          </a:effectRef>
+          <a:fontRef idx="minor">
+            <a:schemeClr val="tx1"/>
+          </a:fontRef>
+        </p:style>
+      </p:cxnSp>
     </p:spTree>
     <p:extLst>
       <p:ext uri="{BB962C8B-B14F-4D97-AF65-F5344CB8AC3E}">
@@ -16502,6 +16866,18 @@
   <p:clrMapOvr>
     <a:masterClrMapping/>
   </p:clrMapOvr>
+  <mc:AlternateContent xmlns:mc="http://schemas.openxmlformats.org/markup-compatibility/2006" xmlns:p14="http://schemas.microsoft.com/office/powerpoint/2010/main">
+    <mc:Choice Requires="p14">
+      <p:transition spd="med" p14:dur="700">
+        <p:fade/>
+      </p:transition>
+    </mc:Choice>
+    <mc:Fallback xmlns="">
+      <p:transition spd="med">
+        <p:fade/>
+      </p:transition>
+    </mc:Fallback>
+  </mc:AlternateContent>
   <p:timing>
     <p:tnLst>
       <p:par>
@@ -16757,6 +17133,18 @@
   <p:clrMapOvr>
     <a:masterClrMapping/>
   </p:clrMapOvr>
+  <mc:AlternateContent xmlns:mc="http://schemas.openxmlformats.org/markup-compatibility/2006" xmlns:p14="http://schemas.microsoft.com/office/powerpoint/2010/main">
+    <mc:Choice Requires="p14">
+      <p:transition spd="med" p14:dur="700">
+        <p:fade/>
+      </p:transition>
+    </mc:Choice>
+    <mc:Fallback xmlns="">
+      <p:transition spd="med">
+        <p:fade/>
+      </p:transition>
+    </mc:Fallback>
+  </mc:AlternateContent>
   <p:timing>
     <p:tnLst>
       <p:par>

--- a/VHT.pptx
+++ b/VHT.pptx
@@ -5,35 +5,33 @@
     <p:sldMasterId id="2147483762" r:id="rId1"/>
   </p:sldMasterIdLst>
   <p:notesMasterIdLst>
-    <p:notesMasterId r:id="rId28"/>
+    <p:notesMasterId r:id="rId26"/>
   </p:notesMasterIdLst>
   <p:sldIdLst>
     <p:sldId id="256" r:id="rId2"/>
     <p:sldId id="257" r:id="rId3"/>
-    <p:sldId id="258" r:id="rId4"/>
-    <p:sldId id="268" r:id="rId5"/>
-    <p:sldId id="269" r:id="rId6"/>
-    <p:sldId id="259" r:id="rId7"/>
-    <p:sldId id="270" r:id="rId8"/>
-    <p:sldId id="271" r:id="rId9"/>
-    <p:sldId id="260" r:id="rId10"/>
-    <p:sldId id="261" r:id="rId11"/>
-    <p:sldId id="262" r:id="rId12"/>
-    <p:sldId id="263" r:id="rId13"/>
-    <p:sldId id="264" r:id="rId14"/>
-    <p:sldId id="272" r:id="rId15"/>
-    <p:sldId id="273" r:id="rId16"/>
-    <p:sldId id="274" r:id="rId17"/>
-    <p:sldId id="277" r:id="rId18"/>
-    <p:sldId id="276" r:id="rId19"/>
-    <p:sldId id="275" r:id="rId20"/>
-    <p:sldId id="278" r:id="rId21"/>
-    <p:sldId id="279" r:id="rId22"/>
-    <p:sldId id="265" r:id="rId23"/>
-    <p:sldId id="281" r:id="rId24"/>
-    <p:sldId id="280" r:id="rId25"/>
-    <p:sldId id="266" r:id="rId26"/>
-    <p:sldId id="267" r:id="rId27"/>
+    <p:sldId id="282" r:id="rId4"/>
+    <p:sldId id="283" r:id="rId5"/>
+    <p:sldId id="259" r:id="rId6"/>
+    <p:sldId id="270" r:id="rId7"/>
+    <p:sldId id="260" r:id="rId8"/>
+    <p:sldId id="261" r:id="rId9"/>
+    <p:sldId id="262" r:id="rId10"/>
+    <p:sldId id="263" r:id="rId11"/>
+    <p:sldId id="264" r:id="rId12"/>
+    <p:sldId id="272" r:id="rId13"/>
+    <p:sldId id="273" r:id="rId14"/>
+    <p:sldId id="274" r:id="rId15"/>
+    <p:sldId id="277" r:id="rId16"/>
+    <p:sldId id="276" r:id="rId17"/>
+    <p:sldId id="275" r:id="rId18"/>
+    <p:sldId id="278" r:id="rId19"/>
+    <p:sldId id="279" r:id="rId20"/>
+    <p:sldId id="265" r:id="rId21"/>
+    <p:sldId id="281" r:id="rId22"/>
+    <p:sldId id="280" r:id="rId23"/>
+    <p:sldId id="266" r:id="rId24"/>
+    <p:sldId id="267" r:id="rId25"/>
   </p:sldIdLst>
   <p:sldSz cx="12192000" cy="6858000"/>
   <p:notesSz cx="6858000" cy="9144000"/>
@@ -222,7 +220,7 @@
           <a:p>
             <a:fld id="{7580CC0B-C01A-4B12-A36D-894FB8FAE83B}" type="datetimeFigureOut">
               <a:rPr lang="en-US" smtClean="0"/>
-              <a:t>11/30/2018</a:t>
+              <a:t>12/2/2018</a:t>
             </a:fld>
             <a:endParaRPr lang="en-US"/>
           </a:p>
@@ -618,24 +616,7 @@
           <a:bodyPr/>
           <a:lstStyle/>
           <a:p>
-            <a:pPr marL="0" marR="0" indent="0" algn="l" defTabSz="816282" rtl="0" eaLnBrk="1" fontAlgn="auto" latinLnBrk="0" hangingPunct="1">
-              <a:lnSpc>
-                <a:spcPct val="100000"/>
-              </a:lnSpc>
-              <a:spcBef>
-                <a:spcPts val="0"/>
-              </a:spcBef>
-              <a:spcAft>
-                <a:spcPts val="0"/>
-              </a:spcAft>
-              <a:buClrTx/>
-              <a:buSzTx/>
-              <a:buFontTx/>
-              <a:buNone/>
-              <a:tabLst/>
-              <a:defRPr/>
-            </a:pPr>
-            <a:endParaRPr lang="en-US" sz="1000" b="0" i="0" kern="1200" baseline="0" dirty="0" smtClean="0">
+            <a:endParaRPr lang="en-US" sz="1000" kern="1200" dirty="0" smtClean="0">
               <a:solidFill>
                 <a:schemeClr val="tx1"/>
               </a:solidFill>
@@ -664,7 +645,7 @@
           <a:p>
             <a:fld id="{D04A47DB-1F8B-496C-952E-53D0A0D3ABF6}" type="slidenum">
               <a:rPr lang="en-US" smtClean="0"/>
-              <a:t>10</a:t>
+              <a:t>12</a:t>
             </a:fld>
             <a:endParaRPr lang="en-US"/>
           </a:p>
@@ -673,7 +654,7 @@
     </p:spTree>
     <p:extLst>
       <p:ext uri="{BB962C8B-B14F-4D97-AF65-F5344CB8AC3E}">
-        <p14:creationId xmlns:p14="http://schemas.microsoft.com/office/powerpoint/2010/main" val="1264361630"/>
+        <p14:creationId xmlns:p14="http://schemas.microsoft.com/office/powerpoint/2010/main" val="1190368578"/>
       </p:ext>
     </p:extLst>
   </p:cSld>
@@ -727,24 +708,7 @@
           <a:bodyPr/>
           <a:lstStyle/>
           <a:p>
-            <a:pPr marL="0" marR="0" indent="0" algn="l" defTabSz="816282" rtl="0" eaLnBrk="1" fontAlgn="auto" latinLnBrk="0" hangingPunct="1">
-              <a:lnSpc>
-                <a:spcPct val="100000"/>
-              </a:lnSpc>
-              <a:spcBef>
-                <a:spcPts val="0"/>
-              </a:spcBef>
-              <a:spcAft>
-                <a:spcPts val="0"/>
-              </a:spcAft>
-              <a:buClrTx/>
-              <a:buSzTx/>
-              <a:buFontTx/>
-              <a:buNone/>
-              <a:tabLst/>
-              <a:defRPr/>
-            </a:pPr>
-            <a:endParaRPr lang="vi-VN" sz="1000" b="0" i="0" kern="1200" dirty="0" smtClean="0">
+            <a:endParaRPr lang="en-US" sz="1000" kern="1200" dirty="0" smtClean="0">
               <a:solidFill>
                 <a:schemeClr val="tx1"/>
               </a:solidFill>
@@ -782,7 +746,7 @@
     </p:spTree>
     <p:extLst>
       <p:ext uri="{BB962C8B-B14F-4D97-AF65-F5344CB8AC3E}">
-        <p14:creationId xmlns:p14="http://schemas.microsoft.com/office/powerpoint/2010/main" val="1805408717"/>
+        <p14:creationId xmlns:p14="http://schemas.microsoft.com/office/powerpoint/2010/main" val="2218804663"/>
       </p:ext>
     </p:extLst>
   </p:cSld>
@@ -874,7 +838,7 @@
     </p:spTree>
     <p:extLst>
       <p:ext uri="{BB962C8B-B14F-4D97-AF65-F5344CB8AC3E}">
-        <p14:creationId xmlns:p14="http://schemas.microsoft.com/office/powerpoint/2010/main" val="1190368578"/>
+        <p14:creationId xmlns:p14="http://schemas.microsoft.com/office/powerpoint/2010/main" val="974727666"/>
       </p:ext>
     </p:extLst>
   </p:cSld>
@@ -966,7 +930,7 @@
     </p:spTree>
     <p:extLst>
       <p:ext uri="{BB962C8B-B14F-4D97-AF65-F5344CB8AC3E}">
-        <p14:creationId xmlns:p14="http://schemas.microsoft.com/office/powerpoint/2010/main" val="2218804663"/>
+        <p14:creationId xmlns:p14="http://schemas.microsoft.com/office/powerpoint/2010/main" val="4203558707"/>
       </p:ext>
     </p:extLst>
   </p:cSld>
@@ -1058,7 +1022,7 @@
     </p:spTree>
     <p:extLst>
       <p:ext uri="{BB962C8B-B14F-4D97-AF65-F5344CB8AC3E}">
-        <p14:creationId xmlns:p14="http://schemas.microsoft.com/office/powerpoint/2010/main" val="974727666"/>
+        <p14:creationId xmlns:p14="http://schemas.microsoft.com/office/powerpoint/2010/main" val="2491511791"/>
       </p:ext>
     </p:extLst>
   </p:cSld>
@@ -1150,7 +1114,7 @@
     </p:spTree>
     <p:extLst>
       <p:ext uri="{BB962C8B-B14F-4D97-AF65-F5344CB8AC3E}">
-        <p14:creationId xmlns:p14="http://schemas.microsoft.com/office/powerpoint/2010/main" val="4203558707"/>
+        <p14:creationId xmlns:p14="http://schemas.microsoft.com/office/powerpoint/2010/main" val="2130150487"/>
       </p:ext>
     </p:extLst>
   </p:cSld>
@@ -1242,7 +1206,7 @@
     </p:spTree>
     <p:extLst>
       <p:ext uri="{BB962C8B-B14F-4D97-AF65-F5344CB8AC3E}">
-        <p14:creationId xmlns:p14="http://schemas.microsoft.com/office/powerpoint/2010/main" val="2491511791"/>
+        <p14:creationId xmlns:p14="http://schemas.microsoft.com/office/powerpoint/2010/main" val="3835900681"/>
       </p:ext>
     </p:extLst>
   </p:cSld>
@@ -1334,7 +1298,7 @@
     </p:spTree>
     <p:extLst>
       <p:ext uri="{BB962C8B-B14F-4D97-AF65-F5344CB8AC3E}">
-        <p14:creationId xmlns:p14="http://schemas.microsoft.com/office/powerpoint/2010/main" val="2130150487"/>
+        <p14:creationId xmlns:p14="http://schemas.microsoft.com/office/powerpoint/2010/main" val="4215923047"/>
       </p:ext>
     </p:extLst>
   </p:cSld>
@@ -1388,7 +1352,24 @@
           <a:bodyPr/>
           <a:lstStyle/>
           <a:p>
-            <a:endParaRPr lang="en-US" sz="1000" kern="1200" dirty="0" smtClean="0">
+            <a:pPr marL="0" marR="0" indent="0" algn="l" defTabSz="816282" rtl="0" eaLnBrk="1" fontAlgn="auto" latinLnBrk="0" hangingPunct="1">
+              <a:lnSpc>
+                <a:spcPct val="100000"/>
+              </a:lnSpc>
+              <a:spcBef>
+                <a:spcPts val="0"/>
+              </a:spcBef>
+              <a:spcAft>
+                <a:spcPts val="0"/>
+              </a:spcAft>
+              <a:buClrTx/>
+              <a:buSzTx/>
+              <a:buFontTx/>
+              <a:buNone/>
+              <a:tabLst/>
+              <a:defRPr/>
+            </a:pPr>
+            <a:endParaRPr lang="vi-VN" sz="1000" b="0" i="0" kern="1200" smtClean="0">
               <a:solidFill>
                 <a:schemeClr val="tx1"/>
               </a:solidFill>
@@ -1426,7 +1407,7 @@
     </p:spTree>
     <p:extLst>
       <p:ext uri="{BB962C8B-B14F-4D97-AF65-F5344CB8AC3E}">
-        <p14:creationId xmlns:p14="http://schemas.microsoft.com/office/powerpoint/2010/main" val="3835900681"/>
+        <p14:creationId xmlns:p14="http://schemas.microsoft.com/office/powerpoint/2010/main" val="3853872316"/>
       </p:ext>
     </p:extLst>
   </p:cSld>
@@ -1480,15 +1461,37 @@
           <a:bodyPr/>
           <a:lstStyle/>
           <a:p>
-            <a:endParaRPr lang="en-US" sz="1000" kern="1200" dirty="0" smtClean="0">
-              <a:solidFill>
-                <a:schemeClr val="tx1"/>
-              </a:solidFill>
-              <a:effectLst/>
-              <a:latin typeface="+mn-lt"/>
-              <a:ea typeface="+mn-ea"/>
-              <a:cs typeface="+mn-cs"/>
-            </a:endParaRPr>
+            <a:r>
+              <a:rPr lang="en-US" dirty="0" smtClean="0"/>
+              <a:t>- </a:t>
+            </a:r>
+            <a:r>
+              <a:rPr lang="vi-VN" dirty="0" smtClean="0"/>
+              <a:t>VHT sẽ là một người đồng hành toàn diện của bạn trên con đường hoàn thiện mục tiêu đề ra, giúp bạn giữ được những thói quen tốt và loại bỏ các thói xấu. </a:t>
+            </a:r>
+            <a:endParaRPr lang="en-US" dirty="0" smtClean="0"/>
+          </a:p>
+          <a:p>
+            <a:r>
+              <a:rPr lang="en-US" dirty="0" smtClean="0"/>
+              <a:t>- </a:t>
+            </a:r>
+            <a:r>
+              <a:rPr lang="vi-VN" dirty="0" smtClean="0"/>
+              <a:t>Bạn sẽ bắt đầu bằng việc bổ sung thói quen, mục tiêu. </a:t>
+            </a:r>
+            <a:endParaRPr lang="en-US" dirty="0" smtClean="0"/>
+          </a:p>
+          <a:p>
+            <a:r>
+              <a:rPr lang="en-US" dirty="0" smtClean="0"/>
+              <a:t>- </a:t>
+            </a:r>
+            <a:r>
+              <a:rPr lang="vi-VN" dirty="0" smtClean="0"/>
+              <a:t>Các tiện ích về lịch, nhắc nhở, ghi chú hay timeline sẽ giúp bạn dễ dàng hơn để sắp xếp mọi thứ.</a:t>
+            </a:r>
+            <a:endParaRPr lang="en-US" dirty="0"/>
           </a:p>
         </p:txBody>
       </p:sp>
@@ -1507,7 +1510,7 @@
           <a:bodyPr/>
           <a:lstStyle/>
           <a:p>
-            <a:fld id="{D04A47DB-1F8B-496C-952E-53D0A0D3ABF6}" type="slidenum">
+            <a:fld id="{A78B09CB-4F22-4D44-901C-878C5D273FE9}" type="slidenum">
               <a:rPr lang="en-US" smtClean="0"/>
               <a:t>21</a:t>
             </a:fld>
@@ -1518,7 +1521,7 @@
     </p:spTree>
     <p:extLst>
       <p:ext uri="{BB962C8B-B14F-4D97-AF65-F5344CB8AC3E}">
-        <p14:creationId xmlns:p14="http://schemas.microsoft.com/office/powerpoint/2010/main" val="4215923047"/>
+        <p14:creationId xmlns:p14="http://schemas.microsoft.com/office/powerpoint/2010/main" val="857490422"/>
       </p:ext>
     </p:extLst>
   </p:cSld>
@@ -1702,7 +1705,7 @@
           <a:p>
             <a:fld id="{D04A47DB-1F8B-496C-952E-53D0A0D3ABF6}" type="slidenum">
               <a:rPr lang="en-US" smtClean="0"/>
-              <a:t>22</a:t>
+              <a:t>23</a:t>
             </a:fld>
             <a:endParaRPr lang="en-US"/>
           </a:p>
@@ -1711,7 +1714,7 @@
     </p:spTree>
     <p:extLst>
       <p:ext uri="{BB962C8B-B14F-4D97-AF65-F5344CB8AC3E}">
-        <p14:creationId xmlns:p14="http://schemas.microsoft.com/office/powerpoint/2010/main" val="3853872316"/>
+        <p14:creationId xmlns:p14="http://schemas.microsoft.com/office/powerpoint/2010/main" val="1566133816"/>
       </p:ext>
     </p:extLst>
   </p:cSld>
@@ -1765,120 +1768,6 @@
           <a:bodyPr/>
           <a:lstStyle/>
           <a:p>
-            <a:r>
-              <a:rPr lang="en-US" dirty="0" smtClean="0"/>
-              <a:t>- </a:t>
-            </a:r>
-            <a:r>
-              <a:rPr lang="vi-VN" dirty="0" smtClean="0"/>
-              <a:t>VHT sẽ là một người đồng hành toàn diện của bạn trên con đường hoàn thiện mục tiêu đề ra, giúp bạn giữ được những thói quen tốt và loại bỏ các thói xấu. </a:t>
-            </a:r>
-            <a:endParaRPr lang="en-US" dirty="0" smtClean="0"/>
-          </a:p>
-          <a:p>
-            <a:r>
-              <a:rPr lang="en-US" dirty="0" smtClean="0"/>
-              <a:t>- </a:t>
-            </a:r>
-            <a:r>
-              <a:rPr lang="vi-VN" dirty="0" smtClean="0"/>
-              <a:t>Bạn sẽ bắt đầu bằng việc bổ sung thói quen, mục tiêu. </a:t>
-            </a:r>
-            <a:endParaRPr lang="en-US" dirty="0" smtClean="0"/>
-          </a:p>
-          <a:p>
-            <a:r>
-              <a:rPr lang="en-US" dirty="0" smtClean="0"/>
-              <a:t>- </a:t>
-            </a:r>
-            <a:r>
-              <a:rPr lang="vi-VN" dirty="0" smtClean="0"/>
-              <a:t>Các tiện ích về lịch, nhắc nhở, ghi chú hay timeline sẽ giúp bạn dễ dàng hơn để sắp xếp mọi thứ.</a:t>
-            </a:r>
-            <a:endParaRPr lang="en-US" dirty="0"/>
-          </a:p>
-        </p:txBody>
-      </p:sp>
-      <p:sp>
-        <p:nvSpPr>
-          <p:cNvPr id="4" name="Slide Number Placeholder 3"/>
-          <p:cNvSpPr>
-            <a:spLocks noGrp="1"/>
-          </p:cNvSpPr>
-          <p:nvPr>
-            <p:ph type="sldNum" sz="quarter" idx="10"/>
-          </p:nvPr>
-        </p:nvSpPr>
-        <p:spPr/>
-        <p:txBody>
-          <a:bodyPr/>
-          <a:lstStyle/>
-          <a:p>
-            <a:fld id="{A78B09CB-4F22-4D44-901C-878C5D273FE9}" type="slidenum">
-              <a:rPr lang="en-US" smtClean="0"/>
-              <a:t>23</a:t>
-            </a:fld>
-            <a:endParaRPr lang="en-US"/>
-          </a:p>
-        </p:txBody>
-      </p:sp>
-    </p:spTree>
-    <p:extLst>
-      <p:ext uri="{BB962C8B-B14F-4D97-AF65-F5344CB8AC3E}">
-        <p14:creationId xmlns:p14="http://schemas.microsoft.com/office/powerpoint/2010/main" val="857490422"/>
-      </p:ext>
-    </p:extLst>
-  </p:cSld>
-  <p:clrMapOvr>
-    <a:masterClrMapping/>
-  </p:clrMapOvr>
-</p:notes>
-</file>
-
-<file path=ppt/notesSlides/notesSlide22.xml><?xml version="1.0" encoding="utf-8"?>
-<p:notes xmlns:a="http://schemas.openxmlformats.org/drawingml/2006/main" xmlns:r="http://schemas.openxmlformats.org/officeDocument/2006/relationships" xmlns:p="http://schemas.openxmlformats.org/presentationml/2006/main">
-  <p:cSld>
-    <p:spTree>
-      <p:nvGrpSpPr>
-        <p:cNvPr id="1" name=""/>
-        <p:cNvGrpSpPr/>
-        <p:nvPr/>
-      </p:nvGrpSpPr>
-      <p:grpSpPr>
-        <a:xfrm>
-          <a:off x="0" y="0"/>
-          <a:ext cx="0" cy="0"/>
-          <a:chOff x="0" y="0"/>
-          <a:chExt cx="0" cy="0"/>
-        </a:xfrm>
-      </p:grpSpPr>
-      <p:sp>
-        <p:nvSpPr>
-          <p:cNvPr id="2" name="Slide Image Placeholder 1"/>
-          <p:cNvSpPr>
-            <a:spLocks noGrp="1" noRot="1" noChangeAspect="1"/>
-          </p:cNvSpPr>
-          <p:nvPr>
-            <p:ph type="sldImg"/>
-          </p:nvPr>
-        </p:nvSpPr>
-        <p:spPr/>
-      </p:sp>
-      <p:sp>
-        <p:nvSpPr>
-          <p:cNvPr id="3" name="Notes Placeholder 2"/>
-          <p:cNvSpPr>
-            <a:spLocks noGrp="1"/>
-          </p:cNvSpPr>
-          <p:nvPr>
-            <p:ph type="body" idx="1"/>
-          </p:nvPr>
-        </p:nvSpPr>
-        <p:spPr/>
-        <p:txBody>
-          <a:bodyPr/>
-          <a:lstStyle/>
-          <a:p>
             <a:pPr marL="0" marR="0" indent="0" algn="l" defTabSz="816282" rtl="0" eaLnBrk="1" fontAlgn="auto" latinLnBrk="0" hangingPunct="1">
               <a:lnSpc>
                 <a:spcPct val="100000"/>
@@ -1925,116 +1814,7 @@
           <a:p>
             <a:fld id="{D04A47DB-1F8B-496C-952E-53D0A0D3ABF6}" type="slidenum">
               <a:rPr lang="en-US" smtClean="0"/>
-              <a:t>25</a:t>
-            </a:fld>
-            <a:endParaRPr lang="en-US"/>
-          </a:p>
-        </p:txBody>
-      </p:sp>
-    </p:spTree>
-    <p:extLst>
-      <p:ext uri="{BB962C8B-B14F-4D97-AF65-F5344CB8AC3E}">
-        <p14:creationId xmlns:p14="http://schemas.microsoft.com/office/powerpoint/2010/main" val="1566133816"/>
-      </p:ext>
-    </p:extLst>
-  </p:cSld>
-  <p:clrMapOvr>
-    <a:masterClrMapping/>
-  </p:clrMapOvr>
-</p:notes>
-</file>
-
-<file path=ppt/notesSlides/notesSlide23.xml><?xml version="1.0" encoding="utf-8"?>
-<p:notes xmlns:a="http://schemas.openxmlformats.org/drawingml/2006/main" xmlns:r="http://schemas.openxmlformats.org/officeDocument/2006/relationships" xmlns:p="http://schemas.openxmlformats.org/presentationml/2006/main">
-  <p:cSld>
-    <p:spTree>
-      <p:nvGrpSpPr>
-        <p:cNvPr id="1" name=""/>
-        <p:cNvGrpSpPr/>
-        <p:nvPr/>
-      </p:nvGrpSpPr>
-      <p:grpSpPr>
-        <a:xfrm>
-          <a:off x="0" y="0"/>
-          <a:ext cx="0" cy="0"/>
-          <a:chOff x="0" y="0"/>
-          <a:chExt cx="0" cy="0"/>
-        </a:xfrm>
-      </p:grpSpPr>
-      <p:sp>
-        <p:nvSpPr>
-          <p:cNvPr id="2" name="Slide Image Placeholder 1"/>
-          <p:cNvSpPr>
-            <a:spLocks noGrp="1" noRot="1" noChangeAspect="1"/>
-          </p:cNvSpPr>
-          <p:nvPr>
-            <p:ph type="sldImg"/>
-          </p:nvPr>
-        </p:nvSpPr>
-        <p:spPr/>
-      </p:sp>
-      <p:sp>
-        <p:nvSpPr>
-          <p:cNvPr id="3" name="Notes Placeholder 2"/>
-          <p:cNvSpPr>
-            <a:spLocks noGrp="1"/>
-          </p:cNvSpPr>
-          <p:nvPr>
-            <p:ph type="body" idx="1"/>
-          </p:nvPr>
-        </p:nvSpPr>
-        <p:spPr/>
-        <p:txBody>
-          <a:bodyPr/>
-          <a:lstStyle/>
-          <a:p>
-            <a:pPr marL="0" marR="0" indent="0" algn="l" defTabSz="816282" rtl="0" eaLnBrk="1" fontAlgn="auto" latinLnBrk="0" hangingPunct="1">
-              <a:lnSpc>
-                <a:spcPct val="100000"/>
-              </a:lnSpc>
-              <a:spcBef>
-                <a:spcPts val="0"/>
-              </a:spcBef>
-              <a:spcAft>
-                <a:spcPts val="0"/>
-              </a:spcAft>
-              <a:buClrTx/>
-              <a:buSzTx/>
-              <a:buFontTx/>
-              <a:buNone/>
-              <a:tabLst/>
-              <a:defRPr/>
-            </a:pPr>
-            <a:endParaRPr lang="vi-VN" sz="1000" b="0" i="0" kern="1200" smtClean="0">
-              <a:solidFill>
-                <a:schemeClr val="tx1"/>
-              </a:solidFill>
-              <a:effectLst/>
-              <a:latin typeface="+mn-lt"/>
-              <a:ea typeface="+mn-ea"/>
-              <a:cs typeface="+mn-cs"/>
-            </a:endParaRPr>
-          </a:p>
-        </p:txBody>
-      </p:sp>
-      <p:sp>
-        <p:nvSpPr>
-          <p:cNvPr id="4" name="Slide Number Placeholder 3"/>
-          <p:cNvSpPr>
-            <a:spLocks noGrp="1"/>
-          </p:cNvSpPr>
-          <p:nvPr>
-            <p:ph type="sldNum" sz="quarter" idx="10"/>
-          </p:nvPr>
-        </p:nvSpPr>
-        <p:spPr/>
-        <p:txBody>
-          <a:bodyPr/>
-          <a:lstStyle/>
-          <a:p>
-            <a:fld id="{D04A47DB-1F8B-496C-952E-53D0A0D3ABF6}" type="slidenum">
-              <a:rPr lang="en-US" smtClean="0"/>
-              <a:t>26</a:t>
+              <a:t>24</a:t>
             </a:fld>
             <a:endParaRPr lang="en-US"/>
           </a:p>
@@ -2127,7 +1907,7 @@
     </p:spTree>
     <p:extLst>
       <p:ext uri="{BB962C8B-B14F-4D97-AF65-F5344CB8AC3E}">
-        <p14:creationId xmlns:p14="http://schemas.microsoft.com/office/powerpoint/2010/main" val="3097798761"/>
+        <p14:creationId xmlns:p14="http://schemas.microsoft.com/office/powerpoint/2010/main" val="2955572897"/>
       </p:ext>
     </p:extLst>
   </p:cSld>
@@ -2236,7 +2016,7 @@
     </p:spTree>
     <p:extLst>
       <p:ext uri="{BB962C8B-B14F-4D97-AF65-F5344CB8AC3E}">
-        <p14:creationId xmlns:p14="http://schemas.microsoft.com/office/powerpoint/2010/main" val="3696570404"/>
+        <p14:creationId xmlns:p14="http://schemas.microsoft.com/office/powerpoint/2010/main" val="572325596"/>
       </p:ext>
     </p:extLst>
   </p:cSld>
@@ -2307,7 +2087,7 @@
               <a:tabLst/>
               <a:defRPr/>
             </a:pPr>
-            <a:endParaRPr lang="en-US" sz="1000" b="0" i="0" kern="1200" dirty="0" smtClean="0">
+            <a:endParaRPr lang="vi-VN" sz="1000" b="0" i="0" kern="1200" dirty="0" smtClean="0">
               <a:solidFill>
                 <a:schemeClr val="tx1"/>
               </a:solidFill>
@@ -2345,7 +2125,7 @@
     </p:spTree>
     <p:extLst>
       <p:ext uri="{BB962C8B-B14F-4D97-AF65-F5344CB8AC3E}">
-        <p14:creationId xmlns:p14="http://schemas.microsoft.com/office/powerpoint/2010/main" val="3573535022"/>
+        <p14:creationId xmlns:p14="http://schemas.microsoft.com/office/powerpoint/2010/main" val="3587004078"/>
       </p:ext>
     </p:extLst>
   </p:cSld>
@@ -2399,6 +2179,98 @@
           <a:bodyPr/>
           <a:lstStyle/>
           <a:p>
+            <a:endParaRPr lang="en-US" sz="1000" kern="1200" dirty="0" smtClean="0">
+              <a:solidFill>
+                <a:schemeClr val="tx1"/>
+              </a:solidFill>
+              <a:effectLst/>
+              <a:latin typeface="+mn-lt"/>
+              <a:ea typeface="+mn-ea"/>
+              <a:cs typeface="+mn-cs"/>
+            </a:endParaRPr>
+          </a:p>
+        </p:txBody>
+      </p:sp>
+      <p:sp>
+        <p:nvSpPr>
+          <p:cNvPr id="4" name="Slide Number Placeholder 3"/>
+          <p:cNvSpPr>
+            <a:spLocks noGrp="1"/>
+          </p:cNvSpPr>
+          <p:nvPr>
+            <p:ph type="sldNum" sz="quarter" idx="10"/>
+          </p:nvPr>
+        </p:nvSpPr>
+        <p:spPr/>
+        <p:txBody>
+          <a:bodyPr/>
+          <a:lstStyle/>
+          <a:p>
+            <a:fld id="{D04A47DB-1F8B-496C-952E-53D0A0D3ABF6}" type="slidenum">
+              <a:rPr lang="en-US" smtClean="0"/>
+              <a:t>6</a:t>
+            </a:fld>
+            <a:endParaRPr lang="en-US"/>
+          </a:p>
+        </p:txBody>
+      </p:sp>
+    </p:spTree>
+    <p:extLst>
+      <p:ext uri="{BB962C8B-B14F-4D97-AF65-F5344CB8AC3E}">
+        <p14:creationId xmlns:p14="http://schemas.microsoft.com/office/powerpoint/2010/main" val="380497303"/>
+      </p:ext>
+    </p:extLst>
+  </p:cSld>
+  <p:clrMapOvr>
+    <a:masterClrMapping/>
+  </p:clrMapOvr>
+</p:notes>
+</file>
+
+<file path=ppt/notesSlides/notesSlide7.xml><?xml version="1.0" encoding="utf-8"?>
+<p:notes xmlns:a="http://schemas.openxmlformats.org/drawingml/2006/main" xmlns:r="http://schemas.openxmlformats.org/officeDocument/2006/relationships" xmlns:p="http://schemas.openxmlformats.org/presentationml/2006/main">
+  <p:cSld>
+    <p:spTree>
+      <p:nvGrpSpPr>
+        <p:cNvPr id="1" name=""/>
+        <p:cNvGrpSpPr/>
+        <p:nvPr/>
+      </p:nvGrpSpPr>
+      <p:grpSpPr>
+        <a:xfrm>
+          <a:off x="0" y="0"/>
+          <a:ext cx="0" cy="0"/>
+          <a:chOff x="0" y="0"/>
+          <a:chExt cx="0" cy="0"/>
+        </a:xfrm>
+      </p:grpSpPr>
+      <p:sp>
+        <p:nvSpPr>
+          <p:cNvPr id="2" name="Slide Image Placeholder 1"/>
+          <p:cNvSpPr>
+            <a:spLocks noGrp="1" noRot="1" noChangeAspect="1"/>
+          </p:cNvSpPr>
+          <p:nvPr>
+            <p:ph type="sldImg"/>
+          </p:nvPr>
+        </p:nvSpPr>
+        <p:spPr/>
+      </p:sp>
+      <p:sp>
+        <p:nvSpPr>
+          <p:cNvPr id="3" name="Notes Placeholder 2"/>
+          <p:cNvSpPr>
+            <a:spLocks noGrp="1"/>
+          </p:cNvSpPr>
+          <p:nvPr>
+            <p:ph type="body" idx="1"/>
+          </p:nvPr>
+        </p:nvSpPr>
+        <p:spPr/>
+        <p:txBody>
+          <a:bodyPr/>
+          <a:lstStyle/>
+          <a:p>
             <a:pPr marL="0" marR="0" indent="0" algn="l" defTabSz="816282" rtl="0" eaLnBrk="1" fontAlgn="auto" latinLnBrk="0" hangingPunct="1">
               <a:lnSpc>
                 <a:spcPct val="100000"/>
@@ -2445,7 +2317,7 @@
           <a:p>
             <a:fld id="{D04A47DB-1F8B-496C-952E-53D0A0D3ABF6}" type="slidenum">
               <a:rPr lang="en-US" smtClean="0"/>
-              <a:t>6</a:t>
+              <a:t>7</a:t>
             </a:fld>
             <a:endParaRPr lang="en-US"/>
           </a:p>
@@ -2454,99 +2326,7 @@
     </p:spTree>
     <p:extLst>
       <p:ext uri="{BB962C8B-B14F-4D97-AF65-F5344CB8AC3E}">
-        <p14:creationId xmlns:p14="http://schemas.microsoft.com/office/powerpoint/2010/main" val="3587004078"/>
-      </p:ext>
-    </p:extLst>
-  </p:cSld>
-  <p:clrMapOvr>
-    <a:masterClrMapping/>
-  </p:clrMapOvr>
-</p:notes>
-</file>
-
-<file path=ppt/notesSlides/notesSlide7.xml><?xml version="1.0" encoding="utf-8"?>
-<p:notes xmlns:a="http://schemas.openxmlformats.org/drawingml/2006/main" xmlns:r="http://schemas.openxmlformats.org/officeDocument/2006/relationships" xmlns:p="http://schemas.openxmlformats.org/presentationml/2006/main">
-  <p:cSld>
-    <p:spTree>
-      <p:nvGrpSpPr>
-        <p:cNvPr id="1" name=""/>
-        <p:cNvGrpSpPr/>
-        <p:nvPr/>
-      </p:nvGrpSpPr>
-      <p:grpSpPr>
-        <a:xfrm>
-          <a:off x="0" y="0"/>
-          <a:ext cx="0" cy="0"/>
-          <a:chOff x="0" y="0"/>
-          <a:chExt cx="0" cy="0"/>
-        </a:xfrm>
-      </p:grpSpPr>
-      <p:sp>
-        <p:nvSpPr>
-          <p:cNvPr id="2" name="Slide Image Placeholder 1"/>
-          <p:cNvSpPr>
-            <a:spLocks noGrp="1" noRot="1" noChangeAspect="1"/>
-          </p:cNvSpPr>
-          <p:nvPr>
-            <p:ph type="sldImg"/>
-          </p:nvPr>
-        </p:nvSpPr>
-        <p:spPr/>
-      </p:sp>
-      <p:sp>
-        <p:nvSpPr>
-          <p:cNvPr id="3" name="Notes Placeholder 2"/>
-          <p:cNvSpPr>
-            <a:spLocks noGrp="1"/>
-          </p:cNvSpPr>
-          <p:nvPr>
-            <p:ph type="body" idx="1"/>
-          </p:nvPr>
-        </p:nvSpPr>
-        <p:spPr/>
-        <p:txBody>
-          <a:bodyPr/>
-          <a:lstStyle/>
-          <a:p>
-            <a:endParaRPr lang="en-US" sz="1000" kern="1200" dirty="0" smtClean="0">
-              <a:solidFill>
-                <a:schemeClr val="tx1"/>
-              </a:solidFill>
-              <a:effectLst/>
-              <a:latin typeface="+mn-lt"/>
-              <a:ea typeface="+mn-ea"/>
-              <a:cs typeface="+mn-cs"/>
-            </a:endParaRPr>
-          </a:p>
-        </p:txBody>
-      </p:sp>
-      <p:sp>
-        <p:nvSpPr>
-          <p:cNvPr id="4" name="Slide Number Placeholder 3"/>
-          <p:cNvSpPr>
-            <a:spLocks noGrp="1"/>
-          </p:cNvSpPr>
-          <p:nvPr>
-            <p:ph type="sldNum" sz="quarter" idx="10"/>
-          </p:nvPr>
-        </p:nvSpPr>
-        <p:spPr/>
-        <p:txBody>
-          <a:bodyPr/>
-          <a:lstStyle/>
-          <a:p>
-            <a:fld id="{D04A47DB-1F8B-496C-952E-53D0A0D3ABF6}" type="slidenum">
-              <a:rPr lang="en-US" smtClean="0"/>
-              <a:t>7</a:t>
-            </a:fld>
-            <a:endParaRPr lang="en-US"/>
-          </a:p>
-        </p:txBody>
-      </p:sp>
-    </p:spTree>
-    <p:extLst>
-      <p:ext uri="{BB962C8B-B14F-4D97-AF65-F5344CB8AC3E}">
-        <p14:creationId xmlns:p14="http://schemas.microsoft.com/office/powerpoint/2010/main" val="380497303"/>
+        <p14:creationId xmlns:p14="http://schemas.microsoft.com/office/powerpoint/2010/main" val="2372194352"/>
       </p:ext>
     </p:extLst>
   </p:cSld>
@@ -2600,7 +2380,24 @@
           <a:bodyPr/>
           <a:lstStyle/>
           <a:p>
-            <a:endParaRPr lang="en-US" sz="1000" kern="1200" dirty="0" smtClean="0">
+            <a:pPr marL="0" marR="0" indent="0" algn="l" defTabSz="816282" rtl="0" eaLnBrk="1" fontAlgn="auto" latinLnBrk="0" hangingPunct="1">
+              <a:lnSpc>
+                <a:spcPct val="100000"/>
+              </a:lnSpc>
+              <a:spcBef>
+                <a:spcPts val="0"/>
+              </a:spcBef>
+              <a:spcAft>
+                <a:spcPts val="0"/>
+              </a:spcAft>
+              <a:buClrTx/>
+              <a:buSzTx/>
+              <a:buFontTx/>
+              <a:buNone/>
+              <a:tabLst/>
+              <a:defRPr/>
+            </a:pPr>
+            <a:endParaRPr lang="en-US" sz="1000" b="0" i="0" kern="1200" baseline="0" dirty="0" smtClean="0">
               <a:solidFill>
                 <a:schemeClr val="tx1"/>
               </a:solidFill>
@@ -2638,7 +2435,7 @@
     </p:spTree>
     <p:extLst>
       <p:ext uri="{BB962C8B-B14F-4D97-AF65-F5344CB8AC3E}">
-        <p14:creationId xmlns:p14="http://schemas.microsoft.com/office/powerpoint/2010/main" val="4036152701"/>
+        <p14:creationId xmlns:p14="http://schemas.microsoft.com/office/powerpoint/2010/main" val="1264361630"/>
       </p:ext>
     </p:extLst>
   </p:cSld>
@@ -2738,7 +2535,7 @@
           <a:p>
             <a:fld id="{D04A47DB-1F8B-496C-952E-53D0A0D3ABF6}" type="slidenum">
               <a:rPr lang="en-US" smtClean="0"/>
-              <a:t>9</a:t>
+              <a:t>11</a:t>
             </a:fld>
             <a:endParaRPr lang="en-US"/>
           </a:p>
@@ -2747,7 +2544,7 @@
     </p:spTree>
     <p:extLst>
       <p:ext uri="{BB962C8B-B14F-4D97-AF65-F5344CB8AC3E}">
-        <p14:creationId xmlns:p14="http://schemas.microsoft.com/office/powerpoint/2010/main" val="2372194352"/>
+        <p14:creationId xmlns:p14="http://schemas.microsoft.com/office/powerpoint/2010/main" val="1805408717"/>
       </p:ext>
     </p:extLst>
   </p:cSld>
@@ -2983,7 +2780,7 @@
           <a:p>
             <a:fld id="{D7214AD1-EAE3-4505-9A4F-31CB8D66BD8A}" type="datetimeFigureOut">
               <a:rPr lang="en-US" smtClean="0"/>
-              <a:t>11/30/2018</a:t>
+              <a:t>12/2/2018</a:t>
             </a:fld>
             <a:endParaRPr lang="en-US"/>
           </a:p>
@@ -3191,7 +2988,7 @@
           <a:p>
             <a:fld id="{D7214AD1-EAE3-4505-9A4F-31CB8D66BD8A}" type="datetimeFigureOut">
               <a:rPr lang="en-US" smtClean="0"/>
-              <a:t>11/30/2018</a:t>
+              <a:t>12/2/2018</a:t>
             </a:fld>
             <a:endParaRPr lang="en-US"/>
           </a:p>
@@ -3447,7 +3244,7 @@
           <a:p>
             <a:fld id="{D7214AD1-EAE3-4505-9A4F-31CB8D66BD8A}" type="datetimeFigureOut">
               <a:rPr lang="en-US" smtClean="0"/>
-              <a:t>11/30/2018</a:t>
+              <a:t>12/2/2018</a:t>
             </a:fld>
             <a:endParaRPr lang="en-US"/>
           </a:p>
@@ -3617,7 +3414,7 @@
           <a:p>
             <a:fld id="{D7214AD1-EAE3-4505-9A4F-31CB8D66BD8A}" type="datetimeFigureOut">
               <a:rPr lang="en-US" smtClean="0"/>
-              <a:t>11/30/2018</a:t>
+              <a:t>12/2/2018</a:t>
             </a:fld>
             <a:endParaRPr lang="en-US"/>
           </a:p>
@@ -3960,7 +3757,7 @@
           <a:p>
             <a:fld id="{D7214AD1-EAE3-4505-9A4F-31CB8D66BD8A}" type="datetimeFigureOut">
               <a:rPr lang="en-US" smtClean="0"/>
-              <a:t>11/30/2018</a:t>
+              <a:t>12/2/2018</a:t>
             </a:fld>
             <a:endParaRPr lang="en-US"/>
           </a:p>
@@ -4235,7 +4032,7 @@
           <a:p>
             <a:fld id="{D7214AD1-EAE3-4505-9A4F-31CB8D66BD8A}" type="datetimeFigureOut">
               <a:rPr lang="en-US" smtClean="0"/>
-              <a:t>11/30/2018</a:t>
+              <a:t>12/2/2018</a:t>
             </a:fld>
             <a:endParaRPr lang="en-US"/>
           </a:p>
@@ -4614,7 +4411,7 @@
           <a:p>
             <a:fld id="{D7214AD1-EAE3-4505-9A4F-31CB8D66BD8A}" type="datetimeFigureOut">
               <a:rPr lang="en-US" smtClean="0"/>
-              <a:t>11/30/2018</a:t>
+              <a:t>12/2/2018</a:t>
             </a:fld>
             <a:endParaRPr lang="en-US"/>
           </a:p>
@@ -4732,7 +4529,7 @@
           <a:p>
             <a:fld id="{D7214AD1-EAE3-4505-9A4F-31CB8D66BD8A}" type="datetimeFigureOut">
               <a:rPr lang="en-US" smtClean="0"/>
-              <a:t>11/30/2018</a:t>
+              <a:t>12/2/2018</a:t>
             </a:fld>
             <a:endParaRPr lang="en-US"/>
           </a:p>
@@ -4903,7 +4700,7 @@
           <a:p>
             <a:fld id="{D7214AD1-EAE3-4505-9A4F-31CB8D66BD8A}" type="datetimeFigureOut">
               <a:rPr lang="en-US" smtClean="0"/>
-              <a:t>11/30/2018</a:t>
+              <a:t>12/2/2018</a:t>
             </a:fld>
             <a:endParaRPr lang="en-US"/>
           </a:p>
@@ -5257,7 +5054,7 @@
           <a:p>
             <a:fld id="{D7214AD1-EAE3-4505-9A4F-31CB8D66BD8A}" type="datetimeFigureOut">
               <a:rPr lang="en-US" smtClean="0"/>
-              <a:t>11/30/2018</a:t>
+              <a:t>12/2/2018</a:t>
             </a:fld>
             <a:endParaRPr lang="en-US"/>
           </a:p>
@@ -5634,7 +5431,7 @@
           <a:p>
             <a:fld id="{D7214AD1-EAE3-4505-9A4F-31CB8D66BD8A}" type="datetimeFigureOut">
               <a:rPr lang="en-US" smtClean="0"/>
-              <a:t>11/30/2018</a:t>
+              <a:t>12/2/2018</a:t>
             </a:fld>
             <a:endParaRPr lang="en-US"/>
           </a:p>
@@ -5921,7 +5718,7 @@
           <a:p>
             <a:fld id="{D7214AD1-EAE3-4505-9A4F-31CB8D66BD8A}" type="datetimeFigureOut">
               <a:rPr lang="en-US" smtClean="0"/>
-              <a:t>11/30/2018</a:t>
+              <a:t>12/2/2018</a:t>
             </a:fld>
             <a:endParaRPr lang="en-US"/>
           </a:p>
@@ -6467,6 +6264,7 @@
           </a:bodyPr>
           <a:lstStyle/>
           <a:p>
+            <a:pPr algn="ctr"/>
             <a:r>
               <a:rPr lang="en-US" sz="3000" b="1" dirty="0" smtClean="0">
                 <a:latin typeface="Cambria" panose="02040503050406030204" pitchFamily="18" charset="0"/>
@@ -6833,251 +6631,60 @@
           <a:chExt cx="0" cy="0"/>
         </a:xfrm>
       </p:grpSpPr>
-      <p:cxnSp>
-        <p:nvCxnSpPr>
-          <p:cNvPr id="7" name="Straight Connector 6"/>
-          <p:cNvCxnSpPr/>
+      <p:sp>
+        <p:nvSpPr>
+          <p:cNvPr id="2" name="Title 1"/>
+          <p:cNvSpPr>
+            <a:spLocks noGrp="1"/>
+          </p:cNvSpPr>
+          <p:nvPr>
+            <p:ph type="title"/>
+          </p:nvPr>
+        </p:nvSpPr>
+        <p:spPr/>
+        <p:txBody>
+          <a:bodyPr/>
+          <a:lstStyle/>
+          <a:p>
+            <a:pPr lvl="1" algn="l" rtl="0">
+              <a:spcBef>
+                <a:spcPct val="0"/>
+              </a:spcBef>
+            </a:pPr>
+            <a:r>
+              <a:rPr lang="en-US" b="1" dirty="0"/>
+              <a:t/>
+            </a:r>
+            <a:br>
+              <a:rPr lang="en-US" b="1" dirty="0"/>
+            </a:br>
+            <a:endParaRPr lang="en-US" dirty="0"/>
+          </a:p>
+        </p:txBody>
+      </p:sp>
+      <p:sp>
+        <p:nvSpPr>
+          <p:cNvPr id="5" name="Rectangle 4"/>
+          <p:cNvSpPr/>
           <p:nvPr/>
-        </p:nvCxnSpPr>
+        </p:nvSpPr>
         <p:spPr>
           <a:xfrm>
-            <a:off x="5181600" y="1600200"/>
-            <a:ext cx="5384800" cy="0"/>
-          </a:xfrm>
-          <a:prstGeom prst="line">
-            <a:avLst/>
-          </a:prstGeom>
-        </p:spPr>
-        <p:style>
-          <a:lnRef idx="1">
-            <a:schemeClr val="accent1"/>
-          </a:lnRef>
-          <a:fillRef idx="0">
-            <a:schemeClr val="accent1"/>
-          </a:fillRef>
-          <a:effectRef idx="0">
-            <a:schemeClr val="accent1"/>
-          </a:effectRef>
-          <a:fontRef idx="minor">
-            <a:schemeClr val="tx1"/>
-          </a:fontRef>
-        </p:style>
-      </p:cxnSp>
-      <p:cxnSp>
-        <p:nvCxnSpPr>
-          <p:cNvPr id="8" name="Straight Connector 7"/>
-          <p:cNvCxnSpPr/>
-          <p:nvPr/>
-        </p:nvCxnSpPr>
-        <p:spPr>
-          <a:xfrm flipV="1">
-            <a:off x="11480800" y="279400"/>
-            <a:ext cx="0" cy="3251200"/>
-          </a:xfrm>
-          <a:prstGeom prst="line">
-            <a:avLst/>
-          </a:prstGeom>
-        </p:spPr>
-        <p:style>
-          <a:lnRef idx="1">
-            <a:schemeClr val="accent1"/>
-          </a:lnRef>
-          <a:fillRef idx="0">
-            <a:schemeClr val="accent1"/>
-          </a:fillRef>
-          <a:effectRef idx="0">
-            <a:schemeClr val="accent1"/>
-          </a:effectRef>
-          <a:fontRef idx="minor">
-            <a:schemeClr val="tx1"/>
-          </a:fontRef>
-        </p:style>
-      </p:cxnSp>
-      <p:cxnSp>
-        <p:nvCxnSpPr>
-          <p:cNvPr id="12" name="Straight Connector 11"/>
-          <p:cNvCxnSpPr/>
-          <p:nvPr/>
-        </p:nvCxnSpPr>
-        <p:spPr>
-          <a:xfrm flipV="1">
-            <a:off x="11379200" y="517799"/>
-            <a:ext cx="0" cy="2708004"/>
-          </a:xfrm>
-          <a:prstGeom prst="line">
-            <a:avLst/>
-          </a:prstGeom>
-        </p:spPr>
-        <p:style>
-          <a:lnRef idx="1">
-            <a:schemeClr val="accent1"/>
-          </a:lnRef>
-          <a:fillRef idx="0">
-            <a:schemeClr val="accent1"/>
-          </a:fillRef>
-          <a:effectRef idx="0">
-            <a:schemeClr val="accent1"/>
-          </a:effectRef>
-          <a:fontRef idx="minor">
-            <a:schemeClr val="tx1"/>
-          </a:fontRef>
-        </p:style>
-      </p:cxnSp>
-      <p:cxnSp>
-        <p:nvCxnSpPr>
-          <p:cNvPr id="17" name="Straight Connector 16"/>
-          <p:cNvCxnSpPr/>
-          <p:nvPr/>
-        </p:nvCxnSpPr>
-        <p:spPr>
-          <a:xfrm>
-            <a:off x="1930400" y="1600200"/>
-            <a:ext cx="2133600" cy="0"/>
-          </a:xfrm>
-          <a:prstGeom prst="line">
-            <a:avLst/>
-          </a:prstGeom>
-        </p:spPr>
-        <p:style>
-          <a:lnRef idx="1">
-            <a:schemeClr val="accent1"/>
-          </a:lnRef>
-          <a:fillRef idx="0">
-            <a:schemeClr val="accent1"/>
-          </a:fillRef>
-          <a:effectRef idx="0">
-            <a:schemeClr val="accent1"/>
-          </a:effectRef>
-          <a:fontRef idx="minor">
-            <a:schemeClr val="tx1"/>
-          </a:fontRef>
-        </p:style>
-      </p:cxnSp>
-      <p:pic>
-        <p:nvPicPr>
-          <p:cNvPr id="3074" name="Picture 2" descr="C:\Users\ASUS\Desktop\Slide-UniStar\Tech-Icon.png"/>
-          <p:cNvPicPr>
-            <a:picLocks noChangeAspect="1" noChangeArrowheads="1"/>
-          </p:cNvPicPr>
-          <p:nvPr/>
-        </p:nvPicPr>
-        <p:blipFill>
-          <a:blip r:embed="rId3" cstate="print">
-            <a:extLst>
-              <a:ext uri="{28A0092B-C50C-407E-A947-70E740481C1C}">
-                <a14:useLocalDpi xmlns:a14="http://schemas.microsoft.com/office/drawing/2010/main" val="0"/>
-              </a:ext>
-            </a:extLst>
-          </a:blip>
-          <a:srcRect/>
-          <a:stretch>
-            <a:fillRect/>
-          </a:stretch>
-        </p:blipFill>
-        <p:spPr bwMode="auto">
-          <a:xfrm>
-            <a:off x="4155440" y="1168400"/>
-            <a:ext cx="939800" cy="939800"/>
+            <a:off x="3642360" y="836154"/>
+            <a:ext cx="6927427" cy="584775"/>
           </a:xfrm>
           <a:prstGeom prst="rect">
             <a:avLst/>
           </a:prstGeom>
-          <a:noFill/>
-          <a:extLst>
-            <a:ext uri="{909E8E84-426E-40DD-AFC4-6F175D3DCCD1}">
-              <a14:hiddenFill xmlns:a14="http://schemas.microsoft.com/office/drawing/2010/main">
-                <a:solidFill>
-                  <a:srgbClr val="FFFFFF"/>
-                </a:solidFill>
-              </a14:hiddenFill>
-            </a:ext>
-          </a:extLst>
-        </p:spPr>
-      </p:pic>
-      <p:pic>
-        <p:nvPicPr>
-          <p:cNvPr id="16" name="Picture 15" descr="D:\REI-Project\Document\Final report\photo.jpg.png"/>
-          <p:cNvPicPr>
-            <a:picLocks noChangeAspect="1" noChangeArrowheads="1"/>
-          </p:cNvPicPr>
-          <p:nvPr/>
-        </p:nvPicPr>
-        <p:blipFill>
-          <a:blip r:embed="rId4" cstate="print">
-            <a:extLst>
-              <a:ext uri="{28A0092B-C50C-407E-A947-70E740481C1C}">
-                <a14:useLocalDpi xmlns:a14="http://schemas.microsoft.com/office/drawing/2010/main" val="0"/>
-              </a:ext>
-            </a:extLst>
-          </a:blip>
-          <a:srcRect/>
-          <a:stretch>
-            <a:fillRect/>
-          </a:stretch>
-        </p:blipFill>
-        <p:spPr bwMode="auto">
-          <a:xfrm>
-            <a:off x="8257918" y="2588507"/>
-            <a:ext cx="2235200" cy="2235200"/>
-          </a:xfrm>
-          <a:prstGeom prst="rect">
-            <a:avLst/>
-          </a:prstGeom>
-          <a:noFill/>
-          <a:extLst>
-            <a:ext uri="{909E8E84-426E-40DD-AFC4-6F175D3DCCD1}">
-              <a14:hiddenFill xmlns:a14="http://schemas.microsoft.com/office/drawing/2010/main">
-                <a:solidFill>
-                  <a:srgbClr val="FFFFFF"/>
-                </a:solidFill>
-              </a14:hiddenFill>
-            </a:ext>
-          </a:extLst>
-        </p:spPr>
-      </p:pic>
-      <p:sp>
-        <p:nvSpPr>
-          <p:cNvPr id="18" name="Title 1"/>
-          <p:cNvSpPr txBox="1">
-            <a:spLocks/>
-          </p:cNvSpPr>
-          <p:nvPr/>
-        </p:nvSpPr>
-        <p:spPr>
-          <a:xfrm>
-            <a:off x="4596771" y="478853"/>
-            <a:ext cx="6172829" cy="778932"/>
-          </a:xfrm>
-          <a:prstGeom prst="rect">
-            <a:avLst/>
-          </a:prstGeom>
         </p:spPr>
         <p:txBody>
-          <a:bodyPr vert="horz" lIns="108837" tIns="54419" rIns="108837" bIns="54419" anchor="b">
-            <a:normAutofit/>
+          <a:bodyPr wrap="square">
+            <a:spAutoFit/>
           </a:bodyPr>
-          <a:lstStyle>
-            <a:lvl1pPr algn="l" rtl="0" eaLnBrk="1" latinLnBrk="0" hangingPunct="1">
-              <a:spcBef>
-                <a:spcPct val="0"/>
-              </a:spcBef>
-              <a:buNone/>
-              <a:defRPr kumimoji="0" sz="2600" b="0" kern="1200" cap="small" baseline="0">
-                <a:solidFill>
-                  <a:schemeClr val="tx2"/>
-                </a:solidFill>
-                <a:latin typeface="+mj-lt"/>
-                <a:ea typeface="+mj-ea"/>
-                <a:cs typeface="+mj-cs"/>
-              </a:defRPr>
-            </a:lvl1pPr>
-          </a:lstStyle>
-          <a:p>
-            <a:r>
-              <a:rPr lang="en-US" sz="4000" b="1" dirty="0">
-                <a:solidFill>
-                  <a:schemeClr val="tx1"/>
-                </a:solidFill>
+          <a:lstStyle/>
+          <a:p>
+            <a:r>
+              <a:rPr lang="en-US" sz="3200" b="1" dirty="0">
                 <a:effectLst>
                   <a:outerShdw blurRad="38100" dist="38100" dir="2700000" algn="tl">
                     <a:srgbClr val="000000">
@@ -7087,21 +6694,42 @@
                 </a:effectLst>
                 <a:latin typeface="Cambria" pitchFamily="18" charset="0"/>
               </a:rPr>
-              <a:t>TECHNOLOGIES</a:t>
-            </a:r>
+              <a:t>System </a:t>
+            </a:r>
+            <a:r>
+              <a:rPr lang="en-US" sz="3200" b="1" dirty="0" smtClean="0">
+                <a:effectLst>
+                  <a:outerShdw blurRad="38100" dist="38100" dir="2700000" algn="tl">
+                    <a:srgbClr val="000000">
+                      <a:alpha val="43137"/>
+                    </a:srgbClr>
+                  </a:outerShdw>
+                </a:effectLst>
+                <a:latin typeface="Cambria" pitchFamily="18" charset="0"/>
+              </a:rPr>
+              <a:t>Architectural for Web</a:t>
+            </a:r>
+            <a:endParaRPr lang="en-US" sz="3200" b="1" dirty="0">
+              <a:effectLst>
+                <a:outerShdw blurRad="38100" dist="38100" dir="2700000" algn="tl">
+                  <a:srgbClr val="000000">
+                    <a:alpha val="43137"/>
+                  </a:srgbClr>
+                </a:outerShdw>
+              </a:effectLst>
+              <a:latin typeface="Cambria" pitchFamily="18" charset="0"/>
+            </a:endParaRPr>
           </a:p>
         </p:txBody>
       </p:sp>
       <p:pic>
         <p:nvPicPr>
-          <p:cNvPr id="11" name="Picture 10"/>
-          <p:cNvPicPr>
-            <a:picLocks noChangeAspect="1"/>
-          </p:cNvPicPr>
+          <p:cNvPr id="7" name="Picture 6"/>
+          <p:cNvPicPr/>
           <p:nvPr/>
         </p:nvPicPr>
         <p:blipFill>
-          <a:blip r:embed="rId5" cstate="print">
+          <a:blip r:embed="rId2">
             <a:extLst>
               <a:ext uri="{28A0092B-C50C-407E-A947-70E740481C1C}">
                 <a14:useLocalDpi xmlns:a14="http://schemas.microsoft.com/office/drawing/2010/main" val="0"/>
@@ -7114,100 +6742,18 @@
         </p:blipFill>
         <p:spPr>
           <a:xfrm>
-            <a:off x="563491" y="101358"/>
-            <a:ext cx="1614283" cy="1469592"/>
+            <a:off x="3025914" y="2218635"/>
+            <a:ext cx="7722447" cy="3593253"/>
           </a:xfrm>
           <a:prstGeom prst="rect">
             <a:avLst/>
           </a:prstGeom>
-        </p:spPr>
-      </p:pic>
-      <p:pic>
-        <p:nvPicPr>
-          <p:cNvPr id="1026" name="Picture 2" descr="HÃ¬nh áº£nh cÃ³ liÃªn quan"/>
-          <p:cNvPicPr>
-            <a:picLocks noChangeAspect="1" noChangeArrowheads="1"/>
-          </p:cNvPicPr>
-          <p:nvPr/>
-        </p:nvPicPr>
-        <p:blipFill>
-          <a:blip r:embed="rId6" cstate="print">
-            <a:extLst>
-              <a:ext uri="{28A0092B-C50C-407E-A947-70E740481C1C}">
-                <a14:useLocalDpi xmlns:a14="http://schemas.microsoft.com/office/drawing/2010/main" val="0"/>
-              </a:ext>
-            </a:extLst>
-          </a:blip>
-          <a:srcRect/>
-          <a:stretch>
-            <a:fillRect/>
-          </a:stretch>
-        </p:blipFill>
-        <p:spPr bwMode="auto">
-          <a:xfrm>
-            <a:off x="4064000" y="2588507"/>
-            <a:ext cx="4193918" cy="2359079"/>
-          </a:xfrm>
-          <a:prstGeom prst="rect">
-            <a:avLst/>
-          </a:prstGeom>
-          <a:noFill/>
-          <a:extLst>
-            <a:ext uri="{909E8E84-426E-40DD-AFC4-6F175D3DCCD1}">
-              <a14:hiddenFill xmlns:a14="http://schemas.microsoft.com/office/drawing/2010/main">
-                <a:solidFill>
-                  <a:srgbClr val="FFFFFF"/>
-                </a:solidFill>
-              </a14:hiddenFill>
-            </a:ext>
-          </a:extLst>
-        </p:spPr>
-      </p:pic>
-      <p:pic>
-        <p:nvPicPr>
-          <p:cNvPr id="1028" name="Picture 4" descr="HÃ¬nh áº£nh cÃ³ liÃªn quan"/>
-          <p:cNvPicPr>
-            <a:picLocks noChangeAspect="1" noChangeArrowheads="1"/>
-          </p:cNvPicPr>
-          <p:nvPr/>
-        </p:nvPicPr>
-        <p:blipFill>
-          <a:blip r:embed="rId7" cstate="print">
-            <a:extLst>
-              <a:ext uri="{28A0092B-C50C-407E-A947-70E740481C1C}">
-                <a14:useLocalDpi xmlns:a14="http://schemas.microsoft.com/office/drawing/2010/main" val="0"/>
-              </a:ext>
-            </a:extLst>
-          </a:blip>
-          <a:srcRect/>
-          <a:stretch>
-            <a:fillRect/>
-          </a:stretch>
-        </p:blipFill>
-        <p:spPr bwMode="auto">
-          <a:xfrm>
-            <a:off x="1930400" y="2941898"/>
-            <a:ext cx="1881809" cy="1881809"/>
-          </a:xfrm>
-          <a:prstGeom prst="rect">
-            <a:avLst/>
-          </a:prstGeom>
-          <a:noFill/>
-          <a:extLst>
-            <a:ext uri="{909E8E84-426E-40DD-AFC4-6F175D3DCCD1}">
-              <a14:hiddenFill xmlns:a14="http://schemas.microsoft.com/office/drawing/2010/main">
-                <a:solidFill>
-                  <a:srgbClr val="FFFFFF"/>
-                </a:solidFill>
-              </a14:hiddenFill>
-            </a:ext>
-          </a:extLst>
         </p:spPr>
       </p:pic>
     </p:spTree>
     <p:extLst>
       <p:ext uri="{BB962C8B-B14F-4D97-AF65-F5344CB8AC3E}">
-        <p14:creationId xmlns:p14="http://schemas.microsoft.com/office/powerpoint/2010/main" val="1657090392"/>
+        <p14:creationId xmlns:p14="http://schemas.microsoft.com/office/powerpoint/2010/main" val="2573984133"/>
       </p:ext>
     </p:extLst>
   </p:cSld>
@@ -7263,50 +6809,38 @@
             <p:ph type="title"/>
           </p:nvPr>
         </p:nvSpPr>
-        <p:spPr/>
-        <p:txBody>
-          <a:bodyPr/>
-          <a:lstStyle/>
-          <a:p>
-            <a:pPr lvl="1" algn="l" rtl="0">
-              <a:spcBef>
-                <a:spcPct val="0"/>
-              </a:spcBef>
-            </a:pPr>
-            <a:r>
-              <a:rPr lang="en-US" b="1" dirty="0"/>
-              <a:t/>
-            </a:r>
-            <a:br>
-              <a:rPr lang="en-US" b="1" dirty="0"/>
-            </a:br>
-            <a:endParaRPr lang="en-US" dirty="0"/>
-          </a:p>
-        </p:txBody>
-      </p:sp>
-      <p:sp>
-        <p:nvSpPr>
-          <p:cNvPr id="5" name="Rectangle 4"/>
-          <p:cNvSpPr/>
-          <p:nvPr/>
-        </p:nvSpPr>
         <p:spPr>
           <a:xfrm>
-            <a:off x="3220279" y="543766"/>
-            <a:ext cx="7817310" cy="584775"/>
-          </a:xfrm>
-          <a:prstGeom prst="rect">
-            <a:avLst/>
-          </a:prstGeom>
-        </p:spPr>
+            <a:off x="2631440" y="2413004"/>
+            <a:ext cx="6807200" cy="812799"/>
+          </a:xfrm>
+        </p:spPr>
+        <p:style>
+          <a:lnRef idx="1">
+            <a:schemeClr val="accent1"/>
+          </a:lnRef>
+          <a:fillRef idx="2">
+            <a:schemeClr val="accent1"/>
+          </a:fillRef>
+          <a:effectRef idx="1">
+            <a:schemeClr val="accent1"/>
+          </a:effectRef>
+          <a:fontRef idx="minor">
+            <a:schemeClr val="dk1"/>
+          </a:fontRef>
+        </p:style>
         <p:txBody>
-          <a:bodyPr wrap="square">
-            <a:spAutoFit/>
+          <a:bodyPr>
+            <a:noAutofit/>
           </a:bodyPr>
           <a:lstStyle/>
           <a:p>
-            <a:r>
-              <a:rPr lang="en-US" sz="3200" b="1" dirty="0">
+            <a:pPr algn="ctr"/>
+            <a:r>
+              <a:rPr lang="en-US" sz="4667" b="1">
+                <a:solidFill>
+                  <a:schemeClr val="tx1"/>
+                </a:solidFill>
                 <a:effectLst>
                   <a:outerShdw blurRad="38100" dist="38100" dir="2700000" algn="tl">
                     <a:srgbClr val="000000">
@@ -7316,90 +6850,105 @@
                 </a:effectLst>
                 <a:latin typeface="Cambria" pitchFamily="18" charset="0"/>
               </a:rPr>
-              <a:t>System Architectural </a:t>
-            </a:r>
-            <a:r>
-              <a:rPr lang="en-US" sz="3200" b="1" dirty="0" smtClean="0">
-                <a:effectLst>
-                  <a:outerShdw blurRad="38100" dist="38100" dir="2700000" algn="tl">
-                    <a:srgbClr val="000000">
-                      <a:alpha val="43137"/>
-                    </a:srgbClr>
-                  </a:outerShdw>
-                </a:effectLst>
-                <a:latin typeface="Cambria" pitchFamily="18" charset="0"/>
-              </a:rPr>
-              <a:t>For Android Design</a:t>
-            </a:r>
-            <a:endParaRPr lang="en-US" sz="3200" b="1" dirty="0">
-              <a:effectLst>
-                <a:outerShdw blurRad="38100" dist="38100" dir="2700000" algn="tl">
-                  <a:srgbClr val="000000">
-                    <a:alpha val="43137"/>
-                  </a:srgbClr>
-                </a:outerShdw>
-              </a:effectLst>
-              <a:latin typeface="Cambria" pitchFamily="18" charset="0"/>
-            </a:endParaRPr>
+              <a:t>ALGORITHM</a:t>
+            </a:r>
           </a:p>
         </p:txBody>
       </p:sp>
-      <p:pic>
-        <p:nvPicPr>
-          <p:cNvPr id="7" name="Picture 6"/>
-          <p:cNvPicPr>
-            <a:picLocks noChangeAspect="1"/>
-          </p:cNvPicPr>
+      <p:cxnSp>
+        <p:nvCxnSpPr>
+          <p:cNvPr id="7" name="Straight Connector 6"/>
+          <p:cNvCxnSpPr/>
           <p:nvPr/>
-        </p:nvPicPr>
-        <p:blipFill>
-          <a:blip r:embed="rId2" cstate="print">
-            <a:extLst>
-              <a:ext uri="{28A0092B-C50C-407E-A947-70E740481C1C}">
-                <a14:useLocalDpi xmlns:a14="http://schemas.microsoft.com/office/drawing/2010/main" val="0"/>
-              </a:ext>
-            </a:extLst>
-          </a:blip>
-          <a:stretch>
-            <a:fillRect/>
-          </a:stretch>
-        </p:blipFill>
+        </p:nvCxnSpPr>
         <p:spPr>
           <a:xfrm>
-            <a:off x="563491" y="101358"/>
-            <a:ext cx="1614283" cy="1469592"/>
-          </a:xfrm>
-          <a:prstGeom prst="rect">
+            <a:off x="1930400" y="1600200"/>
+            <a:ext cx="8636000" cy="0"/>
+          </a:xfrm>
+          <a:prstGeom prst="line">
             <a:avLst/>
           </a:prstGeom>
         </p:spPr>
-      </p:pic>
-      <p:pic>
-        <p:nvPicPr>
-          <p:cNvPr id="8" name="Picture 7"/>
-          <p:cNvPicPr/>
+        <p:style>
+          <a:lnRef idx="1">
+            <a:schemeClr val="accent1"/>
+          </a:lnRef>
+          <a:fillRef idx="0">
+            <a:schemeClr val="accent1"/>
+          </a:fillRef>
+          <a:effectRef idx="0">
+            <a:schemeClr val="accent1"/>
+          </a:effectRef>
+          <a:fontRef idx="minor">
+            <a:schemeClr val="tx1"/>
+          </a:fontRef>
+        </p:style>
+      </p:cxnSp>
+      <p:cxnSp>
+        <p:nvCxnSpPr>
+          <p:cNvPr id="8" name="Straight Connector 7"/>
+          <p:cNvCxnSpPr/>
           <p:nvPr/>
-        </p:nvPicPr>
-        <p:blipFill>
-          <a:blip r:embed="rId3"/>
-          <a:stretch>
-            <a:fillRect/>
-          </a:stretch>
-        </p:blipFill>
+        </p:nvCxnSpPr>
         <p:spPr>
-          <a:xfrm>
-            <a:off x="3101050" y="1796112"/>
-            <a:ext cx="6241733" cy="3968584"/>
-          </a:xfrm>
-          <a:prstGeom prst="rect">
+          <a:xfrm flipV="1">
+            <a:off x="11480800" y="279400"/>
+            <a:ext cx="0" cy="3251200"/>
+          </a:xfrm>
+          <a:prstGeom prst="line">
             <a:avLst/>
           </a:prstGeom>
         </p:spPr>
-      </p:pic>
+        <p:style>
+          <a:lnRef idx="1">
+            <a:schemeClr val="accent1"/>
+          </a:lnRef>
+          <a:fillRef idx="0">
+            <a:schemeClr val="accent1"/>
+          </a:fillRef>
+          <a:effectRef idx="0">
+            <a:schemeClr val="accent1"/>
+          </a:effectRef>
+          <a:fontRef idx="minor">
+            <a:schemeClr val="tx1"/>
+          </a:fontRef>
+        </p:style>
+      </p:cxnSp>
+      <p:cxnSp>
+        <p:nvCxnSpPr>
+          <p:cNvPr id="12" name="Straight Connector 11"/>
+          <p:cNvCxnSpPr/>
+          <p:nvPr/>
+        </p:nvCxnSpPr>
+        <p:spPr>
+          <a:xfrm flipV="1">
+            <a:off x="11379200" y="517799"/>
+            <a:ext cx="0" cy="2708004"/>
+          </a:xfrm>
+          <a:prstGeom prst="line">
+            <a:avLst/>
+          </a:prstGeom>
+        </p:spPr>
+        <p:style>
+          <a:lnRef idx="1">
+            <a:schemeClr val="accent1"/>
+          </a:lnRef>
+          <a:fillRef idx="0">
+            <a:schemeClr val="accent1"/>
+          </a:fillRef>
+          <a:effectRef idx="0">
+            <a:schemeClr val="accent1"/>
+          </a:effectRef>
+          <a:fontRef idx="minor">
+            <a:schemeClr val="tx1"/>
+          </a:fontRef>
+        </p:style>
+      </p:cxnSp>
     </p:spTree>
     <p:extLst>
       <p:ext uri="{BB962C8B-B14F-4D97-AF65-F5344CB8AC3E}">
-        <p14:creationId xmlns:p14="http://schemas.microsoft.com/office/powerpoint/2010/main" val="3142793721"/>
+        <p14:creationId xmlns:p14="http://schemas.microsoft.com/office/powerpoint/2010/main" val="3163246143"/>
       </p:ext>
     </p:extLst>
   </p:cSld>
@@ -7445,267 +6994,6 @@
           <a:chExt cx="0" cy="0"/>
         </a:xfrm>
       </p:grpSpPr>
-      <p:sp>
-        <p:nvSpPr>
-          <p:cNvPr id="2" name="Title 1"/>
-          <p:cNvSpPr>
-            <a:spLocks noGrp="1"/>
-          </p:cNvSpPr>
-          <p:nvPr>
-            <p:ph type="title"/>
-          </p:nvPr>
-        </p:nvSpPr>
-        <p:spPr/>
-        <p:txBody>
-          <a:bodyPr/>
-          <a:lstStyle/>
-          <a:p>
-            <a:pPr lvl="1" algn="l" rtl="0">
-              <a:spcBef>
-                <a:spcPct val="0"/>
-              </a:spcBef>
-            </a:pPr>
-            <a:r>
-              <a:rPr lang="en-US" b="1" dirty="0"/>
-              <a:t/>
-            </a:r>
-            <a:br>
-              <a:rPr lang="en-US" b="1" dirty="0"/>
-            </a:br>
-            <a:endParaRPr lang="en-US" dirty="0"/>
-          </a:p>
-        </p:txBody>
-      </p:sp>
-      <p:sp>
-        <p:nvSpPr>
-          <p:cNvPr id="5" name="Rectangle 4"/>
-          <p:cNvSpPr/>
-          <p:nvPr/>
-        </p:nvSpPr>
-        <p:spPr>
-          <a:xfrm>
-            <a:off x="4842934" y="601994"/>
-            <a:ext cx="5757333" cy="584775"/>
-          </a:xfrm>
-          <a:prstGeom prst="rect">
-            <a:avLst/>
-          </a:prstGeom>
-        </p:spPr>
-        <p:txBody>
-          <a:bodyPr wrap="square">
-            <a:spAutoFit/>
-          </a:bodyPr>
-          <a:lstStyle/>
-          <a:p>
-            <a:r>
-              <a:rPr lang="en-US" sz="3200" b="1" dirty="0">
-                <a:effectLst>
-                  <a:outerShdw blurRad="38100" dist="38100" dir="2700000" algn="tl">
-                    <a:srgbClr val="000000">
-                      <a:alpha val="43137"/>
-                    </a:srgbClr>
-                  </a:outerShdw>
-                </a:effectLst>
-                <a:latin typeface="Cambria" pitchFamily="18" charset="0"/>
-              </a:rPr>
-              <a:t>Component Diagram</a:t>
-            </a:r>
-          </a:p>
-        </p:txBody>
-      </p:sp>
-      <p:pic>
-        <p:nvPicPr>
-          <p:cNvPr id="7" name="Picture 6"/>
-          <p:cNvPicPr/>
-          <p:nvPr/>
-        </p:nvPicPr>
-        <p:blipFill>
-          <a:blip r:embed="rId2">
-            <a:extLst>
-              <a:ext uri="{28A0092B-C50C-407E-A947-70E740481C1C}">
-                <a14:useLocalDpi xmlns:a14="http://schemas.microsoft.com/office/drawing/2010/main" val="0"/>
-              </a:ext>
-            </a:extLst>
-          </a:blip>
-          <a:stretch>
-            <a:fillRect/>
-          </a:stretch>
-        </p:blipFill>
-        <p:spPr>
-          <a:xfrm>
-            <a:off x="3025914" y="2218635"/>
-            <a:ext cx="7722447" cy="3593253"/>
-          </a:xfrm>
-          <a:prstGeom prst="rect">
-            <a:avLst/>
-          </a:prstGeom>
-        </p:spPr>
-      </p:pic>
-      <p:pic>
-        <p:nvPicPr>
-          <p:cNvPr id="8" name="Picture 7"/>
-          <p:cNvPicPr>
-            <a:picLocks noChangeAspect="1"/>
-          </p:cNvPicPr>
-          <p:nvPr/>
-        </p:nvPicPr>
-        <p:blipFill>
-          <a:blip r:embed="rId3" cstate="print">
-            <a:extLst>
-              <a:ext uri="{28A0092B-C50C-407E-A947-70E740481C1C}">
-                <a14:useLocalDpi xmlns:a14="http://schemas.microsoft.com/office/drawing/2010/main" val="0"/>
-              </a:ext>
-            </a:extLst>
-          </a:blip>
-          <a:stretch>
-            <a:fillRect/>
-          </a:stretch>
-        </p:blipFill>
-        <p:spPr>
-          <a:xfrm>
-            <a:off x="563491" y="101358"/>
-            <a:ext cx="1614283" cy="1469592"/>
-          </a:xfrm>
-          <a:prstGeom prst="rect">
-            <a:avLst/>
-          </a:prstGeom>
-        </p:spPr>
-      </p:pic>
-    </p:spTree>
-    <p:extLst>
-      <p:ext uri="{BB962C8B-B14F-4D97-AF65-F5344CB8AC3E}">
-        <p14:creationId xmlns:p14="http://schemas.microsoft.com/office/powerpoint/2010/main" val="2573984133"/>
-      </p:ext>
-    </p:extLst>
-  </p:cSld>
-  <p:clrMapOvr>
-    <a:masterClrMapping/>
-  </p:clrMapOvr>
-  <mc:AlternateContent xmlns:mc="http://schemas.openxmlformats.org/markup-compatibility/2006" xmlns:p14="http://schemas.microsoft.com/office/powerpoint/2010/main">
-    <mc:Choice Requires="p14">
-      <p:transition spd="med" p14:dur="700">
-        <p:fade/>
-      </p:transition>
-    </mc:Choice>
-    <mc:Fallback xmlns="">
-      <p:transition spd="med">
-        <p:fade/>
-      </p:transition>
-    </mc:Fallback>
-  </mc:AlternateContent>
-  <p:timing>
-    <p:tnLst>
-      <p:par>
-        <p:cTn id="1" dur="indefinite" restart="never" nodeType="tmRoot"/>
-      </p:par>
-    </p:tnLst>
-  </p:timing>
-</p:sld>
-</file>
-
-<file path=ppt/slides/slide13.xml><?xml version="1.0" encoding="utf-8"?>
-<p:sld xmlns:a="http://schemas.openxmlformats.org/drawingml/2006/main" xmlns:r="http://schemas.openxmlformats.org/officeDocument/2006/relationships" xmlns:p="http://schemas.openxmlformats.org/presentationml/2006/main">
-  <p:cSld>
-    <p:spTree>
-      <p:nvGrpSpPr>
-        <p:cNvPr id="1" name=""/>
-        <p:cNvGrpSpPr/>
-        <p:nvPr/>
-      </p:nvGrpSpPr>
-      <p:grpSpPr>
-        <a:xfrm>
-          <a:off x="0" y="0"/>
-          <a:ext cx="0" cy="0"/>
-          <a:chOff x="0" y="0"/>
-          <a:chExt cx="0" cy="0"/>
-        </a:xfrm>
-      </p:grpSpPr>
-      <p:sp>
-        <p:nvSpPr>
-          <p:cNvPr id="2" name="Title 1"/>
-          <p:cNvSpPr>
-            <a:spLocks noGrp="1"/>
-          </p:cNvSpPr>
-          <p:nvPr>
-            <p:ph type="title"/>
-          </p:nvPr>
-        </p:nvSpPr>
-        <p:spPr>
-          <a:xfrm>
-            <a:off x="2540000" y="3429001"/>
-            <a:ext cx="6807200" cy="812799"/>
-          </a:xfrm>
-        </p:spPr>
-        <p:style>
-          <a:lnRef idx="1">
-            <a:schemeClr val="accent1"/>
-          </a:lnRef>
-          <a:fillRef idx="2">
-            <a:schemeClr val="accent1"/>
-          </a:fillRef>
-          <a:effectRef idx="1">
-            <a:schemeClr val="accent1"/>
-          </a:effectRef>
-          <a:fontRef idx="minor">
-            <a:schemeClr val="dk1"/>
-          </a:fontRef>
-        </p:style>
-        <p:txBody>
-          <a:bodyPr>
-            <a:noAutofit/>
-          </a:bodyPr>
-          <a:lstStyle/>
-          <a:p>
-            <a:pPr algn="ctr"/>
-            <a:r>
-              <a:rPr lang="en-US" sz="4667" b="1">
-                <a:solidFill>
-                  <a:schemeClr val="tx1"/>
-                </a:solidFill>
-                <a:effectLst>
-                  <a:outerShdw blurRad="38100" dist="38100" dir="2700000" algn="tl">
-                    <a:srgbClr val="000000">
-                      <a:alpha val="43137"/>
-                    </a:srgbClr>
-                  </a:outerShdw>
-                </a:effectLst>
-                <a:latin typeface="Cambria" pitchFamily="18" charset="0"/>
-              </a:rPr>
-              <a:t>ALGORITHM</a:t>
-            </a:r>
-          </a:p>
-        </p:txBody>
-      </p:sp>
-      <p:cxnSp>
-        <p:nvCxnSpPr>
-          <p:cNvPr id="7" name="Straight Connector 6"/>
-          <p:cNvCxnSpPr/>
-          <p:nvPr/>
-        </p:nvCxnSpPr>
-        <p:spPr>
-          <a:xfrm>
-            <a:off x="1930400" y="1600200"/>
-            <a:ext cx="8636000" cy="0"/>
-          </a:xfrm>
-          <a:prstGeom prst="line">
-            <a:avLst/>
-          </a:prstGeom>
-        </p:spPr>
-        <p:style>
-          <a:lnRef idx="1">
-            <a:schemeClr val="accent1"/>
-          </a:lnRef>
-          <a:fillRef idx="0">
-            <a:schemeClr val="accent1"/>
-          </a:fillRef>
-          <a:effectRef idx="0">
-            <a:schemeClr val="accent1"/>
-          </a:effectRef>
-          <a:fontRef idx="minor">
-            <a:schemeClr val="tx1"/>
-          </a:fontRef>
-        </p:style>
-      </p:cxnSp>
       <p:cxnSp>
         <p:nvCxnSpPr>
           <p:cNvPr id="8" name="Straight Connector 7"/>
@@ -7766,175 +7054,6 @@
           </a:fontRef>
         </p:style>
       </p:cxnSp>
-      <p:pic>
-        <p:nvPicPr>
-          <p:cNvPr id="9" name="Picture 8"/>
-          <p:cNvPicPr>
-            <a:picLocks noChangeAspect="1"/>
-          </p:cNvPicPr>
-          <p:nvPr/>
-        </p:nvPicPr>
-        <p:blipFill>
-          <a:blip r:embed="rId3" cstate="print">
-            <a:extLst>
-              <a:ext uri="{28A0092B-C50C-407E-A947-70E740481C1C}">
-                <a14:useLocalDpi xmlns:a14="http://schemas.microsoft.com/office/drawing/2010/main" val="0"/>
-              </a:ext>
-            </a:extLst>
-          </a:blip>
-          <a:stretch>
-            <a:fillRect/>
-          </a:stretch>
-        </p:blipFill>
-        <p:spPr>
-          <a:xfrm>
-            <a:off x="5136458" y="1756211"/>
-            <a:ext cx="1614283" cy="1469592"/>
-          </a:xfrm>
-          <a:prstGeom prst="rect">
-            <a:avLst/>
-          </a:prstGeom>
-        </p:spPr>
-      </p:pic>
-    </p:spTree>
-    <p:extLst>
-      <p:ext uri="{BB962C8B-B14F-4D97-AF65-F5344CB8AC3E}">
-        <p14:creationId xmlns:p14="http://schemas.microsoft.com/office/powerpoint/2010/main" val="3163246143"/>
-      </p:ext>
-    </p:extLst>
-  </p:cSld>
-  <p:clrMapOvr>
-    <a:masterClrMapping/>
-  </p:clrMapOvr>
-  <mc:AlternateContent xmlns:mc="http://schemas.openxmlformats.org/markup-compatibility/2006" xmlns:p14="http://schemas.microsoft.com/office/powerpoint/2010/main">
-    <mc:Choice Requires="p14">
-      <p:transition spd="med" p14:dur="700">
-        <p:fade/>
-      </p:transition>
-    </mc:Choice>
-    <mc:Fallback xmlns="">
-      <p:transition spd="med">
-        <p:fade/>
-      </p:transition>
-    </mc:Fallback>
-  </mc:AlternateContent>
-  <p:timing>
-    <p:tnLst>
-      <p:par>
-        <p:cTn id="1" dur="indefinite" restart="never" nodeType="tmRoot"/>
-      </p:par>
-    </p:tnLst>
-  </p:timing>
-</p:sld>
-</file>
-
-<file path=ppt/slides/slide14.xml><?xml version="1.0" encoding="utf-8"?>
-<p:sld xmlns:a="http://schemas.openxmlformats.org/drawingml/2006/main" xmlns:r="http://schemas.openxmlformats.org/officeDocument/2006/relationships" xmlns:p="http://schemas.openxmlformats.org/presentationml/2006/main">
-  <p:cSld>
-    <p:spTree>
-      <p:nvGrpSpPr>
-        <p:cNvPr id="1" name=""/>
-        <p:cNvGrpSpPr/>
-        <p:nvPr/>
-      </p:nvGrpSpPr>
-      <p:grpSpPr>
-        <a:xfrm>
-          <a:off x="0" y="0"/>
-          <a:ext cx="0" cy="0"/>
-          <a:chOff x="0" y="0"/>
-          <a:chExt cx="0" cy="0"/>
-        </a:xfrm>
-      </p:grpSpPr>
-      <p:cxnSp>
-        <p:nvCxnSpPr>
-          <p:cNvPr id="8" name="Straight Connector 7"/>
-          <p:cNvCxnSpPr/>
-          <p:nvPr/>
-        </p:nvCxnSpPr>
-        <p:spPr>
-          <a:xfrm flipV="1">
-            <a:off x="11480800" y="279400"/>
-            <a:ext cx="0" cy="3251200"/>
-          </a:xfrm>
-          <a:prstGeom prst="line">
-            <a:avLst/>
-          </a:prstGeom>
-        </p:spPr>
-        <p:style>
-          <a:lnRef idx="1">
-            <a:schemeClr val="accent1"/>
-          </a:lnRef>
-          <a:fillRef idx="0">
-            <a:schemeClr val="accent1"/>
-          </a:fillRef>
-          <a:effectRef idx="0">
-            <a:schemeClr val="accent1"/>
-          </a:effectRef>
-          <a:fontRef idx="minor">
-            <a:schemeClr val="tx1"/>
-          </a:fontRef>
-        </p:style>
-      </p:cxnSp>
-      <p:cxnSp>
-        <p:nvCxnSpPr>
-          <p:cNvPr id="12" name="Straight Connector 11"/>
-          <p:cNvCxnSpPr/>
-          <p:nvPr/>
-        </p:nvCxnSpPr>
-        <p:spPr>
-          <a:xfrm flipV="1">
-            <a:off x="11379200" y="517799"/>
-            <a:ext cx="0" cy="2708004"/>
-          </a:xfrm>
-          <a:prstGeom prst="line">
-            <a:avLst/>
-          </a:prstGeom>
-        </p:spPr>
-        <p:style>
-          <a:lnRef idx="1">
-            <a:schemeClr val="accent1"/>
-          </a:lnRef>
-          <a:fillRef idx="0">
-            <a:schemeClr val="accent1"/>
-          </a:fillRef>
-          <a:effectRef idx="0">
-            <a:schemeClr val="accent1"/>
-          </a:effectRef>
-          <a:fontRef idx="minor">
-            <a:schemeClr val="tx1"/>
-          </a:fontRef>
-        </p:style>
-      </p:cxnSp>
-      <p:pic>
-        <p:nvPicPr>
-          <p:cNvPr id="11" name="Picture 10"/>
-          <p:cNvPicPr>
-            <a:picLocks noChangeAspect="1"/>
-          </p:cNvPicPr>
-          <p:nvPr/>
-        </p:nvPicPr>
-        <p:blipFill>
-          <a:blip r:embed="rId3" cstate="print">
-            <a:extLst>
-              <a:ext uri="{28A0092B-C50C-407E-A947-70E740481C1C}">
-                <a14:useLocalDpi xmlns:a14="http://schemas.microsoft.com/office/drawing/2010/main" val="0"/>
-              </a:ext>
-            </a:extLst>
-          </a:blip>
-          <a:stretch>
-            <a:fillRect/>
-          </a:stretch>
-        </p:blipFill>
-        <p:spPr>
-          <a:xfrm>
-            <a:off x="563491" y="101358"/>
-            <a:ext cx="1614283" cy="1469592"/>
-          </a:xfrm>
-          <a:prstGeom prst="rect">
-            <a:avLst/>
-          </a:prstGeom>
-        </p:spPr>
-      </p:pic>
       <mc:AlternateContent xmlns:mc="http://schemas.openxmlformats.org/markup-compatibility/2006" xmlns:a14="http://schemas.microsoft.com/office/drawing/2010/main">
         <mc:Choice Requires="a14">
           <p:graphicFrame>
@@ -8336,8 +7455,8 @@
         </p:nvSpPr>
         <p:spPr>
           <a:xfrm>
-            <a:off x="3993082" y="517799"/>
-            <a:ext cx="6573318" cy="861774"/>
+            <a:off x="1767840" y="517799"/>
+            <a:ext cx="8610600" cy="861774"/>
           </a:xfrm>
           <a:prstGeom prst="rect">
             <a:avLst/>
@@ -8350,7 +7469,7 @@
           </a:bodyPr>
           <a:lstStyle/>
           <a:p>
-            <a:pPr marL="0" lvl="2"/>
+            <a:pPr marL="0" lvl="2" algn="ctr"/>
             <a:r>
               <a:rPr lang="en-US" sz="2500" b="1" i="1" dirty="0">
                 <a:latin typeface="Cambria" panose="02040503050406030204" pitchFamily="18" charset="0"/>
@@ -8502,7 +7621,7 @@
 </p:sld>
 </file>
 
-<file path=ppt/slides/slide15.xml><?xml version="1.0" encoding="utf-8"?>
+<file path=ppt/slides/slide13.xml><?xml version="1.0" encoding="utf-8"?>
 <p:sld xmlns:a="http://schemas.openxmlformats.org/drawingml/2006/main" xmlns:r="http://schemas.openxmlformats.org/officeDocument/2006/relationships" xmlns:p="http://schemas.openxmlformats.org/presentationml/2006/main">
   <p:cSld>
     <p:spTree>
@@ -8579,36 +7698,6 @@
           </a:fontRef>
         </p:style>
       </p:cxnSp>
-      <p:pic>
-        <p:nvPicPr>
-          <p:cNvPr id="11" name="Picture 10"/>
-          <p:cNvPicPr>
-            <a:picLocks noChangeAspect="1"/>
-          </p:cNvPicPr>
-          <p:nvPr/>
-        </p:nvPicPr>
-        <p:blipFill>
-          <a:blip r:embed="rId3" cstate="print">
-            <a:extLst>
-              <a:ext uri="{28A0092B-C50C-407E-A947-70E740481C1C}">
-                <a14:useLocalDpi xmlns:a14="http://schemas.microsoft.com/office/drawing/2010/main" val="0"/>
-              </a:ext>
-            </a:extLst>
-          </a:blip>
-          <a:stretch>
-            <a:fillRect/>
-          </a:stretch>
-        </p:blipFill>
-        <p:spPr>
-          <a:xfrm>
-            <a:off x="563491" y="101358"/>
-            <a:ext cx="1614283" cy="1469592"/>
-          </a:xfrm>
-          <a:prstGeom prst="rect">
-            <a:avLst/>
-          </a:prstGeom>
-        </p:spPr>
-      </p:pic>
       <mc:AlternateContent xmlns:mc="http://schemas.openxmlformats.org/markup-compatibility/2006" xmlns:a14="http://schemas.microsoft.com/office/drawing/2010/main">
         <mc:Choice Requires="a14">
           <p:graphicFrame>
@@ -9002,47 +8091,6 @@
           </p:graphicFrame>
         </mc:Fallback>
       </mc:AlternateContent>
-      <p:sp>
-        <p:nvSpPr>
-          <p:cNvPr id="3" name="TextBox 2"/>
-          <p:cNvSpPr txBox="1"/>
-          <p:nvPr/>
-        </p:nvSpPr>
-        <p:spPr>
-          <a:xfrm>
-            <a:off x="3993082" y="517799"/>
-            <a:ext cx="6573318" cy="861774"/>
-          </a:xfrm>
-          <a:prstGeom prst="rect">
-            <a:avLst/>
-          </a:prstGeom>
-          <a:noFill/>
-        </p:spPr>
-        <p:txBody>
-          <a:bodyPr wrap="square" rtlCol="0">
-            <a:spAutoFit/>
-          </a:bodyPr>
-          <a:lstStyle/>
-          <a:p>
-            <a:pPr marL="0" lvl="2"/>
-            <a:r>
-              <a:rPr lang="en-US" sz="2500" b="1" i="1" dirty="0">
-                <a:latin typeface="Cambria" panose="02040503050406030204" pitchFamily="18" charset="0"/>
-              </a:rPr>
-              <a:t>Recommend the best habits for users by linear programming </a:t>
-            </a:r>
-            <a:r>
-              <a:rPr lang="en-US" sz="2500" b="1" i="1" dirty="0" smtClean="0">
-                <a:latin typeface="Cambria" panose="02040503050406030204" pitchFamily="18" charset="0"/>
-              </a:rPr>
-              <a:t>algorithm</a:t>
-            </a:r>
-            <a:endParaRPr lang="en-US" sz="2500" b="1" i="1" dirty="0">
-              <a:latin typeface="Cambria" panose="02040503050406030204" pitchFamily="18" charset="0"/>
-            </a:endParaRPr>
-          </a:p>
-        </p:txBody>
-      </p:sp>
       <p:cxnSp>
         <p:nvCxnSpPr>
           <p:cNvPr id="10" name="Straight Connector 9"/>
@@ -9195,6 +8243,47 @@
               <a:t>.</a:t>
             </a:r>
             <a:endParaRPr lang="en-US" sz="2000" dirty="0">
+              <a:latin typeface="Cambria" panose="02040503050406030204" pitchFamily="18" charset="0"/>
+            </a:endParaRPr>
+          </a:p>
+        </p:txBody>
+      </p:sp>
+      <p:sp>
+        <p:nvSpPr>
+          <p:cNvPr id="15" name="TextBox 14"/>
+          <p:cNvSpPr txBox="1"/>
+          <p:nvPr/>
+        </p:nvSpPr>
+        <p:spPr>
+          <a:xfrm>
+            <a:off x="1767840" y="517799"/>
+            <a:ext cx="8610600" cy="861774"/>
+          </a:xfrm>
+          <a:prstGeom prst="rect">
+            <a:avLst/>
+          </a:prstGeom>
+          <a:noFill/>
+        </p:spPr>
+        <p:txBody>
+          <a:bodyPr wrap="square" rtlCol="0">
+            <a:spAutoFit/>
+          </a:bodyPr>
+          <a:lstStyle/>
+          <a:p>
+            <a:pPr marL="0" lvl="2" algn="ctr"/>
+            <a:r>
+              <a:rPr lang="en-US" sz="2500" b="1" i="1" dirty="0">
+                <a:latin typeface="Cambria" panose="02040503050406030204" pitchFamily="18" charset="0"/>
+              </a:rPr>
+              <a:t>Recommend the best habits for users by linear programming </a:t>
+            </a:r>
+            <a:r>
+              <a:rPr lang="en-US" sz="2500" b="1" i="1" dirty="0" smtClean="0">
+                <a:latin typeface="Cambria" panose="02040503050406030204" pitchFamily="18" charset="0"/>
+              </a:rPr>
+              <a:t>algorithm</a:t>
+            </a:r>
+            <a:endParaRPr lang="en-US" sz="2500" b="1" i="1" dirty="0">
               <a:latin typeface="Cambria" panose="02040503050406030204" pitchFamily="18" charset="0"/>
             </a:endParaRPr>
           </a:p>
@@ -9232,7 +8321,7 @@
 </p:sld>
 </file>
 
-<file path=ppt/slides/slide16.xml><?xml version="1.0" encoding="utf-8"?>
+<file path=ppt/slides/slide14.xml><?xml version="1.0" encoding="utf-8"?>
 <p:sld xmlns:a="http://schemas.openxmlformats.org/drawingml/2006/main" xmlns:r="http://schemas.openxmlformats.org/officeDocument/2006/relationships" xmlns:p="http://schemas.openxmlformats.org/presentationml/2006/main">
   <p:cSld>
     <p:spTree>
@@ -9309,77 +8398,6 @@
           </a:fontRef>
         </p:style>
       </p:cxnSp>
-      <p:pic>
-        <p:nvPicPr>
-          <p:cNvPr id="11" name="Picture 10"/>
-          <p:cNvPicPr>
-            <a:picLocks noChangeAspect="1"/>
-          </p:cNvPicPr>
-          <p:nvPr/>
-        </p:nvPicPr>
-        <p:blipFill>
-          <a:blip r:embed="rId3" cstate="print">
-            <a:extLst>
-              <a:ext uri="{28A0092B-C50C-407E-A947-70E740481C1C}">
-                <a14:useLocalDpi xmlns:a14="http://schemas.microsoft.com/office/drawing/2010/main" val="0"/>
-              </a:ext>
-            </a:extLst>
-          </a:blip>
-          <a:stretch>
-            <a:fillRect/>
-          </a:stretch>
-        </p:blipFill>
-        <p:spPr>
-          <a:xfrm>
-            <a:off x="563491" y="101358"/>
-            <a:ext cx="1614283" cy="1469592"/>
-          </a:xfrm>
-          <a:prstGeom prst="rect">
-            <a:avLst/>
-          </a:prstGeom>
-        </p:spPr>
-      </p:pic>
-      <p:sp>
-        <p:nvSpPr>
-          <p:cNvPr id="3" name="TextBox 2"/>
-          <p:cNvSpPr txBox="1"/>
-          <p:nvPr/>
-        </p:nvSpPr>
-        <p:spPr>
-          <a:xfrm>
-            <a:off x="3993082" y="517799"/>
-            <a:ext cx="6573318" cy="861774"/>
-          </a:xfrm>
-          <a:prstGeom prst="rect">
-            <a:avLst/>
-          </a:prstGeom>
-          <a:noFill/>
-        </p:spPr>
-        <p:txBody>
-          <a:bodyPr wrap="square" rtlCol="0">
-            <a:spAutoFit/>
-          </a:bodyPr>
-          <a:lstStyle/>
-          <a:p>
-            <a:pPr marL="0" lvl="2"/>
-            <a:r>
-              <a:rPr lang="en-US" sz="2500" b="1" i="1" dirty="0">
-                <a:latin typeface="Cambria" panose="02040503050406030204" pitchFamily="18" charset="0"/>
-              </a:rPr>
-              <a:t>Recommend the best habits for users by linear programming </a:t>
-            </a:r>
-            <a:r>
-              <a:rPr lang="en-US" sz="2500" b="1" i="1" dirty="0" smtClean="0">
-                <a:latin typeface="Cambria" panose="02040503050406030204" pitchFamily="18" charset="0"/>
-              </a:rPr>
-              <a:t>algorithm</a:t>
-            </a:r>
-            <a:endParaRPr lang="en-US" sz="2500" b="1" i="1" dirty="0">
-              <a:latin typeface="Cambria" panose="02040503050406030204" pitchFamily="18" charset="0"/>
-            </a:endParaRPr>
-          </a:p>
-        </p:txBody>
-      </p:sp>
       <p:cxnSp>
         <p:nvCxnSpPr>
           <p:cNvPr id="10" name="Straight Connector 9"/>
@@ -9449,7 +8467,7 @@
           <p:nvPr/>
         </p:nvPicPr>
         <p:blipFill>
-          <a:blip r:embed="rId4" cstate="print">
+          <a:blip r:embed="rId3" cstate="print">
             <a:extLst>
               <a:ext uri="{28A0092B-C50C-407E-A947-70E740481C1C}">
                 <a14:useLocalDpi xmlns:a14="http://schemas.microsoft.com/office/drawing/2010/main" val="0"/>
@@ -9815,6 +8833,47 @@
           </a:p>
           <a:p>
             <a:endParaRPr lang="en-US" dirty="0"/>
+          </a:p>
+        </p:txBody>
+      </p:sp>
+      <p:sp>
+        <p:nvSpPr>
+          <p:cNvPr id="15" name="TextBox 14"/>
+          <p:cNvSpPr txBox="1"/>
+          <p:nvPr/>
+        </p:nvSpPr>
+        <p:spPr>
+          <a:xfrm>
+            <a:off x="1767840" y="517799"/>
+            <a:ext cx="8610600" cy="861774"/>
+          </a:xfrm>
+          <a:prstGeom prst="rect">
+            <a:avLst/>
+          </a:prstGeom>
+          <a:noFill/>
+        </p:spPr>
+        <p:txBody>
+          <a:bodyPr wrap="square" rtlCol="0">
+            <a:spAutoFit/>
+          </a:bodyPr>
+          <a:lstStyle/>
+          <a:p>
+            <a:pPr marL="0" lvl="2" algn="ctr"/>
+            <a:r>
+              <a:rPr lang="en-US" sz="2500" b="1" i="1" dirty="0">
+                <a:latin typeface="Cambria" panose="02040503050406030204" pitchFamily="18" charset="0"/>
+              </a:rPr>
+              <a:t>Recommend the best habits for users by linear programming </a:t>
+            </a:r>
+            <a:r>
+              <a:rPr lang="en-US" sz="2500" b="1" i="1" dirty="0" smtClean="0">
+                <a:latin typeface="Cambria" panose="02040503050406030204" pitchFamily="18" charset="0"/>
+              </a:rPr>
+              <a:t>algorithm</a:t>
+            </a:r>
+            <a:endParaRPr lang="en-US" sz="2500" b="1" i="1" dirty="0">
+              <a:latin typeface="Cambria" panose="02040503050406030204" pitchFamily="18" charset="0"/>
+            </a:endParaRPr>
           </a:p>
         </p:txBody>
       </p:sp>
@@ -9850,7 +8909,7 @@
 </p:sld>
 </file>
 
-<file path=ppt/slides/slide17.xml><?xml version="1.0" encoding="utf-8"?>
+<file path=ppt/slides/slide15.xml><?xml version="1.0" encoding="utf-8"?>
 <p:sld xmlns:a="http://schemas.openxmlformats.org/drawingml/2006/main" xmlns:r="http://schemas.openxmlformats.org/officeDocument/2006/relationships" xmlns:p="http://schemas.openxmlformats.org/presentationml/2006/main">
   <p:cSld>
     <p:spTree>
@@ -9927,77 +8986,6 @@
           </a:fontRef>
         </p:style>
       </p:cxnSp>
-      <p:pic>
-        <p:nvPicPr>
-          <p:cNvPr id="11" name="Picture 10"/>
-          <p:cNvPicPr>
-            <a:picLocks noChangeAspect="1"/>
-          </p:cNvPicPr>
-          <p:nvPr/>
-        </p:nvPicPr>
-        <p:blipFill>
-          <a:blip r:embed="rId3" cstate="print">
-            <a:extLst>
-              <a:ext uri="{28A0092B-C50C-407E-A947-70E740481C1C}">
-                <a14:useLocalDpi xmlns:a14="http://schemas.microsoft.com/office/drawing/2010/main" val="0"/>
-              </a:ext>
-            </a:extLst>
-          </a:blip>
-          <a:stretch>
-            <a:fillRect/>
-          </a:stretch>
-        </p:blipFill>
-        <p:spPr>
-          <a:xfrm>
-            <a:off x="563491" y="101358"/>
-            <a:ext cx="1614283" cy="1469592"/>
-          </a:xfrm>
-          <a:prstGeom prst="rect">
-            <a:avLst/>
-          </a:prstGeom>
-        </p:spPr>
-      </p:pic>
-      <p:sp>
-        <p:nvSpPr>
-          <p:cNvPr id="3" name="TextBox 2"/>
-          <p:cNvSpPr txBox="1"/>
-          <p:nvPr/>
-        </p:nvSpPr>
-        <p:spPr>
-          <a:xfrm>
-            <a:off x="3993082" y="517799"/>
-            <a:ext cx="6573318" cy="861774"/>
-          </a:xfrm>
-          <a:prstGeom prst="rect">
-            <a:avLst/>
-          </a:prstGeom>
-          <a:noFill/>
-        </p:spPr>
-        <p:txBody>
-          <a:bodyPr wrap="square" rtlCol="0">
-            <a:spAutoFit/>
-          </a:bodyPr>
-          <a:lstStyle/>
-          <a:p>
-            <a:pPr marL="0" lvl="2"/>
-            <a:r>
-              <a:rPr lang="en-US" sz="2500" b="1" i="1" dirty="0">
-                <a:latin typeface="Cambria" panose="02040503050406030204" pitchFamily="18" charset="0"/>
-              </a:rPr>
-              <a:t>Recommend the best habits for users by linear programming </a:t>
-            </a:r>
-            <a:r>
-              <a:rPr lang="en-US" sz="2500" b="1" i="1" dirty="0" smtClean="0">
-                <a:latin typeface="Cambria" panose="02040503050406030204" pitchFamily="18" charset="0"/>
-              </a:rPr>
-              <a:t>algorithm</a:t>
-            </a:r>
-            <a:endParaRPr lang="en-US" sz="2500" b="1" i="1" dirty="0">
-              <a:latin typeface="Cambria" panose="02040503050406030204" pitchFamily="18" charset="0"/>
-            </a:endParaRPr>
-          </a:p>
-        </p:txBody>
-      </p:sp>
       <p:cxnSp>
         <p:nvCxnSpPr>
           <p:cNvPr id="10" name="Straight Connector 9"/>
@@ -10067,7 +9055,7 @@
           <p:nvPr/>
         </p:nvPicPr>
         <p:blipFill>
-          <a:blip r:embed="rId4" cstate="print">
+          <a:blip r:embed="rId3" cstate="print">
             <a:extLst>
               <a:ext uri="{28A0092B-C50C-407E-A947-70E740481C1C}">
                 <a14:useLocalDpi xmlns:a14="http://schemas.microsoft.com/office/drawing/2010/main" val="0"/>
@@ -10853,10 +9841,774 @@
           </p:sp>
         </mc:Fallback>
       </mc:AlternateContent>
+      <p:sp>
+        <p:nvSpPr>
+          <p:cNvPr id="15" name="TextBox 14"/>
+          <p:cNvSpPr txBox="1"/>
+          <p:nvPr/>
+        </p:nvSpPr>
+        <p:spPr>
+          <a:xfrm>
+            <a:off x="1767840" y="517799"/>
+            <a:ext cx="8610600" cy="861774"/>
+          </a:xfrm>
+          <a:prstGeom prst="rect">
+            <a:avLst/>
+          </a:prstGeom>
+          <a:noFill/>
+        </p:spPr>
+        <p:txBody>
+          <a:bodyPr wrap="square" rtlCol="0">
+            <a:spAutoFit/>
+          </a:bodyPr>
+          <a:lstStyle/>
+          <a:p>
+            <a:pPr marL="0" lvl="2" algn="ctr"/>
+            <a:r>
+              <a:rPr lang="en-US" sz="2500" b="1" i="1" dirty="0">
+                <a:latin typeface="Cambria" panose="02040503050406030204" pitchFamily="18" charset="0"/>
+              </a:rPr>
+              <a:t>Recommend the best habits for users by linear programming </a:t>
+            </a:r>
+            <a:r>
+              <a:rPr lang="en-US" sz="2500" b="1" i="1" dirty="0" smtClean="0">
+                <a:latin typeface="Cambria" panose="02040503050406030204" pitchFamily="18" charset="0"/>
+              </a:rPr>
+              <a:t>algorithm</a:t>
+            </a:r>
+            <a:endParaRPr lang="en-US" sz="2500" b="1" i="1" dirty="0">
+              <a:latin typeface="Cambria" panose="02040503050406030204" pitchFamily="18" charset="0"/>
+            </a:endParaRPr>
+          </a:p>
+        </p:txBody>
+      </p:sp>
     </p:spTree>
     <p:extLst>
       <p:ext uri="{BB962C8B-B14F-4D97-AF65-F5344CB8AC3E}">
         <p14:creationId xmlns:p14="http://schemas.microsoft.com/office/powerpoint/2010/main" val="1864091871"/>
+      </p:ext>
+    </p:extLst>
+  </p:cSld>
+  <p:clrMapOvr>
+    <a:masterClrMapping/>
+  </p:clrMapOvr>
+  <mc:AlternateContent xmlns:mc="http://schemas.openxmlformats.org/markup-compatibility/2006" xmlns:p14="http://schemas.microsoft.com/office/powerpoint/2010/main">
+    <mc:Choice Requires="p14">
+      <p:transition spd="med" p14:dur="700">
+        <p:fade/>
+      </p:transition>
+    </mc:Choice>
+    <mc:Fallback xmlns="">
+      <p:transition spd="med">
+        <p:fade/>
+      </p:transition>
+    </mc:Fallback>
+  </mc:AlternateContent>
+  <p:timing>
+    <p:tnLst>
+      <p:par>
+        <p:cTn id="1" dur="indefinite" restart="never" nodeType="tmRoot"/>
+      </p:par>
+    </p:tnLst>
+  </p:timing>
+</p:sld>
+</file>
+
+<file path=ppt/slides/slide16.xml><?xml version="1.0" encoding="utf-8"?>
+<p:sld xmlns:a="http://schemas.openxmlformats.org/drawingml/2006/main" xmlns:r="http://schemas.openxmlformats.org/officeDocument/2006/relationships" xmlns:p="http://schemas.openxmlformats.org/presentationml/2006/main">
+  <p:cSld>
+    <p:spTree>
+      <p:nvGrpSpPr>
+        <p:cNvPr id="1" name=""/>
+        <p:cNvGrpSpPr/>
+        <p:nvPr/>
+      </p:nvGrpSpPr>
+      <p:grpSpPr>
+        <a:xfrm>
+          <a:off x="0" y="0"/>
+          <a:ext cx="0" cy="0"/>
+          <a:chOff x="0" y="0"/>
+          <a:chExt cx="0" cy="0"/>
+        </a:xfrm>
+      </p:grpSpPr>
+      <p:cxnSp>
+        <p:nvCxnSpPr>
+          <p:cNvPr id="8" name="Straight Connector 7"/>
+          <p:cNvCxnSpPr/>
+          <p:nvPr/>
+        </p:nvCxnSpPr>
+        <p:spPr>
+          <a:xfrm flipV="1">
+            <a:off x="11480800" y="279400"/>
+            <a:ext cx="0" cy="3251200"/>
+          </a:xfrm>
+          <a:prstGeom prst="line">
+            <a:avLst/>
+          </a:prstGeom>
+        </p:spPr>
+        <p:style>
+          <a:lnRef idx="1">
+            <a:schemeClr val="accent1"/>
+          </a:lnRef>
+          <a:fillRef idx="0">
+            <a:schemeClr val="accent1"/>
+          </a:fillRef>
+          <a:effectRef idx="0">
+            <a:schemeClr val="accent1"/>
+          </a:effectRef>
+          <a:fontRef idx="minor">
+            <a:schemeClr val="tx1"/>
+          </a:fontRef>
+        </p:style>
+      </p:cxnSp>
+      <p:cxnSp>
+        <p:nvCxnSpPr>
+          <p:cNvPr id="12" name="Straight Connector 11"/>
+          <p:cNvCxnSpPr/>
+          <p:nvPr/>
+        </p:nvCxnSpPr>
+        <p:spPr>
+          <a:xfrm flipV="1">
+            <a:off x="11379200" y="517799"/>
+            <a:ext cx="0" cy="2708004"/>
+          </a:xfrm>
+          <a:prstGeom prst="line">
+            <a:avLst/>
+          </a:prstGeom>
+        </p:spPr>
+        <p:style>
+          <a:lnRef idx="1">
+            <a:schemeClr val="accent1"/>
+          </a:lnRef>
+          <a:fillRef idx="0">
+            <a:schemeClr val="accent1"/>
+          </a:fillRef>
+          <a:effectRef idx="0">
+            <a:schemeClr val="accent1"/>
+          </a:effectRef>
+          <a:fontRef idx="minor">
+            <a:schemeClr val="tx1"/>
+          </a:fontRef>
+        </p:style>
+      </p:cxnSp>
+      <p:cxnSp>
+        <p:nvCxnSpPr>
+          <p:cNvPr id="10" name="Straight Connector 9"/>
+          <p:cNvCxnSpPr/>
+          <p:nvPr/>
+        </p:nvCxnSpPr>
+        <p:spPr>
+          <a:xfrm>
+            <a:off x="3958793" y="1709773"/>
+            <a:ext cx="6192372" cy="13010"/>
+          </a:xfrm>
+          <a:prstGeom prst="line">
+            <a:avLst/>
+          </a:prstGeom>
+        </p:spPr>
+        <p:style>
+          <a:lnRef idx="1">
+            <a:schemeClr val="accent1"/>
+          </a:lnRef>
+          <a:fillRef idx="0">
+            <a:schemeClr val="accent1"/>
+          </a:fillRef>
+          <a:effectRef idx="0">
+            <a:schemeClr val="accent1"/>
+          </a:effectRef>
+          <a:fontRef idx="minor">
+            <a:schemeClr val="tx1"/>
+          </a:fontRef>
+        </p:style>
+      </p:cxnSp>
+      <p:cxnSp>
+        <p:nvCxnSpPr>
+          <p:cNvPr id="13" name="Straight Connector 12"/>
+          <p:cNvCxnSpPr/>
+          <p:nvPr/>
+        </p:nvCxnSpPr>
+        <p:spPr>
+          <a:xfrm flipV="1">
+            <a:off x="1550504" y="1709773"/>
+            <a:ext cx="1493889" cy="13010"/>
+          </a:xfrm>
+          <a:prstGeom prst="line">
+            <a:avLst/>
+          </a:prstGeom>
+        </p:spPr>
+        <p:style>
+          <a:lnRef idx="1">
+            <a:schemeClr val="accent1"/>
+          </a:lnRef>
+          <a:fillRef idx="0">
+            <a:schemeClr val="accent1"/>
+          </a:fillRef>
+          <a:effectRef idx="0">
+            <a:schemeClr val="accent1"/>
+          </a:effectRef>
+          <a:fontRef idx="minor">
+            <a:schemeClr val="tx1"/>
+          </a:fontRef>
+        </p:style>
+      </p:cxnSp>
+      <p:pic>
+        <p:nvPicPr>
+          <p:cNvPr id="14" name="Picture 2" descr="C:\Users\ASUS\Desktop\Slide-UniStar\algorithm.png"/>
+          <p:cNvPicPr>
+            <a:picLocks noChangeAspect="1" noChangeArrowheads="1"/>
+          </p:cNvPicPr>
+          <p:nvPr/>
+        </p:nvPicPr>
+        <p:blipFill>
+          <a:blip r:embed="rId3" cstate="print">
+            <a:extLst>
+              <a:ext uri="{28A0092B-C50C-407E-A947-70E740481C1C}">
+                <a14:useLocalDpi xmlns:a14="http://schemas.microsoft.com/office/drawing/2010/main" val="0"/>
+              </a:ext>
+            </a:extLst>
+          </a:blip>
+          <a:srcRect/>
+          <a:stretch>
+            <a:fillRect/>
+          </a:stretch>
+        </p:blipFill>
+        <p:spPr bwMode="auto">
+          <a:xfrm>
+            <a:off x="3167583" y="1379573"/>
+            <a:ext cx="723900" cy="723900"/>
+          </a:xfrm>
+          <a:prstGeom prst="rect">
+            <a:avLst/>
+          </a:prstGeom>
+          <a:noFill/>
+          <a:extLst>
+            <a:ext uri="{909E8E84-426E-40DD-AFC4-6F175D3DCCD1}">
+              <a14:hiddenFill xmlns:a14="http://schemas.microsoft.com/office/drawing/2010/main">
+                <a:solidFill>
+                  <a:srgbClr val="FFFFFF"/>
+                </a:solidFill>
+              </a14:hiddenFill>
+            </a:ext>
+          </a:extLst>
+        </p:spPr>
+      </p:pic>
+      <p:sp>
+        <p:nvSpPr>
+          <p:cNvPr id="4" name="TextBox 3"/>
+          <p:cNvSpPr txBox="1"/>
+          <p:nvPr/>
+        </p:nvSpPr>
+        <p:spPr>
+          <a:xfrm>
+            <a:off x="996331" y="3101009"/>
+            <a:ext cx="6464643" cy="2226365"/>
+          </a:xfrm>
+          <a:prstGeom prst="rect">
+            <a:avLst/>
+          </a:prstGeom>
+          <a:noFill/>
+        </p:spPr>
+        <p:txBody>
+          <a:bodyPr wrap="square" rtlCol="0">
+            <a:spAutoFit/>
+          </a:bodyPr>
+          <a:lstStyle/>
+          <a:p>
+            <a:r>
+              <a:rPr lang="en-US" sz="2000" dirty="0"/>
+              <a:t>a: is the number of successful tracking of the habit.</a:t>
+            </a:r>
+          </a:p>
+          <a:p>
+            <a:r>
+              <a:rPr lang="en-US" sz="2000" dirty="0"/>
+              <a:t>b: is the total tracking of the habit (success or failure).</a:t>
+            </a:r>
+          </a:p>
+          <a:p>
+            <a:r>
+              <a:rPr lang="en-US" sz="2000" dirty="0"/>
+              <a:t>Supposed:</a:t>
+            </a:r>
+          </a:p>
+          <a:p>
+            <a:r>
+              <a:rPr lang="en-US" sz="2000" dirty="0"/>
+              <a:t>p: The habit is done successfully.</a:t>
+            </a:r>
+          </a:p>
+          <a:p>
+            <a:r>
+              <a:rPr lang="en-US" sz="2000" dirty="0"/>
+              <a:t>p = a / b with a / b &gt;= 0.8</a:t>
+            </a:r>
+          </a:p>
+          <a:p>
+            <a:r>
+              <a:rPr lang="en-US" sz="2000" dirty="0"/>
+              <a:t>f: The habit is done unsuccessfully.</a:t>
+            </a:r>
+          </a:p>
+          <a:p>
+            <a:r>
+              <a:rPr lang="en-US" sz="2000" dirty="0"/>
+              <a:t>f = a / b with a / b &lt; 0.8</a:t>
+            </a:r>
+          </a:p>
+        </p:txBody>
+      </p:sp>
+      <p:sp>
+        <p:nvSpPr>
+          <p:cNvPr id="5" name="TextBox 4"/>
+          <p:cNvSpPr txBox="1"/>
+          <p:nvPr/>
+        </p:nvSpPr>
+        <p:spPr>
+          <a:xfrm>
+            <a:off x="4117819" y="2103473"/>
+            <a:ext cx="3974037" cy="477054"/>
+          </a:xfrm>
+          <a:prstGeom prst="rect">
+            <a:avLst/>
+          </a:prstGeom>
+          <a:noFill/>
+        </p:spPr>
+        <p:txBody>
+          <a:bodyPr wrap="none" rtlCol="0">
+            <a:spAutoFit/>
+          </a:bodyPr>
+          <a:lstStyle/>
+          <a:p>
+            <a:r>
+              <a:rPr lang="en-US" sz="2500" b="1" dirty="0">
+                <a:latin typeface="Cambria" panose="02040503050406030204" pitchFamily="18" charset="0"/>
+              </a:rPr>
+              <a:t>T</a:t>
+            </a:r>
+            <a:r>
+              <a:rPr lang="en-US" sz="2500" b="1" dirty="0" smtClean="0">
+                <a:latin typeface="Cambria" panose="02040503050406030204" pitchFamily="18" charset="0"/>
+              </a:rPr>
+              <a:t>he difficulty of the habit.</a:t>
+            </a:r>
+          </a:p>
+        </p:txBody>
+      </p:sp>
+      <p:sp>
+        <p:nvSpPr>
+          <p:cNvPr id="15" name="TextBox 14"/>
+          <p:cNvSpPr txBox="1"/>
+          <p:nvPr/>
+        </p:nvSpPr>
+        <p:spPr>
+          <a:xfrm>
+            <a:off x="7469809" y="3706359"/>
+            <a:ext cx="3774452" cy="1015663"/>
+          </a:xfrm>
+          <a:prstGeom prst="rect">
+            <a:avLst/>
+          </a:prstGeom>
+          <a:noFill/>
+        </p:spPr>
+        <p:txBody>
+          <a:bodyPr wrap="square" rtlCol="0">
+            <a:spAutoFit/>
+          </a:bodyPr>
+          <a:lstStyle/>
+          <a:p>
+            <a:r>
+              <a:rPr lang="en-US" sz="2000" dirty="0"/>
+              <a:t>h &gt;= 0.8 -&gt; d1: easy habit.</a:t>
+            </a:r>
+          </a:p>
+          <a:p>
+            <a:r>
+              <a:rPr lang="en-US" sz="2000" dirty="0"/>
+              <a:t>0.5 &lt; h &lt; 0.8 -&gt; d2:  medium habit.</a:t>
+            </a:r>
+          </a:p>
+          <a:p>
+            <a:r>
+              <a:rPr lang="en-US" sz="2000" dirty="0"/>
+              <a:t>h &lt; 0.5 -&gt; d3: difficult habit.</a:t>
+            </a:r>
+          </a:p>
+        </p:txBody>
+      </p:sp>
+      <p:sp>
+        <p:nvSpPr>
+          <p:cNvPr id="16" name="TextBox 15"/>
+          <p:cNvSpPr txBox="1"/>
+          <p:nvPr/>
+        </p:nvSpPr>
+        <p:spPr>
+          <a:xfrm>
+            <a:off x="1767840" y="517799"/>
+            <a:ext cx="8610600" cy="861774"/>
+          </a:xfrm>
+          <a:prstGeom prst="rect">
+            <a:avLst/>
+          </a:prstGeom>
+          <a:noFill/>
+        </p:spPr>
+        <p:txBody>
+          <a:bodyPr wrap="square" rtlCol="0">
+            <a:spAutoFit/>
+          </a:bodyPr>
+          <a:lstStyle/>
+          <a:p>
+            <a:pPr marL="0" lvl="2" algn="ctr"/>
+            <a:r>
+              <a:rPr lang="en-US" sz="2500" b="1" i="1" dirty="0">
+                <a:latin typeface="Cambria" panose="02040503050406030204" pitchFamily="18" charset="0"/>
+              </a:rPr>
+              <a:t>Recommend the best habits for users by linear programming </a:t>
+            </a:r>
+            <a:r>
+              <a:rPr lang="en-US" sz="2500" b="1" i="1" dirty="0" smtClean="0">
+                <a:latin typeface="Cambria" panose="02040503050406030204" pitchFamily="18" charset="0"/>
+              </a:rPr>
+              <a:t>algorithm</a:t>
+            </a:r>
+            <a:endParaRPr lang="en-US" sz="2500" b="1" i="1" dirty="0">
+              <a:latin typeface="Cambria" panose="02040503050406030204" pitchFamily="18" charset="0"/>
+            </a:endParaRPr>
+          </a:p>
+        </p:txBody>
+      </p:sp>
+    </p:spTree>
+    <p:extLst>
+      <p:ext uri="{BB962C8B-B14F-4D97-AF65-F5344CB8AC3E}">
+        <p14:creationId xmlns:p14="http://schemas.microsoft.com/office/powerpoint/2010/main" val="4203042649"/>
+      </p:ext>
+    </p:extLst>
+  </p:cSld>
+  <p:clrMapOvr>
+    <a:masterClrMapping/>
+  </p:clrMapOvr>
+  <mc:AlternateContent xmlns:mc="http://schemas.openxmlformats.org/markup-compatibility/2006" xmlns:p14="http://schemas.microsoft.com/office/powerpoint/2010/main">
+    <mc:Choice Requires="p14">
+      <p:transition spd="med" p14:dur="700">
+        <p:fade/>
+      </p:transition>
+    </mc:Choice>
+    <mc:Fallback xmlns="">
+      <p:transition spd="med">
+        <p:fade/>
+      </p:transition>
+    </mc:Fallback>
+  </mc:AlternateContent>
+  <p:timing>
+    <p:tnLst>
+      <p:par>
+        <p:cTn id="1" dur="indefinite" restart="never" nodeType="tmRoot"/>
+      </p:par>
+    </p:tnLst>
+  </p:timing>
+</p:sld>
+</file>
+
+<file path=ppt/slides/slide17.xml><?xml version="1.0" encoding="utf-8"?>
+<p:sld xmlns:a="http://schemas.openxmlformats.org/drawingml/2006/main" xmlns:r="http://schemas.openxmlformats.org/officeDocument/2006/relationships" xmlns:p="http://schemas.openxmlformats.org/presentationml/2006/main">
+  <p:cSld>
+    <p:spTree>
+      <p:nvGrpSpPr>
+        <p:cNvPr id="1" name=""/>
+        <p:cNvGrpSpPr/>
+        <p:nvPr/>
+      </p:nvGrpSpPr>
+      <p:grpSpPr>
+        <a:xfrm>
+          <a:off x="0" y="0"/>
+          <a:ext cx="0" cy="0"/>
+          <a:chOff x="0" y="0"/>
+          <a:chExt cx="0" cy="0"/>
+        </a:xfrm>
+      </p:grpSpPr>
+      <p:cxnSp>
+        <p:nvCxnSpPr>
+          <p:cNvPr id="8" name="Straight Connector 7"/>
+          <p:cNvCxnSpPr/>
+          <p:nvPr/>
+        </p:nvCxnSpPr>
+        <p:spPr>
+          <a:xfrm flipV="1">
+            <a:off x="11480800" y="279400"/>
+            <a:ext cx="0" cy="3251200"/>
+          </a:xfrm>
+          <a:prstGeom prst="line">
+            <a:avLst/>
+          </a:prstGeom>
+        </p:spPr>
+        <p:style>
+          <a:lnRef idx="1">
+            <a:schemeClr val="accent1"/>
+          </a:lnRef>
+          <a:fillRef idx="0">
+            <a:schemeClr val="accent1"/>
+          </a:fillRef>
+          <a:effectRef idx="0">
+            <a:schemeClr val="accent1"/>
+          </a:effectRef>
+          <a:fontRef idx="minor">
+            <a:schemeClr val="tx1"/>
+          </a:fontRef>
+        </p:style>
+      </p:cxnSp>
+      <p:cxnSp>
+        <p:nvCxnSpPr>
+          <p:cNvPr id="12" name="Straight Connector 11"/>
+          <p:cNvCxnSpPr/>
+          <p:nvPr/>
+        </p:nvCxnSpPr>
+        <p:spPr>
+          <a:xfrm flipV="1">
+            <a:off x="11379200" y="517799"/>
+            <a:ext cx="0" cy="2708004"/>
+          </a:xfrm>
+          <a:prstGeom prst="line">
+            <a:avLst/>
+          </a:prstGeom>
+        </p:spPr>
+        <p:style>
+          <a:lnRef idx="1">
+            <a:schemeClr val="accent1"/>
+          </a:lnRef>
+          <a:fillRef idx="0">
+            <a:schemeClr val="accent1"/>
+          </a:fillRef>
+          <a:effectRef idx="0">
+            <a:schemeClr val="accent1"/>
+          </a:effectRef>
+          <a:fontRef idx="minor">
+            <a:schemeClr val="tx1"/>
+          </a:fontRef>
+        </p:style>
+      </p:cxnSp>
+      <p:cxnSp>
+        <p:nvCxnSpPr>
+          <p:cNvPr id="10" name="Straight Connector 9"/>
+          <p:cNvCxnSpPr/>
+          <p:nvPr/>
+        </p:nvCxnSpPr>
+        <p:spPr>
+          <a:xfrm>
+            <a:off x="3958793" y="1709773"/>
+            <a:ext cx="6192372" cy="13010"/>
+          </a:xfrm>
+          <a:prstGeom prst="line">
+            <a:avLst/>
+          </a:prstGeom>
+        </p:spPr>
+        <p:style>
+          <a:lnRef idx="1">
+            <a:schemeClr val="accent1"/>
+          </a:lnRef>
+          <a:fillRef idx="0">
+            <a:schemeClr val="accent1"/>
+          </a:fillRef>
+          <a:effectRef idx="0">
+            <a:schemeClr val="accent1"/>
+          </a:effectRef>
+          <a:fontRef idx="minor">
+            <a:schemeClr val="tx1"/>
+          </a:fontRef>
+        </p:style>
+      </p:cxnSp>
+      <p:cxnSp>
+        <p:nvCxnSpPr>
+          <p:cNvPr id="13" name="Straight Connector 12"/>
+          <p:cNvCxnSpPr/>
+          <p:nvPr/>
+        </p:nvCxnSpPr>
+        <p:spPr>
+          <a:xfrm flipV="1">
+            <a:off x="1550504" y="1709773"/>
+            <a:ext cx="1493889" cy="13010"/>
+          </a:xfrm>
+          <a:prstGeom prst="line">
+            <a:avLst/>
+          </a:prstGeom>
+        </p:spPr>
+        <p:style>
+          <a:lnRef idx="1">
+            <a:schemeClr val="accent1"/>
+          </a:lnRef>
+          <a:fillRef idx="0">
+            <a:schemeClr val="accent1"/>
+          </a:fillRef>
+          <a:effectRef idx="0">
+            <a:schemeClr val="accent1"/>
+          </a:effectRef>
+          <a:fontRef idx="minor">
+            <a:schemeClr val="tx1"/>
+          </a:fontRef>
+        </p:style>
+      </p:cxnSp>
+      <p:pic>
+        <p:nvPicPr>
+          <p:cNvPr id="14" name="Picture 2" descr="C:\Users\ASUS\Desktop\Slide-UniStar\algorithm.png"/>
+          <p:cNvPicPr>
+            <a:picLocks noChangeAspect="1" noChangeArrowheads="1"/>
+          </p:cNvPicPr>
+          <p:nvPr/>
+        </p:nvPicPr>
+        <p:blipFill>
+          <a:blip r:embed="rId3" cstate="print">
+            <a:extLst>
+              <a:ext uri="{28A0092B-C50C-407E-A947-70E740481C1C}">
+                <a14:useLocalDpi xmlns:a14="http://schemas.microsoft.com/office/drawing/2010/main" val="0"/>
+              </a:ext>
+            </a:extLst>
+          </a:blip>
+          <a:srcRect/>
+          <a:stretch>
+            <a:fillRect/>
+          </a:stretch>
+        </p:blipFill>
+        <p:spPr bwMode="auto">
+          <a:xfrm>
+            <a:off x="3167583" y="1379573"/>
+            <a:ext cx="723900" cy="723900"/>
+          </a:xfrm>
+          <a:prstGeom prst="rect">
+            <a:avLst/>
+          </a:prstGeom>
+          <a:noFill/>
+          <a:extLst>
+            <a:ext uri="{909E8E84-426E-40DD-AFC4-6F175D3DCCD1}">
+              <a14:hiddenFill xmlns:a14="http://schemas.microsoft.com/office/drawing/2010/main">
+                <a:solidFill>
+                  <a:srgbClr val="FFFFFF"/>
+                </a:solidFill>
+              </a14:hiddenFill>
+            </a:ext>
+          </a:extLst>
+        </p:spPr>
+      </p:pic>
+      <p:sp>
+        <p:nvSpPr>
+          <p:cNvPr id="4" name="TextBox 3"/>
+          <p:cNvSpPr txBox="1"/>
+          <p:nvPr/>
+        </p:nvSpPr>
+        <p:spPr>
+          <a:xfrm>
+            <a:off x="996331" y="3101009"/>
+            <a:ext cx="6464643" cy="1015663"/>
+          </a:xfrm>
+          <a:prstGeom prst="rect">
+            <a:avLst/>
+          </a:prstGeom>
+          <a:noFill/>
+        </p:spPr>
+        <p:txBody>
+          <a:bodyPr wrap="square" rtlCol="0">
+            <a:spAutoFit/>
+          </a:bodyPr>
+          <a:lstStyle/>
+          <a:p>
+            <a:r>
+              <a:rPr lang="en-US" sz="2000" dirty="0"/>
+              <a:t>h &gt;= 0.8 -&gt; d1: easy habit.</a:t>
+            </a:r>
+          </a:p>
+          <a:p>
+            <a:r>
+              <a:rPr lang="en-US" sz="2000" dirty="0"/>
+              <a:t>0.5 &lt; h &lt; 0.8 -&gt; d2:  medium habit.</a:t>
+            </a:r>
+          </a:p>
+          <a:p>
+            <a:r>
+              <a:rPr lang="en-US" sz="2000" dirty="0"/>
+              <a:t>h &lt; 0.5 -&gt; d3: difficult habit.</a:t>
+            </a:r>
+          </a:p>
+        </p:txBody>
+      </p:sp>
+      <p:sp>
+        <p:nvSpPr>
+          <p:cNvPr id="5" name="TextBox 4"/>
+          <p:cNvSpPr txBox="1"/>
+          <p:nvPr/>
+        </p:nvSpPr>
+        <p:spPr>
+          <a:xfrm>
+            <a:off x="4117819" y="2103473"/>
+            <a:ext cx="3974037" cy="477054"/>
+          </a:xfrm>
+          <a:prstGeom prst="rect">
+            <a:avLst/>
+          </a:prstGeom>
+          <a:noFill/>
+        </p:spPr>
+        <p:txBody>
+          <a:bodyPr wrap="none" rtlCol="0">
+            <a:spAutoFit/>
+          </a:bodyPr>
+          <a:lstStyle/>
+          <a:p>
+            <a:r>
+              <a:rPr lang="en-US" sz="2500" b="1" dirty="0">
+                <a:latin typeface="Cambria" panose="02040503050406030204" pitchFamily="18" charset="0"/>
+              </a:rPr>
+              <a:t>T</a:t>
+            </a:r>
+            <a:r>
+              <a:rPr lang="en-US" sz="2500" b="1" dirty="0" smtClean="0">
+                <a:latin typeface="Cambria" panose="02040503050406030204" pitchFamily="18" charset="0"/>
+              </a:rPr>
+              <a:t>he difficulty of the habit.</a:t>
+            </a:r>
+          </a:p>
+        </p:txBody>
+      </p:sp>
+      <p:sp>
+        <p:nvSpPr>
+          <p:cNvPr id="15" name="TextBox 14"/>
+          <p:cNvSpPr txBox="1"/>
+          <p:nvPr/>
+        </p:nvSpPr>
+        <p:spPr>
+          <a:xfrm>
+            <a:off x="1767840" y="517799"/>
+            <a:ext cx="8610600" cy="861774"/>
+          </a:xfrm>
+          <a:prstGeom prst="rect">
+            <a:avLst/>
+          </a:prstGeom>
+          <a:noFill/>
+        </p:spPr>
+        <p:txBody>
+          <a:bodyPr wrap="square" rtlCol="0">
+            <a:spAutoFit/>
+          </a:bodyPr>
+          <a:lstStyle/>
+          <a:p>
+            <a:pPr marL="0" lvl="2" algn="ctr"/>
+            <a:r>
+              <a:rPr lang="en-US" sz="2500" b="1" i="1" dirty="0">
+                <a:latin typeface="Cambria" panose="02040503050406030204" pitchFamily="18" charset="0"/>
+              </a:rPr>
+              <a:t>Recommend the best habits for users by linear programming </a:t>
+            </a:r>
+            <a:r>
+              <a:rPr lang="en-US" sz="2500" b="1" i="1" dirty="0" smtClean="0">
+                <a:latin typeface="Cambria" panose="02040503050406030204" pitchFamily="18" charset="0"/>
+              </a:rPr>
+              <a:t>algorithm</a:t>
+            </a:r>
+            <a:endParaRPr lang="en-US" sz="2500" b="1" i="1" dirty="0">
+              <a:latin typeface="Cambria" panose="02040503050406030204" pitchFamily="18" charset="0"/>
+            </a:endParaRPr>
+          </a:p>
+        </p:txBody>
+      </p:sp>
+    </p:spTree>
+    <p:extLst>
+      <p:ext uri="{BB962C8B-B14F-4D97-AF65-F5344CB8AC3E}">
+        <p14:creationId xmlns:p14="http://schemas.microsoft.com/office/powerpoint/2010/main" val="3522523103"/>
       </p:ext>
     </p:extLst>
   </p:cSld>
@@ -10962,77 +10714,6 @@
           </a:fontRef>
         </p:style>
       </p:cxnSp>
-      <p:pic>
-        <p:nvPicPr>
-          <p:cNvPr id="11" name="Picture 10"/>
-          <p:cNvPicPr>
-            <a:picLocks noChangeAspect="1"/>
-          </p:cNvPicPr>
-          <p:nvPr/>
-        </p:nvPicPr>
-        <p:blipFill>
-          <a:blip r:embed="rId3" cstate="print">
-            <a:extLst>
-              <a:ext uri="{28A0092B-C50C-407E-A947-70E740481C1C}">
-                <a14:useLocalDpi xmlns:a14="http://schemas.microsoft.com/office/drawing/2010/main" val="0"/>
-              </a:ext>
-            </a:extLst>
-          </a:blip>
-          <a:stretch>
-            <a:fillRect/>
-          </a:stretch>
-        </p:blipFill>
-        <p:spPr>
-          <a:xfrm>
-            <a:off x="563491" y="101358"/>
-            <a:ext cx="1614283" cy="1469592"/>
-          </a:xfrm>
-          <a:prstGeom prst="rect">
-            <a:avLst/>
-          </a:prstGeom>
-        </p:spPr>
-      </p:pic>
-      <p:sp>
-        <p:nvSpPr>
-          <p:cNvPr id="3" name="TextBox 2"/>
-          <p:cNvSpPr txBox="1"/>
-          <p:nvPr/>
-        </p:nvSpPr>
-        <p:spPr>
-          <a:xfrm>
-            <a:off x="3993082" y="517799"/>
-            <a:ext cx="6573318" cy="861774"/>
-          </a:xfrm>
-          <a:prstGeom prst="rect">
-            <a:avLst/>
-          </a:prstGeom>
-          <a:noFill/>
-        </p:spPr>
-        <p:txBody>
-          <a:bodyPr wrap="square" rtlCol="0">
-            <a:spAutoFit/>
-          </a:bodyPr>
-          <a:lstStyle/>
-          <a:p>
-            <a:pPr marL="0" lvl="2"/>
-            <a:r>
-              <a:rPr lang="en-US" sz="2500" b="1" i="1" dirty="0">
-                <a:latin typeface="Cambria" panose="02040503050406030204" pitchFamily="18" charset="0"/>
-              </a:rPr>
-              <a:t>Recommend the best habits for users by linear programming </a:t>
-            </a:r>
-            <a:r>
-              <a:rPr lang="en-US" sz="2500" b="1" i="1" dirty="0" smtClean="0">
-                <a:latin typeface="Cambria" panose="02040503050406030204" pitchFamily="18" charset="0"/>
-              </a:rPr>
-              <a:t>algorithm</a:t>
-            </a:r>
-            <a:endParaRPr lang="en-US" sz="2500" b="1" i="1" dirty="0">
-              <a:latin typeface="Cambria" panose="02040503050406030204" pitchFamily="18" charset="0"/>
-            </a:endParaRPr>
-          </a:p>
-        </p:txBody>
-      </p:sp>
       <p:cxnSp>
         <p:nvCxnSpPr>
           <p:cNvPr id="10" name="Straight Connector 9"/>
@@ -11102,1074 +10783,7 @@
           <p:nvPr/>
         </p:nvPicPr>
         <p:blipFill>
-          <a:blip r:embed="rId4" cstate="print">
-            <a:extLst>
-              <a:ext uri="{28A0092B-C50C-407E-A947-70E740481C1C}">
-                <a14:useLocalDpi xmlns:a14="http://schemas.microsoft.com/office/drawing/2010/main" val="0"/>
-              </a:ext>
-            </a:extLst>
-          </a:blip>
-          <a:srcRect/>
-          <a:stretch>
-            <a:fillRect/>
-          </a:stretch>
-        </p:blipFill>
-        <p:spPr bwMode="auto">
-          <a:xfrm>
-            <a:off x="3167583" y="1379573"/>
-            <a:ext cx="723900" cy="723900"/>
-          </a:xfrm>
-          <a:prstGeom prst="rect">
-            <a:avLst/>
-          </a:prstGeom>
-          <a:noFill/>
-          <a:extLst>
-            <a:ext uri="{909E8E84-426E-40DD-AFC4-6F175D3DCCD1}">
-              <a14:hiddenFill xmlns:a14="http://schemas.microsoft.com/office/drawing/2010/main">
-                <a:solidFill>
-                  <a:srgbClr val="FFFFFF"/>
-                </a:solidFill>
-              </a14:hiddenFill>
-            </a:ext>
-          </a:extLst>
-        </p:spPr>
-      </p:pic>
-      <p:sp>
-        <p:nvSpPr>
-          <p:cNvPr id="4" name="TextBox 3"/>
-          <p:cNvSpPr txBox="1"/>
-          <p:nvPr/>
-        </p:nvSpPr>
-        <p:spPr>
-          <a:xfrm>
-            <a:off x="996331" y="3101009"/>
-            <a:ext cx="6464643" cy="2226365"/>
-          </a:xfrm>
-          <a:prstGeom prst="rect">
-            <a:avLst/>
-          </a:prstGeom>
-          <a:noFill/>
-        </p:spPr>
-        <p:txBody>
-          <a:bodyPr wrap="square" rtlCol="0">
-            <a:spAutoFit/>
-          </a:bodyPr>
-          <a:lstStyle/>
-          <a:p>
-            <a:r>
-              <a:rPr lang="en-US" sz="2000" dirty="0"/>
-              <a:t>a: is the number of successful tracking of the habit.</a:t>
-            </a:r>
-          </a:p>
-          <a:p>
-            <a:r>
-              <a:rPr lang="en-US" sz="2000" dirty="0"/>
-              <a:t>b: is the total tracking of the habit (success or failure).</a:t>
-            </a:r>
-          </a:p>
-          <a:p>
-            <a:r>
-              <a:rPr lang="en-US" sz="2000" dirty="0"/>
-              <a:t>Supposed:</a:t>
-            </a:r>
-          </a:p>
-          <a:p>
-            <a:r>
-              <a:rPr lang="en-US" sz="2000" dirty="0"/>
-              <a:t>p: The habit is done successfully.</a:t>
-            </a:r>
-          </a:p>
-          <a:p>
-            <a:r>
-              <a:rPr lang="en-US" sz="2000" dirty="0"/>
-              <a:t>p = a / b with a / b &gt;= 0.8</a:t>
-            </a:r>
-          </a:p>
-          <a:p>
-            <a:r>
-              <a:rPr lang="en-US" sz="2000" dirty="0"/>
-              <a:t>f: The habit is done unsuccessfully.</a:t>
-            </a:r>
-          </a:p>
-          <a:p>
-            <a:r>
-              <a:rPr lang="en-US" sz="2000" dirty="0"/>
-              <a:t>f = a / b with a / b &lt; 0.8</a:t>
-            </a:r>
-          </a:p>
-        </p:txBody>
-      </p:sp>
-      <p:sp>
-        <p:nvSpPr>
-          <p:cNvPr id="5" name="TextBox 4"/>
-          <p:cNvSpPr txBox="1"/>
-          <p:nvPr/>
-        </p:nvSpPr>
-        <p:spPr>
-          <a:xfrm>
-            <a:off x="4117819" y="2103473"/>
-            <a:ext cx="3974037" cy="477054"/>
-          </a:xfrm>
-          <a:prstGeom prst="rect">
-            <a:avLst/>
-          </a:prstGeom>
-          <a:noFill/>
-        </p:spPr>
-        <p:txBody>
-          <a:bodyPr wrap="none" rtlCol="0">
-            <a:spAutoFit/>
-          </a:bodyPr>
-          <a:lstStyle/>
-          <a:p>
-            <a:r>
-              <a:rPr lang="en-US" sz="2500" b="1" dirty="0">
-                <a:latin typeface="Cambria" panose="02040503050406030204" pitchFamily="18" charset="0"/>
-              </a:rPr>
-              <a:t>T</a:t>
-            </a:r>
-            <a:r>
-              <a:rPr lang="en-US" sz="2500" b="1" dirty="0" smtClean="0">
-                <a:latin typeface="Cambria" panose="02040503050406030204" pitchFamily="18" charset="0"/>
-              </a:rPr>
-              <a:t>he difficulty of the habit.</a:t>
-            </a:r>
-          </a:p>
-        </p:txBody>
-      </p:sp>
-      <p:sp>
-        <p:nvSpPr>
-          <p:cNvPr id="15" name="TextBox 14"/>
-          <p:cNvSpPr txBox="1"/>
-          <p:nvPr/>
-        </p:nvSpPr>
-        <p:spPr>
-          <a:xfrm>
-            <a:off x="7469809" y="3706359"/>
-            <a:ext cx="3774452" cy="1015663"/>
-          </a:xfrm>
-          <a:prstGeom prst="rect">
-            <a:avLst/>
-          </a:prstGeom>
-          <a:noFill/>
-        </p:spPr>
-        <p:txBody>
-          <a:bodyPr wrap="square" rtlCol="0">
-            <a:spAutoFit/>
-          </a:bodyPr>
-          <a:lstStyle/>
-          <a:p>
-            <a:r>
-              <a:rPr lang="en-US" sz="2000" dirty="0"/>
-              <a:t>h &gt;= 0.8 -&gt; d1: easy habit.</a:t>
-            </a:r>
-          </a:p>
-          <a:p>
-            <a:r>
-              <a:rPr lang="en-US" sz="2000" dirty="0"/>
-              <a:t>0.5 &lt; h &lt; 0.8 -&gt; d2:  medium habit.</a:t>
-            </a:r>
-          </a:p>
-          <a:p>
-            <a:r>
-              <a:rPr lang="en-US" sz="2000" dirty="0"/>
-              <a:t>h &lt; 0.5 -&gt; d3: difficult habit.</a:t>
-            </a:r>
-          </a:p>
-        </p:txBody>
-      </p:sp>
-    </p:spTree>
-    <p:extLst>
-      <p:ext uri="{BB962C8B-B14F-4D97-AF65-F5344CB8AC3E}">
-        <p14:creationId xmlns:p14="http://schemas.microsoft.com/office/powerpoint/2010/main" val="4203042649"/>
-      </p:ext>
-    </p:extLst>
-  </p:cSld>
-  <p:clrMapOvr>
-    <a:masterClrMapping/>
-  </p:clrMapOvr>
-  <mc:AlternateContent xmlns:mc="http://schemas.openxmlformats.org/markup-compatibility/2006" xmlns:p14="http://schemas.microsoft.com/office/powerpoint/2010/main">
-    <mc:Choice Requires="p14">
-      <p:transition spd="med" p14:dur="700">
-        <p:fade/>
-      </p:transition>
-    </mc:Choice>
-    <mc:Fallback xmlns="">
-      <p:transition spd="med">
-        <p:fade/>
-      </p:transition>
-    </mc:Fallback>
-  </mc:AlternateContent>
-  <p:timing>
-    <p:tnLst>
-      <p:par>
-        <p:cTn id="1" dur="indefinite" restart="never" nodeType="tmRoot"/>
-      </p:par>
-    </p:tnLst>
-  </p:timing>
-</p:sld>
-</file>
-
-<file path=ppt/slides/slide19.xml><?xml version="1.0" encoding="utf-8"?>
-<p:sld xmlns:a="http://schemas.openxmlformats.org/drawingml/2006/main" xmlns:r="http://schemas.openxmlformats.org/officeDocument/2006/relationships" xmlns:p="http://schemas.openxmlformats.org/presentationml/2006/main">
-  <p:cSld>
-    <p:spTree>
-      <p:nvGrpSpPr>
-        <p:cNvPr id="1" name=""/>
-        <p:cNvGrpSpPr/>
-        <p:nvPr/>
-      </p:nvGrpSpPr>
-      <p:grpSpPr>
-        <a:xfrm>
-          <a:off x="0" y="0"/>
-          <a:ext cx="0" cy="0"/>
-          <a:chOff x="0" y="0"/>
-          <a:chExt cx="0" cy="0"/>
-        </a:xfrm>
-      </p:grpSpPr>
-      <p:cxnSp>
-        <p:nvCxnSpPr>
-          <p:cNvPr id="8" name="Straight Connector 7"/>
-          <p:cNvCxnSpPr/>
-          <p:nvPr/>
-        </p:nvCxnSpPr>
-        <p:spPr>
-          <a:xfrm flipV="1">
-            <a:off x="11480800" y="279400"/>
-            <a:ext cx="0" cy="3251200"/>
-          </a:xfrm>
-          <a:prstGeom prst="line">
-            <a:avLst/>
-          </a:prstGeom>
-        </p:spPr>
-        <p:style>
-          <a:lnRef idx="1">
-            <a:schemeClr val="accent1"/>
-          </a:lnRef>
-          <a:fillRef idx="0">
-            <a:schemeClr val="accent1"/>
-          </a:fillRef>
-          <a:effectRef idx="0">
-            <a:schemeClr val="accent1"/>
-          </a:effectRef>
-          <a:fontRef idx="minor">
-            <a:schemeClr val="tx1"/>
-          </a:fontRef>
-        </p:style>
-      </p:cxnSp>
-      <p:cxnSp>
-        <p:nvCxnSpPr>
-          <p:cNvPr id="12" name="Straight Connector 11"/>
-          <p:cNvCxnSpPr/>
-          <p:nvPr/>
-        </p:nvCxnSpPr>
-        <p:spPr>
-          <a:xfrm flipV="1">
-            <a:off x="11379200" y="517799"/>
-            <a:ext cx="0" cy="2708004"/>
-          </a:xfrm>
-          <a:prstGeom prst="line">
-            <a:avLst/>
-          </a:prstGeom>
-        </p:spPr>
-        <p:style>
-          <a:lnRef idx="1">
-            <a:schemeClr val="accent1"/>
-          </a:lnRef>
-          <a:fillRef idx="0">
-            <a:schemeClr val="accent1"/>
-          </a:fillRef>
-          <a:effectRef idx="0">
-            <a:schemeClr val="accent1"/>
-          </a:effectRef>
-          <a:fontRef idx="minor">
-            <a:schemeClr val="tx1"/>
-          </a:fontRef>
-        </p:style>
-      </p:cxnSp>
-      <p:pic>
-        <p:nvPicPr>
-          <p:cNvPr id="11" name="Picture 10"/>
-          <p:cNvPicPr>
-            <a:picLocks noChangeAspect="1"/>
-          </p:cNvPicPr>
-          <p:nvPr/>
-        </p:nvPicPr>
-        <p:blipFill>
           <a:blip r:embed="rId3" cstate="print">
-            <a:extLst>
-              <a:ext uri="{28A0092B-C50C-407E-A947-70E740481C1C}">
-                <a14:useLocalDpi xmlns:a14="http://schemas.microsoft.com/office/drawing/2010/main" val="0"/>
-              </a:ext>
-            </a:extLst>
-          </a:blip>
-          <a:stretch>
-            <a:fillRect/>
-          </a:stretch>
-        </p:blipFill>
-        <p:spPr>
-          <a:xfrm>
-            <a:off x="563491" y="101358"/>
-            <a:ext cx="1614283" cy="1469592"/>
-          </a:xfrm>
-          <a:prstGeom prst="rect">
-            <a:avLst/>
-          </a:prstGeom>
-        </p:spPr>
-      </p:pic>
-      <p:sp>
-        <p:nvSpPr>
-          <p:cNvPr id="3" name="TextBox 2"/>
-          <p:cNvSpPr txBox="1"/>
-          <p:nvPr/>
-        </p:nvSpPr>
-        <p:spPr>
-          <a:xfrm>
-            <a:off x="3993082" y="517799"/>
-            <a:ext cx="6573318" cy="861774"/>
-          </a:xfrm>
-          <a:prstGeom prst="rect">
-            <a:avLst/>
-          </a:prstGeom>
-          <a:noFill/>
-        </p:spPr>
-        <p:txBody>
-          <a:bodyPr wrap="square" rtlCol="0">
-            <a:spAutoFit/>
-          </a:bodyPr>
-          <a:lstStyle/>
-          <a:p>
-            <a:pPr marL="0" lvl="2"/>
-            <a:r>
-              <a:rPr lang="en-US" sz="2500" b="1" i="1" dirty="0">
-                <a:latin typeface="Cambria" panose="02040503050406030204" pitchFamily="18" charset="0"/>
-              </a:rPr>
-              <a:t>Recommend the best habits for users by linear programming </a:t>
-            </a:r>
-            <a:r>
-              <a:rPr lang="en-US" sz="2500" b="1" i="1" dirty="0" smtClean="0">
-                <a:latin typeface="Cambria" panose="02040503050406030204" pitchFamily="18" charset="0"/>
-              </a:rPr>
-              <a:t>algorithm</a:t>
-            </a:r>
-            <a:endParaRPr lang="en-US" sz="2500" b="1" i="1" dirty="0">
-              <a:latin typeface="Cambria" panose="02040503050406030204" pitchFamily="18" charset="0"/>
-            </a:endParaRPr>
-          </a:p>
-        </p:txBody>
-      </p:sp>
-      <p:cxnSp>
-        <p:nvCxnSpPr>
-          <p:cNvPr id="10" name="Straight Connector 9"/>
-          <p:cNvCxnSpPr/>
-          <p:nvPr/>
-        </p:nvCxnSpPr>
-        <p:spPr>
-          <a:xfrm>
-            <a:off x="3958793" y="1709773"/>
-            <a:ext cx="6192372" cy="13010"/>
-          </a:xfrm>
-          <a:prstGeom prst="line">
-            <a:avLst/>
-          </a:prstGeom>
-        </p:spPr>
-        <p:style>
-          <a:lnRef idx="1">
-            <a:schemeClr val="accent1"/>
-          </a:lnRef>
-          <a:fillRef idx="0">
-            <a:schemeClr val="accent1"/>
-          </a:fillRef>
-          <a:effectRef idx="0">
-            <a:schemeClr val="accent1"/>
-          </a:effectRef>
-          <a:fontRef idx="minor">
-            <a:schemeClr val="tx1"/>
-          </a:fontRef>
-        </p:style>
-      </p:cxnSp>
-      <p:cxnSp>
-        <p:nvCxnSpPr>
-          <p:cNvPr id="13" name="Straight Connector 12"/>
-          <p:cNvCxnSpPr/>
-          <p:nvPr/>
-        </p:nvCxnSpPr>
-        <p:spPr>
-          <a:xfrm flipV="1">
-            <a:off x="1550504" y="1709773"/>
-            <a:ext cx="1493889" cy="13010"/>
-          </a:xfrm>
-          <a:prstGeom prst="line">
-            <a:avLst/>
-          </a:prstGeom>
-        </p:spPr>
-        <p:style>
-          <a:lnRef idx="1">
-            <a:schemeClr val="accent1"/>
-          </a:lnRef>
-          <a:fillRef idx="0">
-            <a:schemeClr val="accent1"/>
-          </a:fillRef>
-          <a:effectRef idx="0">
-            <a:schemeClr val="accent1"/>
-          </a:effectRef>
-          <a:fontRef idx="minor">
-            <a:schemeClr val="tx1"/>
-          </a:fontRef>
-        </p:style>
-      </p:cxnSp>
-      <p:pic>
-        <p:nvPicPr>
-          <p:cNvPr id="14" name="Picture 2" descr="C:\Users\ASUS\Desktop\Slide-UniStar\algorithm.png"/>
-          <p:cNvPicPr>
-            <a:picLocks noChangeAspect="1" noChangeArrowheads="1"/>
-          </p:cNvPicPr>
-          <p:nvPr/>
-        </p:nvPicPr>
-        <p:blipFill>
-          <a:blip r:embed="rId4" cstate="print">
-            <a:extLst>
-              <a:ext uri="{28A0092B-C50C-407E-A947-70E740481C1C}">
-                <a14:useLocalDpi xmlns:a14="http://schemas.microsoft.com/office/drawing/2010/main" val="0"/>
-              </a:ext>
-            </a:extLst>
-          </a:blip>
-          <a:srcRect/>
-          <a:stretch>
-            <a:fillRect/>
-          </a:stretch>
-        </p:blipFill>
-        <p:spPr bwMode="auto">
-          <a:xfrm>
-            <a:off x="3167583" y="1379573"/>
-            <a:ext cx="723900" cy="723900"/>
-          </a:xfrm>
-          <a:prstGeom prst="rect">
-            <a:avLst/>
-          </a:prstGeom>
-          <a:noFill/>
-          <a:extLst>
-            <a:ext uri="{909E8E84-426E-40DD-AFC4-6F175D3DCCD1}">
-              <a14:hiddenFill xmlns:a14="http://schemas.microsoft.com/office/drawing/2010/main">
-                <a:solidFill>
-                  <a:srgbClr val="FFFFFF"/>
-                </a:solidFill>
-              </a14:hiddenFill>
-            </a:ext>
-          </a:extLst>
-        </p:spPr>
-      </p:pic>
-      <p:sp>
-        <p:nvSpPr>
-          <p:cNvPr id="4" name="TextBox 3"/>
-          <p:cNvSpPr txBox="1"/>
-          <p:nvPr/>
-        </p:nvSpPr>
-        <p:spPr>
-          <a:xfrm>
-            <a:off x="996331" y="3101009"/>
-            <a:ext cx="6464643" cy="1015663"/>
-          </a:xfrm>
-          <a:prstGeom prst="rect">
-            <a:avLst/>
-          </a:prstGeom>
-          <a:noFill/>
-        </p:spPr>
-        <p:txBody>
-          <a:bodyPr wrap="square" rtlCol="0">
-            <a:spAutoFit/>
-          </a:bodyPr>
-          <a:lstStyle/>
-          <a:p>
-            <a:r>
-              <a:rPr lang="en-US" sz="2000" dirty="0"/>
-              <a:t>h &gt;= 0.8 -&gt; d1: easy habit.</a:t>
-            </a:r>
-          </a:p>
-          <a:p>
-            <a:r>
-              <a:rPr lang="en-US" sz="2000" dirty="0"/>
-              <a:t>0.5 &lt; h &lt; 0.8 -&gt; d2:  medium habit.</a:t>
-            </a:r>
-          </a:p>
-          <a:p>
-            <a:r>
-              <a:rPr lang="en-US" sz="2000" dirty="0"/>
-              <a:t>h &lt; 0.5 -&gt; d3: difficult habit.</a:t>
-            </a:r>
-          </a:p>
-        </p:txBody>
-      </p:sp>
-      <p:sp>
-        <p:nvSpPr>
-          <p:cNvPr id="5" name="TextBox 4"/>
-          <p:cNvSpPr txBox="1"/>
-          <p:nvPr/>
-        </p:nvSpPr>
-        <p:spPr>
-          <a:xfrm>
-            <a:off x="4117819" y="2103473"/>
-            <a:ext cx="3974037" cy="477054"/>
-          </a:xfrm>
-          <a:prstGeom prst="rect">
-            <a:avLst/>
-          </a:prstGeom>
-          <a:noFill/>
-        </p:spPr>
-        <p:txBody>
-          <a:bodyPr wrap="none" rtlCol="0">
-            <a:spAutoFit/>
-          </a:bodyPr>
-          <a:lstStyle/>
-          <a:p>
-            <a:r>
-              <a:rPr lang="en-US" sz="2500" b="1" dirty="0">
-                <a:latin typeface="Cambria" panose="02040503050406030204" pitchFamily="18" charset="0"/>
-              </a:rPr>
-              <a:t>T</a:t>
-            </a:r>
-            <a:r>
-              <a:rPr lang="en-US" sz="2500" b="1" dirty="0" smtClean="0">
-                <a:latin typeface="Cambria" panose="02040503050406030204" pitchFamily="18" charset="0"/>
-              </a:rPr>
-              <a:t>he difficulty of the habit.</a:t>
-            </a:r>
-          </a:p>
-        </p:txBody>
-      </p:sp>
-    </p:spTree>
-    <p:extLst>
-      <p:ext uri="{BB962C8B-B14F-4D97-AF65-F5344CB8AC3E}">
-        <p14:creationId xmlns:p14="http://schemas.microsoft.com/office/powerpoint/2010/main" val="3522523103"/>
-      </p:ext>
-    </p:extLst>
-  </p:cSld>
-  <p:clrMapOvr>
-    <a:masterClrMapping/>
-  </p:clrMapOvr>
-  <mc:AlternateContent xmlns:mc="http://schemas.openxmlformats.org/markup-compatibility/2006" xmlns:p14="http://schemas.microsoft.com/office/powerpoint/2010/main">
-    <mc:Choice Requires="p14">
-      <p:transition spd="med" p14:dur="700">
-        <p:fade/>
-      </p:transition>
-    </mc:Choice>
-    <mc:Fallback xmlns="">
-      <p:transition spd="med">
-        <p:fade/>
-      </p:transition>
-    </mc:Fallback>
-  </mc:AlternateContent>
-  <p:timing>
-    <p:tnLst>
-      <p:par>
-        <p:cTn id="1" dur="indefinite" restart="never" nodeType="tmRoot"/>
-      </p:par>
-    </p:tnLst>
-  </p:timing>
-</p:sld>
-</file>
-
-<file path=ppt/slides/slide2.xml><?xml version="1.0" encoding="utf-8"?>
-<p:sld xmlns:a="http://schemas.openxmlformats.org/drawingml/2006/main" xmlns:r="http://schemas.openxmlformats.org/officeDocument/2006/relationships" xmlns:p="http://schemas.openxmlformats.org/presentationml/2006/main">
-  <p:cSld>
-    <p:spTree>
-      <p:nvGrpSpPr>
-        <p:cNvPr id="1" name=""/>
-        <p:cNvGrpSpPr/>
-        <p:nvPr/>
-      </p:nvGrpSpPr>
-      <p:grpSpPr>
-        <a:xfrm>
-          <a:off x="0" y="0"/>
-          <a:ext cx="0" cy="0"/>
-          <a:chOff x="0" y="0"/>
-          <a:chExt cx="0" cy="0"/>
-        </a:xfrm>
-      </p:grpSpPr>
-      <p:sp>
-        <p:nvSpPr>
-          <p:cNvPr id="2" name="Title 1"/>
-          <p:cNvSpPr>
-            <a:spLocks noGrp="1"/>
-          </p:cNvSpPr>
-          <p:nvPr>
-            <p:ph type="title"/>
-          </p:nvPr>
-        </p:nvSpPr>
-        <p:spPr>
-          <a:xfrm>
-            <a:off x="4596771" y="478853"/>
-            <a:ext cx="4470400" cy="778932"/>
-          </a:xfrm>
-        </p:spPr>
-        <p:txBody>
-          <a:bodyPr>
-            <a:normAutofit/>
-          </a:bodyPr>
-          <a:lstStyle/>
-          <a:p>
-            <a:r>
-              <a:rPr lang="en-US" sz="4000" b="1" dirty="0">
-                <a:effectLst>
-                  <a:outerShdw blurRad="38100" dist="38100" dir="2700000" algn="tl">
-                    <a:srgbClr val="000000">
-                      <a:alpha val="43137"/>
-                    </a:srgbClr>
-                  </a:outerShdw>
-                </a:effectLst>
-                <a:latin typeface="Cambria" pitchFamily="18" charset="0"/>
-              </a:rPr>
-              <a:t>OUTLINE</a:t>
-            </a:r>
-          </a:p>
-        </p:txBody>
-      </p:sp>
-      <p:sp>
-        <p:nvSpPr>
-          <p:cNvPr id="3" name="Content Placeholder 2"/>
-          <p:cNvSpPr>
-            <a:spLocks noGrp="1"/>
-          </p:cNvSpPr>
-          <p:nvPr>
-            <p:ph idx="1"/>
-          </p:nvPr>
-        </p:nvSpPr>
-        <p:spPr>
-          <a:xfrm>
-            <a:off x="2311879" y="2209800"/>
-            <a:ext cx="7136921" cy="3431875"/>
-          </a:xfrm>
-        </p:spPr>
-        <p:txBody>
-          <a:bodyPr>
-            <a:noAutofit/>
-          </a:bodyPr>
-          <a:lstStyle/>
-          <a:p>
-            <a:r>
-              <a:rPr lang="en-US" sz="3000" b="1" dirty="0" smtClean="0">
-                <a:latin typeface="Cambria" pitchFamily="18" charset="0"/>
-              </a:rPr>
-              <a:t>• Problems</a:t>
-            </a:r>
-            <a:endParaRPr lang="en-US" sz="3000" b="1" dirty="0">
-              <a:latin typeface="Cambria" pitchFamily="18" charset="0"/>
-            </a:endParaRPr>
-          </a:p>
-          <a:p>
-            <a:r>
-              <a:rPr lang="en-US" sz="3000" b="1" dirty="0" smtClean="0">
-                <a:latin typeface="Cambria" pitchFamily="18" charset="0"/>
-              </a:rPr>
-              <a:t>• Proposed solution</a:t>
-            </a:r>
-          </a:p>
-          <a:p>
-            <a:r>
-              <a:rPr lang="en-US" sz="3000" b="1" dirty="0" smtClean="0">
-                <a:latin typeface="Cambria" pitchFamily="18" charset="0"/>
-              </a:rPr>
-              <a:t>• Technology</a:t>
-            </a:r>
-          </a:p>
-          <a:p>
-            <a:r>
-              <a:rPr lang="en-US" sz="3000" b="1" dirty="0" smtClean="0">
-                <a:latin typeface="Cambria" pitchFamily="18" charset="0"/>
-              </a:rPr>
-              <a:t>• Algorithm</a:t>
-            </a:r>
-          </a:p>
-          <a:p>
-            <a:r>
-              <a:rPr lang="en-US" sz="3000" b="1" dirty="0" smtClean="0">
-                <a:latin typeface="Cambria" pitchFamily="18" charset="0"/>
-              </a:rPr>
-              <a:t>• Advantage/ Disadvantage</a:t>
-            </a:r>
-            <a:endParaRPr lang="en-US" sz="3000" b="1" dirty="0">
-              <a:latin typeface="Cambria" pitchFamily="18" charset="0"/>
-            </a:endParaRPr>
-          </a:p>
-          <a:p>
-            <a:r>
-              <a:rPr lang="en-US" sz="3000" b="1" dirty="0" smtClean="0">
-                <a:latin typeface="Cambria" pitchFamily="18" charset="0"/>
-              </a:rPr>
-              <a:t>• Feature &amp; Demo</a:t>
-            </a:r>
-          </a:p>
-        </p:txBody>
-      </p:sp>
-      <p:cxnSp>
-        <p:nvCxnSpPr>
-          <p:cNvPr id="7" name="Straight Connector 6"/>
-          <p:cNvCxnSpPr/>
-          <p:nvPr/>
-        </p:nvCxnSpPr>
-        <p:spPr>
-          <a:xfrm>
-            <a:off x="1917148" y="1732722"/>
-            <a:ext cx="8636000" cy="0"/>
-          </a:xfrm>
-          <a:prstGeom prst="line">
-            <a:avLst/>
-          </a:prstGeom>
-        </p:spPr>
-        <p:style>
-          <a:lnRef idx="1">
-            <a:schemeClr val="accent1"/>
-          </a:lnRef>
-          <a:fillRef idx="0">
-            <a:schemeClr val="accent1"/>
-          </a:fillRef>
-          <a:effectRef idx="0">
-            <a:schemeClr val="accent1"/>
-          </a:effectRef>
-          <a:fontRef idx="minor">
-            <a:schemeClr val="tx1"/>
-          </a:fontRef>
-        </p:style>
-      </p:cxnSp>
-      <p:cxnSp>
-        <p:nvCxnSpPr>
-          <p:cNvPr id="8" name="Straight Connector 7"/>
-          <p:cNvCxnSpPr/>
-          <p:nvPr/>
-        </p:nvCxnSpPr>
-        <p:spPr>
-          <a:xfrm flipV="1">
-            <a:off x="11480800" y="279400"/>
-            <a:ext cx="0" cy="3251200"/>
-          </a:xfrm>
-          <a:prstGeom prst="line">
-            <a:avLst/>
-          </a:prstGeom>
-        </p:spPr>
-        <p:style>
-          <a:lnRef idx="1">
-            <a:schemeClr val="accent1"/>
-          </a:lnRef>
-          <a:fillRef idx="0">
-            <a:schemeClr val="accent1"/>
-          </a:fillRef>
-          <a:effectRef idx="0">
-            <a:schemeClr val="accent1"/>
-          </a:effectRef>
-          <a:fontRef idx="minor">
-            <a:schemeClr val="tx1"/>
-          </a:fontRef>
-        </p:style>
-      </p:cxnSp>
-      <p:cxnSp>
-        <p:nvCxnSpPr>
-          <p:cNvPr id="12" name="Straight Connector 11"/>
-          <p:cNvCxnSpPr/>
-          <p:nvPr/>
-        </p:nvCxnSpPr>
-        <p:spPr>
-          <a:xfrm flipV="1">
-            <a:off x="11379200" y="517799"/>
-            <a:ext cx="0" cy="2708004"/>
-          </a:xfrm>
-          <a:prstGeom prst="line">
-            <a:avLst/>
-          </a:prstGeom>
-        </p:spPr>
-        <p:style>
-          <a:lnRef idx="1">
-            <a:schemeClr val="accent1"/>
-          </a:lnRef>
-          <a:fillRef idx="0">
-            <a:schemeClr val="accent1"/>
-          </a:fillRef>
-          <a:effectRef idx="0">
-            <a:schemeClr val="accent1"/>
-          </a:effectRef>
-          <a:fontRef idx="minor">
-            <a:schemeClr val="tx1"/>
-          </a:fontRef>
-        </p:style>
-      </p:cxnSp>
-      <p:pic>
-        <p:nvPicPr>
-          <p:cNvPr id="10" name="Picture 9"/>
-          <p:cNvPicPr>
-            <a:picLocks noChangeAspect="1"/>
-          </p:cNvPicPr>
-          <p:nvPr/>
-        </p:nvPicPr>
-        <p:blipFill>
-          <a:blip r:embed="rId3" cstate="print">
-            <a:extLst>
-              <a:ext uri="{28A0092B-C50C-407E-A947-70E740481C1C}">
-                <a14:useLocalDpi xmlns:a14="http://schemas.microsoft.com/office/drawing/2010/main" val="0"/>
-              </a:ext>
-            </a:extLst>
-          </a:blip>
-          <a:stretch>
-            <a:fillRect/>
-          </a:stretch>
-        </p:blipFill>
-        <p:spPr>
-          <a:xfrm>
-            <a:off x="563491" y="101358"/>
-            <a:ext cx="1614283" cy="1469592"/>
-          </a:xfrm>
-          <a:prstGeom prst="rect">
-            <a:avLst/>
-          </a:prstGeom>
-        </p:spPr>
-      </p:pic>
-    </p:spTree>
-    <p:extLst>
-      <p:ext uri="{BB962C8B-B14F-4D97-AF65-F5344CB8AC3E}">
-        <p14:creationId xmlns:p14="http://schemas.microsoft.com/office/powerpoint/2010/main" val="1706536613"/>
-      </p:ext>
-    </p:extLst>
-  </p:cSld>
-  <p:clrMapOvr>
-    <a:masterClrMapping/>
-  </p:clrMapOvr>
-  <mc:AlternateContent xmlns:mc="http://schemas.openxmlformats.org/markup-compatibility/2006" xmlns:p14="http://schemas.microsoft.com/office/powerpoint/2010/main">
-    <mc:Choice Requires="p14">
-      <p:transition spd="med" p14:dur="700">
-        <p:fade/>
-      </p:transition>
-    </mc:Choice>
-    <mc:Fallback xmlns="">
-      <p:transition spd="med">
-        <p:fade/>
-      </p:transition>
-    </mc:Fallback>
-  </mc:AlternateContent>
-  <p:timing>
-    <p:tnLst>
-      <p:par>
-        <p:cTn id="1" dur="indefinite" restart="never" nodeType="tmRoot"/>
-      </p:par>
-    </p:tnLst>
-  </p:timing>
-</p:sld>
-</file>
-
-<file path=ppt/slides/slide20.xml><?xml version="1.0" encoding="utf-8"?>
-<p:sld xmlns:a="http://schemas.openxmlformats.org/drawingml/2006/main" xmlns:r="http://schemas.openxmlformats.org/officeDocument/2006/relationships" xmlns:p="http://schemas.openxmlformats.org/presentationml/2006/main">
-  <p:cSld>
-    <p:spTree>
-      <p:nvGrpSpPr>
-        <p:cNvPr id="1" name=""/>
-        <p:cNvGrpSpPr/>
-        <p:nvPr/>
-      </p:nvGrpSpPr>
-      <p:grpSpPr>
-        <a:xfrm>
-          <a:off x="0" y="0"/>
-          <a:ext cx="0" cy="0"/>
-          <a:chOff x="0" y="0"/>
-          <a:chExt cx="0" cy="0"/>
-        </a:xfrm>
-      </p:grpSpPr>
-      <p:cxnSp>
-        <p:nvCxnSpPr>
-          <p:cNvPr id="8" name="Straight Connector 7"/>
-          <p:cNvCxnSpPr/>
-          <p:nvPr/>
-        </p:nvCxnSpPr>
-        <p:spPr>
-          <a:xfrm flipV="1">
-            <a:off x="11480800" y="279400"/>
-            <a:ext cx="0" cy="3251200"/>
-          </a:xfrm>
-          <a:prstGeom prst="line">
-            <a:avLst/>
-          </a:prstGeom>
-        </p:spPr>
-        <p:style>
-          <a:lnRef idx="1">
-            <a:schemeClr val="accent1"/>
-          </a:lnRef>
-          <a:fillRef idx="0">
-            <a:schemeClr val="accent1"/>
-          </a:fillRef>
-          <a:effectRef idx="0">
-            <a:schemeClr val="accent1"/>
-          </a:effectRef>
-          <a:fontRef idx="minor">
-            <a:schemeClr val="tx1"/>
-          </a:fontRef>
-        </p:style>
-      </p:cxnSp>
-      <p:cxnSp>
-        <p:nvCxnSpPr>
-          <p:cNvPr id="12" name="Straight Connector 11"/>
-          <p:cNvCxnSpPr/>
-          <p:nvPr/>
-        </p:nvCxnSpPr>
-        <p:spPr>
-          <a:xfrm flipV="1">
-            <a:off x="11379200" y="517799"/>
-            <a:ext cx="0" cy="2708004"/>
-          </a:xfrm>
-          <a:prstGeom prst="line">
-            <a:avLst/>
-          </a:prstGeom>
-        </p:spPr>
-        <p:style>
-          <a:lnRef idx="1">
-            <a:schemeClr val="accent1"/>
-          </a:lnRef>
-          <a:fillRef idx="0">
-            <a:schemeClr val="accent1"/>
-          </a:fillRef>
-          <a:effectRef idx="0">
-            <a:schemeClr val="accent1"/>
-          </a:effectRef>
-          <a:fontRef idx="minor">
-            <a:schemeClr val="tx1"/>
-          </a:fontRef>
-        </p:style>
-      </p:cxnSp>
-      <p:pic>
-        <p:nvPicPr>
-          <p:cNvPr id="11" name="Picture 10"/>
-          <p:cNvPicPr>
-            <a:picLocks noChangeAspect="1"/>
-          </p:cNvPicPr>
-          <p:nvPr/>
-        </p:nvPicPr>
-        <p:blipFill>
-          <a:blip r:embed="rId3" cstate="print">
-            <a:extLst>
-              <a:ext uri="{28A0092B-C50C-407E-A947-70E740481C1C}">
-                <a14:useLocalDpi xmlns:a14="http://schemas.microsoft.com/office/drawing/2010/main" val="0"/>
-              </a:ext>
-            </a:extLst>
-          </a:blip>
-          <a:stretch>
-            <a:fillRect/>
-          </a:stretch>
-        </p:blipFill>
-        <p:spPr>
-          <a:xfrm>
-            <a:off x="563491" y="101358"/>
-            <a:ext cx="1614283" cy="1469592"/>
-          </a:xfrm>
-          <a:prstGeom prst="rect">
-            <a:avLst/>
-          </a:prstGeom>
-        </p:spPr>
-      </p:pic>
-      <p:sp>
-        <p:nvSpPr>
-          <p:cNvPr id="3" name="TextBox 2"/>
-          <p:cNvSpPr txBox="1"/>
-          <p:nvPr/>
-        </p:nvSpPr>
-        <p:spPr>
-          <a:xfrm>
-            <a:off x="3993082" y="517799"/>
-            <a:ext cx="6573318" cy="861774"/>
-          </a:xfrm>
-          <a:prstGeom prst="rect">
-            <a:avLst/>
-          </a:prstGeom>
-          <a:noFill/>
-        </p:spPr>
-        <p:txBody>
-          <a:bodyPr wrap="square" rtlCol="0">
-            <a:spAutoFit/>
-          </a:bodyPr>
-          <a:lstStyle/>
-          <a:p>
-            <a:pPr marL="0" lvl="2"/>
-            <a:r>
-              <a:rPr lang="en-US" sz="2500" b="1" i="1" dirty="0">
-                <a:latin typeface="Cambria" panose="02040503050406030204" pitchFamily="18" charset="0"/>
-              </a:rPr>
-              <a:t>Recommend the best habits for users by linear programming </a:t>
-            </a:r>
-            <a:r>
-              <a:rPr lang="en-US" sz="2500" b="1" i="1" dirty="0" smtClean="0">
-                <a:latin typeface="Cambria" panose="02040503050406030204" pitchFamily="18" charset="0"/>
-              </a:rPr>
-              <a:t>algorithm</a:t>
-            </a:r>
-            <a:endParaRPr lang="en-US" sz="2500" b="1" i="1" dirty="0">
-              <a:latin typeface="Cambria" panose="02040503050406030204" pitchFamily="18" charset="0"/>
-            </a:endParaRPr>
-          </a:p>
-        </p:txBody>
-      </p:sp>
-      <p:cxnSp>
-        <p:nvCxnSpPr>
-          <p:cNvPr id="10" name="Straight Connector 9"/>
-          <p:cNvCxnSpPr/>
-          <p:nvPr/>
-        </p:nvCxnSpPr>
-        <p:spPr>
-          <a:xfrm>
-            <a:off x="3958793" y="1709773"/>
-            <a:ext cx="6192372" cy="13010"/>
-          </a:xfrm>
-          <a:prstGeom prst="line">
-            <a:avLst/>
-          </a:prstGeom>
-        </p:spPr>
-        <p:style>
-          <a:lnRef idx="1">
-            <a:schemeClr val="accent1"/>
-          </a:lnRef>
-          <a:fillRef idx="0">
-            <a:schemeClr val="accent1"/>
-          </a:fillRef>
-          <a:effectRef idx="0">
-            <a:schemeClr val="accent1"/>
-          </a:effectRef>
-          <a:fontRef idx="minor">
-            <a:schemeClr val="tx1"/>
-          </a:fontRef>
-        </p:style>
-      </p:cxnSp>
-      <p:cxnSp>
-        <p:nvCxnSpPr>
-          <p:cNvPr id="13" name="Straight Connector 12"/>
-          <p:cNvCxnSpPr/>
-          <p:nvPr/>
-        </p:nvCxnSpPr>
-        <p:spPr>
-          <a:xfrm flipV="1">
-            <a:off x="1550504" y="1709773"/>
-            <a:ext cx="1493889" cy="13010"/>
-          </a:xfrm>
-          <a:prstGeom prst="line">
-            <a:avLst/>
-          </a:prstGeom>
-        </p:spPr>
-        <p:style>
-          <a:lnRef idx="1">
-            <a:schemeClr val="accent1"/>
-          </a:lnRef>
-          <a:fillRef idx="0">
-            <a:schemeClr val="accent1"/>
-          </a:fillRef>
-          <a:effectRef idx="0">
-            <a:schemeClr val="accent1"/>
-          </a:effectRef>
-          <a:fontRef idx="minor">
-            <a:schemeClr val="tx1"/>
-          </a:fontRef>
-        </p:style>
-      </p:cxnSp>
-      <p:pic>
-        <p:nvPicPr>
-          <p:cNvPr id="14" name="Picture 2" descr="C:\Users\ASUS\Desktop\Slide-UniStar\algorithm.png"/>
-          <p:cNvPicPr>
-            <a:picLocks noChangeAspect="1" noChangeArrowheads="1"/>
-          </p:cNvPicPr>
-          <p:nvPr/>
-        </p:nvPicPr>
-        <p:blipFill>
-          <a:blip r:embed="rId4" cstate="print">
             <a:extLst>
               <a:ext uri="{28A0092B-C50C-407E-A947-70E740481C1C}">
                 <a14:useLocalDpi xmlns:a14="http://schemas.microsoft.com/office/drawing/2010/main" val="0"/>
@@ -13834,6 +12448,47 @@
           </p:sp>
         </mc:Fallback>
       </mc:AlternateContent>
+      <p:sp>
+        <p:nvSpPr>
+          <p:cNvPr id="15" name="TextBox 14"/>
+          <p:cNvSpPr txBox="1"/>
+          <p:nvPr/>
+        </p:nvSpPr>
+        <p:spPr>
+          <a:xfrm>
+            <a:off x="1767840" y="517799"/>
+            <a:ext cx="8610600" cy="861774"/>
+          </a:xfrm>
+          <a:prstGeom prst="rect">
+            <a:avLst/>
+          </a:prstGeom>
+          <a:noFill/>
+        </p:spPr>
+        <p:txBody>
+          <a:bodyPr wrap="square" rtlCol="0">
+            <a:spAutoFit/>
+          </a:bodyPr>
+          <a:lstStyle/>
+          <a:p>
+            <a:pPr marL="0" lvl="2" algn="ctr"/>
+            <a:r>
+              <a:rPr lang="en-US" sz="2500" b="1" i="1" dirty="0">
+                <a:latin typeface="Cambria" panose="02040503050406030204" pitchFamily="18" charset="0"/>
+              </a:rPr>
+              <a:t>Recommend the best habits for users by linear programming </a:t>
+            </a:r>
+            <a:r>
+              <a:rPr lang="en-US" sz="2500" b="1" i="1" dirty="0" smtClean="0">
+                <a:latin typeface="Cambria" panose="02040503050406030204" pitchFamily="18" charset="0"/>
+              </a:rPr>
+              <a:t>algorithm</a:t>
+            </a:r>
+            <a:endParaRPr lang="en-US" sz="2500" b="1" i="1" dirty="0">
+              <a:latin typeface="Cambria" panose="02040503050406030204" pitchFamily="18" charset="0"/>
+            </a:endParaRPr>
+          </a:p>
+        </p:txBody>
+      </p:sp>
     </p:spTree>
     <p:extLst>
       <p:ext uri="{BB962C8B-B14F-4D97-AF65-F5344CB8AC3E}">
@@ -13866,7 +12521,7 @@
 </p:sld>
 </file>
 
-<file path=ppt/slides/slide21.xml><?xml version="1.0" encoding="utf-8"?>
+<file path=ppt/slides/slide19.xml><?xml version="1.0" encoding="utf-8"?>
 <p:sld xmlns:a="http://schemas.openxmlformats.org/drawingml/2006/main" xmlns:r="http://schemas.openxmlformats.org/officeDocument/2006/relationships" xmlns:p="http://schemas.openxmlformats.org/presentationml/2006/main">
   <p:cSld>
     <p:spTree>
@@ -13943,77 +12598,6 @@
           </a:fontRef>
         </p:style>
       </p:cxnSp>
-      <p:pic>
-        <p:nvPicPr>
-          <p:cNvPr id="11" name="Picture 10"/>
-          <p:cNvPicPr>
-            <a:picLocks noChangeAspect="1"/>
-          </p:cNvPicPr>
-          <p:nvPr/>
-        </p:nvPicPr>
-        <p:blipFill>
-          <a:blip r:embed="rId3" cstate="print">
-            <a:extLst>
-              <a:ext uri="{28A0092B-C50C-407E-A947-70E740481C1C}">
-                <a14:useLocalDpi xmlns:a14="http://schemas.microsoft.com/office/drawing/2010/main" val="0"/>
-              </a:ext>
-            </a:extLst>
-          </a:blip>
-          <a:stretch>
-            <a:fillRect/>
-          </a:stretch>
-        </p:blipFill>
-        <p:spPr>
-          <a:xfrm>
-            <a:off x="563491" y="101358"/>
-            <a:ext cx="1614283" cy="1469592"/>
-          </a:xfrm>
-          <a:prstGeom prst="rect">
-            <a:avLst/>
-          </a:prstGeom>
-        </p:spPr>
-      </p:pic>
-      <p:sp>
-        <p:nvSpPr>
-          <p:cNvPr id="3" name="TextBox 2"/>
-          <p:cNvSpPr txBox="1"/>
-          <p:nvPr/>
-        </p:nvSpPr>
-        <p:spPr>
-          <a:xfrm>
-            <a:off x="3993082" y="517799"/>
-            <a:ext cx="6573318" cy="861774"/>
-          </a:xfrm>
-          <a:prstGeom prst="rect">
-            <a:avLst/>
-          </a:prstGeom>
-          <a:noFill/>
-        </p:spPr>
-        <p:txBody>
-          <a:bodyPr wrap="square" rtlCol="0">
-            <a:spAutoFit/>
-          </a:bodyPr>
-          <a:lstStyle/>
-          <a:p>
-            <a:pPr marL="0" lvl="2"/>
-            <a:r>
-              <a:rPr lang="en-US" sz="2500" b="1" i="1" dirty="0">
-                <a:latin typeface="Cambria" panose="02040503050406030204" pitchFamily="18" charset="0"/>
-              </a:rPr>
-              <a:t>Recommend the best habits for users by linear programming </a:t>
-            </a:r>
-            <a:r>
-              <a:rPr lang="en-US" sz="2500" b="1" i="1" dirty="0" smtClean="0">
-                <a:latin typeface="Cambria" panose="02040503050406030204" pitchFamily="18" charset="0"/>
-              </a:rPr>
-              <a:t>algorithm</a:t>
-            </a:r>
-            <a:endParaRPr lang="en-US" sz="2500" b="1" i="1" dirty="0">
-              <a:latin typeface="Cambria" panose="02040503050406030204" pitchFamily="18" charset="0"/>
-            </a:endParaRPr>
-          </a:p>
-        </p:txBody>
-      </p:sp>
       <p:cxnSp>
         <p:nvCxnSpPr>
           <p:cNvPr id="10" name="Straight Connector 9"/>
@@ -14083,7 +12667,7 @@
           <p:nvPr/>
         </p:nvPicPr>
         <p:blipFill>
-          <a:blip r:embed="rId4" cstate="print">
+          <a:blip r:embed="rId3" cstate="print">
             <a:extLst>
               <a:ext uri="{28A0092B-C50C-407E-A947-70E740481C1C}">
                 <a14:useLocalDpi xmlns:a14="http://schemas.microsoft.com/office/drawing/2010/main" val="0"/>
@@ -14258,10 +12842,699 @@
           </a:p>
         </p:txBody>
       </p:sp>
+      <p:sp>
+        <p:nvSpPr>
+          <p:cNvPr id="15" name="TextBox 14"/>
+          <p:cNvSpPr txBox="1"/>
+          <p:nvPr/>
+        </p:nvSpPr>
+        <p:spPr>
+          <a:xfrm>
+            <a:off x="1767840" y="517799"/>
+            <a:ext cx="8610600" cy="861774"/>
+          </a:xfrm>
+          <a:prstGeom prst="rect">
+            <a:avLst/>
+          </a:prstGeom>
+          <a:noFill/>
+        </p:spPr>
+        <p:txBody>
+          <a:bodyPr wrap="square" rtlCol="0">
+            <a:spAutoFit/>
+          </a:bodyPr>
+          <a:lstStyle/>
+          <a:p>
+            <a:pPr marL="0" lvl="2" algn="ctr"/>
+            <a:r>
+              <a:rPr lang="en-US" sz="2500" b="1" i="1" dirty="0">
+                <a:latin typeface="Cambria" panose="02040503050406030204" pitchFamily="18" charset="0"/>
+              </a:rPr>
+              <a:t>Recommend the best habits for users by linear programming </a:t>
+            </a:r>
+            <a:r>
+              <a:rPr lang="en-US" sz="2500" b="1" i="1" dirty="0" smtClean="0">
+                <a:latin typeface="Cambria" panose="02040503050406030204" pitchFamily="18" charset="0"/>
+              </a:rPr>
+              <a:t>algorithm</a:t>
+            </a:r>
+            <a:endParaRPr lang="en-US" sz="2500" b="1" i="1" dirty="0">
+              <a:latin typeface="Cambria" panose="02040503050406030204" pitchFamily="18" charset="0"/>
+            </a:endParaRPr>
+          </a:p>
+        </p:txBody>
+      </p:sp>
     </p:spTree>
     <p:extLst>
       <p:ext uri="{BB962C8B-B14F-4D97-AF65-F5344CB8AC3E}">
         <p14:creationId xmlns:p14="http://schemas.microsoft.com/office/powerpoint/2010/main" val="1346887183"/>
+      </p:ext>
+    </p:extLst>
+  </p:cSld>
+  <p:clrMapOvr>
+    <a:masterClrMapping/>
+  </p:clrMapOvr>
+  <mc:AlternateContent xmlns:mc="http://schemas.openxmlformats.org/markup-compatibility/2006" xmlns:p14="http://schemas.microsoft.com/office/powerpoint/2010/main">
+    <mc:Choice Requires="p14">
+      <p:transition spd="med" p14:dur="700">
+        <p:fade/>
+      </p:transition>
+    </mc:Choice>
+    <mc:Fallback xmlns="">
+      <p:transition spd="med">
+        <p:fade/>
+      </p:transition>
+    </mc:Fallback>
+  </mc:AlternateContent>
+  <p:timing>
+    <p:tnLst>
+      <p:par>
+        <p:cTn id="1" dur="indefinite" restart="never" nodeType="tmRoot"/>
+      </p:par>
+    </p:tnLst>
+  </p:timing>
+</p:sld>
+</file>
+
+<file path=ppt/slides/slide2.xml><?xml version="1.0" encoding="utf-8"?>
+<p:sld xmlns:a="http://schemas.openxmlformats.org/drawingml/2006/main" xmlns:r="http://schemas.openxmlformats.org/officeDocument/2006/relationships" xmlns:p="http://schemas.openxmlformats.org/presentationml/2006/main">
+  <p:cSld>
+    <p:spTree>
+      <p:nvGrpSpPr>
+        <p:cNvPr id="1" name=""/>
+        <p:cNvGrpSpPr/>
+        <p:nvPr/>
+      </p:nvGrpSpPr>
+      <p:grpSpPr>
+        <a:xfrm>
+          <a:off x="0" y="0"/>
+          <a:ext cx="0" cy="0"/>
+          <a:chOff x="0" y="0"/>
+          <a:chExt cx="0" cy="0"/>
+        </a:xfrm>
+      </p:grpSpPr>
+      <p:sp>
+        <p:nvSpPr>
+          <p:cNvPr id="2" name="Title 1"/>
+          <p:cNvSpPr>
+            <a:spLocks noGrp="1"/>
+          </p:cNvSpPr>
+          <p:nvPr>
+            <p:ph type="title"/>
+          </p:nvPr>
+        </p:nvSpPr>
+        <p:spPr>
+          <a:xfrm>
+            <a:off x="4596771" y="478853"/>
+            <a:ext cx="4470400" cy="778932"/>
+          </a:xfrm>
+        </p:spPr>
+        <p:txBody>
+          <a:bodyPr>
+            <a:normAutofit/>
+          </a:bodyPr>
+          <a:lstStyle/>
+          <a:p>
+            <a:r>
+              <a:rPr lang="en-US" sz="4000" b="1" dirty="0">
+                <a:effectLst>
+                  <a:outerShdw blurRad="38100" dist="38100" dir="2700000" algn="tl">
+                    <a:srgbClr val="000000">
+                      <a:alpha val="43137"/>
+                    </a:srgbClr>
+                  </a:outerShdw>
+                </a:effectLst>
+                <a:latin typeface="Cambria" pitchFamily="18" charset="0"/>
+              </a:rPr>
+              <a:t>OUTLINE</a:t>
+            </a:r>
+          </a:p>
+        </p:txBody>
+      </p:sp>
+      <p:sp>
+        <p:nvSpPr>
+          <p:cNvPr id="3" name="Content Placeholder 2"/>
+          <p:cNvSpPr>
+            <a:spLocks noGrp="1"/>
+          </p:cNvSpPr>
+          <p:nvPr>
+            <p:ph idx="1"/>
+          </p:nvPr>
+        </p:nvSpPr>
+        <p:spPr>
+          <a:xfrm>
+            <a:off x="2311879" y="2209800"/>
+            <a:ext cx="7136921" cy="3431875"/>
+          </a:xfrm>
+        </p:spPr>
+        <p:txBody>
+          <a:bodyPr>
+            <a:noAutofit/>
+          </a:bodyPr>
+          <a:lstStyle/>
+          <a:p>
+            <a:r>
+              <a:rPr lang="en-US" sz="3000" b="1" dirty="0" smtClean="0">
+                <a:latin typeface="Cambria" pitchFamily="18" charset="0"/>
+              </a:rPr>
+              <a:t>• </a:t>
+            </a:r>
+            <a:r>
+              <a:rPr lang="en-US" sz="3000" b="1" dirty="0" smtClean="0">
+                <a:latin typeface="Cambria" pitchFamily="18" charset="0"/>
+              </a:rPr>
+              <a:t>Definition</a:t>
+            </a:r>
+            <a:endParaRPr lang="en-US" sz="3000" b="1" dirty="0">
+              <a:latin typeface="Cambria" pitchFamily="18" charset="0"/>
+            </a:endParaRPr>
+          </a:p>
+          <a:p>
+            <a:r>
+              <a:rPr lang="en-US" sz="3000" b="1" dirty="0" smtClean="0">
+                <a:latin typeface="Cambria" pitchFamily="18" charset="0"/>
+              </a:rPr>
+              <a:t>• Proposed solution</a:t>
+            </a:r>
+          </a:p>
+          <a:p>
+            <a:r>
+              <a:rPr lang="en-US" sz="3000" b="1" dirty="0" smtClean="0">
+                <a:latin typeface="Cambria" pitchFamily="18" charset="0"/>
+              </a:rPr>
+              <a:t>• Technology</a:t>
+            </a:r>
+          </a:p>
+          <a:p>
+            <a:r>
+              <a:rPr lang="en-US" sz="3000" b="1" dirty="0" smtClean="0">
+                <a:latin typeface="Cambria" pitchFamily="18" charset="0"/>
+              </a:rPr>
+              <a:t>• Algorithm</a:t>
+            </a:r>
+          </a:p>
+          <a:p>
+            <a:r>
+              <a:rPr lang="en-US" sz="3000" b="1" dirty="0" smtClean="0">
+                <a:latin typeface="Cambria" pitchFamily="18" charset="0"/>
+              </a:rPr>
+              <a:t>• Advantage/ Disadvantage</a:t>
+            </a:r>
+            <a:endParaRPr lang="en-US" sz="3000" b="1" dirty="0">
+              <a:latin typeface="Cambria" pitchFamily="18" charset="0"/>
+            </a:endParaRPr>
+          </a:p>
+          <a:p>
+            <a:r>
+              <a:rPr lang="en-US" sz="3000" b="1" dirty="0" smtClean="0">
+                <a:latin typeface="Cambria" pitchFamily="18" charset="0"/>
+              </a:rPr>
+              <a:t>• Feature &amp; Demo</a:t>
+            </a:r>
+          </a:p>
+        </p:txBody>
+      </p:sp>
+      <p:cxnSp>
+        <p:nvCxnSpPr>
+          <p:cNvPr id="7" name="Straight Connector 6"/>
+          <p:cNvCxnSpPr/>
+          <p:nvPr/>
+        </p:nvCxnSpPr>
+        <p:spPr>
+          <a:xfrm>
+            <a:off x="1917148" y="1732722"/>
+            <a:ext cx="8636000" cy="0"/>
+          </a:xfrm>
+          <a:prstGeom prst="line">
+            <a:avLst/>
+          </a:prstGeom>
+        </p:spPr>
+        <p:style>
+          <a:lnRef idx="1">
+            <a:schemeClr val="accent1"/>
+          </a:lnRef>
+          <a:fillRef idx="0">
+            <a:schemeClr val="accent1"/>
+          </a:fillRef>
+          <a:effectRef idx="0">
+            <a:schemeClr val="accent1"/>
+          </a:effectRef>
+          <a:fontRef idx="minor">
+            <a:schemeClr val="tx1"/>
+          </a:fontRef>
+        </p:style>
+      </p:cxnSp>
+      <p:cxnSp>
+        <p:nvCxnSpPr>
+          <p:cNvPr id="8" name="Straight Connector 7"/>
+          <p:cNvCxnSpPr/>
+          <p:nvPr/>
+        </p:nvCxnSpPr>
+        <p:spPr>
+          <a:xfrm flipV="1">
+            <a:off x="11480800" y="279400"/>
+            <a:ext cx="0" cy="3251200"/>
+          </a:xfrm>
+          <a:prstGeom prst="line">
+            <a:avLst/>
+          </a:prstGeom>
+        </p:spPr>
+        <p:style>
+          <a:lnRef idx="1">
+            <a:schemeClr val="accent1"/>
+          </a:lnRef>
+          <a:fillRef idx="0">
+            <a:schemeClr val="accent1"/>
+          </a:fillRef>
+          <a:effectRef idx="0">
+            <a:schemeClr val="accent1"/>
+          </a:effectRef>
+          <a:fontRef idx="minor">
+            <a:schemeClr val="tx1"/>
+          </a:fontRef>
+        </p:style>
+      </p:cxnSp>
+      <p:cxnSp>
+        <p:nvCxnSpPr>
+          <p:cNvPr id="12" name="Straight Connector 11"/>
+          <p:cNvCxnSpPr/>
+          <p:nvPr/>
+        </p:nvCxnSpPr>
+        <p:spPr>
+          <a:xfrm flipV="1">
+            <a:off x="11379200" y="517799"/>
+            <a:ext cx="0" cy="2708004"/>
+          </a:xfrm>
+          <a:prstGeom prst="line">
+            <a:avLst/>
+          </a:prstGeom>
+        </p:spPr>
+        <p:style>
+          <a:lnRef idx="1">
+            <a:schemeClr val="accent1"/>
+          </a:lnRef>
+          <a:fillRef idx="0">
+            <a:schemeClr val="accent1"/>
+          </a:fillRef>
+          <a:effectRef idx="0">
+            <a:schemeClr val="accent1"/>
+          </a:effectRef>
+          <a:fontRef idx="minor">
+            <a:schemeClr val="tx1"/>
+          </a:fontRef>
+        </p:style>
+      </p:cxnSp>
+    </p:spTree>
+    <p:extLst>
+      <p:ext uri="{BB962C8B-B14F-4D97-AF65-F5344CB8AC3E}">
+        <p14:creationId xmlns:p14="http://schemas.microsoft.com/office/powerpoint/2010/main" val="1706536613"/>
+      </p:ext>
+    </p:extLst>
+  </p:cSld>
+  <p:clrMapOvr>
+    <a:masterClrMapping/>
+  </p:clrMapOvr>
+  <mc:AlternateContent xmlns:mc="http://schemas.openxmlformats.org/markup-compatibility/2006" xmlns:p14="http://schemas.microsoft.com/office/powerpoint/2010/main">
+    <mc:Choice Requires="p14">
+      <p:transition spd="med" p14:dur="700">
+        <p:fade/>
+      </p:transition>
+    </mc:Choice>
+    <mc:Fallback xmlns="">
+      <p:transition spd="med">
+        <p:fade/>
+      </p:transition>
+    </mc:Fallback>
+  </mc:AlternateContent>
+  <p:timing>
+    <p:tnLst>
+      <p:par>
+        <p:cTn id="1" dur="indefinite" restart="never" nodeType="tmRoot"/>
+      </p:par>
+    </p:tnLst>
+  </p:timing>
+</p:sld>
+</file>
+
+<file path=ppt/slides/slide20.xml><?xml version="1.0" encoding="utf-8"?>
+<p:sld xmlns:a="http://schemas.openxmlformats.org/drawingml/2006/main" xmlns:r="http://schemas.openxmlformats.org/officeDocument/2006/relationships" xmlns:p="http://schemas.openxmlformats.org/presentationml/2006/main">
+  <p:cSld>
+    <p:spTree>
+      <p:nvGrpSpPr>
+        <p:cNvPr id="1" name=""/>
+        <p:cNvGrpSpPr/>
+        <p:nvPr/>
+      </p:nvGrpSpPr>
+      <p:grpSpPr>
+        <a:xfrm>
+          <a:off x="0" y="0"/>
+          <a:ext cx="0" cy="0"/>
+          <a:chOff x="0" y="0"/>
+          <a:chExt cx="0" cy="0"/>
+        </a:xfrm>
+      </p:grpSpPr>
+      <p:sp>
+        <p:nvSpPr>
+          <p:cNvPr id="2" name="Title 1"/>
+          <p:cNvSpPr>
+            <a:spLocks noGrp="1"/>
+          </p:cNvSpPr>
+          <p:nvPr>
+            <p:ph type="title"/>
+          </p:nvPr>
+        </p:nvSpPr>
+        <p:spPr>
+          <a:xfrm>
+            <a:off x="2133600" y="2413003"/>
+            <a:ext cx="8229600" cy="812800"/>
+          </a:xfrm>
+        </p:spPr>
+        <p:style>
+          <a:lnRef idx="1">
+            <a:schemeClr val="accent1"/>
+          </a:lnRef>
+          <a:fillRef idx="2">
+            <a:schemeClr val="accent1"/>
+          </a:fillRef>
+          <a:effectRef idx="1">
+            <a:schemeClr val="accent1"/>
+          </a:effectRef>
+          <a:fontRef idx="minor">
+            <a:schemeClr val="dk1"/>
+          </a:fontRef>
+        </p:style>
+        <p:txBody>
+          <a:bodyPr>
+            <a:noAutofit/>
+          </a:bodyPr>
+          <a:lstStyle/>
+          <a:p>
+            <a:pPr algn="ctr"/>
+            <a:r>
+              <a:rPr lang="en-US" sz="4667" b="1" dirty="0">
+                <a:solidFill>
+                  <a:schemeClr val="tx1"/>
+                </a:solidFill>
+                <a:effectLst>
+                  <a:outerShdw blurRad="38100" dist="38100" dir="2700000" algn="tl">
+                    <a:srgbClr val="000000">
+                      <a:alpha val="43137"/>
+                    </a:srgbClr>
+                  </a:outerShdw>
+                </a:effectLst>
+                <a:latin typeface="Cambria" pitchFamily="18" charset="0"/>
+              </a:rPr>
+              <a:t>ADVANTAGE/DISADVANTAGE</a:t>
+            </a:r>
+          </a:p>
+        </p:txBody>
+      </p:sp>
+      <p:cxnSp>
+        <p:nvCxnSpPr>
+          <p:cNvPr id="7" name="Straight Connector 6"/>
+          <p:cNvCxnSpPr/>
+          <p:nvPr/>
+        </p:nvCxnSpPr>
+        <p:spPr>
+          <a:xfrm>
+            <a:off x="1930400" y="1600200"/>
+            <a:ext cx="8636000" cy="0"/>
+          </a:xfrm>
+          <a:prstGeom prst="line">
+            <a:avLst/>
+          </a:prstGeom>
+        </p:spPr>
+        <p:style>
+          <a:lnRef idx="1">
+            <a:schemeClr val="accent1"/>
+          </a:lnRef>
+          <a:fillRef idx="0">
+            <a:schemeClr val="accent1"/>
+          </a:fillRef>
+          <a:effectRef idx="0">
+            <a:schemeClr val="accent1"/>
+          </a:effectRef>
+          <a:fontRef idx="minor">
+            <a:schemeClr val="tx1"/>
+          </a:fontRef>
+        </p:style>
+      </p:cxnSp>
+      <p:cxnSp>
+        <p:nvCxnSpPr>
+          <p:cNvPr id="8" name="Straight Connector 7"/>
+          <p:cNvCxnSpPr/>
+          <p:nvPr/>
+        </p:nvCxnSpPr>
+        <p:spPr>
+          <a:xfrm flipV="1">
+            <a:off x="11480800" y="279400"/>
+            <a:ext cx="0" cy="3251200"/>
+          </a:xfrm>
+          <a:prstGeom prst="line">
+            <a:avLst/>
+          </a:prstGeom>
+        </p:spPr>
+        <p:style>
+          <a:lnRef idx="1">
+            <a:schemeClr val="accent1"/>
+          </a:lnRef>
+          <a:fillRef idx="0">
+            <a:schemeClr val="accent1"/>
+          </a:fillRef>
+          <a:effectRef idx="0">
+            <a:schemeClr val="accent1"/>
+          </a:effectRef>
+          <a:fontRef idx="minor">
+            <a:schemeClr val="tx1"/>
+          </a:fontRef>
+        </p:style>
+      </p:cxnSp>
+      <p:cxnSp>
+        <p:nvCxnSpPr>
+          <p:cNvPr id="12" name="Straight Connector 11"/>
+          <p:cNvCxnSpPr/>
+          <p:nvPr/>
+        </p:nvCxnSpPr>
+        <p:spPr>
+          <a:xfrm flipV="1">
+            <a:off x="11379200" y="517799"/>
+            <a:ext cx="0" cy="2708004"/>
+          </a:xfrm>
+          <a:prstGeom prst="line">
+            <a:avLst/>
+          </a:prstGeom>
+        </p:spPr>
+        <p:style>
+          <a:lnRef idx="1">
+            <a:schemeClr val="accent1"/>
+          </a:lnRef>
+          <a:fillRef idx="0">
+            <a:schemeClr val="accent1"/>
+          </a:fillRef>
+          <a:effectRef idx="0">
+            <a:schemeClr val="accent1"/>
+          </a:effectRef>
+          <a:fontRef idx="minor">
+            <a:schemeClr val="tx1"/>
+          </a:fontRef>
+        </p:style>
+      </p:cxnSp>
+    </p:spTree>
+    <p:extLst>
+      <p:ext uri="{BB962C8B-B14F-4D97-AF65-F5344CB8AC3E}">
+        <p14:creationId xmlns:p14="http://schemas.microsoft.com/office/powerpoint/2010/main" val="1066784337"/>
+      </p:ext>
+    </p:extLst>
+  </p:cSld>
+  <p:clrMapOvr>
+    <a:masterClrMapping/>
+  </p:clrMapOvr>
+  <mc:AlternateContent xmlns:mc="http://schemas.openxmlformats.org/markup-compatibility/2006" xmlns:p14="http://schemas.microsoft.com/office/powerpoint/2010/main">
+    <mc:Choice Requires="p14">
+      <p:transition spd="med" p14:dur="700">
+        <p:fade/>
+      </p:transition>
+    </mc:Choice>
+    <mc:Fallback xmlns="">
+      <p:transition spd="med">
+        <p:fade/>
+      </p:transition>
+    </mc:Fallback>
+  </mc:AlternateContent>
+  <p:timing>
+    <p:tnLst>
+      <p:par>
+        <p:cTn id="1" dur="indefinite" restart="never" nodeType="tmRoot"/>
+      </p:par>
+    </p:tnLst>
+  </p:timing>
+</p:sld>
+</file>
+
+<file path=ppt/slides/slide21.xml><?xml version="1.0" encoding="utf-8"?>
+<p:sld xmlns:a="http://schemas.openxmlformats.org/drawingml/2006/main" xmlns:r="http://schemas.openxmlformats.org/officeDocument/2006/relationships" xmlns:p="http://schemas.openxmlformats.org/presentationml/2006/main">
+  <p:cSld>
+    <p:spTree>
+      <p:nvGrpSpPr>
+        <p:cNvPr id="1" name=""/>
+        <p:cNvGrpSpPr/>
+        <p:nvPr/>
+      </p:nvGrpSpPr>
+      <p:grpSpPr>
+        <a:xfrm>
+          <a:off x="0" y="0"/>
+          <a:ext cx="0" cy="0"/>
+          <a:chOff x="0" y="0"/>
+          <a:chExt cx="0" cy="0"/>
+        </a:xfrm>
+      </p:grpSpPr>
+      <p:sp>
+        <p:nvSpPr>
+          <p:cNvPr id="2" name="Title 1"/>
+          <p:cNvSpPr>
+            <a:spLocks noGrp="1"/>
+          </p:cNvSpPr>
+          <p:nvPr>
+            <p:ph type="title"/>
+          </p:nvPr>
+        </p:nvSpPr>
+        <p:spPr/>
+        <p:txBody>
+          <a:bodyPr/>
+          <a:lstStyle/>
+          <a:p>
+            <a:pPr lvl="1" algn="l" rtl="0">
+              <a:spcBef>
+                <a:spcPct val="0"/>
+              </a:spcBef>
+            </a:pPr>
+            <a:r>
+              <a:rPr lang="en-US" b="1" dirty="0"/>
+              <a:t/>
+            </a:r>
+            <a:br>
+              <a:rPr lang="en-US" b="1" dirty="0"/>
+            </a:br>
+            <a:endParaRPr lang="en-US" dirty="0"/>
+          </a:p>
+        </p:txBody>
+      </p:sp>
+      <p:sp>
+        <p:nvSpPr>
+          <p:cNvPr id="5" name="Rectangle 4"/>
+          <p:cNvSpPr/>
+          <p:nvPr/>
+        </p:nvSpPr>
+        <p:spPr>
+          <a:xfrm>
+            <a:off x="4842934" y="601994"/>
+            <a:ext cx="2949343" cy="584775"/>
+          </a:xfrm>
+          <a:prstGeom prst="rect">
+            <a:avLst/>
+          </a:prstGeom>
+        </p:spPr>
+        <p:txBody>
+          <a:bodyPr wrap="square">
+            <a:spAutoFit/>
+          </a:bodyPr>
+          <a:lstStyle/>
+          <a:p>
+            <a:r>
+              <a:rPr lang="en-US" sz="3200" b="1" dirty="0" smtClean="0">
+                <a:effectLst>
+                  <a:outerShdw blurRad="38100" dist="38100" dir="2700000" algn="tl">
+                    <a:srgbClr val="000000">
+                      <a:alpha val="43137"/>
+                    </a:srgbClr>
+                  </a:outerShdw>
+                </a:effectLst>
+                <a:latin typeface="Cambria" pitchFamily="18" charset="0"/>
+              </a:rPr>
+              <a:t>Advantages</a:t>
+            </a:r>
+            <a:endParaRPr lang="en-US" sz="3200" b="1" dirty="0">
+              <a:effectLst>
+                <a:outerShdw blurRad="38100" dist="38100" dir="2700000" algn="tl">
+                  <a:srgbClr val="000000">
+                    <a:alpha val="43137"/>
+                  </a:srgbClr>
+                </a:outerShdw>
+              </a:effectLst>
+              <a:latin typeface="Cambria" pitchFamily="18" charset="0"/>
+            </a:endParaRPr>
+          </a:p>
+        </p:txBody>
+      </p:sp>
+      <p:sp>
+        <p:nvSpPr>
+          <p:cNvPr id="3" name="TextBox 2"/>
+          <p:cNvSpPr txBox="1"/>
+          <p:nvPr/>
+        </p:nvSpPr>
+        <p:spPr>
+          <a:xfrm>
+            <a:off x="921300" y="2398142"/>
+            <a:ext cx="10410359" cy="2785378"/>
+          </a:xfrm>
+          <a:prstGeom prst="rect">
+            <a:avLst/>
+          </a:prstGeom>
+          <a:noFill/>
+        </p:spPr>
+        <p:txBody>
+          <a:bodyPr wrap="square" rtlCol="0">
+            <a:spAutoFit/>
+          </a:bodyPr>
+          <a:lstStyle/>
+          <a:p>
+            <a:r>
+              <a:rPr lang="en-US" sz="2500" dirty="0" smtClean="0"/>
+              <a:t>• VHT </a:t>
+            </a:r>
+            <a:r>
+              <a:rPr lang="en-US" sz="2500" dirty="0"/>
+              <a:t>will be your complete companion on the road to perfecting your goals, keeping you in good standing and eliminating bad habits. </a:t>
+            </a:r>
+            <a:endParaRPr lang="en-US" sz="2500" dirty="0" smtClean="0"/>
+          </a:p>
+          <a:p>
+            <a:endParaRPr lang="en-US" sz="2500" dirty="0" smtClean="0"/>
+          </a:p>
+          <a:p>
+            <a:r>
+              <a:rPr lang="en-US" sz="2500" dirty="0" smtClean="0"/>
+              <a:t>• You </a:t>
+            </a:r>
+            <a:r>
+              <a:rPr lang="en-US" sz="2500" dirty="0"/>
+              <a:t>will start by adding habits, goals. </a:t>
+            </a:r>
+            <a:endParaRPr lang="en-US" sz="2500" dirty="0" smtClean="0"/>
+          </a:p>
+          <a:p>
+            <a:endParaRPr lang="en-US" sz="2500" dirty="0" smtClean="0"/>
+          </a:p>
+          <a:p>
+            <a:r>
+              <a:rPr lang="en-US" sz="2500" dirty="0" smtClean="0"/>
+              <a:t>• Calendar</a:t>
+            </a:r>
+            <a:r>
+              <a:rPr lang="en-US" sz="2500" dirty="0"/>
+              <a:t>, reminder, note, or timeline widgets make it easy to organize </a:t>
+            </a:r>
+            <a:r>
+              <a:rPr lang="en-US" sz="2500" dirty="0" smtClean="0"/>
+              <a:t>everything.</a:t>
+            </a:r>
+            <a:endParaRPr lang="en-US" sz="2500" dirty="0"/>
+          </a:p>
+        </p:txBody>
+      </p:sp>
+    </p:spTree>
+    <p:extLst>
+      <p:ext uri="{BB962C8B-B14F-4D97-AF65-F5344CB8AC3E}">
+        <p14:creationId xmlns:p14="http://schemas.microsoft.com/office/powerpoint/2010/main" val="3350547432"/>
       </p:ext>
     </p:extLst>
   </p:cSld>
@@ -14317,38 +13590,50 @@
             <p:ph type="title"/>
           </p:nvPr>
         </p:nvSpPr>
+        <p:spPr/>
+        <p:txBody>
+          <a:bodyPr/>
+          <a:lstStyle/>
+          <a:p>
+            <a:pPr lvl="1" algn="l" rtl="0">
+              <a:spcBef>
+                <a:spcPct val="0"/>
+              </a:spcBef>
+            </a:pPr>
+            <a:r>
+              <a:rPr lang="en-US" b="1" dirty="0"/>
+              <a:t/>
+            </a:r>
+            <a:br>
+              <a:rPr lang="en-US" b="1" dirty="0"/>
+            </a:br>
+            <a:endParaRPr lang="en-US" dirty="0"/>
+          </a:p>
+        </p:txBody>
+      </p:sp>
+      <p:sp>
+        <p:nvSpPr>
+          <p:cNvPr id="5" name="Rectangle 4"/>
+          <p:cNvSpPr/>
+          <p:nvPr/>
+        </p:nvSpPr>
         <p:spPr>
           <a:xfrm>
-            <a:off x="2133600" y="3429000"/>
-            <a:ext cx="8229600" cy="812800"/>
-          </a:xfrm>
-        </p:spPr>
-        <p:style>
-          <a:lnRef idx="1">
-            <a:schemeClr val="accent1"/>
-          </a:lnRef>
-          <a:fillRef idx="2">
-            <a:schemeClr val="accent1"/>
-          </a:fillRef>
-          <a:effectRef idx="1">
-            <a:schemeClr val="accent1"/>
-          </a:effectRef>
-          <a:fontRef idx="minor">
-            <a:schemeClr val="dk1"/>
-          </a:fontRef>
-        </p:style>
+            <a:off x="4842934" y="601994"/>
+            <a:ext cx="2949343" cy="584775"/>
+          </a:xfrm>
+          <a:prstGeom prst="rect">
+            <a:avLst/>
+          </a:prstGeom>
+        </p:spPr>
         <p:txBody>
-          <a:bodyPr>
-            <a:noAutofit/>
+          <a:bodyPr wrap="square">
+            <a:spAutoFit/>
           </a:bodyPr>
           <a:lstStyle/>
           <a:p>
-            <a:pPr algn="ctr"/>
-            <a:r>
-              <a:rPr lang="en-US" sz="4667" b="1" dirty="0">
-                <a:solidFill>
-                  <a:schemeClr val="tx1"/>
-                </a:solidFill>
+            <a:r>
+              <a:rPr lang="en-US" sz="3200" b="1" dirty="0" smtClean="0">
                 <a:effectLst>
                   <a:outerShdw blurRad="38100" dist="38100" dir="2700000" algn="tl">
                     <a:srgbClr val="000000">
@@ -14358,135 +13643,83 @@
                 </a:effectLst>
                 <a:latin typeface="Cambria" pitchFamily="18" charset="0"/>
               </a:rPr>
-              <a:t>ADVANTAGE/DISADVANTAGE</a:t>
-            </a:r>
+              <a:t>Disadvantages</a:t>
+            </a:r>
+            <a:endParaRPr lang="en-US" sz="3200" b="1" dirty="0">
+              <a:effectLst>
+                <a:outerShdw blurRad="38100" dist="38100" dir="2700000" algn="tl">
+                  <a:srgbClr val="000000">
+                    <a:alpha val="43137"/>
+                  </a:srgbClr>
+                </a:outerShdw>
+              </a:effectLst>
+              <a:latin typeface="Cambria" pitchFamily="18" charset="0"/>
+            </a:endParaRPr>
           </a:p>
         </p:txBody>
       </p:sp>
-      <p:cxnSp>
-        <p:nvCxnSpPr>
-          <p:cNvPr id="7" name="Straight Connector 6"/>
-          <p:cNvCxnSpPr/>
+      <p:sp>
+        <p:nvSpPr>
+          <p:cNvPr id="3" name="TextBox 2"/>
+          <p:cNvSpPr txBox="1"/>
           <p:nvPr/>
-        </p:nvCxnSpPr>
+        </p:nvSpPr>
         <p:spPr>
           <a:xfrm>
-            <a:off x="1930400" y="1600200"/>
-            <a:ext cx="8636000" cy="0"/>
-          </a:xfrm>
-          <a:prstGeom prst="line">
-            <a:avLst/>
-          </a:prstGeom>
-        </p:spPr>
-        <p:style>
-          <a:lnRef idx="1">
-            <a:schemeClr val="accent1"/>
-          </a:lnRef>
-          <a:fillRef idx="0">
-            <a:schemeClr val="accent1"/>
-          </a:fillRef>
-          <a:effectRef idx="0">
-            <a:schemeClr val="accent1"/>
-          </a:effectRef>
-          <a:fontRef idx="minor">
-            <a:schemeClr val="tx1"/>
-          </a:fontRef>
-        </p:style>
-      </p:cxnSp>
-      <p:cxnSp>
-        <p:nvCxnSpPr>
-          <p:cNvPr id="8" name="Straight Connector 7"/>
-          <p:cNvCxnSpPr/>
-          <p:nvPr/>
-        </p:nvCxnSpPr>
-        <p:spPr>
-          <a:xfrm flipV="1">
-            <a:off x="11480800" y="279400"/>
-            <a:ext cx="0" cy="3251200"/>
-          </a:xfrm>
-          <a:prstGeom prst="line">
-            <a:avLst/>
-          </a:prstGeom>
-        </p:spPr>
-        <p:style>
-          <a:lnRef idx="1">
-            <a:schemeClr val="accent1"/>
-          </a:lnRef>
-          <a:fillRef idx="0">
-            <a:schemeClr val="accent1"/>
-          </a:fillRef>
-          <a:effectRef idx="0">
-            <a:schemeClr val="accent1"/>
-          </a:effectRef>
-          <a:fontRef idx="minor">
-            <a:schemeClr val="tx1"/>
-          </a:fontRef>
-        </p:style>
-      </p:cxnSp>
-      <p:cxnSp>
-        <p:nvCxnSpPr>
-          <p:cNvPr id="12" name="Straight Connector 11"/>
-          <p:cNvCxnSpPr/>
-          <p:nvPr/>
-        </p:nvCxnSpPr>
-        <p:spPr>
-          <a:xfrm flipV="1">
-            <a:off x="11379200" y="517799"/>
-            <a:ext cx="0" cy="2708004"/>
-          </a:xfrm>
-          <a:prstGeom prst="line">
-            <a:avLst/>
-          </a:prstGeom>
-        </p:spPr>
-        <p:style>
-          <a:lnRef idx="1">
-            <a:schemeClr val="accent1"/>
-          </a:lnRef>
-          <a:fillRef idx="0">
-            <a:schemeClr val="accent1"/>
-          </a:fillRef>
-          <a:effectRef idx="0">
-            <a:schemeClr val="accent1"/>
-          </a:effectRef>
-          <a:fontRef idx="minor">
-            <a:schemeClr val="tx1"/>
-          </a:fontRef>
-        </p:style>
-      </p:cxnSp>
-      <p:pic>
-        <p:nvPicPr>
-          <p:cNvPr id="9" name="Picture 8"/>
-          <p:cNvPicPr>
-            <a:picLocks noChangeAspect="1"/>
-          </p:cNvPicPr>
-          <p:nvPr/>
-        </p:nvPicPr>
-        <p:blipFill>
-          <a:blip r:embed="rId3" cstate="print">
-            <a:extLst>
-              <a:ext uri="{28A0092B-C50C-407E-A947-70E740481C1C}">
-                <a14:useLocalDpi xmlns:a14="http://schemas.microsoft.com/office/drawing/2010/main" val="0"/>
-              </a:ext>
-            </a:extLst>
-          </a:blip>
-          <a:stretch>
-            <a:fillRect/>
-          </a:stretch>
-        </p:blipFill>
-        <p:spPr>
-          <a:xfrm>
-            <a:off x="5136458" y="1756211"/>
-            <a:ext cx="1614283" cy="1469592"/>
+            <a:off x="746539" y="2822712"/>
+            <a:ext cx="10143226" cy="1246495"/>
           </a:xfrm>
           <a:prstGeom prst="rect">
             <a:avLst/>
           </a:prstGeom>
-        </p:spPr>
-      </p:pic>
+          <a:noFill/>
+        </p:spPr>
+        <p:txBody>
+          <a:bodyPr wrap="none" rtlCol="0">
+            <a:spAutoFit/>
+          </a:bodyPr>
+          <a:lstStyle/>
+          <a:p>
+            <a:pPr lvl="1"/>
+            <a:r>
+              <a:rPr lang="en-US" sz="2500" dirty="0" smtClean="0"/>
+              <a:t>• Vietnamese </a:t>
+            </a:r>
+            <a:r>
+              <a:rPr lang="en-US" sz="2500" dirty="0"/>
+              <a:t>users do not have the official application for tracking habit</a:t>
+            </a:r>
+            <a:r>
+              <a:rPr lang="en-US" sz="2500" dirty="0" smtClean="0"/>
+              <a:t>.</a:t>
+            </a:r>
+          </a:p>
+          <a:p>
+            <a:pPr lvl="1"/>
+            <a:endParaRPr lang="en-US" sz="2500" dirty="0"/>
+          </a:p>
+          <a:p>
+            <a:pPr lvl="1"/>
+            <a:r>
+              <a:rPr lang="en-US" sz="2500" dirty="0" smtClean="0"/>
+              <a:t>• Customer </a:t>
+            </a:r>
+            <a:r>
+              <a:rPr lang="en-US" sz="2500" dirty="0"/>
+              <a:t>easily give up on using</a:t>
+            </a:r>
+            <a:r>
+              <a:rPr lang="en-US" sz="2500" dirty="0" smtClean="0"/>
+              <a:t>.</a:t>
+            </a:r>
+            <a:endParaRPr lang="en-US" sz="2500" dirty="0"/>
+          </a:p>
+        </p:txBody>
+      </p:sp>
     </p:spTree>
     <p:extLst>
       <p:ext uri="{BB962C8B-B14F-4D97-AF65-F5344CB8AC3E}">
-        <p14:creationId xmlns:p14="http://schemas.microsoft.com/office/powerpoint/2010/main" val="1066784337"/>
+        <p14:creationId xmlns:p14="http://schemas.microsoft.com/office/powerpoint/2010/main" val="3732279569"/>
       </p:ext>
     </p:extLst>
   </p:cSld>
@@ -14542,50 +13775,38 @@
             <p:ph type="title"/>
           </p:nvPr>
         </p:nvSpPr>
-        <p:spPr/>
-        <p:txBody>
-          <a:bodyPr/>
-          <a:lstStyle/>
-          <a:p>
-            <a:pPr lvl="1" algn="l" rtl="0">
-              <a:spcBef>
-                <a:spcPct val="0"/>
-              </a:spcBef>
-            </a:pPr>
-            <a:r>
-              <a:rPr lang="en-US" b="1" dirty="0"/>
-              <a:t/>
-            </a:r>
-            <a:br>
-              <a:rPr lang="en-US" b="1" dirty="0"/>
-            </a:br>
-            <a:endParaRPr lang="en-US" dirty="0"/>
-          </a:p>
-        </p:txBody>
-      </p:sp>
-      <p:sp>
-        <p:nvSpPr>
-          <p:cNvPr id="5" name="Rectangle 4"/>
-          <p:cNvSpPr/>
-          <p:nvPr/>
-        </p:nvSpPr>
         <p:spPr>
           <a:xfrm>
-            <a:off x="4842934" y="601994"/>
-            <a:ext cx="2949343" cy="584775"/>
-          </a:xfrm>
-          <a:prstGeom prst="rect">
-            <a:avLst/>
-          </a:prstGeom>
-        </p:spPr>
+            <a:off x="2844800" y="2194561"/>
+            <a:ext cx="6807200" cy="812799"/>
+          </a:xfrm>
+        </p:spPr>
+        <p:style>
+          <a:lnRef idx="1">
+            <a:schemeClr val="accent1"/>
+          </a:lnRef>
+          <a:fillRef idx="2">
+            <a:schemeClr val="accent1"/>
+          </a:fillRef>
+          <a:effectRef idx="1">
+            <a:schemeClr val="accent1"/>
+          </a:effectRef>
+          <a:fontRef idx="minor">
+            <a:schemeClr val="dk1"/>
+          </a:fontRef>
+        </p:style>
         <p:txBody>
-          <a:bodyPr wrap="square">
-            <a:spAutoFit/>
+          <a:bodyPr>
+            <a:noAutofit/>
           </a:bodyPr>
           <a:lstStyle/>
           <a:p>
-            <a:r>
-              <a:rPr lang="en-US" sz="3200" b="1" dirty="0" smtClean="0">
+            <a:pPr algn="ctr"/>
+            <a:r>
+              <a:rPr lang="en-US" sz="4667" b="1" dirty="0">
+                <a:solidFill>
+                  <a:schemeClr val="tx1"/>
+                </a:solidFill>
                 <a:effectLst>
                   <a:outerShdw blurRad="38100" dist="38100" dir="2700000" algn="tl">
                     <a:srgbClr val="000000">
@@ -14595,121 +13816,105 @@
                 </a:effectLst>
                 <a:latin typeface="Cambria" pitchFamily="18" charset="0"/>
               </a:rPr>
-              <a:t>Advantages</a:t>
-            </a:r>
-            <a:endParaRPr lang="en-US" sz="3200" b="1" dirty="0">
-              <a:effectLst>
-                <a:outerShdw blurRad="38100" dist="38100" dir="2700000" algn="tl">
-                  <a:srgbClr val="000000">
-                    <a:alpha val="43137"/>
-                  </a:srgbClr>
-                </a:outerShdw>
-              </a:effectLst>
-              <a:latin typeface="Cambria" pitchFamily="18" charset="0"/>
-            </a:endParaRPr>
+              <a:t>DEMO</a:t>
+            </a:r>
           </a:p>
         </p:txBody>
       </p:sp>
-      <p:pic>
-        <p:nvPicPr>
-          <p:cNvPr id="8" name="Picture 7"/>
-          <p:cNvPicPr>
-            <a:picLocks noChangeAspect="1"/>
-          </p:cNvPicPr>
+      <p:cxnSp>
+        <p:nvCxnSpPr>
+          <p:cNvPr id="7" name="Straight Connector 6"/>
+          <p:cNvCxnSpPr/>
           <p:nvPr/>
-        </p:nvPicPr>
-        <p:blipFill>
-          <a:blip r:embed="rId3" cstate="print">
-            <a:extLst>
-              <a:ext uri="{28A0092B-C50C-407E-A947-70E740481C1C}">
-                <a14:useLocalDpi xmlns:a14="http://schemas.microsoft.com/office/drawing/2010/main" val="0"/>
-              </a:ext>
-            </a:extLst>
-          </a:blip>
-          <a:stretch>
-            <a:fillRect/>
-          </a:stretch>
-        </p:blipFill>
+        </p:nvCxnSpPr>
         <p:spPr>
           <a:xfrm>
-            <a:off x="563491" y="101358"/>
-            <a:ext cx="1614283" cy="1469592"/>
-          </a:xfrm>
-          <a:prstGeom prst="rect">
+            <a:off x="1930400" y="1600200"/>
+            <a:ext cx="8636000" cy="0"/>
+          </a:xfrm>
+          <a:prstGeom prst="line">
             <a:avLst/>
           </a:prstGeom>
         </p:spPr>
-      </p:pic>
-      <p:sp>
-        <p:nvSpPr>
-          <p:cNvPr id="3" name="TextBox 2"/>
-          <p:cNvSpPr txBox="1"/>
+        <p:style>
+          <a:lnRef idx="1">
+            <a:schemeClr val="accent1"/>
+          </a:lnRef>
+          <a:fillRef idx="0">
+            <a:schemeClr val="accent1"/>
+          </a:fillRef>
+          <a:effectRef idx="0">
+            <a:schemeClr val="accent1"/>
+          </a:effectRef>
+          <a:fontRef idx="minor">
+            <a:schemeClr val="tx1"/>
+          </a:fontRef>
+        </p:style>
+      </p:cxnSp>
+      <p:cxnSp>
+        <p:nvCxnSpPr>
+          <p:cNvPr id="8" name="Straight Connector 7"/>
+          <p:cNvCxnSpPr/>
           <p:nvPr/>
-        </p:nvSpPr>
+        </p:nvCxnSpPr>
         <p:spPr>
-          <a:xfrm>
-            <a:off x="921300" y="2398142"/>
-            <a:ext cx="10410359" cy="2785378"/>
-          </a:xfrm>
-          <a:prstGeom prst="rect">
+          <a:xfrm flipV="1">
+            <a:off x="11480800" y="279400"/>
+            <a:ext cx="0" cy="3251200"/>
+          </a:xfrm>
+          <a:prstGeom prst="line">
             <a:avLst/>
           </a:prstGeom>
-          <a:noFill/>
-        </p:spPr>
-        <p:txBody>
-          <a:bodyPr wrap="square" rtlCol="0">
-            <a:spAutoFit/>
-          </a:bodyPr>
-          <a:lstStyle/>
-          <a:p>
-            <a:r>
-              <a:rPr lang="en-US" sz="2500" dirty="0" smtClean="0"/>
-              <a:t>• VHT </a:t>
-            </a:r>
-            <a:r>
-              <a:rPr lang="en-US" sz="2500" dirty="0"/>
-              <a:t>will be your complete companion on the road to perfecting your goals, keeping you in good standing and eliminating bad habits. </a:t>
-            </a:r>
-            <a:endParaRPr lang="en-US" sz="2500" dirty="0" smtClean="0"/>
-          </a:p>
-          <a:p>
-            <a:endParaRPr lang="en-US" sz="2500" dirty="0" smtClean="0"/>
-          </a:p>
-          <a:p>
-            <a:r>
-              <a:rPr lang="en-US" sz="2500" dirty="0" smtClean="0"/>
-              <a:t>• You </a:t>
-            </a:r>
-            <a:r>
-              <a:rPr lang="en-US" sz="2500" dirty="0"/>
-              <a:t>will start by adding habits, goals. </a:t>
-            </a:r>
-            <a:endParaRPr lang="en-US" sz="2500" dirty="0" smtClean="0"/>
-          </a:p>
-          <a:p>
-            <a:endParaRPr lang="en-US" sz="2500" dirty="0" smtClean="0"/>
-          </a:p>
-          <a:p>
-            <a:r>
-              <a:rPr lang="en-US" sz="2500" dirty="0" smtClean="0"/>
-              <a:t>• Calendar</a:t>
-            </a:r>
-            <a:r>
-              <a:rPr lang="en-US" sz="2500" dirty="0"/>
-              <a:t>, reminder, note, or timeline widgets make it easy to organize </a:t>
-            </a:r>
-            <a:r>
-              <a:rPr lang="en-US" sz="2500" dirty="0" smtClean="0"/>
-              <a:t>everything.</a:t>
-            </a:r>
-            <a:endParaRPr lang="en-US" sz="2500" dirty="0"/>
-          </a:p>
-        </p:txBody>
-      </p:sp>
+        </p:spPr>
+        <p:style>
+          <a:lnRef idx="1">
+            <a:schemeClr val="accent1"/>
+          </a:lnRef>
+          <a:fillRef idx="0">
+            <a:schemeClr val="accent1"/>
+          </a:fillRef>
+          <a:effectRef idx="0">
+            <a:schemeClr val="accent1"/>
+          </a:effectRef>
+          <a:fontRef idx="minor">
+            <a:schemeClr val="tx1"/>
+          </a:fontRef>
+        </p:style>
+      </p:cxnSp>
+      <p:cxnSp>
+        <p:nvCxnSpPr>
+          <p:cNvPr id="12" name="Straight Connector 11"/>
+          <p:cNvCxnSpPr/>
+          <p:nvPr/>
+        </p:nvCxnSpPr>
+        <p:spPr>
+          <a:xfrm flipV="1">
+            <a:off x="11379200" y="517799"/>
+            <a:ext cx="0" cy="2708004"/>
+          </a:xfrm>
+          <a:prstGeom prst="line">
+            <a:avLst/>
+          </a:prstGeom>
+        </p:spPr>
+        <p:style>
+          <a:lnRef idx="1">
+            <a:schemeClr val="accent1"/>
+          </a:lnRef>
+          <a:fillRef idx="0">
+            <a:schemeClr val="accent1"/>
+          </a:fillRef>
+          <a:effectRef idx="0">
+            <a:schemeClr val="accent1"/>
+          </a:effectRef>
+          <a:fontRef idx="minor">
+            <a:schemeClr val="tx1"/>
+          </a:fontRef>
+        </p:style>
+      </p:cxnSp>
     </p:spTree>
     <p:extLst>
       <p:ext uri="{BB962C8B-B14F-4D97-AF65-F5344CB8AC3E}">
-        <p14:creationId xmlns:p14="http://schemas.microsoft.com/office/powerpoint/2010/main" val="3350547432"/>
+        <p14:creationId xmlns:p14="http://schemas.microsoft.com/office/powerpoint/2010/main" val="51367463"/>
       </p:ext>
     </p:extLst>
   </p:cSld>
@@ -14765,225 +13970,10 @@
             <p:ph type="title"/>
           </p:nvPr>
         </p:nvSpPr>
-        <p:spPr/>
-        <p:txBody>
-          <a:bodyPr/>
-          <a:lstStyle/>
-          <a:p>
-            <a:pPr lvl="1" algn="l" rtl="0">
-              <a:spcBef>
-                <a:spcPct val="0"/>
-              </a:spcBef>
-            </a:pPr>
-            <a:r>
-              <a:rPr lang="en-US" b="1" dirty="0"/>
-              <a:t/>
-            </a:r>
-            <a:br>
-              <a:rPr lang="en-US" b="1" dirty="0"/>
-            </a:br>
-            <a:endParaRPr lang="en-US" dirty="0"/>
-          </a:p>
-        </p:txBody>
-      </p:sp>
-      <p:sp>
-        <p:nvSpPr>
-          <p:cNvPr id="5" name="Rectangle 4"/>
-          <p:cNvSpPr/>
-          <p:nvPr/>
-        </p:nvSpPr>
         <p:spPr>
           <a:xfrm>
-            <a:off x="4842934" y="601994"/>
-            <a:ext cx="2949343" cy="584775"/>
-          </a:xfrm>
-          <a:prstGeom prst="rect">
-            <a:avLst/>
-          </a:prstGeom>
-        </p:spPr>
-        <p:txBody>
-          <a:bodyPr wrap="square">
-            <a:spAutoFit/>
-          </a:bodyPr>
-          <a:lstStyle/>
-          <a:p>
-            <a:r>
-              <a:rPr lang="en-US" sz="3200" b="1" dirty="0" smtClean="0">
-                <a:effectLst>
-                  <a:outerShdw blurRad="38100" dist="38100" dir="2700000" algn="tl">
-                    <a:srgbClr val="000000">
-                      <a:alpha val="43137"/>
-                    </a:srgbClr>
-                  </a:outerShdw>
-                </a:effectLst>
-                <a:latin typeface="Cambria" pitchFamily="18" charset="0"/>
-              </a:rPr>
-              <a:t>Disadvantages</a:t>
-            </a:r>
-            <a:endParaRPr lang="en-US" sz="3200" b="1" dirty="0">
-              <a:effectLst>
-                <a:outerShdw blurRad="38100" dist="38100" dir="2700000" algn="tl">
-                  <a:srgbClr val="000000">
-                    <a:alpha val="43137"/>
-                  </a:srgbClr>
-                </a:outerShdw>
-              </a:effectLst>
-              <a:latin typeface="Cambria" pitchFamily="18" charset="0"/>
-            </a:endParaRPr>
-          </a:p>
-        </p:txBody>
-      </p:sp>
-      <p:pic>
-        <p:nvPicPr>
-          <p:cNvPr id="8" name="Picture 7"/>
-          <p:cNvPicPr>
-            <a:picLocks noChangeAspect="1"/>
-          </p:cNvPicPr>
-          <p:nvPr/>
-        </p:nvPicPr>
-        <p:blipFill>
-          <a:blip r:embed="rId2" cstate="print">
-            <a:extLst>
-              <a:ext uri="{28A0092B-C50C-407E-A947-70E740481C1C}">
-                <a14:useLocalDpi xmlns:a14="http://schemas.microsoft.com/office/drawing/2010/main" val="0"/>
-              </a:ext>
-            </a:extLst>
-          </a:blip>
-          <a:stretch>
-            <a:fillRect/>
-          </a:stretch>
-        </p:blipFill>
-        <p:spPr>
-          <a:xfrm>
-            <a:off x="563491" y="101358"/>
-            <a:ext cx="1614283" cy="1469592"/>
-          </a:xfrm>
-          <a:prstGeom prst="rect">
-            <a:avLst/>
-          </a:prstGeom>
-        </p:spPr>
-      </p:pic>
-      <p:sp>
-        <p:nvSpPr>
-          <p:cNvPr id="3" name="TextBox 2"/>
-          <p:cNvSpPr txBox="1"/>
-          <p:nvPr/>
-        </p:nvSpPr>
-        <p:spPr>
-          <a:xfrm>
-            <a:off x="746539" y="2822712"/>
-            <a:ext cx="10143226" cy="1246495"/>
-          </a:xfrm>
-          <a:prstGeom prst="rect">
-            <a:avLst/>
-          </a:prstGeom>
-          <a:noFill/>
-        </p:spPr>
-        <p:txBody>
-          <a:bodyPr wrap="none" rtlCol="0">
-            <a:spAutoFit/>
-          </a:bodyPr>
-          <a:lstStyle/>
-          <a:p>
-            <a:pPr lvl="1"/>
-            <a:r>
-              <a:rPr lang="en-US" sz="2500" dirty="0" smtClean="0"/>
-              <a:t>• Vietnamese </a:t>
-            </a:r>
-            <a:r>
-              <a:rPr lang="en-US" sz="2500" dirty="0"/>
-              <a:t>users do not have the official application for tracking habit</a:t>
-            </a:r>
-            <a:r>
-              <a:rPr lang="en-US" sz="2500" dirty="0" smtClean="0"/>
-              <a:t>.</a:t>
-            </a:r>
-          </a:p>
-          <a:p>
-            <a:pPr lvl="1"/>
-            <a:endParaRPr lang="en-US" sz="2500" dirty="0"/>
-          </a:p>
-          <a:p>
-            <a:pPr lvl="1"/>
-            <a:r>
-              <a:rPr lang="en-US" sz="2500" dirty="0" smtClean="0"/>
-              <a:t>• Customer </a:t>
-            </a:r>
-            <a:r>
-              <a:rPr lang="en-US" sz="2500" dirty="0"/>
-              <a:t>easily give up on using</a:t>
-            </a:r>
-            <a:r>
-              <a:rPr lang="en-US" sz="2500" dirty="0" smtClean="0"/>
-              <a:t>.</a:t>
-            </a:r>
-            <a:endParaRPr lang="en-US" sz="2500" dirty="0"/>
-          </a:p>
-        </p:txBody>
-      </p:sp>
-    </p:spTree>
-    <p:extLst>
-      <p:ext uri="{BB962C8B-B14F-4D97-AF65-F5344CB8AC3E}">
-        <p14:creationId xmlns:p14="http://schemas.microsoft.com/office/powerpoint/2010/main" val="3732279569"/>
-      </p:ext>
-    </p:extLst>
-  </p:cSld>
-  <p:clrMapOvr>
-    <a:masterClrMapping/>
-  </p:clrMapOvr>
-  <mc:AlternateContent xmlns:mc="http://schemas.openxmlformats.org/markup-compatibility/2006" xmlns:p14="http://schemas.microsoft.com/office/powerpoint/2010/main">
-    <mc:Choice Requires="p14">
-      <p:transition spd="med" p14:dur="700">
-        <p:fade/>
-      </p:transition>
-    </mc:Choice>
-    <mc:Fallback xmlns="">
-      <p:transition spd="med">
-        <p:fade/>
-      </p:transition>
-    </mc:Fallback>
-  </mc:AlternateContent>
-  <p:timing>
-    <p:tnLst>
-      <p:par>
-        <p:cTn id="1" dur="indefinite" restart="never" nodeType="tmRoot"/>
-      </p:par>
-    </p:tnLst>
-  </p:timing>
-</p:sld>
-</file>
-
-<file path=ppt/slides/slide25.xml><?xml version="1.0" encoding="utf-8"?>
-<p:sld xmlns:a="http://schemas.openxmlformats.org/drawingml/2006/main" xmlns:r="http://schemas.openxmlformats.org/officeDocument/2006/relationships" xmlns:p="http://schemas.openxmlformats.org/presentationml/2006/main">
-  <p:cSld>
-    <p:spTree>
-      <p:nvGrpSpPr>
-        <p:cNvPr id="1" name=""/>
-        <p:cNvGrpSpPr/>
-        <p:nvPr/>
-      </p:nvGrpSpPr>
-      <p:grpSpPr>
-        <a:xfrm>
-          <a:off x="0" y="0"/>
-          <a:ext cx="0" cy="0"/>
-          <a:chOff x="0" y="0"/>
-          <a:chExt cx="0" cy="0"/>
-        </a:xfrm>
-      </p:grpSpPr>
-      <p:sp>
-        <p:nvSpPr>
-          <p:cNvPr id="2" name="Title 1"/>
-          <p:cNvSpPr>
-            <a:spLocks noGrp="1"/>
-          </p:cNvSpPr>
-          <p:nvPr>
-            <p:ph type="title"/>
-          </p:nvPr>
-        </p:nvSpPr>
-        <p:spPr>
-          <a:xfrm>
-            <a:off x="2540000" y="3429001"/>
-            <a:ext cx="6807200" cy="812799"/>
+            <a:off x="2641600" y="2311403"/>
+            <a:ext cx="7213600" cy="1828800"/>
           </a:xfrm>
         </p:spPr>
         <p:style>
@@ -15021,7 +14011,38 @@
                 </a:effectLst>
                 <a:latin typeface="Cambria" pitchFamily="18" charset="0"/>
               </a:rPr>
-              <a:t>DEMO</a:t>
+              <a:t>THANK FOR LISTENING</a:t>
+            </a:r>
+            <a:br>
+              <a:rPr lang="en-US" sz="4667" b="1">
+                <a:solidFill>
+                  <a:schemeClr val="tx1"/>
+                </a:solidFill>
+                <a:effectLst>
+                  <a:outerShdw blurRad="38100" dist="38100" dir="2700000" algn="tl">
+                    <a:srgbClr val="000000">
+                      <a:alpha val="43137"/>
+                    </a:srgbClr>
+                  </a:outerShdw>
+                </a:effectLst>
+                <a:latin typeface="Cambria" pitchFamily="18" charset="0"/>
+              </a:rPr>
+            </a:br>
+            <a:r>
+              <a:rPr lang="en-US" sz="4667" b="1">
+                <a:solidFill>
+                  <a:schemeClr val="tx1"/>
+                </a:solidFill>
+                <a:effectLst>
+                  <a:outerShdw blurRad="38100" dist="38100" dir="2700000" algn="tl">
+                    <a:srgbClr val="000000">
+                      <a:alpha val="43137"/>
+                    </a:srgbClr>
+                  </a:outerShdw>
+                </a:effectLst>
+                <a:latin typeface="Cambria" pitchFamily="18" charset="0"/>
+              </a:rPr>
+              <a:t>Q&amp;A</a:t>
             </a:r>
           </a:p>
         </p:txBody>
@@ -15116,292 +14137,6 @@
           </a:fontRef>
         </p:style>
       </p:cxnSp>
-      <p:pic>
-        <p:nvPicPr>
-          <p:cNvPr id="9" name="Picture 8"/>
-          <p:cNvPicPr>
-            <a:picLocks noChangeAspect="1"/>
-          </p:cNvPicPr>
-          <p:nvPr/>
-        </p:nvPicPr>
-        <p:blipFill>
-          <a:blip r:embed="rId3" cstate="print">
-            <a:extLst>
-              <a:ext uri="{28A0092B-C50C-407E-A947-70E740481C1C}">
-                <a14:useLocalDpi xmlns:a14="http://schemas.microsoft.com/office/drawing/2010/main" val="0"/>
-              </a:ext>
-            </a:extLst>
-          </a:blip>
-          <a:stretch>
-            <a:fillRect/>
-          </a:stretch>
-        </p:blipFill>
-        <p:spPr>
-          <a:xfrm>
-            <a:off x="5136458" y="1756211"/>
-            <a:ext cx="1614283" cy="1469592"/>
-          </a:xfrm>
-          <a:prstGeom prst="rect">
-            <a:avLst/>
-          </a:prstGeom>
-        </p:spPr>
-      </p:pic>
-    </p:spTree>
-    <p:extLst>
-      <p:ext uri="{BB962C8B-B14F-4D97-AF65-F5344CB8AC3E}">
-        <p14:creationId xmlns:p14="http://schemas.microsoft.com/office/powerpoint/2010/main" val="51367463"/>
-      </p:ext>
-    </p:extLst>
-  </p:cSld>
-  <p:clrMapOvr>
-    <a:masterClrMapping/>
-  </p:clrMapOvr>
-  <mc:AlternateContent xmlns:mc="http://schemas.openxmlformats.org/markup-compatibility/2006" xmlns:p14="http://schemas.microsoft.com/office/powerpoint/2010/main">
-    <mc:Choice Requires="p14">
-      <p:transition spd="med" p14:dur="700">
-        <p:fade/>
-      </p:transition>
-    </mc:Choice>
-    <mc:Fallback xmlns="">
-      <p:transition spd="med">
-        <p:fade/>
-      </p:transition>
-    </mc:Fallback>
-  </mc:AlternateContent>
-  <p:timing>
-    <p:tnLst>
-      <p:par>
-        <p:cTn id="1" dur="indefinite" restart="never" nodeType="tmRoot"/>
-      </p:par>
-    </p:tnLst>
-  </p:timing>
-</p:sld>
-</file>
-
-<file path=ppt/slides/slide26.xml><?xml version="1.0" encoding="utf-8"?>
-<p:sld xmlns:a="http://schemas.openxmlformats.org/drawingml/2006/main" xmlns:r="http://schemas.openxmlformats.org/officeDocument/2006/relationships" xmlns:p="http://schemas.openxmlformats.org/presentationml/2006/main">
-  <p:cSld>
-    <p:spTree>
-      <p:nvGrpSpPr>
-        <p:cNvPr id="1" name=""/>
-        <p:cNvGrpSpPr/>
-        <p:nvPr/>
-      </p:nvGrpSpPr>
-      <p:grpSpPr>
-        <a:xfrm>
-          <a:off x="0" y="0"/>
-          <a:ext cx="0" cy="0"/>
-          <a:chOff x="0" y="0"/>
-          <a:chExt cx="0" cy="0"/>
-        </a:xfrm>
-      </p:grpSpPr>
-      <p:sp>
-        <p:nvSpPr>
-          <p:cNvPr id="2" name="Title 1"/>
-          <p:cNvSpPr>
-            <a:spLocks noGrp="1"/>
-          </p:cNvSpPr>
-          <p:nvPr>
-            <p:ph type="title"/>
-          </p:nvPr>
-        </p:nvSpPr>
-        <p:spPr>
-          <a:xfrm>
-            <a:off x="2438400" y="3429000"/>
-            <a:ext cx="7213600" cy="1828800"/>
-          </a:xfrm>
-        </p:spPr>
-        <p:style>
-          <a:lnRef idx="1">
-            <a:schemeClr val="accent1"/>
-          </a:lnRef>
-          <a:fillRef idx="2">
-            <a:schemeClr val="accent1"/>
-          </a:fillRef>
-          <a:effectRef idx="1">
-            <a:schemeClr val="accent1"/>
-          </a:effectRef>
-          <a:fontRef idx="minor">
-            <a:schemeClr val="dk1"/>
-          </a:fontRef>
-        </p:style>
-        <p:txBody>
-          <a:bodyPr>
-            <a:noAutofit/>
-          </a:bodyPr>
-          <a:lstStyle/>
-          <a:p>
-            <a:pPr algn="ctr"/>
-            <a:r>
-              <a:rPr lang="en-US" sz="4667" b="1">
-                <a:solidFill>
-                  <a:schemeClr val="tx1"/>
-                </a:solidFill>
-                <a:effectLst>
-                  <a:outerShdw blurRad="38100" dist="38100" dir="2700000" algn="tl">
-                    <a:srgbClr val="000000">
-                      <a:alpha val="43137"/>
-                    </a:srgbClr>
-                  </a:outerShdw>
-                </a:effectLst>
-                <a:latin typeface="Cambria" pitchFamily="18" charset="0"/>
-              </a:rPr>
-              <a:t>THANK FOR LISTENING</a:t>
-            </a:r>
-            <a:br>
-              <a:rPr lang="en-US" sz="4667" b="1">
-                <a:solidFill>
-                  <a:schemeClr val="tx1"/>
-                </a:solidFill>
-                <a:effectLst>
-                  <a:outerShdw blurRad="38100" dist="38100" dir="2700000" algn="tl">
-                    <a:srgbClr val="000000">
-                      <a:alpha val="43137"/>
-                    </a:srgbClr>
-                  </a:outerShdw>
-                </a:effectLst>
-                <a:latin typeface="Cambria" pitchFamily="18" charset="0"/>
-              </a:rPr>
-            </a:br>
-            <a:r>
-              <a:rPr lang="en-US" sz="4667" b="1">
-                <a:solidFill>
-                  <a:schemeClr val="tx1"/>
-                </a:solidFill>
-                <a:effectLst>
-                  <a:outerShdw blurRad="38100" dist="38100" dir="2700000" algn="tl">
-                    <a:srgbClr val="000000">
-                      <a:alpha val="43137"/>
-                    </a:srgbClr>
-                  </a:outerShdw>
-                </a:effectLst>
-                <a:latin typeface="Cambria" pitchFamily="18" charset="0"/>
-              </a:rPr>
-              <a:t>Q&amp;A</a:t>
-            </a:r>
-          </a:p>
-        </p:txBody>
-      </p:sp>
-      <p:cxnSp>
-        <p:nvCxnSpPr>
-          <p:cNvPr id="7" name="Straight Connector 6"/>
-          <p:cNvCxnSpPr/>
-          <p:nvPr/>
-        </p:nvCxnSpPr>
-        <p:spPr>
-          <a:xfrm>
-            <a:off x="1930400" y="1600200"/>
-            <a:ext cx="8636000" cy="0"/>
-          </a:xfrm>
-          <a:prstGeom prst="line">
-            <a:avLst/>
-          </a:prstGeom>
-        </p:spPr>
-        <p:style>
-          <a:lnRef idx="1">
-            <a:schemeClr val="accent1"/>
-          </a:lnRef>
-          <a:fillRef idx="0">
-            <a:schemeClr val="accent1"/>
-          </a:fillRef>
-          <a:effectRef idx="0">
-            <a:schemeClr val="accent1"/>
-          </a:effectRef>
-          <a:fontRef idx="minor">
-            <a:schemeClr val="tx1"/>
-          </a:fontRef>
-        </p:style>
-      </p:cxnSp>
-      <p:cxnSp>
-        <p:nvCxnSpPr>
-          <p:cNvPr id="8" name="Straight Connector 7"/>
-          <p:cNvCxnSpPr/>
-          <p:nvPr/>
-        </p:nvCxnSpPr>
-        <p:spPr>
-          <a:xfrm flipV="1">
-            <a:off x="11480800" y="279400"/>
-            <a:ext cx="0" cy="3251200"/>
-          </a:xfrm>
-          <a:prstGeom prst="line">
-            <a:avLst/>
-          </a:prstGeom>
-        </p:spPr>
-        <p:style>
-          <a:lnRef idx="1">
-            <a:schemeClr val="accent1"/>
-          </a:lnRef>
-          <a:fillRef idx="0">
-            <a:schemeClr val="accent1"/>
-          </a:fillRef>
-          <a:effectRef idx="0">
-            <a:schemeClr val="accent1"/>
-          </a:effectRef>
-          <a:fontRef idx="minor">
-            <a:schemeClr val="tx1"/>
-          </a:fontRef>
-        </p:style>
-      </p:cxnSp>
-      <p:cxnSp>
-        <p:nvCxnSpPr>
-          <p:cNvPr id="12" name="Straight Connector 11"/>
-          <p:cNvCxnSpPr/>
-          <p:nvPr/>
-        </p:nvCxnSpPr>
-        <p:spPr>
-          <a:xfrm flipV="1">
-            <a:off x="11379200" y="517799"/>
-            <a:ext cx="0" cy="2708004"/>
-          </a:xfrm>
-          <a:prstGeom prst="line">
-            <a:avLst/>
-          </a:prstGeom>
-        </p:spPr>
-        <p:style>
-          <a:lnRef idx="1">
-            <a:schemeClr val="accent1"/>
-          </a:lnRef>
-          <a:fillRef idx="0">
-            <a:schemeClr val="accent1"/>
-          </a:fillRef>
-          <a:effectRef idx="0">
-            <a:schemeClr val="accent1"/>
-          </a:effectRef>
-          <a:fontRef idx="minor">
-            <a:schemeClr val="tx1"/>
-          </a:fontRef>
-        </p:style>
-      </p:cxnSp>
-      <p:pic>
-        <p:nvPicPr>
-          <p:cNvPr id="9" name="Picture 8"/>
-          <p:cNvPicPr>
-            <a:picLocks noChangeAspect="1"/>
-          </p:cNvPicPr>
-          <p:nvPr/>
-        </p:nvPicPr>
-        <p:blipFill>
-          <a:blip r:embed="rId3" cstate="print">
-            <a:extLst>
-              <a:ext uri="{28A0092B-C50C-407E-A947-70E740481C1C}">
-                <a14:useLocalDpi xmlns:a14="http://schemas.microsoft.com/office/drawing/2010/main" val="0"/>
-              </a:ext>
-            </a:extLst>
-          </a:blip>
-          <a:stretch>
-            <a:fillRect/>
-          </a:stretch>
-        </p:blipFill>
-        <p:spPr>
-          <a:xfrm>
-            <a:off x="5136458" y="1756211"/>
-            <a:ext cx="1614283" cy="1469592"/>
-          </a:xfrm>
-          <a:prstGeom prst="rect">
-            <a:avLst/>
-          </a:prstGeom>
-        </p:spPr>
-      </p:pic>
     </p:spTree>
     <p:extLst>
       <p:ext uri="{BB962C8B-B14F-4D97-AF65-F5344CB8AC3E}">
@@ -15463,7 +14198,7 @@
         </p:nvSpPr>
         <p:spPr>
           <a:xfrm>
-            <a:off x="2540000" y="3429001"/>
+            <a:off x="2844800" y="2407924"/>
             <a:ext cx="6807200" cy="812799"/>
           </a:xfrm>
         </p:spPr>
@@ -15489,7 +14224,7 @@
           <a:p>
             <a:pPr algn="ctr"/>
             <a:r>
-              <a:rPr lang="en-US" sz="4800" b="1">
+              <a:rPr lang="en-US" sz="4800" b="1" dirty="0" smtClean="0">
                 <a:solidFill>
                   <a:schemeClr val="tx1"/>
                 </a:solidFill>
@@ -15502,9 +14237,9 @@
                 </a:effectLst>
                 <a:latin typeface="Cambria" pitchFamily="18" charset="0"/>
               </a:rPr>
-              <a:t>PROBLEMS</a:t>
-            </a:r>
-            <a:endParaRPr lang="en-US" sz="4667" b="1">
+              <a:t>Definition</a:t>
+            </a:r>
+            <a:endParaRPr lang="en-US" sz="4667" b="1" dirty="0">
               <a:solidFill>
                 <a:schemeClr val="tx1"/>
               </a:solidFill>
@@ -15610,53 +14345,23 @@
           </a:fontRef>
         </p:style>
       </p:cxnSp>
-      <p:pic>
-        <p:nvPicPr>
-          <p:cNvPr id="9" name="Picture 8"/>
-          <p:cNvPicPr>
-            <a:picLocks noChangeAspect="1"/>
-          </p:cNvPicPr>
-          <p:nvPr/>
-        </p:nvPicPr>
-        <p:blipFill>
-          <a:blip r:embed="rId3" cstate="print">
-            <a:extLst>
-              <a:ext uri="{28A0092B-C50C-407E-A947-70E740481C1C}">
-                <a14:useLocalDpi xmlns:a14="http://schemas.microsoft.com/office/drawing/2010/main" val="0"/>
-              </a:ext>
-            </a:extLst>
-          </a:blip>
-          <a:stretch>
-            <a:fillRect/>
-          </a:stretch>
-        </p:blipFill>
-        <p:spPr>
-          <a:xfrm>
-            <a:off x="5136458" y="1756211"/>
-            <a:ext cx="1614283" cy="1469592"/>
-          </a:xfrm>
-          <a:prstGeom prst="rect">
-            <a:avLst/>
-          </a:prstGeom>
-        </p:spPr>
-      </p:pic>
     </p:spTree>
     <p:extLst>
       <p:ext uri="{BB962C8B-B14F-4D97-AF65-F5344CB8AC3E}">
-        <p14:creationId xmlns:p14="http://schemas.microsoft.com/office/powerpoint/2010/main" val="302814842"/>
+        <p14:creationId xmlns:p14="http://schemas.microsoft.com/office/powerpoint/2010/main" val="3010275794"/>
       </p:ext>
     </p:extLst>
   </p:cSld>
   <p:clrMapOvr>
     <a:masterClrMapping/>
   </p:clrMapOvr>
-  <mc:AlternateContent xmlns:mc="http://schemas.openxmlformats.org/markup-compatibility/2006" xmlns:p14="http://schemas.microsoft.com/office/powerpoint/2010/main">
-    <mc:Choice Requires="p14">
+  <mc:AlternateContent xmlns:mc="http://schemas.openxmlformats.org/markup-compatibility/2006">
+    <mc:Choice xmlns:p14="http://schemas.microsoft.com/office/powerpoint/2010/main" Requires="p14">
       <p:transition spd="med" p14:dur="700">
         <p:fade/>
       </p:transition>
     </mc:Choice>
-    <mc:Fallback xmlns="">
+    <mc:Fallback>
       <p:transition spd="med">
         <p:fade/>
       </p:transition>
@@ -15788,7 +14493,7 @@
           </a:lstStyle>
           <a:p>
             <a:r>
-              <a:rPr lang="en-US" sz="4000" b="1" dirty="0">
+              <a:rPr lang="en-US" sz="4000" b="1" dirty="0" smtClean="0">
                 <a:solidFill>
                   <a:schemeClr val="tx1"/>
                 </a:solidFill>
@@ -15801,8 +14506,21 @@
                 </a:effectLst>
                 <a:latin typeface="Cambria" pitchFamily="18" charset="0"/>
               </a:rPr>
-              <a:t>PROBLEMS</a:t>
-            </a:r>
+              <a:t>DEFINITION</a:t>
+            </a:r>
+            <a:endParaRPr lang="en-US" sz="4000" b="1" dirty="0">
+              <a:solidFill>
+                <a:schemeClr val="tx1"/>
+              </a:solidFill>
+              <a:effectLst>
+                <a:outerShdw blurRad="38100" dist="38100" dir="2700000" algn="tl">
+                  <a:srgbClr val="000000">
+                    <a:alpha val="43137"/>
+                  </a:srgbClr>
+                </a:outerShdw>
+              </a:effectLst>
+              <a:latin typeface="Cambria" pitchFamily="18" charset="0"/>
+            </a:endParaRPr>
           </a:p>
         </p:txBody>
       </p:sp>
@@ -15836,77 +14554,6 @@
           </a:fontRef>
         </p:style>
       </p:cxnSp>
-      <p:pic>
-        <p:nvPicPr>
-          <p:cNvPr id="9" name="Picture 8"/>
-          <p:cNvPicPr>
-            <a:picLocks noChangeAspect="1"/>
-          </p:cNvPicPr>
-          <p:nvPr/>
-        </p:nvPicPr>
-        <p:blipFill>
-          <a:blip r:embed="rId3" cstate="print">
-            <a:extLst>
-              <a:ext uri="{28A0092B-C50C-407E-A947-70E740481C1C}">
-                <a14:useLocalDpi xmlns:a14="http://schemas.microsoft.com/office/drawing/2010/main" val="0"/>
-              </a:ext>
-            </a:extLst>
-          </a:blip>
-          <a:stretch>
-            <a:fillRect/>
-          </a:stretch>
-        </p:blipFill>
-        <p:spPr>
-          <a:xfrm>
-            <a:off x="563491" y="101358"/>
-            <a:ext cx="1614283" cy="1469592"/>
-          </a:xfrm>
-          <a:prstGeom prst="rect">
-            <a:avLst/>
-          </a:prstGeom>
-        </p:spPr>
-      </p:pic>
-      <p:pic>
-        <p:nvPicPr>
-          <p:cNvPr id="2052" name="Picture 4" descr="Káº¿t quáº£ hÃ¬nh áº£nh cho use smartphone"/>
-          <p:cNvPicPr>
-            <a:picLocks noChangeAspect="1" noChangeArrowheads="1"/>
-          </p:cNvPicPr>
-          <p:nvPr/>
-        </p:nvPicPr>
-        <p:blipFill>
-          <a:blip r:embed="rId4">
-            <a:extLst>
-              <a:ext uri="{28A0092B-C50C-407E-A947-70E740481C1C}">
-                <a14:useLocalDpi xmlns:a14="http://schemas.microsoft.com/office/drawing/2010/main" val="0"/>
-              </a:ext>
-            </a:extLst>
-          </a:blip>
-          <a:srcRect/>
-          <a:stretch>
-            <a:fillRect/>
-          </a:stretch>
-        </p:blipFill>
-        <p:spPr bwMode="auto">
-          <a:xfrm>
-            <a:off x="563491" y="2431349"/>
-            <a:ext cx="4376643" cy="2735402"/>
-          </a:xfrm>
-          <a:prstGeom prst="rect">
-            <a:avLst/>
-          </a:prstGeom>
-          <a:noFill/>
-          <a:extLst>
-            <a:ext uri="{909E8E84-426E-40DD-AFC4-6F175D3DCCD1}">
-              <a14:hiddenFill xmlns:a14="http://schemas.microsoft.com/office/drawing/2010/main">
-                <a:solidFill>
-                  <a:srgbClr val="FFFFFF"/>
-                </a:solidFill>
-              </a14:hiddenFill>
-            </a:ext>
-          </a:extLst>
-        </p:spPr>
-      </p:pic>
       <p:sp>
         <p:nvSpPr>
           <p:cNvPr id="2" name="TextBox 1"/>
@@ -15915,8 +14562,8 @@
         </p:nvSpPr>
         <p:spPr>
           <a:xfrm>
-            <a:off x="5398453" y="2463378"/>
-            <a:ext cx="5220916" cy="461665"/>
+            <a:off x="898192" y="2561104"/>
+            <a:ext cx="9092682" cy="1938992"/>
           </a:xfrm>
           <a:prstGeom prst="rect">
             <a:avLst/>
@@ -15936,10 +14583,96 @@
               <a:t>• </a:t>
             </a:r>
             <a:r>
+              <a:rPr lang="en-US" sz="2400" b="1" dirty="0">
+                <a:latin typeface="Cambria" panose="02040503050406030204" pitchFamily="18" charset="0"/>
+              </a:rPr>
+              <a:t>What is the habit?</a:t>
+            </a:r>
+            <a:endParaRPr lang="en-US" sz="2400" b="1" dirty="0" smtClean="0">
+              <a:latin typeface="Cambria" panose="02040503050406030204" pitchFamily="18" charset="0"/>
+            </a:endParaRPr>
+          </a:p>
+          <a:p>
+            <a:r>
+              <a:rPr lang="en-US" sz="2400" b="1" dirty="0" smtClean="0">
+                <a:latin typeface="Cambria" panose="02040503050406030204" pitchFamily="18" charset="0"/>
+              </a:rPr>
+              <a:t>     - </a:t>
+            </a:r>
+            <a:r>
               <a:rPr lang="en-US" sz="2400" dirty="0" smtClean="0">
                 <a:latin typeface="Cambria" panose="02040503050406030204" pitchFamily="18" charset="0"/>
               </a:rPr>
-              <a:t>Today, most people use smartphones</a:t>
+              <a:t>Habits </a:t>
+            </a:r>
+            <a:r>
+              <a:rPr lang="en-US" sz="2400" dirty="0">
+                <a:latin typeface="Cambria" panose="02040503050406030204" pitchFamily="18" charset="0"/>
+              </a:rPr>
+              <a:t>are acts that have been formed and repeated many times</a:t>
+            </a:r>
+            <a:r>
+              <a:rPr lang="en-US" sz="2400" dirty="0" smtClean="0">
+                <a:latin typeface="Cambria" panose="02040503050406030204" pitchFamily="18" charset="0"/>
+              </a:rPr>
+              <a:t>.</a:t>
+            </a:r>
+          </a:p>
+          <a:p>
+            <a:endParaRPr lang="en-US" sz="2400" dirty="0" smtClean="0">
+              <a:latin typeface="Cambria" panose="02040503050406030204" pitchFamily="18" charset="0"/>
+            </a:endParaRPr>
+          </a:p>
+          <a:p>
+            <a:r>
+              <a:rPr lang="en-US" sz="2400" dirty="0">
+                <a:latin typeface="Cambria" panose="02040503050406030204" pitchFamily="18" charset="0"/>
+              </a:rPr>
+              <a:t>• </a:t>
+            </a:r>
+            <a:r>
+              <a:rPr lang="en-US" sz="2400" b="1" dirty="0" smtClean="0">
+                <a:latin typeface="Cambria" panose="02040503050406030204" pitchFamily="18" charset="0"/>
+              </a:rPr>
+              <a:t>How </a:t>
+            </a:r>
+            <a:r>
+              <a:rPr lang="en-US" sz="2400" b="1" dirty="0">
+                <a:latin typeface="Cambria" panose="02040503050406030204" pitchFamily="18" charset="0"/>
+              </a:rPr>
+              <a:t>many kinds of </a:t>
+            </a:r>
+            <a:r>
+              <a:rPr lang="en-US" sz="2400" b="1" dirty="0" smtClean="0">
+                <a:latin typeface="Cambria" panose="02040503050406030204" pitchFamily="18" charset="0"/>
+              </a:rPr>
+              <a:t>habit?</a:t>
+            </a:r>
+          </a:p>
+          <a:p>
+            <a:r>
+              <a:rPr lang="en-US" sz="2400" dirty="0">
+                <a:latin typeface="Cambria" panose="02040503050406030204" pitchFamily="18" charset="0"/>
+              </a:rPr>
+              <a:t> </a:t>
+            </a:r>
+            <a:r>
+              <a:rPr lang="en-US" sz="2400" dirty="0" smtClean="0">
+                <a:latin typeface="Cambria" panose="02040503050406030204" pitchFamily="18" charset="0"/>
+              </a:rPr>
+              <a:t>    - Habits</a:t>
+            </a:r>
+            <a:r>
+              <a:rPr lang="en-US" sz="2400" dirty="0">
+                <a:latin typeface="Cambria" panose="02040503050406030204" pitchFamily="18" charset="0"/>
+              </a:rPr>
+              <a:t>: Good habits and bad </a:t>
+            </a:r>
+            <a:r>
+              <a:rPr lang="en-US" sz="2400" dirty="0" smtClean="0">
+                <a:latin typeface="Cambria" panose="02040503050406030204" pitchFamily="18" charset="0"/>
+              </a:rPr>
+              <a:t>habits.</a:t>
             </a:r>
             <a:endParaRPr lang="en-US" sz="2400" dirty="0">
               <a:latin typeface="Cambria" panose="02040503050406030204" pitchFamily="18" charset="0"/>
@@ -15947,63 +14680,23 @@
           </a:p>
         </p:txBody>
       </p:sp>
-      <p:sp>
-        <p:nvSpPr>
-          <p:cNvPr id="3" name="TextBox 2"/>
-          <p:cNvSpPr txBox="1"/>
-          <p:nvPr/>
-        </p:nvSpPr>
-        <p:spPr>
-          <a:xfrm>
-            <a:off x="5478311" y="3225803"/>
-            <a:ext cx="5799290" cy="1569660"/>
-          </a:xfrm>
-          <a:prstGeom prst="rect">
-            <a:avLst/>
-          </a:prstGeom>
-          <a:noFill/>
-        </p:spPr>
-        <p:txBody>
-          <a:bodyPr wrap="square" rtlCol="0">
-            <a:spAutoFit/>
-          </a:bodyPr>
-          <a:lstStyle/>
-          <a:p>
-            <a:r>
-              <a:rPr lang="en-US" sz="2400" b="1" dirty="0" smtClean="0">
-                <a:latin typeface="Cambria" panose="02040503050406030204" pitchFamily="18" charset="0"/>
-              </a:rPr>
-              <a:t>• </a:t>
-            </a:r>
-            <a:r>
-              <a:rPr lang="en-US" sz="2400" dirty="0" smtClean="0">
-                <a:latin typeface="Cambria" panose="02040503050406030204" pitchFamily="18" charset="0"/>
-              </a:rPr>
-              <a:t>However, there is not a specific application for Vietnamese people to create habits, manage daily habits and track habits.</a:t>
-            </a:r>
-            <a:endParaRPr lang="en-US" sz="2400" dirty="0">
-              <a:latin typeface="Cambria" panose="02040503050406030204" pitchFamily="18" charset="0"/>
-            </a:endParaRPr>
-          </a:p>
-        </p:txBody>
-      </p:sp>
     </p:spTree>
     <p:extLst>
       <p:ext uri="{BB962C8B-B14F-4D97-AF65-F5344CB8AC3E}">
-        <p14:creationId xmlns:p14="http://schemas.microsoft.com/office/powerpoint/2010/main" val="2985026713"/>
+        <p14:creationId xmlns:p14="http://schemas.microsoft.com/office/powerpoint/2010/main" val="859006905"/>
       </p:ext>
     </p:extLst>
   </p:cSld>
   <p:clrMapOvr>
     <a:masterClrMapping/>
   </p:clrMapOvr>
-  <mc:AlternateContent xmlns:mc="http://schemas.openxmlformats.org/markup-compatibility/2006" xmlns:p14="http://schemas.microsoft.com/office/powerpoint/2010/main">
-    <mc:Choice Requires="p14">
+  <mc:AlternateContent xmlns:mc="http://schemas.openxmlformats.org/markup-compatibility/2006">
+    <mc:Choice xmlns:p14="http://schemas.microsoft.com/office/powerpoint/2010/main" Requires="p14">
       <p:transition spd="med" p14:dur="700">
         <p:fade/>
       </p:transition>
     </mc:Choice>
-    <mc:Fallback xmlns="">
+    <mc:Fallback>
       <p:transition spd="med">
         <p:fade/>
       </p:transition>
@@ -16036,6 +14729,92 @@
           <a:chExt cx="0" cy="0"/>
         </a:xfrm>
       </p:grpSpPr>
+      <p:sp>
+        <p:nvSpPr>
+          <p:cNvPr id="2" name="Title 1"/>
+          <p:cNvSpPr>
+            <a:spLocks noGrp="1"/>
+          </p:cNvSpPr>
+          <p:nvPr>
+            <p:ph type="title"/>
+          </p:nvPr>
+        </p:nvSpPr>
+        <p:spPr>
+          <a:xfrm>
+            <a:off x="2844800" y="2225041"/>
+            <a:ext cx="6807200" cy="812799"/>
+          </a:xfrm>
+        </p:spPr>
+        <p:style>
+          <a:lnRef idx="1">
+            <a:schemeClr val="accent1"/>
+          </a:lnRef>
+          <a:fillRef idx="2">
+            <a:schemeClr val="accent1"/>
+          </a:fillRef>
+          <a:effectRef idx="1">
+            <a:schemeClr val="accent1"/>
+          </a:effectRef>
+          <a:fontRef idx="minor">
+            <a:schemeClr val="dk1"/>
+          </a:fontRef>
+        </p:style>
+        <p:txBody>
+          <a:bodyPr>
+            <a:noAutofit/>
+          </a:bodyPr>
+          <a:lstStyle/>
+          <a:p>
+            <a:pPr algn="ctr"/>
+            <a:r>
+              <a:rPr lang="en-US" sz="4667" b="1">
+                <a:solidFill>
+                  <a:schemeClr val="tx1"/>
+                </a:solidFill>
+                <a:effectLst>
+                  <a:outerShdw blurRad="38100" dist="38100" dir="2700000" algn="tl">
+                    <a:srgbClr val="000000">
+                      <a:alpha val="43137"/>
+                    </a:srgbClr>
+                  </a:outerShdw>
+                </a:effectLst>
+                <a:latin typeface="Cambria" pitchFamily="18" charset="0"/>
+              </a:rPr>
+              <a:t>PROPOSED SOLUTION</a:t>
+            </a:r>
+          </a:p>
+        </p:txBody>
+      </p:sp>
+      <p:cxnSp>
+        <p:nvCxnSpPr>
+          <p:cNvPr id="7" name="Straight Connector 6"/>
+          <p:cNvCxnSpPr/>
+          <p:nvPr/>
+        </p:nvCxnSpPr>
+        <p:spPr>
+          <a:xfrm>
+            <a:off x="1930400" y="1600200"/>
+            <a:ext cx="8636000" cy="0"/>
+          </a:xfrm>
+          <a:prstGeom prst="line">
+            <a:avLst/>
+          </a:prstGeom>
+        </p:spPr>
+        <p:style>
+          <a:lnRef idx="1">
+            <a:schemeClr val="accent1"/>
+          </a:lnRef>
+          <a:fillRef idx="0">
+            <a:schemeClr val="accent1"/>
+          </a:fillRef>
+          <a:effectRef idx="0">
+            <a:schemeClr val="accent1"/>
+          </a:effectRef>
+          <a:fontRef idx="minor">
+            <a:schemeClr val="tx1"/>
+          </a:fontRef>
+        </p:style>
+      </p:cxnSp>
       <p:cxnSp>
         <p:nvCxnSpPr>
           <p:cNvPr id="8" name="Straight Connector 7"/>
@@ -16096,208 +14875,10 @@
           </a:fontRef>
         </p:style>
       </p:cxnSp>
-      <p:sp>
-        <p:nvSpPr>
-          <p:cNvPr id="13" name="Title 1"/>
-          <p:cNvSpPr txBox="1">
-            <a:spLocks/>
-          </p:cNvSpPr>
-          <p:nvPr/>
-        </p:nvSpPr>
-        <p:spPr>
-          <a:xfrm>
-            <a:off x="4596771" y="478853"/>
-            <a:ext cx="4470400" cy="778932"/>
-          </a:xfrm>
-          <a:prstGeom prst="rect">
-            <a:avLst/>
-          </a:prstGeom>
-        </p:spPr>
-        <p:txBody>
-          <a:bodyPr vert="horz" lIns="108837" tIns="54419" rIns="108837" bIns="54419" anchor="b">
-            <a:normAutofit/>
-          </a:bodyPr>
-          <a:lstStyle>
-            <a:lvl1pPr algn="l" rtl="0" eaLnBrk="1" latinLnBrk="0" hangingPunct="1">
-              <a:spcBef>
-                <a:spcPct val="0"/>
-              </a:spcBef>
-              <a:buNone/>
-              <a:defRPr kumimoji="0" sz="2600" b="0" kern="1200" cap="small" baseline="0">
-                <a:solidFill>
-                  <a:schemeClr val="tx2"/>
-                </a:solidFill>
-                <a:latin typeface="+mj-lt"/>
-                <a:ea typeface="+mj-ea"/>
-                <a:cs typeface="+mj-cs"/>
-              </a:defRPr>
-            </a:lvl1pPr>
-          </a:lstStyle>
-          <a:p>
-            <a:r>
-              <a:rPr lang="en-US" sz="4000" b="1">
-                <a:solidFill>
-                  <a:schemeClr val="tx1"/>
-                </a:solidFill>
-                <a:effectLst>
-                  <a:outerShdw blurRad="38100" dist="38100" dir="2700000" algn="tl">
-                    <a:srgbClr val="000000">
-                      <a:alpha val="43137"/>
-                    </a:srgbClr>
-                  </a:outerShdw>
-                </a:effectLst>
-                <a:latin typeface="Cambria" pitchFamily="18" charset="0"/>
-              </a:rPr>
-              <a:t>PROBLEMS</a:t>
-            </a:r>
-          </a:p>
-        </p:txBody>
-      </p:sp>
-      <p:cxnSp>
-        <p:nvCxnSpPr>
-          <p:cNvPr id="15" name="Straight Connector 14"/>
-          <p:cNvCxnSpPr/>
-          <p:nvPr/>
-        </p:nvCxnSpPr>
-        <p:spPr>
-          <a:xfrm>
-            <a:off x="1930400" y="1600200"/>
-            <a:ext cx="8636000" cy="0"/>
-          </a:xfrm>
-          <a:prstGeom prst="line">
-            <a:avLst/>
-          </a:prstGeom>
-        </p:spPr>
-        <p:style>
-          <a:lnRef idx="1">
-            <a:schemeClr val="accent1"/>
-          </a:lnRef>
-          <a:fillRef idx="0">
-            <a:schemeClr val="accent1"/>
-          </a:fillRef>
-          <a:effectRef idx="0">
-            <a:schemeClr val="accent1"/>
-          </a:effectRef>
-          <a:fontRef idx="minor">
-            <a:schemeClr val="tx1"/>
-          </a:fontRef>
-        </p:style>
-      </p:cxnSp>
-      <p:pic>
-        <p:nvPicPr>
-          <p:cNvPr id="9" name="Picture 8"/>
-          <p:cNvPicPr>
-            <a:picLocks noChangeAspect="1"/>
-          </p:cNvPicPr>
-          <p:nvPr/>
-        </p:nvPicPr>
-        <p:blipFill>
-          <a:blip r:embed="rId3" cstate="print">
-            <a:extLst>
-              <a:ext uri="{28A0092B-C50C-407E-A947-70E740481C1C}">
-                <a14:useLocalDpi xmlns:a14="http://schemas.microsoft.com/office/drawing/2010/main" val="0"/>
-              </a:ext>
-            </a:extLst>
-          </a:blip>
-          <a:stretch>
-            <a:fillRect/>
-          </a:stretch>
-        </p:blipFill>
-        <p:spPr>
-          <a:xfrm>
-            <a:off x="563491" y="101358"/>
-            <a:ext cx="1614283" cy="1469592"/>
-          </a:xfrm>
-          <a:prstGeom prst="rect">
-            <a:avLst/>
-          </a:prstGeom>
-        </p:spPr>
-      </p:pic>
-      <p:sp>
-        <p:nvSpPr>
-          <p:cNvPr id="2" name="TextBox 1"/>
-          <p:cNvSpPr txBox="1"/>
-          <p:nvPr/>
-        </p:nvSpPr>
-        <p:spPr>
-          <a:xfrm>
-            <a:off x="5232801" y="2745770"/>
-            <a:ext cx="5848225" cy="1200329"/>
-          </a:xfrm>
-          <a:prstGeom prst="rect">
-            <a:avLst/>
-          </a:prstGeom>
-          <a:noFill/>
-        </p:spPr>
-        <p:txBody>
-          <a:bodyPr wrap="square" rtlCol="0">
-            <a:spAutoFit/>
-          </a:bodyPr>
-          <a:lstStyle/>
-          <a:p>
-            <a:r>
-              <a:rPr lang="en-US" sz="2400" b="1" dirty="0" smtClean="0">
-                <a:latin typeface="Cambria" panose="02040503050406030204" pitchFamily="18" charset="0"/>
-              </a:rPr>
-              <a:t>• </a:t>
-            </a:r>
-            <a:r>
-              <a:rPr lang="en-US" sz="2400" dirty="0" smtClean="0">
-                <a:latin typeface="Cambria" panose="02040503050406030204" pitchFamily="18" charset="0"/>
-              </a:rPr>
-              <a:t>The existing tracking habit applications are from foreign developer and thus may not really applicable for Vietnamese users.</a:t>
-            </a:r>
-            <a:endParaRPr lang="en-US" sz="2400" dirty="0">
-              <a:latin typeface="Cambria" panose="02040503050406030204" pitchFamily="18" charset="0"/>
-            </a:endParaRPr>
-          </a:p>
-        </p:txBody>
-      </p:sp>
-      <p:pic>
-        <p:nvPicPr>
-          <p:cNvPr id="5122" name="Picture 2" descr="Káº¿t quáº£ hÃ¬nh áº£nh cho khÃ³ dÃ¹ng"/>
-          <p:cNvPicPr>
-            <a:picLocks noChangeAspect="1" noChangeArrowheads="1"/>
-          </p:cNvPicPr>
-          <p:nvPr/>
-        </p:nvPicPr>
-        <p:blipFill>
-          <a:blip r:embed="rId4">
-            <a:extLst>
-              <a:ext uri="{28A0092B-C50C-407E-A947-70E740481C1C}">
-                <a14:useLocalDpi xmlns:a14="http://schemas.microsoft.com/office/drawing/2010/main" val="0"/>
-              </a:ext>
-            </a:extLst>
-          </a:blip>
-          <a:srcRect/>
-          <a:stretch>
-            <a:fillRect/>
-          </a:stretch>
-        </p:blipFill>
-        <p:spPr bwMode="auto">
-          <a:xfrm>
-            <a:off x="522054" y="2569393"/>
-            <a:ext cx="4412573" cy="2472880"/>
-          </a:xfrm>
-          <a:prstGeom prst="rect">
-            <a:avLst/>
-          </a:prstGeom>
-          <a:noFill/>
-          <a:extLst>
-            <a:ext uri="{909E8E84-426E-40DD-AFC4-6F175D3DCCD1}">
-              <a14:hiddenFill xmlns:a14="http://schemas.microsoft.com/office/drawing/2010/main">
-                <a:solidFill>
-                  <a:srgbClr val="FFFFFF"/>
-                </a:solidFill>
-              </a14:hiddenFill>
-            </a:ext>
-          </a:extLst>
-        </p:spPr>
-      </p:pic>
     </p:spTree>
     <p:extLst>
       <p:ext uri="{BB962C8B-B14F-4D97-AF65-F5344CB8AC3E}">
-        <p14:creationId xmlns:p14="http://schemas.microsoft.com/office/powerpoint/2010/main" val="3761765450"/>
+        <p14:creationId xmlns:p14="http://schemas.microsoft.com/office/powerpoint/2010/main" val="69851451"/>
       </p:ext>
     </p:extLst>
   </p:cSld>
@@ -16343,62 +14924,6 @@
           <a:chExt cx="0" cy="0"/>
         </a:xfrm>
       </p:grpSpPr>
-      <p:sp>
-        <p:nvSpPr>
-          <p:cNvPr id="2" name="Title 1"/>
-          <p:cNvSpPr>
-            <a:spLocks noGrp="1"/>
-          </p:cNvSpPr>
-          <p:nvPr>
-            <p:ph type="title"/>
-          </p:nvPr>
-        </p:nvSpPr>
-        <p:spPr>
-          <a:xfrm>
-            <a:off x="2540000" y="3429001"/>
-            <a:ext cx="6807200" cy="812799"/>
-          </a:xfrm>
-        </p:spPr>
-        <p:style>
-          <a:lnRef idx="1">
-            <a:schemeClr val="accent1"/>
-          </a:lnRef>
-          <a:fillRef idx="2">
-            <a:schemeClr val="accent1"/>
-          </a:fillRef>
-          <a:effectRef idx="1">
-            <a:schemeClr val="accent1"/>
-          </a:effectRef>
-          <a:fontRef idx="minor">
-            <a:schemeClr val="dk1"/>
-          </a:fontRef>
-        </p:style>
-        <p:txBody>
-          <a:bodyPr>
-            <a:noAutofit/>
-          </a:bodyPr>
-          <a:lstStyle/>
-          <a:p>
-            <a:pPr algn="ctr"/>
-            <a:r>
-              <a:rPr lang="en-US" sz="4667" b="1">
-                <a:solidFill>
-                  <a:schemeClr val="tx1"/>
-                </a:solidFill>
-                <a:effectLst>
-                  <a:outerShdw blurRad="38100" dist="38100" dir="2700000" algn="tl">
-                    <a:srgbClr val="000000">
-                      <a:alpha val="43137"/>
-                    </a:srgbClr>
-                  </a:outerShdw>
-                </a:effectLst>
-                <a:latin typeface="Cambria" pitchFamily="18" charset="0"/>
-              </a:rPr>
-              <a:t>PROPOSED SOLUTION</a:t>
-            </a:r>
-          </a:p>
-        </p:txBody>
-      </p:sp>
       <p:cxnSp>
         <p:nvCxnSpPr>
           <p:cNvPr id="7" name="Straight Connector 6"/>
@@ -16489,40 +15014,160 @@
           </a:fontRef>
         </p:style>
       </p:cxnSp>
-      <p:pic>
-        <p:nvPicPr>
-          <p:cNvPr id="9" name="Picture 8"/>
-          <p:cNvPicPr>
-            <a:picLocks noChangeAspect="1"/>
-          </p:cNvPicPr>
+      <p:sp>
+        <p:nvSpPr>
+          <p:cNvPr id="9" name="Title 1"/>
+          <p:cNvSpPr txBox="1">
+            <a:spLocks/>
+          </p:cNvSpPr>
           <p:nvPr/>
-        </p:nvPicPr>
-        <p:blipFill>
-          <a:blip r:embed="rId3" cstate="print">
-            <a:extLst>
-              <a:ext uri="{28A0092B-C50C-407E-A947-70E740481C1C}">
-                <a14:useLocalDpi xmlns:a14="http://schemas.microsoft.com/office/drawing/2010/main" val="0"/>
-              </a:ext>
-            </a:extLst>
-          </a:blip>
-          <a:stretch>
-            <a:fillRect/>
-          </a:stretch>
-        </p:blipFill>
+        </p:nvSpPr>
         <p:spPr>
           <a:xfrm>
-            <a:off x="5136458" y="1756211"/>
-            <a:ext cx="1614283" cy="1469592"/>
+            <a:off x="3529971" y="517799"/>
+            <a:ext cx="6172829" cy="778932"/>
           </a:xfrm>
           <a:prstGeom prst="rect">
             <a:avLst/>
           </a:prstGeom>
         </p:spPr>
-      </p:pic>
+        <p:txBody>
+          <a:bodyPr vert="horz" lIns="108837" tIns="54419" rIns="108837" bIns="54419" anchor="b">
+            <a:normAutofit/>
+          </a:bodyPr>
+          <a:lstStyle>
+            <a:lvl1pPr algn="l" rtl="0" eaLnBrk="1" latinLnBrk="0" hangingPunct="1">
+              <a:spcBef>
+                <a:spcPct val="0"/>
+              </a:spcBef>
+              <a:buNone/>
+              <a:defRPr kumimoji="0" sz="2600" b="0" kern="1200" cap="small" baseline="0">
+                <a:solidFill>
+                  <a:schemeClr val="tx2"/>
+                </a:solidFill>
+                <a:latin typeface="+mj-lt"/>
+                <a:ea typeface="+mj-ea"/>
+                <a:cs typeface="+mj-cs"/>
+              </a:defRPr>
+            </a:lvl1pPr>
+          </a:lstStyle>
+          <a:p>
+            <a:r>
+              <a:rPr lang="en-US" sz="4000" b="1" dirty="0">
+                <a:solidFill>
+                  <a:schemeClr val="tx1"/>
+                </a:solidFill>
+                <a:effectLst>
+                  <a:outerShdw blurRad="38100" dist="38100" dir="2700000" algn="tl">
+                    <a:srgbClr val="000000">
+                      <a:alpha val="43137"/>
+                    </a:srgbClr>
+                  </a:outerShdw>
+                </a:effectLst>
+                <a:latin typeface="Cambria" pitchFamily="18" charset="0"/>
+              </a:rPr>
+              <a:t>PROPOSED SOLUTION</a:t>
+            </a:r>
+          </a:p>
+        </p:txBody>
+      </p:sp>
+      <p:sp>
+        <p:nvSpPr>
+          <p:cNvPr id="4" name="TextBox 3"/>
+          <p:cNvSpPr txBox="1"/>
+          <p:nvPr/>
+        </p:nvSpPr>
+        <p:spPr>
+          <a:xfrm>
+            <a:off x="1071329" y="2333846"/>
+            <a:ext cx="10023391" cy="2677656"/>
+          </a:xfrm>
+          <a:prstGeom prst="rect">
+            <a:avLst/>
+          </a:prstGeom>
+          <a:noFill/>
+        </p:spPr>
+        <p:txBody>
+          <a:bodyPr wrap="square" rtlCol="0">
+            <a:spAutoFit/>
+          </a:bodyPr>
+          <a:lstStyle/>
+          <a:p>
+            <a:r>
+              <a:rPr lang="en-US" sz="2400" dirty="0">
+                <a:latin typeface="Cambria" panose="02040503050406030204" pitchFamily="18" charset="0"/>
+              </a:rPr>
+              <a:t>• We develop software </a:t>
+            </a:r>
+            <a:r>
+              <a:rPr lang="en-US" sz="2400" dirty="0" smtClean="0">
+                <a:latin typeface="Cambria" panose="02040503050406030204" pitchFamily="18" charset="0"/>
+              </a:rPr>
+              <a:t>'Viet Nam Habit Tracker' </a:t>
+            </a:r>
+            <a:r>
+              <a:rPr lang="en-US" sz="2400" dirty="0">
+                <a:latin typeface="Cambria" panose="02040503050406030204" pitchFamily="18" charset="0"/>
+              </a:rPr>
+              <a:t>which is designed for </a:t>
+            </a:r>
+            <a:r>
+              <a:rPr lang="en-US" sz="2400" dirty="0" smtClean="0">
+                <a:latin typeface="Cambria" panose="02040503050406030204" pitchFamily="18" charset="0"/>
+              </a:rPr>
+              <a:t>Vietnamese </a:t>
+            </a:r>
+            <a:r>
+              <a:rPr lang="en-US" sz="2400" dirty="0">
+                <a:latin typeface="Cambria" panose="02040503050406030204" pitchFamily="18" charset="0"/>
+              </a:rPr>
+              <a:t>users to give up, improve bad habits and maintain good habits</a:t>
+            </a:r>
+            <a:r>
+              <a:rPr lang="en-US" sz="2400" dirty="0" smtClean="0">
+                <a:latin typeface="Cambria" panose="02040503050406030204" pitchFamily="18" charset="0"/>
+              </a:rPr>
+              <a:t>.</a:t>
+            </a:r>
+          </a:p>
+          <a:p>
+            <a:endParaRPr lang="en-US" sz="2400" dirty="0" smtClean="0">
+              <a:latin typeface="Cambria" panose="02040503050406030204" pitchFamily="18" charset="0"/>
+            </a:endParaRPr>
+          </a:p>
+          <a:p>
+            <a:r>
+              <a:rPr lang="en-US" sz="2400" dirty="0">
+                <a:latin typeface="Cambria" panose="02040503050406030204" pitchFamily="18" charset="0"/>
+              </a:rPr>
+              <a:t>• The application is used on a smartphone with android operating system</a:t>
+            </a:r>
+            <a:r>
+              <a:rPr lang="en-US" sz="2400" dirty="0" smtClean="0">
+                <a:latin typeface="Cambria" panose="02040503050406030204" pitchFamily="18" charset="0"/>
+              </a:rPr>
+              <a:t>.</a:t>
+            </a:r>
+          </a:p>
+          <a:p>
+            <a:endParaRPr lang="en-US" sz="2400" dirty="0" smtClean="0">
+              <a:latin typeface="Cambria" panose="02040503050406030204" pitchFamily="18" charset="0"/>
+            </a:endParaRPr>
+          </a:p>
+          <a:p>
+            <a:r>
+              <a:rPr lang="en-US" sz="2400" dirty="0">
+                <a:latin typeface="Cambria" panose="02040503050406030204" pitchFamily="18" charset="0"/>
+              </a:rPr>
+              <a:t>• The system will be based on the user's choice to perform reminders and notifications.</a:t>
+            </a:r>
+          </a:p>
+        </p:txBody>
+      </p:sp>
     </p:spTree>
     <p:extLst>
       <p:ext uri="{BB962C8B-B14F-4D97-AF65-F5344CB8AC3E}">
-        <p14:creationId xmlns:p14="http://schemas.microsoft.com/office/powerpoint/2010/main" val="69851451"/>
+        <p14:creationId xmlns:p14="http://schemas.microsoft.com/office/powerpoint/2010/main" val="3461456989"/>
       </p:ext>
     </p:extLst>
   </p:cSld>
@@ -16568,6 +15213,62 @@
           <a:chExt cx="0" cy="0"/>
         </a:xfrm>
       </p:grpSpPr>
+      <p:sp>
+        <p:nvSpPr>
+          <p:cNvPr id="2" name="Title 1"/>
+          <p:cNvSpPr>
+            <a:spLocks noGrp="1"/>
+          </p:cNvSpPr>
+          <p:nvPr>
+            <p:ph type="title"/>
+          </p:nvPr>
+        </p:nvSpPr>
+        <p:spPr>
+          <a:xfrm>
+            <a:off x="2844800" y="2413004"/>
+            <a:ext cx="6807200" cy="812799"/>
+          </a:xfrm>
+        </p:spPr>
+        <p:style>
+          <a:lnRef idx="1">
+            <a:schemeClr val="accent1"/>
+          </a:lnRef>
+          <a:fillRef idx="2">
+            <a:schemeClr val="accent1"/>
+          </a:fillRef>
+          <a:effectRef idx="1">
+            <a:schemeClr val="accent1"/>
+          </a:effectRef>
+          <a:fontRef idx="minor">
+            <a:schemeClr val="dk1"/>
+          </a:fontRef>
+        </p:style>
+        <p:txBody>
+          <a:bodyPr>
+            <a:noAutofit/>
+          </a:bodyPr>
+          <a:lstStyle/>
+          <a:p>
+            <a:pPr algn="ctr"/>
+            <a:r>
+              <a:rPr lang="en-US" sz="4667" b="1" dirty="0">
+                <a:solidFill>
+                  <a:schemeClr val="tx1"/>
+                </a:solidFill>
+                <a:effectLst>
+                  <a:outerShdw blurRad="38100" dist="38100" dir="2700000" algn="tl">
+                    <a:srgbClr val="000000">
+                      <a:alpha val="43137"/>
+                    </a:srgbClr>
+                  </a:outerShdw>
+                </a:effectLst>
+                <a:latin typeface="Cambria" pitchFamily="18" charset="0"/>
+              </a:rPr>
+              <a:t>TECHNOLOGIES</a:t>
+            </a:r>
+          </a:p>
+        </p:txBody>
+      </p:sp>
       <p:cxnSp>
         <p:nvCxnSpPr>
           <p:cNvPr id="7" name="Straight Connector 6"/>
@@ -16658,208 +15359,10 @@
           </a:fontRef>
         </p:style>
       </p:cxnSp>
-      <p:sp>
-        <p:nvSpPr>
-          <p:cNvPr id="9" name="Title 1"/>
-          <p:cNvSpPr txBox="1">
-            <a:spLocks/>
-          </p:cNvSpPr>
-          <p:nvPr/>
-        </p:nvSpPr>
-        <p:spPr>
-          <a:xfrm>
-            <a:off x="4596771" y="478853"/>
-            <a:ext cx="6172829" cy="778932"/>
-          </a:xfrm>
-          <a:prstGeom prst="rect">
-            <a:avLst/>
-          </a:prstGeom>
-        </p:spPr>
-        <p:txBody>
-          <a:bodyPr vert="horz" lIns="108837" tIns="54419" rIns="108837" bIns="54419" anchor="b">
-            <a:normAutofit/>
-          </a:bodyPr>
-          <a:lstStyle>
-            <a:lvl1pPr algn="l" rtl="0" eaLnBrk="1" latinLnBrk="0" hangingPunct="1">
-              <a:spcBef>
-                <a:spcPct val="0"/>
-              </a:spcBef>
-              <a:buNone/>
-              <a:defRPr kumimoji="0" sz="2600" b="0" kern="1200" cap="small" baseline="0">
-                <a:solidFill>
-                  <a:schemeClr val="tx2"/>
-                </a:solidFill>
-                <a:latin typeface="+mj-lt"/>
-                <a:ea typeface="+mj-ea"/>
-                <a:cs typeface="+mj-cs"/>
-              </a:defRPr>
-            </a:lvl1pPr>
-          </a:lstStyle>
-          <a:p>
-            <a:r>
-              <a:rPr lang="en-US" sz="4000" b="1">
-                <a:solidFill>
-                  <a:schemeClr val="tx1"/>
-                </a:solidFill>
-                <a:effectLst>
-                  <a:outerShdw blurRad="38100" dist="38100" dir="2700000" algn="tl">
-                    <a:srgbClr val="000000">
-                      <a:alpha val="43137"/>
-                    </a:srgbClr>
-                  </a:outerShdw>
-                </a:effectLst>
-                <a:latin typeface="Cambria" pitchFamily="18" charset="0"/>
-              </a:rPr>
-              <a:t>PROPOSED SOLUTION</a:t>
-            </a:r>
-          </a:p>
-        </p:txBody>
-      </p:sp>
-      <p:pic>
-        <p:nvPicPr>
-          <p:cNvPr id="11" name="Picture 10"/>
-          <p:cNvPicPr>
-            <a:picLocks noChangeAspect="1"/>
-          </p:cNvPicPr>
-          <p:nvPr/>
-        </p:nvPicPr>
-        <p:blipFill>
-          <a:blip r:embed="rId3" cstate="print">
-            <a:extLst>
-              <a:ext uri="{28A0092B-C50C-407E-A947-70E740481C1C}">
-                <a14:useLocalDpi xmlns:a14="http://schemas.microsoft.com/office/drawing/2010/main" val="0"/>
-              </a:ext>
-            </a:extLst>
-          </a:blip>
-          <a:stretch>
-            <a:fillRect/>
-          </a:stretch>
-        </p:blipFill>
-        <p:spPr>
-          <a:xfrm>
-            <a:off x="563491" y="101358"/>
-            <a:ext cx="1614283" cy="1469592"/>
-          </a:xfrm>
-          <a:prstGeom prst="rect">
-            <a:avLst/>
-          </a:prstGeom>
-        </p:spPr>
-      </p:pic>
-      <p:pic>
-        <p:nvPicPr>
-          <p:cNvPr id="6146" name="Picture 2" descr="HÃ¬nh áº£nh cÃ³ liÃªn quan"/>
-          <p:cNvPicPr>
-            <a:picLocks noChangeAspect="1" noChangeArrowheads="1"/>
-          </p:cNvPicPr>
-          <p:nvPr/>
-        </p:nvPicPr>
-        <p:blipFill>
-          <a:blip r:embed="rId4">
-            <a:extLst>
-              <a:ext uri="{28A0092B-C50C-407E-A947-70E740481C1C}">
-                <a14:useLocalDpi xmlns:a14="http://schemas.microsoft.com/office/drawing/2010/main" val="0"/>
-              </a:ext>
-            </a:extLst>
-          </a:blip>
-          <a:srcRect/>
-          <a:stretch>
-            <a:fillRect/>
-          </a:stretch>
-        </p:blipFill>
-        <p:spPr bwMode="auto">
-          <a:xfrm>
-            <a:off x="1930400" y="1850819"/>
-            <a:ext cx="8449229" cy="4471154"/>
-          </a:xfrm>
-          <a:prstGeom prst="rect">
-            <a:avLst/>
-          </a:prstGeom>
-          <a:noFill/>
-          <a:extLst>
-            <a:ext uri="{909E8E84-426E-40DD-AFC4-6F175D3DCCD1}">
-              <a14:hiddenFill xmlns:a14="http://schemas.microsoft.com/office/drawing/2010/main">
-                <a:solidFill>
-                  <a:srgbClr val="FFFFFF"/>
-                </a:solidFill>
-              </a14:hiddenFill>
-            </a:ext>
-          </a:extLst>
-        </p:spPr>
-      </p:pic>
-      <p:cxnSp>
-        <p:nvCxnSpPr>
-          <p:cNvPr id="3" name="Straight Connector 2"/>
-          <p:cNvCxnSpPr/>
-          <p:nvPr/>
-        </p:nvCxnSpPr>
-        <p:spPr>
-          <a:xfrm>
-            <a:off x="2301766" y="2081048"/>
-            <a:ext cx="3358055" cy="3783724"/>
-          </a:xfrm>
-          <a:prstGeom prst="line">
-            <a:avLst/>
-          </a:prstGeom>
-          <a:ln>
-            <a:solidFill>
-              <a:srgbClr val="FF0000"/>
-            </a:solidFill>
-          </a:ln>
-        </p:spPr>
-        <p:style>
-          <a:lnRef idx="3">
-            <a:schemeClr val="dk1"/>
-          </a:lnRef>
-          <a:fillRef idx="0">
-            <a:schemeClr val="dk1"/>
-          </a:fillRef>
-          <a:effectRef idx="2">
-            <a:schemeClr val="dk1"/>
-          </a:effectRef>
-          <a:fontRef idx="minor">
-            <a:schemeClr val="tx1"/>
-          </a:fontRef>
-        </p:style>
-      </p:cxnSp>
-      <p:cxnSp>
-        <p:nvCxnSpPr>
-          <p:cNvPr id="10" name="Straight Connector 9"/>
-          <p:cNvCxnSpPr/>
-          <p:nvPr/>
-        </p:nvCxnSpPr>
-        <p:spPr>
-          <a:xfrm flipH="1">
-            <a:off x="2200167" y="2081048"/>
-            <a:ext cx="3459654" cy="3783724"/>
-          </a:xfrm>
-          <a:prstGeom prst="line">
-            <a:avLst/>
-          </a:prstGeom>
-          <a:ln>
-            <a:solidFill>
-              <a:srgbClr val="FF0000"/>
-            </a:solidFill>
-          </a:ln>
-        </p:spPr>
-        <p:style>
-          <a:lnRef idx="3">
-            <a:schemeClr val="dk1"/>
-          </a:lnRef>
-          <a:fillRef idx="0">
-            <a:schemeClr val="dk1"/>
-          </a:fillRef>
-          <a:effectRef idx="2">
-            <a:schemeClr val="dk1"/>
-          </a:effectRef>
-          <a:fontRef idx="minor">
-            <a:schemeClr val="tx1"/>
-          </a:fontRef>
-        </p:style>
-      </p:cxnSp>
     </p:spTree>
     <p:extLst>
       <p:ext uri="{BB962C8B-B14F-4D97-AF65-F5344CB8AC3E}">
-        <p14:creationId xmlns:p14="http://schemas.microsoft.com/office/powerpoint/2010/main" val="3461456989"/>
+        <p14:creationId xmlns:p14="http://schemas.microsoft.com/office/powerpoint/2010/main" val="3913871764"/>
       </p:ext>
     </p:extLst>
   </p:cSld>
@@ -16913,8 +15416,8 @@
         </p:nvCxnSpPr>
         <p:spPr>
           <a:xfrm>
-            <a:off x="1930400" y="1600200"/>
-            <a:ext cx="8636000" cy="0"/>
+            <a:off x="5181600" y="1600200"/>
+            <a:ext cx="5384800" cy="0"/>
           </a:xfrm>
           <a:prstGeom prst="line">
             <a:avLst/>
@@ -16995,9 +15498,121 @@
           </a:fontRef>
         </p:style>
       </p:cxnSp>
-      <p:sp>
-        <p:nvSpPr>
-          <p:cNvPr id="9" name="Title 1"/>
+      <p:cxnSp>
+        <p:nvCxnSpPr>
+          <p:cNvPr id="17" name="Straight Connector 16"/>
+          <p:cNvCxnSpPr/>
+          <p:nvPr/>
+        </p:nvCxnSpPr>
+        <p:spPr>
+          <a:xfrm>
+            <a:off x="1930400" y="1600200"/>
+            <a:ext cx="2133600" cy="0"/>
+          </a:xfrm>
+          <a:prstGeom prst="line">
+            <a:avLst/>
+          </a:prstGeom>
+        </p:spPr>
+        <p:style>
+          <a:lnRef idx="1">
+            <a:schemeClr val="accent1"/>
+          </a:lnRef>
+          <a:fillRef idx="0">
+            <a:schemeClr val="accent1"/>
+          </a:fillRef>
+          <a:effectRef idx="0">
+            <a:schemeClr val="accent1"/>
+          </a:effectRef>
+          <a:fontRef idx="minor">
+            <a:schemeClr val="tx1"/>
+          </a:fontRef>
+        </p:style>
+      </p:cxnSp>
+      <p:pic>
+        <p:nvPicPr>
+          <p:cNvPr id="3074" name="Picture 2" descr="C:\Users\ASUS\Desktop\Slide-UniStar\Tech-Icon.png"/>
+          <p:cNvPicPr>
+            <a:picLocks noChangeAspect="1" noChangeArrowheads="1"/>
+          </p:cNvPicPr>
+          <p:nvPr/>
+        </p:nvPicPr>
+        <p:blipFill>
+          <a:blip r:embed="rId3" cstate="print">
+            <a:extLst>
+              <a:ext uri="{28A0092B-C50C-407E-A947-70E740481C1C}">
+                <a14:useLocalDpi xmlns:a14="http://schemas.microsoft.com/office/drawing/2010/main" val="0"/>
+              </a:ext>
+            </a:extLst>
+          </a:blip>
+          <a:srcRect/>
+          <a:stretch>
+            <a:fillRect/>
+          </a:stretch>
+        </p:blipFill>
+        <p:spPr bwMode="auto">
+          <a:xfrm>
+            <a:off x="4155440" y="1168400"/>
+            <a:ext cx="939800" cy="939800"/>
+          </a:xfrm>
+          <a:prstGeom prst="rect">
+            <a:avLst/>
+          </a:prstGeom>
+          <a:noFill/>
+          <a:extLst>
+            <a:ext uri="{909E8E84-426E-40DD-AFC4-6F175D3DCCD1}">
+              <a14:hiddenFill xmlns:a14="http://schemas.microsoft.com/office/drawing/2010/main">
+                <a:solidFill>
+                  <a:srgbClr val="FFFFFF"/>
+                </a:solidFill>
+              </a14:hiddenFill>
+            </a:ext>
+          </a:extLst>
+        </p:spPr>
+      </p:pic>
+      <p:pic>
+        <p:nvPicPr>
+          <p:cNvPr id="16" name="Picture 15" descr="D:\REI-Project\Document\Final report\photo.jpg.png"/>
+          <p:cNvPicPr>
+            <a:picLocks noChangeAspect="1" noChangeArrowheads="1"/>
+          </p:cNvPicPr>
+          <p:nvPr/>
+        </p:nvPicPr>
+        <p:blipFill>
+          <a:blip r:embed="rId4" cstate="print">
+            <a:extLst>
+              <a:ext uri="{28A0092B-C50C-407E-A947-70E740481C1C}">
+                <a14:useLocalDpi xmlns:a14="http://schemas.microsoft.com/office/drawing/2010/main" val="0"/>
+              </a:ext>
+            </a:extLst>
+          </a:blip>
+          <a:srcRect/>
+          <a:stretch>
+            <a:fillRect/>
+          </a:stretch>
+        </p:blipFill>
+        <p:spPr bwMode="auto">
+          <a:xfrm>
+            <a:off x="8257918" y="2588507"/>
+            <a:ext cx="2235200" cy="2235200"/>
+          </a:xfrm>
+          <a:prstGeom prst="rect">
+            <a:avLst/>
+          </a:prstGeom>
+          <a:noFill/>
+          <a:extLst>
+            <a:ext uri="{909E8E84-426E-40DD-AFC4-6F175D3DCCD1}">
+              <a14:hiddenFill xmlns:a14="http://schemas.microsoft.com/office/drawing/2010/main">
+                <a:solidFill>
+                  <a:srgbClr val="FFFFFF"/>
+                </a:solidFill>
+              </a14:hiddenFill>
+            </a:ext>
+          </a:extLst>
+        </p:spPr>
+      </p:pic>
+      <p:sp>
+        <p:nvSpPr>
+          <p:cNvPr id="18" name="Title 1"/>
           <p:cNvSpPr txBox="1">
             <a:spLocks/>
           </p:cNvSpPr>
@@ -17034,7 +15649,7 @@
           </a:lstStyle>
           <a:p>
             <a:r>
-              <a:rPr lang="en-US" sz="4000" b="1">
+              <a:rPr lang="en-US" sz="4000" b="1" dirty="0">
                 <a:solidFill>
                   <a:schemeClr val="tx1"/>
                 </a:solidFill>
@@ -17047,51 +15662,21 @@
                 </a:effectLst>
                 <a:latin typeface="Cambria" pitchFamily="18" charset="0"/>
               </a:rPr>
-              <a:t>PROPOSED SOLUTION</a:t>
+              <a:t>TECHNOLOGIES</a:t>
             </a:r>
           </a:p>
         </p:txBody>
       </p:sp>
       <p:pic>
         <p:nvPicPr>
-          <p:cNvPr id="11" name="Picture 10"/>
-          <p:cNvPicPr>
-            <a:picLocks noChangeAspect="1"/>
-          </p:cNvPicPr>
-          <p:nvPr/>
-        </p:nvPicPr>
-        <p:blipFill>
-          <a:blip r:embed="rId3" cstate="print">
-            <a:extLst>
-              <a:ext uri="{28A0092B-C50C-407E-A947-70E740481C1C}">
-                <a14:useLocalDpi xmlns:a14="http://schemas.microsoft.com/office/drawing/2010/main" val="0"/>
-              </a:ext>
-            </a:extLst>
-          </a:blip>
-          <a:stretch>
-            <a:fillRect/>
-          </a:stretch>
-        </p:blipFill>
-        <p:spPr>
-          <a:xfrm>
-            <a:off x="563491" y="101358"/>
-            <a:ext cx="1614283" cy="1469592"/>
-          </a:xfrm>
-          <a:prstGeom prst="rect">
-            <a:avLst/>
-          </a:prstGeom>
-        </p:spPr>
-      </p:pic>
-      <p:pic>
-        <p:nvPicPr>
-          <p:cNvPr id="7170" name="Picture 2" descr="Káº¿t quáº£ hÃ¬nh áº£nh cho sá»­ dá»¥ng Äiá»n thoáº¡i"/>
+          <p:cNvPr id="1026" name="Picture 2" descr="HÃ¬nh áº£nh cÃ³ liÃªn quan"/>
           <p:cNvPicPr>
             <a:picLocks noChangeAspect="1" noChangeArrowheads="1"/>
           </p:cNvPicPr>
           <p:nvPr/>
         </p:nvPicPr>
         <p:blipFill>
-          <a:blip r:embed="rId4">
+          <a:blip r:embed="rId5" cstate="print">
             <a:extLst>
               <a:ext uri="{28A0092B-C50C-407E-A947-70E740481C1C}">
                 <a14:useLocalDpi xmlns:a14="http://schemas.microsoft.com/office/drawing/2010/main" val="0"/>
@@ -17105,8 +15690,8 @@
         </p:blipFill>
         <p:spPr bwMode="auto">
           <a:xfrm>
-            <a:off x="2618962" y="1942616"/>
-            <a:ext cx="6634472" cy="4422981"/>
+            <a:off x="4064000" y="2588507"/>
+            <a:ext cx="4193918" cy="2359079"/>
           </a:xfrm>
           <a:prstGeom prst="rect">
             <a:avLst/>
@@ -17123,10 +15708,51 @@
           </a:extLst>
         </p:spPr>
       </p:pic>
+      <p:pic>
+        <p:nvPicPr>
+          <p:cNvPr id="1028" name="Picture 4" descr="HÃ¬nh áº£nh cÃ³ liÃªn quan"/>
+          <p:cNvPicPr>
+            <a:picLocks noChangeAspect="1" noChangeArrowheads="1"/>
+          </p:cNvPicPr>
+          <p:nvPr/>
+        </p:nvPicPr>
+        <p:blipFill>
+          <a:blip r:embed="rId6" cstate="print">
+            <a:extLst>
+              <a:ext uri="{28A0092B-C50C-407E-A947-70E740481C1C}">
+                <a14:useLocalDpi xmlns:a14="http://schemas.microsoft.com/office/drawing/2010/main" val="0"/>
+              </a:ext>
+            </a:extLst>
+          </a:blip>
+          <a:srcRect/>
+          <a:stretch>
+            <a:fillRect/>
+          </a:stretch>
+        </p:blipFill>
+        <p:spPr bwMode="auto">
+          <a:xfrm>
+            <a:off x="1930400" y="2941898"/>
+            <a:ext cx="1881809" cy="1881809"/>
+          </a:xfrm>
+          <a:prstGeom prst="rect">
+            <a:avLst/>
+          </a:prstGeom>
+          <a:noFill/>
+          <a:extLst>
+            <a:ext uri="{909E8E84-426E-40DD-AFC4-6F175D3DCCD1}">
+              <a14:hiddenFill xmlns:a14="http://schemas.microsoft.com/office/drawing/2010/main">
+                <a:solidFill>
+                  <a:srgbClr val="FFFFFF"/>
+                </a:solidFill>
+              </a14:hiddenFill>
+            </a:ext>
+          </a:extLst>
+        </p:spPr>
+      </p:pic>
     </p:spTree>
     <p:extLst>
       <p:ext uri="{BB962C8B-B14F-4D97-AF65-F5344CB8AC3E}">
-        <p14:creationId xmlns:p14="http://schemas.microsoft.com/office/powerpoint/2010/main" val="255997679"/>
+        <p14:creationId xmlns:p14="http://schemas.microsoft.com/office/powerpoint/2010/main" val="1657090392"/>
       </p:ext>
     </p:extLst>
   </p:cSld>
@@ -17182,38 +15808,50 @@
             <p:ph type="title"/>
           </p:nvPr>
         </p:nvSpPr>
+        <p:spPr/>
+        <p:txBody>
+          <a:bodyPr/>
+          <a:lstStyle/>
+          <a:p>
+            <a:pPr lvl="1" algn="l" rtl="0">
+              <a:spcBef>
+                <a:spcPct val="0"/>
+              </a:spcBef>
+            </a:pPr>
+            <a:r>
+              <a:rPr lang="en-US" b="1" dirty="0"/>
+              <a:t/>
+            </a:r>
+            <a:br>
+              <a:rPr lang="en-US" b="1" dirty="0"/>
+            </a:br>
+            <a:endParaRPr lang="en-US" dirty="0"/>
+          </a:p>
+        </p:txBody>
+      </p:sp>
+      <p:sp>
+        <p:nvSpPr>
+          <p:cNvPr id="5" name="Rectangle 4"/>
+          <p:cNvSpPr/>
+          <p:nvPr/>
+        </p:nvSpPr>
         <p:spPr>
           <a:xfrm>
-            <a:off x="2540000" y="3429001"/>
-            <a:ext cx="6807200" cy="812799"/>
-          </a:xfrm>
-        </p:spPr>
-        <p:style>
-          <a:lnRef idx="1">
-            <a:schemeClr val="accent1"/>
-          </a:lnRef>
-          <a:fillRef idx="2">
-            <a:schemeClr val="accent1"/>
-          </a:fillRef>
-          <a:effectRef idx="1">
-            <a:schemeClr val="accent1"/>
-          </a:effectRef>
-          <a:fontRef idx="minor">
-            <a:schemeClr val="dk1"/>
-          </a:fontRef>
-        </p:style>
+            <a:off x="3220279" y="543766"/>
+            <a:ext cx="7817310" cy="584775"/>
+          </a:xfrm>
+          <a:prstGeom prst="rect">
+            <a:avLst/>
+          </a:prstGeom>
+        </p:spPr>
         <p:txBody>
-          <a:bodyPr>
-            <a:noAutofit/>
+          <a:bodyPr wrap="square">
+            <a:spAutoFit/>
           </a:bodyPr>
           <a:lstStyle/>
           <a:p>
-            <a:pPr algn="ctr"/>
-            <a:r>
-              <a:rPr lang="en-US" sz="4667" b="1">
-                <a:solidFill>
-                  <a:schemeClr val="tx1"/>
-                </a:solidFill>
+            <a:r>
+              <a:rPr lang="en-US" sz="3200" b="1" dirty="0">
                 <a:effectLst>
                   <a:outerShdw blurRad="38100" dist="38100" dir="2700000" algn="tl">
                     <a:srgbClr val="000000">
@@ -17223,125 +15861,50 @@
                 </a:effectLst>
                 <a:latin typeface="Cambria" pitchFamily="18" charset="0"/>
               </a:rPr>
-              <a:t>TECHNOLOGIES</a:t>
-            </a:r>
+              <a:t>System Architectural </a:t>
+            </a:r>
+            <a:r>
+              <a:rPr lang="en-US" sz="3200" b="1" dirty="0" smtClean="0">
+                <a:effectLst>
+                  <a:outerShdw blurRad="38100" dist="38100" dir="2700000" algn="tl">
+                    <a:srgbClr val="000000">
+                      <a:alpha val="43137"/>
+                    </a:srgbClr>
+                  </a:outerShdw>
+                </a:effectLst>
+                <a:latin typeface="Cambria" pitchFamily="18" charset="0"/>
+              </a:rPr>
+              <a:t>For Android Design</a:t>
+            </a:r>
+            <a:endParaRPr lang="en-US" sz="3200" b="1" dirty="0">
+              <a:effectLst>
+                <a:outerShdw blurRad="38100" dist="38100" dir="2700000" algn="tl">
+                  <a:srgbClr val="000000">
+                    <a:alpha val="43137"/>
+                  </a:srgbClr>
+                </a:outerShdw>
+              </a:effectLst>
+              <a:latin typeface="Cambria" pitchFamily="18" charset="0"/>
+            </a:endParaRPr>
           </a:p>
         </p:txBody>
       </p:sp>
-      <p:cxnSp>
-        <p:nvCxnSpPr>
-          <p:cNvPr id="7" name="Straight Connector 6"/>
-          <p:cNvCxnSpPr/>
-          <p:nvPr/>
-        </p:nvCxnSpPr>
-        <p:spPr>
-          <a:xfrm>
-            <a:off x="1930400" y="1600200"/>
-            <a:ext cx="8636000" cy="0"/>
-          </a:xfrm>
-          <a:prstGeom prst="line">
-            <a:avLst/>
-          </a:prstGeom>
-        </p:spPr>
-        <p:style>
-          <a:lnRef idx="1">
-            <a:schemeClr val="accent1"/>
-          </a:lnRef>
-          <a:fillRef idx="0">
-            <a:schemeClr val="accent1"/>
-          </a:fillRef>
-          <a:effectRef idx="0">
-            <a:schemeClr val="accent1"/>
-          </a:effectRef>
-          <a:fontRef idx="minor">
-            <a:schemeClr val="tx1"/>
-          </a:fontRef>
-        </p:style>
-      </p:cxnSp>
-      <p:cxnSp>
-        <p:nvCxnSpPr>
-          <p:cNvPr id="8" name="Straight Connector 7"/>
-          <p:cNvCxnSpPr/>
-          <p:nvPr/>
-        </p:nvCxnSpPr>
-        <p:spPr>
-          <a:xfrm flipV="1">
-            <a:off x="11480800" y="279400"/>
-            <a:ext cx="0" cy="3251200"/>
-          </a:xfrm>
-          <a:prstGeom prst="line">
-            <a:avLst/>
-          </a:prstGeom>
-        </p:spPr>
-        <p:style>
-          <a:lnRef idx="1">
-            <a:schemeClr val="accent1"/>
-          </a:lnRef>
-          <a:fillRef idx="0">
-            <a:schemeClr val="accent1"/>
-          </a:fillRef>
-          <a:effectRef idx="0">
-            <a:schemeClr val="accent1"/>
-          </a:effectRef>
-          <a:fontRef idx="minor">
-            <a:schemeClr val="tx1"/>
-          </a:fontRef>
-        </p:style>
-      </p:cxnSp>
-      <p:cxnSp>
-        <p:nvCxnSpPr>
-          <p:cNvPr id="12" name="Straight Connector 11"/>
-          <p:cNvCxnSpPr/>
-          <p:nvPr/>
-        </p:nvCxnSpPr>
-        <p:spPr>
-          <a:xfrm flipV="1">
-            <a:off x="11379200" y="517799"/>
-            <a:ext cx="0" cy="2708004"/>
-          </a:xfrm>
-          <a:prstGeom prst="line">
-            <a:avLst/>
-          </a:prstGeom>
-        </p:spPr>
-        <p:style>
-          <a:lnRef idx="1">
-            <a:schemeClr val="accent1"/>
-          </a:lnRef>
-          <a:fillRef idx="0">
-            <a:schemeClr val="accent1"/>
-          </a:fillRef>
-          <a:effectRef idx="0">
-            <a:schemeClr val="accent1"/>
-          </a:effectRef>
-          <a:fontRef idx="minor">
-            <a:schemeClr val="tx1"/>
-          </a:fontRef>
-        </p:style>
-      </p:cxnSp>
       <p:pic>
         <p:nvPicPr>
-          <p:cNvPr id="9" name="Picture 8"/>
-          <p:cNvPicPr>
-            <a:picLocks noChangeAspect="1"/>
-          </p:cNvPicPr>
+          <p:cNvPr id="8" name="Picture 7"/>
+          <p:cNvPicPr/>
           <p:nvPr/>
         </p:nvPicPr>
         <p:blipFill>
-          <a:blip r:embed="rId3" cstate="print">
-            <a:extLst>
-              <a:ext uri="{28A0092B-C50C-407E-A947-70E740481C1C}">
-                <a14:useLocalDpi xmlns:a14="http://schemas.microsoft.com/office/drawing/2010/main" val="0"/>
-              </a:ext>
-            </a:extLst>
-          </a:blip>
+          <a:blip r:embed="rId2"/>
           <a:stretch>
             <a:fillRect/>
           </a:stretch>
         </p:blipFill>
         <p:spPr>
           <a:xfrm>
-            <a:off x="5136458" y="1756211"/>
-            <a:ext cx="1614283" cy="1469592"/>
+            <a:off x="3101050" y="1796112"/>
+            <a:ext cx="6241733" cy="3968584"/>
           </a:xfrm>
           <a:prstGeom prst="rect">
             <a:avLst/>
@@ -17351,7 +15914,7 @@
     </p:spTree>
     <p:extLst>
       <p:ext uri="{BB962C8B-B14F-4D97-AF65-F5344CB8AC3E}">
-        <p14:creationId xmlns:p14="http://schemas.microsoft.com/office/powerpoint/2010/main" val="3913871764"/>
+        <p14:creationId xmlns:p14="http://schemas.microsoft.com/office/powerpoint/2010/main" val="3142793721"/>
       </p:ext>
     </p:extLst>
   </p:cSld>
